--- a/buat demo/CikoroFarm.pptx
+++ b/buat demo/CikoroFarm.pptx
@@ -9,18 +9,18 @@
     <p:sldId id="257" r:id="rId3"/>
     <p:sldId id="266" r:id="rId4"/>
     <p:sldId id="268" r:id="rId5"/>
-    <p:sldId id="258" r:id="rId6"/>
-    <p:sldId id="274" r:id="rId7"/>
-    <p:sldId id="267" r:id="rId8"/>
-    <p:sldId id="259" r:id="rId9"/>
-    <p:sldId id="269" r:id="rId10"/>
-    <p:sldId id="270" r:id="rId11"/>
-    <p:sldId id="271" r:id="rId12"/>
-    <p:sldId id="265" r:id="rId13"/>
-    <p:sldId id="261" r:id="rId14"/>
-    <p:sldId id="262" r:id="rId15"/>
+    <p:sldId id="279" r:id="rId6"/>
+    <p:sldId id="259" r:id="rId7"/>
+    <p:sldId id="258" r:id="rId8"/>
+    <p:sldId id="275" r:id="rId9"/>
+    <p:sldId id="276" r:id="rId10"/>
+    <p:sldId id="274" r:id="rId11"/>
+    <p:sldId id="277" r:id="rId12"/>
+    <p:sldId id="269" r:id="rId13"/>
+    <p:sldId id="265" r:id="rId14"/>
+    <p:sldId id="261" r:id="rId15"/>
     <p:sldId id="263" r:id="rId16"/>
-    <p:sldId id="264" r:id="rId17"/>
+    <p:sldId id="278" r:id="rId17"/>
   </p:sldIdLst>
   <p:sldSz cx="12192000" cy="6858000"/>
   <p:notesSz cx="6858000" cy="9144000"/>
@@ -270,7 +270,7 @@
             <a:fld id="{95515BC9-5B4A-45FC-93BC-1704FBD744EE}" type="datetimeFigureOut">
               <a:rPr lang="en-US" smtClean="0"/>
               <a:pPr/>
-              <a:t>3/29/2015</a:t>
+              <a:t>3/30/2015</a:t>
             </a:fld>
             <a:endParaRPr lang="en-US"/>
           </a:p>
@@ -442,7 +442,7 @@
             <a:fld id="{95515BC9-5B4A-45FC-93BC-1704FBD744EE}" type="datetimeFigureOut">
               <a:rPr lang="en-US" smtClean="0"/>
               <a:pPr/>
-              <a:t>3/29/2015</a:t>
+              <a:t>3/30/2015</a:t>
             </a:fld>
             <a:endParaRPr lang="en-US"/>
           </a:p>
@@ -624,7 +624,7 @@
             <a:fld id="{95515BC9-5B4A-45FC-93BC-1704FBD744EE}" type="datetimeFigureOut">
               <a:rPr lang="en-US" smtClean="0"/>
               <a:pPr/>
-              <a:t>3/29/2015</a:t>
+              <a:t>3/30/2015</a:t>
             </a:fld>
             <a:endParaRPr lang="en-US"/>
           </a:p>
@@ -796,7 +796,7 @@
             <a:fld id="{95515BC9-5B4A-45FC-93BC-1704FBD744EE}" type="datetimeFigureOut">
               <a:rPr lang="en-US" smtClean="0"/>
               <a:pPr/>
-              <a:t>3/29/2015</a:t>
+              <a:t>3/30/2015</a:t>
             </a:fld>
             <a:endParaRPr lang="en-US"/>
           </a:p>
@@ -1044,7 +1044,7 @@
             <a:fld id="{95515BC9-5B4A-45FC-93BC-1704FBD744EE}" type="datetimeFigureOut">
               <a:rPr lang="en-US" smtClean="0"/>
               <a:pPr/>
-              <a:t>3/29/2015</a:t>
+              <a:t>3/30/2015</a:t>
             </a:fld>
             <a:endParaRPr lang="en-US"/>
           </a:p>
@@ -1278,7 +1278,7 @@
             <a:fld id="{95515BC9-5B4A-45FC-93BC-1704FBD744EE}" type="datetimeFigureOut">
               <a:rPr lang="en-US" smtClean="0"/>
               <a:pPr/>
-              <a:t>3/29/2015</a:t>
+              <a:t>3/30/2015</a:t>
             </a:fld>
             <a:endParaRPr lang="en-US"/>
           </a:p>
@@ -1647,7 +1647,7 @@
             <a:fld id="{95515BC9-5B4A-45FC-93BC-1704FBD744EE}" type="datetimeFigureOut">
               <a:rPr lang="en-US" smtClean="0"/>
               <a:pPr/>
-              <a:t>3/29/2015</a:t>
+              <a:t>3/30/2015</a:t>
             </a:fld>
             <a:endParaRPr lang="en-US"/>
           </a:p>
@@ -1767,7 +1767,7 @@
             <a:fld id="{95515BC9-5B4A-45FC-93BC-1704FBD744EE}" type="datetimeFigureOut">
               <a:rPr lang="en-US" smtClean="0"/>
               <a:pPr/>
-              <a:t>3/29/2015</a:t>
+              <a:t>3/30/2015</a:t>
             </a:fld>
             <a:endParaRPr lang="en-US"/>
           </a:p>
@@ -1864,7 +1864,7 @@
             <a:fld id="{95515BC9-5B4A-45FC-93BC-1704FBD744EE}" type="datetimeFigureOut">
               <a:rPr lang="en-US" smtClean="0"/>
               <a:pPr/>
-              <a:t>3/29/2015</a:t>
+              <a:t>3/30/2015</a:t>
             </a:fld>
             <a:endParaRPr lang="en-US"/>
           </a:p>
@@ -2143,7 +2143,7 @@
             <a:fld id="{95515BC9-5B4A-45FC-93BC-1704FBD744EE}" type="datetimeFigureOut">
               <a:rPr lang="en-US" smtClean="0"/>
               <a:pPr/>
-              <a:t>3/29/2015</a:t>
+              <a:t>3/30/2015</a:t>
             </a:fld>
             <a:endParaRPr lang="en-US"/>
           </a:p>
@@ -2398,7 +2398,7 @@
             <a:fld id="{95515BC9-5B4A-45FC-93BC-1704FBD744EE}" type="datetimeFigureOut">
               <a:rPr lang="en-US" smtClean="0"/>
               <a:pPr/>
-              <a:t>3/29/2015</a:t>
+              <a:t>3/30/2015</a:t>
             </a:fld>
             <a:endParaRPr lang="en-US"/>
           </a:p>
@@ -2464,9 +2464,12 @@
 <p:sldMaster xmlns:a="http://schemas.openxmlformats.org/drawingml/2006/main" xmlns:r="http://schemas.openxmlformats.org/officeDocument/2006/relationships" xmlns:p="http://schemas.openxmlformats.org/presentationml/2006/main">
   <p:cSld>
     <p:bg>
-      <p:bgRef idx="1001">
-        <a:schemeClr val="bg1"/>
-      </p:bgRef>
+      <p:bgPr>
+        <a:solidFill>
+          <a:srgbClr val="72AC3B"/>
+        </a:solidFill>
+        <a:effectLst/>
+      </p:bgPr>
     </p:bg>
     <p:spTree>
       <p:nvGrpSpPr>
@@ -2613,7 +2616,7 @@
             <a:fld id="{95515BC9-5B4A-45FC-93BC-1704FBD744EE}" type="datetimeFigureOut">
               <a:rPr lang="en-US" smtClean="0"/>
               <a:pPr/>
-              <a:t>3/29/2015</a:t>
+              <a:t>3/30/2015</a:t>
             </a:fld>
             <a:endParaRPr lang="en-US"/>
           </a:p>
@@ -3005,14 +3008,6 @@
 <file path=ppt/slides/slide1.xml><?xml version="1.0" encoding="utf-8"?>
 <p:sld xmlns:a="http://schemas.openxmlformats.org/drawingml/2006/main" xmlns:r="http://schemas.openxmlformats.org/officeDocument/2006/relationships" xmlns:p="http://schemas.openxmlformats.org/presentationml/2006/main">
   <p:cSld>
-    <p:bg>
-      <p:bgPr>
-        <a:solidFill>
-          <a:srgbClr val="DF5C64"/>
-        </a:solidFill>
-        <a:effectLst/>
-      </p:bgPr>
-    </p:bg>
     <p:spTree>
       <p:nvGrpSpPr>
         <p:cNvPr id="1" name=""/>
@@ -3039,8 +3034,8 @@
         </p:nvSpPr>
         <p:spPr>
           <a:xfrm>
-            <a:off x="1" y="878587"/>
-            <a:ext cx="12192000" cy="1696280"/>
+            <a:off x="3703091" y="1069653"/>
+            <a:ext cx="8407021" cy="1696280"/>
           </a:xfrm>
         </p:spPr>
         <p:txBody>
@@ -3054,17 +3049,37 @@
                 <a:solidFill>
                   <a:schemeClr val="bg1"/>
                 </a:solidFill>
-                <a:latin typeface="Adobe Gothic Std B" panose="020B0800000000000000" pitchFamily="34" charset="-128"/>
-                <a:ea typeface="Adobe Gothic Std B" panose="020B0800000000000000" pitchFamily="34" charset="-128"/>
-              </a:rPr>
-              <a:t>CIKORO FARM ONLINE STORE</a:t>
+                <a:latin typeface="Berlin Sans FB Demi" panose="020E0802020502020306" pitchFamily="34" charset="0"/>
+                <a:ea typeface="Adobe Gothic Std B" panose="020B0800000000000000" pitchFamily="34" charset="-128"/>
+              </a:rPr>
+              <a:t>CIKORO FARM </a:t>
             </a:r>
             <a:r>
               <a:rPr lang="id-ID" sz="4400" b="1" dirty="0" smtClean="0">
                 <a:solidFill>
+                  <a:srgbClr val="F4C049"/>
+                </a:solidFill>
+                <a:latin typeface="Berlin Sans FB Demi" panose="020E0802020502020306" pitchFamily="34" charset="0"/>
+                <a:ea typeface="Adobe Gothic Std B" panose="020B0800000000000000" pitchFamily="34" charset="-128"/>
+              </a:rPr>
+              <a:t>ONLINE </a:t>
+            </a:r>
+            <a:r>
+              <a:rPr lang="id-ID" sz="4400" b="1" dirty="0" smtClean="0">
+                <a:solidFill>
+                  <a:srgbClr val="F4C049"/>
+                </a:solidFill>
+                <a:latin typeface="Berlin Sans FB Demi" panose="020E0802020502020306" pitchFamily="34" charset="0"/>
+                <a:ea typeface="Adobe Gothic Std B" panose="020B0800000000000000" pitchFamily="34" charset="-128"/>
+              </a:rPr>
+              <a:t>SHOP</a:t>
+            </a:r>
+            <a:r>
+              <a:rPr lang="id-ID" sz="4400" b="1" dirty="0" smtClean="0">
+                <a:solidFill>
                   <a:schemeClr val="bg1"/>
                 </a:solidFill>
-                <a:latin typeface="Adobe Gothic Std B" panose="020B0800000000000000" pitchFamily="34" charset="-128"/>
+                <a:latin typeface="Berlin Sans FB Demi" panose="020E0802020502020306" pitchFamily="34" charset="0"/>
                 <a:ea typeface="Adobe Gothic Std B" panose="020B0800000000000000" pitchFamily="34" charset="-128"/>
               </a:rPr>
               <a:t/>
@@ -3074,7 +3089,7 @@
                 <a:solidFill>
                   <a:schemeClr val="bg1"/>
                 </a:solidFill>
-                <a:latin typeface="Adobe Gothic Std B" panose="020B0800000000000000" pitchFamily="34" charset="-128"/>
+                <a:latin typeface="Berlin Sans FB Demi" panose="020E0802020502020306" pitchFamily="34" charset="0"/>
                 <a:ea typeface="Adobe Gothic Std B" panose="020B0800000000000000" pitchFamily="34" charset="-128"/>
               </a:rPr>
             </a:br>
@@ -3082,7 +3097,7 @@
               <a:solidFill>
                 <a:schemeClr val="bg1"/>
               </a:solidFill>
-              <a:latin typeface="Adobe Gothic Std B" panose="020B0800000000000000" pitchFamily="34" charset="-128"/>
+              <a:latin typeface="Berlin Sans FB Demi" panose="020E0802020502020306" pitchFamily="34" charset="0"/>
               <a:ea typeface="Adobe Gothic Std B" panose="020B0800000000000000" pitchFamily="34" charset="-128"/>
             </a:endParaRPr>
           </a:p>
@@ -3100,378 +3115,365 @@
         </p:nvSpPr>
         <p:spPr>
           <a:xfrm>
-            <a:off x="1383644" y="2981936"/>
-            <a:ext cx="9144000" cy="2017005"/>
+            <a:off x="4299043" y="3429000"/>
+            <a:ext cx="6965578" cy="1508173"/>
           </a:xfrm>
         </p:spPr>
         <p:txBody>
           <a:bodyPr>
-            <a:normAutofit/>
+            <a:noAutofit/>
           </a:bodyPr>
           <a:lstStyle/>
           <a:p>
             <a:r>
-              <a:rPr lang="id-ID" sz="2000" dirty="0" smtClean="0">
+              <a:rPr lang="id-ID" sz="2800" dirty="0" smtClean="0">
+                <a:solidFill>
+                  <a:srgbClr val="F4C049"/>
+                </a:solidFill>
+                <a:latin typeface="Berlin Sans FB Demi" panose="020E0802020502020306" pitchFamily="34" charset="0"/>
+                <a:ea typeface="Adobe Gothic Std B" panose="020B0800000000000000" pitchFamily="34" charset="-128"/>
+              </a:rPr>
+              <a:t>Ripas Filqadar</a:t>
+            </a:r>
+            <a:r>
+              <a:rPr lang="en-US" sz="2800" dirty="0" smtClean="0">
                 <a:solidFill>
                   <a:schemeClr val="bg1"/>
                 </a:solidFill>
-                <a:latin typeface="Adobe Gothic Std B" panose="020B0800000000000000" pitchFamily="34" charset="-128"/>
-                <a:ea typeface="Adobe Gothic Std B" panose="020B0800000000000000" pitchFamily="34" charset="-128"/>
-              </a:rPr>
-              <a:t>Ripas Filqadar</a:t>
-            </a:r>
-            <a:r>
-              <a:rPr lang="en-US" sz="2000" dirty="0" smtClean="0">
+                <a:latin typeface="Berlin Sans FB Demi" panose="020E0802020502020306" pitchFamily="34" charset="0"/>
+                <a:ea typeface="Adobe Gothic Std B" panose="020B0800000000000000" pitchFamily="34" charset="-128"/>
+              </a:rPr>
+              <a:t>	</a:t>
+            </a:r>
+            <a:r>
+              <a:rPr lang="id-ID" sz="2800" dirty="0" smtClean="0">
                 <a:solidFill>
                   <a:schemeClr val="bg1"/>
                 </a:solidFill>
-                <a:latin typeface="Adobe Gothic Std B" panose="020B0800000000000000" pitchFamily="34" charset="-128"/>
+                <a:latin typeface="Berlin Sans FB Demi" panose="020E0802020502020306" pitchFamily="34" charset="0"/>
                 <a:ea typeface="Adobe Gothic Std B" panose="020B0800000000000000" pitchFamily="34" charset="-128"/>
               </a:rPr>
               <a:t>	</a:t>
             </a:r>
             <a:r>
-              <a:rPr lang="id-ID" sz="2000" dirty="0" smtClean="0">
+              <a:rPr lang="en-US" sz="2800" dirty="0" smtClean="0">
                 <a:solidFill>
                   <a:schemeClr val="bg1"/>
                 </a:solidFill>
-                <a:latin typeface="Adobe Gothic Std B" panose="020B0800000000000000" pitchFamily="34" charset="-128"/>
+                <a:latin typeface="Berlin Sans FB Demi" panose="020E0802020502020306" pitchFamily="34" charset="0"/>
                 <a:ea typeface="Adobe Gothic Std B" panose="020B0800000000000000" pitchFamily="34" charset="-128"/>
               </a:rPr>
               <a:t>	</a:t>
             </a:r>
             <a:r>
-              <a:rPr lang="en-US" sz="2000" dirty="0" smtClean="0">
+              <a:rPr lang="en-US" sz="2800" dirty="0" smtClean="0">
                 <a:solidFill>
                   <a:schemeClr val="bg1"/>
                 </a:solidFill>
-                <a:latin typeface="Adobe Gothic Std B" panose="020B0800000000000000" pitchFamily="34" charset="-128"/>
-                <a:ea typeface="Adobe Gothic Std B" panose="020B0800000000000000" pitchFamily="34" charset="-128"/>
-              </a:rPr>
-              <a:t>	</a:t>
-            </a:r>
-            <a:r>
-              <a:rPr lang="id-ID" sz="2000" dirty="0" smtClean="0">
+                <a:latin typeface="Berlin Sans FB Demi" panose="020E0802020502020306" pitchFamily="34" charset="0"/>
+                <a:ea typeface="Adobe Gothic Std B" panose="020B0800000000000000" pitchFamily="34" charset="-128"/>
+              </a:rPr>
+              <a:t>51121000</a:t>
+            </a:r>
+            <a:r>
+              <a:rPr lang="id-ID" sz="2800" dirty="0" smtClean="0">
                 <a:solidFill>
                   <a:schemeClr val="bg1"/>
                 </a:solidFill>
-                <a:latin typeface="Adobe Gothic Std B" panose="020B0800000000000000" pitchFamily="34" charset="-128"/>
-                <a:ea typeface="Adobe Gothic Std B" panose="020B0800000000000000" pitchFamily="34" charset="-128"/>
-              </a:rPr>
-              <a:t>	</a:t>
-            </a:r>
-            <a:r>
-              <a:rPr lang="en-US" sz="2000" dirty="0" smtClean="0">
-                <a:solidFill>
-                  <a:schemeClr val="bg1"/>
-                </a:solidFill>
-                <a:latin typeface="Adobe Gothic Std B" panose="020B0800000000000000" pitchFamily="34" charset="-128"/>
-                <a:ea typeface="Adobe Gothic Std B" panose="020B0800000000000000" pitchFamily="34" charset="-128"/>
-              </a:rPr>
-              <a:t>51121000</a:t>
-            </a:r>
-            <a:r>
-              <a:rPr lang="id-ID" sz="2000" dirty="0" smtClean="0">
-                <a:solidFill>
-                  <a:schemeClr val="bg1"/>
-                </a:solidFill>
-                <a:latin typeface="Adobe Gothic Std B" panose="020B0800000000000000" pitchFamily="34" charset="-128"/>
+                <a:latin typeface="Berlin Sans FB Demi" panose="020E0802020502020306" pitchFamily="34" charset="0"/>
                 <a:ea typeface="Adobe Gothic Std B" panose="020B0800000000000000" pitchFamily="34" charset="-128"/>
               </a:rPr>
               <a:t>20</a:t>
             </a:r>
-            <a:endParaRPr lang="en-US" sz="2000" dirty="0" smtClean="0">
+            <a:endParaRPr lang="en-US" sz="2800" dirty="0" smtClean="0">
               <a:solidFill>
                 <a:schemeClr val="bg1"/>
               </a:solidFill>
-              <a:latin typeface="Adobe Gothic Std B" panose="020B0800000000000000" pitchFamily="34" charset="-128"/>
+              <a:latin typeface="Berlin Sans FB Demi" panose="020E0802020502020306" pitchFamily="34" charset="0"/>
               <a:ea typeface="Adobe Gothic Std B" panose="020B0800000000000000" pitchFamily="34" charset="-128"/>
             </a:endParaRPr>
           </a:p>
           <a:p>
             <a:r>
-              <a:rPr lang="id-ID" sz="2000" dirty="0" smtClean="0">
+              <a:rPr lang="id-ID" sz="2800" dirty="0" smtClean="0">
+                <a:solidFill>
+                  <a:srgbClr val="F4C049"/>
+                </a:solidFill>
+                <a:latin typeface="Berlin Sans FB Demi" panose="020E0802020502020306" pitchFamily="34" charset="0"/>
+                <a:ea typeface="Adobe Gothic Std B" panose="020B0800000000000000" pitchFamily="34" charset="-128"/>
+              </a:rPr>
+              <a:t>Shabrina K</a:t>
+            </a:r>
+            <a:r>
+              <a:rPr lang="id-ID" sz="2800" dirty="0" smtClean="0">
                 <a:solidFill>
                   <a:schemeClr val="bg1"/>
                 </a:solidFill>
-                <a:latin typeface="Adobe Gothic Std B" panose="020B0800000000000000" pitchFamily="34" charset="-128"/>
-                <a:ea typeface="Adobe Gothic Std B" panose="020B0800000000000000" pitchFamily="34" charset="-128"/>
-              </a:rPr>
-              <a:t>Shabrina K	</a:t>
-            </a:r>
-            <a:r>
-              <a:rPr lang="en-US" sz="2000" dirty="0" smtClean="0">
+                <a:latin typeface="Berlin Sans FB Demi" panose="020E0802020502020306" pitchFamily="34" charset="0"/>
+                <a:ea typeface="Adobe Gothic Std B" panose="020B0800000000000000" pitchFamily="34" charset="-128"/>
+              </a:rPr>
+              <a:t>	</a:t>
+            </a:r>
+            <a:r>
+              <a:rPr lang="en-US" sz="2800" dirty="0" smtClean="0">
                 <a:solidFill>
                   <a:schemeClr val="bg1"/>
                 </a:solidFill>
-                <a:latin typeface="Adobe Gothic Std B" panose="020B0800000000000000" pitchFamily="34" charset="-128"/>
+                <a:latin typeface="Berlin Sans FB Demi" panose="020E0802020502020306" pitchFamily="34" charset="0"/>
                 <a:ea typeface="Adobe Gothic Std B" panose="020B0800000000000000" pitchFamily="34" charset="-128"/>
               </a:rPr>
               <a:t>	</a:t>
             </a:r>
             <a:r>
-              <a:rPr lang="id-ID" sz="2000" dirty="0" smtClean="0">
+              <a:rPr lang="id-ID" sz="2800" dirty="0" smtClean="0">
                 <a:solidFill>
                   <a:schemeClr val="bg1"/>
                 </a:solidFill>
-                <a:latin typeface="Adobe Gothic Std B" panose="020B0800000000000000" pitchFamily="34" charset="-128"/>
+                <a:latin typeface="Berlin Sans FB Demi" panose="020E0802020502020306" pitchFamily="34" charset="0"/>
                 <a:ea typeface="Adobe Gothic Std B" panose="020B0800000000000000" pitchFamily="34" charset="-128"/>
               </a:rPr>
               <a:t>	</a:t>
             </a:r>
             <a:r>
-              <a:rPr lang="en-US" sz="2000" dirty="0" smtClean="0">
+              <a:rPr lang="en-US" sz="2800" dirty="0" smtClean="0">
                 <a:solidFill>
                   <a:schemeClr val="bg1"/>
                 </a:solidFill>
-                <a:latin typeface="Adobe Gothic Std B" panose="020B0800000000000000" pitchFamily="34" charset="-128"/>
-                <a:ea typeface="Adobe Gothic Std B" panose="020B0800000000000000" pitchFamily="34" charset="-128"/>
-              </a:rPr>
-              <a:t>	</a:t>
-            </a:r>
-            <a:r>
-              <a:rPr lang="en-US" sz="2000" dirty="0" smtClean="0">
+                <a:latin typeface="Berlin Sans FB Demi" panose="020E0802020502020306" pitchFamily="34" charset="0"/>
+                <a:ea typeface="Adobe Gothic Std B" panose="020B0800000000000000" pitchFamily="34" charset="-128"/>
+              </a:rPr>
+              <a:t>	51121000</a:t>
+            </a:r>
+            <a:r>
+              <a:rPr lang="id-ID" sz="2800" dirty="0" smtClean="0">
                 <a:solidFill>
                   <a:schemeClr val="bg1"/>
                 </a:solidFill>
-                <a:latin typeface="Adobe Gothic Std B" panose="020B0800000000000000" pitchFamily="34" charset="-128"/>
-                <a:ea typeface="Adobe Gothic Std B" panose="020B0800000000000000" pitchFamily="34" charset="-128"/>
-              </a:rPr>
-              <a:t>51121000</a:t>
-            </a:r>
-            <a:r>
-              <a:rPr lang="id-ID" sz="2000" dirty="0" smtClean="0">
-                <a:solidFill>
-                  <a:schemeClr val="bg1"/>
-                </a:solidFill>
-                <a:latin typeface="Adobe Gothic Std B" panose="020B0800000000000000" pitchFamily="34" charset="-128"/>
+                <a:latin typeface="Berlin Sans FB Demi" panose="020E0802020502020306" pitchFamily="34" charset="0"/>
                 <a:ea typeface="Adobe Gothic Std B" panose="020B0800000000000000" pitchFamily="34" charset="-128"/>
               </a:rPr>
               <a:t>72</a:t>
             </a:r>
-            <a:endParaRPr lang="en-US" sz="2000" dirty="0" smtClean="0">
+            <a:endParaRPr lang="id-ID" sz="2800" dirty="0" smtClean="0">
               <a:solidFill>
                 <a:schemeClr val="bg1"/>
               </a:solidFill>
-              <a:latin typeface="Adobe Gothic Std B" panose="020B0800000000000000" pitchFamily="34" charset="-128"/>
+              <a:latin typeface="Berlin Sans FB Demi" panose="020E0802020502020306" pitchFamily="34" charset="0"/>
               <a:ea typeface="Adobe Gothic Std B" panose="020B0800000000000000" pitchFamily="34" charset="-128"/>
             </a:endParaRPr>
           </a:p>
           <a:p>
             <a:r>
-              <a:rPr lang="id-ID" sz="2000" dirty="0" smtClean="0">
+              <a:rPr lang="id-ID" sz="2800" dirty="0" smtClean="0">
+                <a:solidFill>
+                  <a:srgbClr val="F4C049"/>
+                </a:solidFill>
+                <a:latin typeface="Berlin Sans FB Demi" panose="020E0802020502020306" pitchFamily="34" charset="0"/>
+                <a:ea typeface="Adobe Gothic Std B" panose="020B0800000000000000" pitchFamily="34" charset="-128"/>
+              </a:rPr>
+              <a:t>Christo </a:t>
+            </a:r>
+            <a:r>
+              <a:rPr lang="id-ID" sz="2800" dirty="0" smtClean="0">
+                <a:solidFill>
+                  <a:srgbClr val="F4C049"/>
+                </a:solidFill>
+                <a:latin typeface="Berlin Sans FB Demi" panose="020E0802020502020306" pitchFamily="34" charset="0"/>
+                <a:ea typeface="Adobe Gothic Std B" panose="020B0800000000000000" pitchFamily="34" charset="-128"/>
+              </a:rPr>
+              <a:t>A P </a:t>
+            </a:r>
+            <a:r>
+              <a:rPr lang="id-ID" sz="2800" dirty="0" smtClean="0">
+                <a:solidFill>
+                  <a:srgbClr val="F4C049"/>
+                </a:solidFill>
+                <a:latin typeface="Berlin Sans FB Demi" panose="020E0802020502020306" pitchFamily="34" charset="0"/>
+                <a:ea typeface="Adobe Gothic Std B" panose="020B0800000000000000" pitchFamily="34" charset="-128"/>
+              </a:rPr>
+              <a:t>B</a:t>
+            </a:r>
+            <a:r>
+              <a:rPr lang="en-US" sz="2800" dirty="0" smtClean="0">
                 <a:solidFill>
                   <a:schemeClr val="bg1"/>
                 </a:solidFill>
-                <a:latin typeface="Adobe Gothic Std B" panose="020B0800000000000000" pitchFamily="34" charset="-128"/>
-                <a:ea typeface="Adobe Gothic Std B" panose="020B0800000000000000" pitchFamily="34" charset="-128"/>
-              </a:rPr>
-              <a:t>Christo A P Bangun</a:t>
-            </a:r>
-            <a:r>
-              <a:rPr lang="en-US" sz="2000" dirty="0" smtClean="0">
+                <a:latin typeface="Berlin Sans FB Demi" panose="020E0802020502020306" pitchFamily="34" charset="0"/>
+                <a:ea typeface="Adobe Gothic Std B" panose="020B0800000000000000" pitchFamily="34" charset="-128"/>
+              </a:rPr>
+              <a:t>		</a:t>
+            </a:r>
+            <a:r>
+              <a:rPr lang="id-ID" sz="2800" dirty="0" smtClean="0">
                 <a:solidFill>
                   <a:schemeClr val="bg1"/>
                 </a:solidFill>
-                <a:latin typeface="Adobe Gothic Std B" panose="020B0800000000000000" pitchFamily="34" charset="-128"/>
-                <a:ea typeface="Adobe Gothic Std B" panose="020B0800000000000000" pitchFamily="34" charset="-128"/>
-              </a:rPr>
-              <a:t>		</a:t>
-            </a:r>
-            <a:r>
-              <a:rPr lang="id-ID" sz="2000" dirty="0" smtClean="0">
+                <a:latin typeface="Berlin Sans FB Demi" panose="020E0802020502020306" pitchFamily="34" charset="0"/>
+                <a:ea typeface="Adobe Gothic Std B" panose="020B0800000000000000" pitchFamily="34" charset="-128"/>
+              </a:rPr>
+              <a:t>	</a:t>
+            </a:r>
+            <a:r>
+              <a:rPr lang="en-US" sz="2800" dirty="0" smtClean="0">
                 <a:solidFill>
                   <a:schemeClr val="bg1"/>
                 </a:solidFill>
-                <a:latin typeface="Adobe Gothic Std B" panose="020B0800000000000000" pitchFamily="34" charset="-128"/>
-                <a:ea typeface="Adobe Gothic Std B" panose="020B0800000000000000" pitchFamily="34" charset="-128"/>
-              </a:rPr>
-              <a:t>	</a:t>
-            </a:r>
-            <a:r>
-              <a:rPr lang="en-US" sz="2000" dirty="0" smtClean="0">
+                <a:latin typeface="Berlin Sans FB Demi" panose="020E0802020502020306" pitchFamily="34" charset="0"/>
+                <a:ea typeface="Adobe Gothic Std B" panose="020B0800000000000000" pitchFamily="34" charset="-128"/>
+              </a:rPr>
+              <a:t>51121002</a:t>
+            </a:r>
+            <a:r>
+              <a:rPr lang="id-ID" sz="2800" dirty="0" smtClean="0">
                 <a:solidFill>
                   <a:schemeClr val="bg1"/>
                 </a:solidFill>
-                <a:latin typeface="Adobe Gothic Std B" panose="020B0800000000000000" pitchFamily="34" charset="-128"/>
-                <a:ea typeface="Adobe Gothic Std B" panose="020B0800000000000000" pitchFamily="34" charset="-128"/>
-              </a:rPr>
-              <a:t>51121002</a:t>
-            </a:r>
-            <a:r>
-              <a:rPr lang="id-ID" sz="2000" dirty="0" smtClean="0">
+                <a:latin typeface="Berlin Sans FB Demi" panose="020E0802020502020306" pitchFamily="34" charset="0"/>
+                <a:ea typeface="Adobe Gothic Std B" panose="020B0800000000000000" pitchFamily="34" charset="-128"/>
+              </a:rPr>
+              <a:t>0</a:t>
+            </a:r>
+            <a:r>
+              <a:rPr lang="en-US" sz="2800" dirty="0" smtClean="0">
                 <a:solidFill>
                   <a:schemeClr val="bg1"/>
                 </a:solidFill>
-                <a:latin typeface="Adobe Gothic Std B" panose="020B0800000000000000" pitchFamily="34" charset="-128"/>
-                <a:ea typeface="Adobe Gothic Std B" panose="020B0800000000000000" pitchFamily="34" charset="-128"/>
-              </a:rPr>
-              <a:t>0</a:t>
-            </a:r>
-            <a:r>
-              <a:rPr lang="en-US" sz="2000" dirty="0" smtClean="0">
-                <a:solidFill>
-                  <a:schemeClr val="bg1"/>
-                </a:solidFill>
-                <a:latin typeface="Adobe Gothic Std B" panose="020B0800000000000000" pitchFamily="34" charset="-128"/>
+                <a:latin typeface="Berlin Sans FB Demi" panose="020E0802020502020306" pitchFamily="34" charset="0"/>
                 <a:ea typeface="Adobe Gothic Std B" panose="020B0800000000000000" pitchFamily="34" charset="-128"/>
               </a:rPr>
               <a:t>2</a:t>
             </a:r>
-            <a:endParaRPr lang="en-US" sz="2000" dirty="0">
+            <a:endParaRPr lang="en-US" sz="2800" dirty="0">
               <a:solidFill>
                 <a:schemeClr val="bg1"/>
               </a:solidFill>
-              <a:latin typeface="Adobe Gothic Std B" panose="020B0800000000000000" pitchFamily="34" charset="-128"/>
+              <a:latin typeface="Berlin Sans FB Demi" panose="020E0802020502020306" pitchFamily="34" charset="0"/>
               <a:ea typeface="Adobe Gothic Std B" panose="020B0800000000000000" pitchFamily="34" charset="-128"/>
             </a:endParaRPr>
           </a:p>
         </p:txBody>
       </p:sp>
-      <p:sp>
-        <p:nvSpPr>
-          <p:cNvPr id="7" name="Rectangle 6"/>
-          <p:cNvSpPr/>
+      <p:grpSp>
+        <p:nvGrpSpPr>
+          <p:cNvPr id="9" name="Group 8"/>
+          <p:cNvGrpSpPr/>
           <p:nvPr/>
-        </p:nvSpPr>
+        </p:nvGrpSpPr>
+        <p:grpSpPr>
+          <a:xfrm>
+            <a:off x="0" y="6239255"/>
+            <a:ext cx="12301227" cy="618745"/>
+            <a:chOff x="0" y="6239255"/>
+            <a:chExt cx="12301227" cy="618745"/>
+          </a:xfrm>
+        </p:grpSpPr>
+        <p:sp>
+          <p:nvSpPr>
+            <p:cNvPr id="6" name="Rectangle 5"/>
+            <p:cNvSpPr/>
+            <p:nvPr/>
+          </p:nvSpPr>
+          <p:spPr>
+            <a:xfrm>
+              <a:off x="0" y="6324600"/>
+              <a:ext cx="4927600" cy="533400"/>
+            </a:xfrm>
+            <a:prstGeom prst="rect">
+              <a:avLst/>
+            </a:prstGeom>
+            <a:solidFill>
+              <a:srgbClr val="194206"/>
+            </a:solidFill>
+            <a:ln>
+              <a:noFill/>
+            </a:ln>
+          </p:spPr>
+          <p:style>
+            <a:lnRef idx="2">
+              <a:schemeClr val="accent1">
+                <a:shade val="50000"/>
+              </a:schemeClr>
+            </a:lnRef>
+            <a:fillRef idx="1">
+              <a:schemeClr val="accent1"/>
+            </a:fillRef>
+            <a:effectRef idx="0">
+              <a:schemeClr val="accent1"/>
+            </a:effectRef>
+            <a:fontRef idx="minor">
+              <a:schemeClr val="lt1"/>
+            </a:fontRef>
+          </p:style>
+          <p:txBody>
+            <a:bodyPr rtlCol="0" anchor="ctr"/>
+            <a:lstStyle/>
+            <a:p>
+              <a:pPr algn="ctr"/>
+              <a:endParaRPr lang="id-ID"/>
+            </a:p>
+          </p:txBody>
+        </p:sp>
+        <p:pic>
+          <p:nvPicPr>
+            <p:cNvPr id="5" name="Picture 4"/>
+            <p:cNvPicPr>
+              <a:picLocks noChangeAspect="1"/>
+            </p:cNvPicPr>
+            <p:nvPr/>
+          </p:nvPicPr>
+          <p:blipFill>
+            <a:blip r:embed="rId2" cstate="print">
+              <a:extLst>
+                <a:ext uri="{28A0092B-C50C-407E-A947-70E740481C1C}">
+                  <a14:useLocalDpi xmlns:a14="http://schemas.microsoft.com/office/drawing/2010/main" val="0"/>
+                </a:ext>
+              </a:extLst>
+            </a:blip>
+            <a:stretch>
+              <a:fillRect/>
+            </a:stretch>
+          </p:blipFill>
+          <p:spPr>
+            <a:xfrm>
+              <a:off x="4742172" y="6239255"/>
+              <a:ext cx="7559055" cy="618745"/>
+            </a:xfrm>
+            <a:prstGeom prst="rect">
+              <a:avLst/>
+            </a:prstGeom>
+          </p:spPr>
+        </p:pic>
+      </p:grpSp>
+      <p:pic>
+        <p:nvPicPr>
+          <p:cNvPr id="11" name="Picture 10"/>
+          <p:cNvPicPr>
+            <a:picLocks noChangeAspect="1"/>
+          </p:cNvPicPr>
+          <p:nvPr/>
+        </p:nvPicPr>
+        <p:blipFill>
+          <a:blip r:embed="rId3" cstate="print">
+            <a:extLst>
+              <a:ext uri="{28A0092B-C50C-407E-A947-70E740481C1C}">
+                <a14:useLocalDpi xmlns:a14="http://schemas.microsoft.com/office/drawing/2010/main" val="0"/>
+              </a:ext>
+            </a:extLst>
+          </a:blip>
+          <a:stretch>
+            <a:fillRect/>
+          </a:stretch>
+        </p:blipFill>
         <p:spPr>
-          <a:xfrm rot="19149073">
-            <a:off x="8940800" y="5695721"/>
-            <a:ext cx="4281714" cy="377372"/>
+          <a:xfrm>
+            <a:off x="-349177" y="797235"/>
+            <a:ext cx="4907529" cy="4907529"/>
           </a:xfrm>
           <a:prstGeom prst="rect">
             <a:avLst/>
           </a:prstGeom>
-          <a:solidFill>
-            <a:schemeClr val="bg1"/>
-          </a:solidFill>
-          <a:ln>
-            <a:solidFill>
-              <a:schemeClr val="bg1"/>
-            </a:solidFill>
-          </a:ln>
         </p:spPr>
-        <p:style>
-          <a:lnRef idx="2">
-            <a:schemeClr val="accent1">
-              <a:shade val="50000"/>
-            </a:schemeClr>
-          </a:lnRef>
-          <a:fillRef idx="1">
-            <a:schemeClr val="accent1"/>
-          </a:fillRef>
-          <a:effectRef idx="0">
-            <a:schemeClr val="accent1"/>
-          </a:effectRef>
-          <a:fontRef idx="minor">
-            <a:schemeClr val="lt1"/>
-          </a:fontRef>
-        </p:style>
-        <p:txBody>
-          <a:bodyPr rtlCol="0" anchor="ctr"/>
-          <a:lstStyle/>
-          <a:p>
-            <a:pPr algn="ctr"/>
-            <a:endParaRPr lang="en-US"/>
-          </a:p>
-        </p:txBody>
-      </p:sp>
-      <p:sp>
-        <p:nvSpPr>
-          <p:cNvPr id="8" name="Rectangle 7"/>
-          <p:cNvSpPr/>
-          <p:nvPr/>
-        </p:nvSpPr>
-        <p:spPr>
-          <a:xfrm rot="19149073">
-            <a:off x="7874371" y="5147208"/>
-            <a:ext cx="5306549" cy="539811"/>
-          </a:xfrm>
-          <a:prstGeom prst="rect">
-            <a:avLst/>
-          </a:prstGeom>
-          <a:solidFill>
-            <a:schemeClr val="bg1"/>
-          </a:solidFill>
-          <a:ln>
-            <a:solidFill>
-              <a:schemeClr val="bg1"/>
-            </a:solidFill>
-          </a:ln>
-        </p:spPr>
-        <p:style>
-          <a:lnRef idx="2">
-            <a:schemeClr val="accent1">
-              <a:shade val="50000"/>
-            </a:schemeClr>
-          </a:lnRef>
-          <a:fillRef idx="1">
-            <a:schemeClr val="accent1"/>
-          </a:fillRef>
-          <a:effectRef idx="0">
-            <a:schemeClr val="accent1"/>
-          </a:effectRef>
-          <a:fontRef idx="minor">
-            <a:schemeClr val="lt1"/>
-          </a:fontRef>
-        </p:style>
-        <p:txBody>
-          <a:bodyPr rtlCol="0" anchor="ctr"/>
-          <a:lstStyle/>
-          <a:p>
-            <a:pPr algn="ctr"/>
-            <a:endParaRPr lang="en-US"/>
-          </a:p>
-        </p:txBody>
-      </p:sp>
-      <p:sp>
-        <p:nvSpPr>
-          <p:cNvPr id="10" name="Rectangle 9"/>
-          <p:cNvSpPr/>
-          <p:nvPr/>
-        </p:nvSpPr>
-        <p:spPr>
-          <a:xfrm rot="19149073">
-            <a:off x="9488307" y="6129070"/>
-            <a:ext cx="4092359" cy="255098"/>
-          </a:xfrm>
-          <a:prstGeom prst="rect">
-            <a:avLst/>
-          </a:prstGeom>
-          <a:solidFill>
-            <a:schemeClr val="bg1"/>
-          </a:solidFill>
-          <a:ln>
-            <a:solidFill>
-              <a:schemeClr val="bg1"/>
-            </a:solidFill>
-          </a:ln>
-        </p:spPr>
-        <p:style>
-          <a:lnRef idx="2">
-            <a:schemeClr val="accent1">
-              <a:shade val="50000"/>
-            </a:schemeClr>
-          </a:lnRef>
-          <a:fillRef idx="1">
-            <a:schemeClr val="accent1"/>
-          </a:fillRef>
-          <a:effectRef idx="0">
-            <a:schemeClr val="accent1"/>
-          </a:effectRef>
-          <a:fontRef idx="minor">
-            <a:schemeClr val="lt1"/>
-          </a:fontRef>
-        </p:style>
-        <p:txBody>
-          <a:bodyPr rtlCol="0" anchor="ctr"/>
-          <a:lstStyle/>
-          <a:p>
-            <a:pPr algn="ctr"/>
-            <a:endParaRPr lang="en-US"/>
-          </a:p>
-        </p:txBody>
-      </p:sp>
+      </p:pic>
     </p:spTree>
     <p:extLst>
       <p:ext uri="{BB962C8B-B14F-4D97-AF65-F5344CB8AC3E}">
@@ -3482,6 +3484,9 @@
   <p:clrMapOvr>
     <a:masterClrMapping/>
   </p:clrMapOvr>
+  <p:transition spd="slow">
+    <p:push dir="u"/>
+  </p:transition>
   <p:timing>
     <p:tnLst>
       <p:par>
@@ -3495,14 +3500,569 @@
 <file path=ppt/slides/slide10.xml><?xml version="1.0" encoding="utf-8"?>
 <p:sld xmlns:a="http://schemas.openxmlformats.org/drawingml/2006/main" xmlns:r="http://schemas.openxmlformats.org/officeDocument/2006/relationships" xmlns:p="http://schemas.openxmlformats.org/presentationml/2006/main">
   <p:cSld>
-    <p:bg>
-      <p:bgPr>
-        <a:solidFill>
-          <a:srgbClr val="A2869F"/>
-        </a:solidFill>
-        <a:effectLst/>
-      </p:bgPr>
-    </p:bg>
+    <p:spTree>
+      <p:nvGrpSpPr>
+        <p:cNvPr id="1" name=""/>
+        <p:cNvGrpSpPr/>
+        <p:nvPr/>
+      </p:nvGrpSpPr>
+      <p:grpSpPr>
+        <a:xfrm>
+          <a:off x="0" y="0"/>
+          <a:ext cx="0" cy="0"/>
+          <a:chOff x="0" y="0"/>
+          <a:chExt cx="0" cy="0"/>
+        </a:xfrm>
+      </p:grpSpPr>
+      <p:pic>
+        <p:nvPicPr>
+          <p:cNvPr id="14" name="Picture 13"/>
+          <p:cNvPicPr>
+            <a:picLocks noChangeAspect="1"/>
+          </p:cNvPicPr>
+          <p:nvPr/>
+        </p:nvPicPr>
+        <p:blipFill>
+          <a:blip r:embed="rId2"/>
+          <a:stretch>
+            <a:fillRect/>
+          </a:stretch>
+        </p:blipFill>
+        <p:spPr>
+          <a:xfrm>
+            <a:off x="5214155" y="1554849"/>
+            <a:ext cx="6577511" cy="2348045"/>
+          </a:xfrm>
+          <a:prstGeom prst="rect">
+            <a:avLst/>
+          </a:prstGeom>
+        </p:spPr>
+      </p:pic>
+      <p:pic>
+        <p:nvPicPr>
+          <p:cNvPr id="11" name="Picture 10"/>
+          <p:cNvPicPr>
+            <a:picLocks noChangeAspect="1"/>
+          </p:cNvPicPr>
+          <p:nvPr/>
+        </p:nvPicPr>
+        <p:blipFill>
+          <a:blip r:embed="rId3"/>
+          <a:stretch>
+            <a:fillRect/>
+          </a:stretch>
+        </p:blipFill>
+        <p:spPr>
+          <a:xfrm>
+            <a:off x="232012" y="3429000"/>
+            <a:ext cx="7124131" cy="2588733"/>
+          </a:xfrm>
+          <a:prstGeom prst="rect">
+            <a:avLst/>
+          </a:prstGeom>
+        </p:spPr>
+      </p:pic>
+      <p:grpSp>
+        <p:nvGrpSpPr>
+          <p:cNvPr id="7" name="Group 6"/>
+          <p:cNvGrpSpPr/>
+          <p:nvPr/>
+        </p:nvGrpSpPr>
+        <p:grpSpPr>
+          <a:xfrm>
+            <a:off x="0" y="6239255"/>
+            <a:ext cx="12301227" cy="618745"/>
+            <a:chOff x="0" y="6239255"/>
+            <a:chExt cx="12301227" cy="618745"/>
+          </a:xfrm>
+        </p:grpSpPr>
+        <p:sp>
+          <p:nvSpPr>
+            <p:cNvPr id="8" name="Rectangle 7"/>
+            <p:cNvSpPr/>
+            <p:nvPr/>
+          </p:nvSpPr>
+          <p:spPr>
+            <a:xfrm>
+              <a:off x="0" y="6324600"/>
+              <a:ext cx="4927600" cy="533400"/>
+            </a:xfrm>
+            <a:prstGeom prst="rect">
+              <a:avLst/>
+            </a:prstGeom>
+            <a:solidFill>
+              <a:srgbClr val="194206"/>
+            </a:solidFill>
+            <a:ln>
+              <a:noFill/>
+            </a:ln>
+          </p:spPr>
+          <p:style>
+            <a:lnRef idx="2">
+              <a:schemeClr val="accent1">
+                <a:shade val="50000"/>
+              </a:schemeClr>
+            </a:lnRef>
+            <a:fillRef idx="1">
+              <a:schemeClr val="accent1"/>
+            </a:fillRef>
+            <a:effectRef idx="0">
+              <a:schemeClr val="accent1"/>
+            </a:effectRef>
+            <a:fontRef idx="minor">
+              <a:schemeClr val="lt1"/>
+            </a:fontRef>
+          </p:style>
+          <p:txBody>
+            <a:bodyPr rtlCol="0" anchor="ctr"/>
+            <a:lstStyle/>
+            <a:p>
+              <a:pPr algn="ctr"/>
+              <a:endParaRPr lang="id-ID"/>
+            </a:p>
+          </p:txBody>
+        </p:sp>
+        <p:pic>
+          <p:nvPicPr>
+            <p:cNvPr id="12" name="Picture 11"/>
+            <p:cNvPicPr>
+              <a:picLocks noChangeAspect="1"/>
+            </p:cNvPicPr>
+            <p:nvPr/>
+          </p:nvPicPr>
+          <p:blipFill>
+            <a:blip r:embed="rId4" cstate="print">
+              <a:extLst>
+                <a:ext uri="{28A0092B-C50C-407E-A947-70E740481C1C}">
+                  <a14:useLocalDpi xmlns:a14="http://schemas.microsoft.com/office/drawing/2010/main" val="0"/>
+                </a:ext>
+              </a:extLst>
+            </a:blip>
+            <a:stretch>
+              <a:fillRect/>
+            </a:stretch>
+          </p:blipFill>
+          <p:spPr>
+            <a:xfrm>
+              <a:off x="4742172" y="6239255"/>
+              <a:ext cx="7559055" cy="618745"/>
+            </a:xfrm>
+            <a:prstGeom prst="rect">
+              <a:avLst/>
+            </a:prstGeom>
+          </p:spPr>
+        </p:pic>
+      </p:grpSp>
+      <p:sp>
+        <p:nvSpPr>
+          <p:cNvPr id="13" name="Title 1"/>
+          <p:cNvSpPr txBox="1">
+            <a:spLocks/>
+          </p:cNvSpPr>
+          <p:nvPr/>
+        </p:nvSpPr>
+        <p:spPr>
+          <a:xfrm>
+            <a:off x="0" y="496669"/>
+            <a:ext cx="12192000" cy="653707"/>
+          </a:xfrm>
+          <a:prstGeom prst="rect">
+            <a:avLst/>
+          </a:prstGeom>
+        </p:spPr>
+        <p:txBody>
+          <a:bodyPr vert="horz" lIns="91440" tIns="45720" rIns="91440" bIns="45720" rtlCol="0" anchor="ctr">
+            <a:noAutofit/>
+          </a:bodyPr>
+          <a:lstStyle>
+            <a:lvl1pPr algn="l" defTabSz="914400" rtl="0" eaLnBrk="1" latinLnBrk="0" hangingPunct="1">
+              <a:lnSpc>
+                <a:spcPct val="90000"/>
+              </a:lnSpc>
+              <a:spcBef>
+                <a:spcPct val="0"/>
+              </a:spcBef>
+              <a:buNone/>
+              <a:defRPr sz="4400" kern="1200">
+                <a:solidFill>
+                  <a:schemeClr val="tx1"/>
+                </a:solidFill>
+                <a:latin typeface="+mj-lt"/>
+                <a:ea typeface="+mj-ea"/>
+                <a:cs typeface="+mj-cs"/>
+              </a:defRPr>
+            </a:lvl1pPr>
+          </a:lstStyle>
+          <a:p>
+            <a:pPr algn="ctr"/>
+            <a:r>
+              <a:rPr lang="en-US" dirty="0" smtClean="0">
+                <a:solidFill>
+                  <a:schemeClr val="bg1"/>
+                </a:solidFill>
+                <a:latin typeface="Berlin Sans FB Demi" panose="020E0802020502020306" pitchFamily="34" charset="0"/>
+                <a:ea typeface="Adobe Gothic Std B" panose="020B0800000000000000" pitchFamily="34" charset="-128"/>
+              </a:rPr>
+              <a:t>USER-INTERFACE</a:t>
+            </a:r>
+            <a:r>
+              <a:rPr lang="id-ID" dirty="0" smtClean="0">
+                <a:solidFill>
+                  <a:schemeClr val="bg1"/>
+                </a:solidFill>
+                <a:latin typeface="Berlin Sans FB Demi" panose="020E0802020502020306" pitchFamily="34" charset="0"/>
+                <a:ea typeface="Adobe Gothic Std B" panose="020B0800000000000000" pitchFamily="34" charset="-128"/>
+              </a:rPr>
+              <a:t> (</a:t>
+            </a:r>
+            <a:r>
+              <a:rPr lang="id-ID" dirty="0" smtClean="0">
+                <a:solidFill>
+                  <a:srgbClr val="F4C049"/>
+                </a:solidFill>
+                <a:latin typeface="Berlin Sans FB Demi" panose="020E0802020502020306" pitchFamily="34" charset="0"/>
+                <a:ea typeface="Adobe Gothic Std B" panose="020B0800000000000000" pitchFamily="34" charset="-128"/>
+              </a:rPr>
+              <a:t>ADMIN</a:t>
+            </a:r>
+            <a:r>
+              <a:rPr lang="id-ID" dirty="0" smtClean="0">
+                <a:solidFill>
+                  <a:schemeClr val="bg1"/>
+                </a:solidFill>
+                <a:latin typeface="Berlin Sans FB Demi" panose="020E0802020502020306" pitchFamily="34" charset="0"/>
+                <a:ea typeface="Adobe Gothic Std B" panose="020B0800000000000000" pitchFamily="34" charset="-128"/>
+              </a:rPr>
+              <a:t>)</a:t>
+            </a:r>
+            <a:r>
+              <a:rPr lang="en-US" dirty="0" smtClean="0">
+                <a:solidFill>
+                  <a:schemeClr val="bg1"/>
+                </a:solidFill>
+                <a:latin typeface="Berlin Sans FB Demi" panose="020E0802020502020306" pitchFamily="34" charset="0"/>
+                <a:ea typeface="Adobe Gothic Std B" panose="020B0800000000000000" pitchFamily="34" charset="-128"/>
+              </a:rPr>
+              <a:t> DESIGN</a:t>
+            </a:r>
+            <a:r>
+              <a:rPr lang="id-ID" dirty="0" smtClean="0">
+                <a:solidFill>
+                  <a:schemeClr val="bg1"/>
+                </a:solidFill>
+                <a:latin typeface="Berlin Sans FB Demi" panose="020E0802020502020306" pitchFamily="34" charset="0"/>
+                <a:ea typeface="Adobe Gothic Std B" panose="020B0800000000000000" pitchFamily="34" charset="-128"/>
+              </a:rPr>
+              <a:t> </a:t>
+            </a:r>
+            <a:endParaRPr lang="en-US" dirty="0">
+              <a:solidFill>
+                <a:schemeClr val="bg1"/>
+              </a:solidFill>
+              <a:latin typeface="Berlin Sans FB Demi" panose="020E0802020502020306" pitchFamily="34" charset="0"/>
+              <a:ea typeface="Adobe Gothic Std B" panose="020B0800000000000000" pitchFamily="34" charset="-128"/>
+            </a:endParaRPr>
+          </a:p>
+        </p:txBody>
+      </p:sp>
+    </p:spTree>
+    <p:extLst>
+      <p:ext uri="{BB962C8B-B14F-4D97-AF65-F5344CB8AC3E}">
+        <p14:creationId xmlns:p14="http://schemas.microsoft.com/office/powerpoint/2010/main" val="1098879480"/>
+      </p:ext>
+    </p:extLst>
+  </p:cSld>
+  <p:clrMapOvr>
+    <a:masterClrMapping/>
+  </p:clrMapOvr>
+  <p:transition spd="slow">
+    <p:push dir="u"/>
+  </p:transition>
+  <p:timing>
+    <p:tnLst>
+      <p:par>
+        <p:cTn id="1" dur="indefinite" restart="never" nodeType="tmRoot"/>
+      </p:par>
+    </p:tnLst>
+  </p:timing>
+</p:sld>
+</file>
+
+<file path=ppt/slides/slide11.xml><?xml version="1.0" encoding="utf-8"?>
+<p:sld xmlns:a="http://schemas.openxmlformats.org/drawingml/2006/main" xmlns:r="http://schemas.openxmlformats.org/officeDocument/2006/relationships" xmlns:p="http://schemas.openxmlformats.org/presentationml/2006/main">
+  <p:cSld>
+    <p:spTree>
+      <p:nvGrpSpPr>
+        <p:cNvPr id="1" name=""/>
+        <p:cNvGrpSpPr/>
+        <p:nvPr/>
+      </p:nvGrpSpPr>
+      <p:grpSpPr>
+        <a:xfrm>
+          <a:off x="0" y="0"/>
+          <a:ext cx="0" cy="0"/>
+          <a:chOff x="0" y="0"/>
+          <a:chExt cx="0" cy="0"/>
+        </a:xfrm>
+      </p:grpSpPr>
+      <p:pic>
+        <p:nvPicPr>
+          <p:cNvPr id="10" name="Picture 9"/>
+          <p:cNvPicPr>
+            <a:picLocks noChangeAspect="1"/>
+          </p:cNvPicPr>
+          <p:nvPr/>
+        </p:nvPicPr>
+        <p:blipFill>
+          <a:blip r:embed="rId2"/>
+          <a:stretch>
+            <a:fillRect/>
+          </a:stretch>
+        </p:blipFill>
+        <p:spPr>
+          <a:xfrm>
+            <a:off x="300960" y="1384543"/>
+            <a:ext cx="6248033" cy="3132867"/>
+          </a:xfrm>
+          <a:prstGeom prst="rect">
+            <a:avLst/>
+          </a:prstGeom>
+        </p:spPr>
+      </p:pic>
+      <p:sp>
+        <p:nvSpPr>
+          <p:cNvPr id="2" name="Title 1"/>
+          <p:cNvSpPr>
+            <a:spLocks noGrp="1"/>
+          </p:cNvSpPr>
+          <p:nvPr>
+            <p:ph type="title"/>
+          </p:nvPr>
+        </p:nvSpPr>
+        <p:spPr>
+          <a:xfrm>
+            <a:off x="0" y="496669"/>
+            <a:ext cx="12192000" cy="653707"/>
+          </a:xfrm>
+        </p:spPr>
+        <p:txBody>
+          <a:bodyPr>
+            <a:noAutofit/>
+          </a:bodyPr>
+          <a:lstStyle/>
+          <a:p>
+            <a:pPr algn="ctr"/>
+            <a:r>
+              <a:rPr lang="en-US" dirty="0" smtClean="0">
+                <a:solidFill>
+                  <a:schemeClr val="bg1"/>
+                </a:solidFill>
+                <a:latin typeface="Berlin Sans FB Demi" panose="020E0802020502020306" pitchFamily="34" charset="0"/>
+                <a:ea typeface="Adobe Gothic Std B" panose="020B0800000000000000" pitchFamily="34" charset="-128"/>
+              </a:rPr>
+              <a:t>USER-INTERFACE</a:t>
+            </a:r>
+            <a:r>
+              <a:rPr lang="id-ID" dirty="0" smtClean="0">
+                <a:solidFill>
+                  <a:schemeClr val="bg1"/>
+                </a:solidFill>
+                <a:latin typeface="Berlin Sans FB Demi" panose="020E0802020502020306" pitchFamily="34" charset="0"/>
+                <a:ea typeface="Adobe Gothic Std B" panose="020B0800000000000000" pitchFamily="34" charset="-128"/>
+              </a:rPr>
+              <a:t> (</a:t>
+            </a:r>
+            <a:r>
+              <a:rPr lang="id-ID" dirty="0" smtClean="0">
+                <a:solidFill>
+                  <a:srgbClr val="F4C049"/>
+                </a:solidFill>
+                <a:latin typeface="Berlin Sans FB Demi" panose="020E0802020502020306" pitchFamily="34" charset="0"/>
+                <a:ea typeface="Adobe Gothic Std B" panose="020B0800000000000000" pitchFamily="34" charset="-128"/>
+              </a:rPr>
+              <a:t>ADMIN</a:t>
+            </a:r>
+            <a:r>
+              <a:rPr lang="id-ID" dirty="0" smtClean="0">
+                <a:solidFill>
+                  <a:schemeClr val="bg1"/>
+                </a:solidFill>
+                <a:latin typeface="Berlin Sans FB Demi" panose="020E0802020502020306" pitchFamily="34" charset="0"/>
+                <a:ea typeface="Adobe Gothic Std B" panose="020B0800000000000000" pitchFamily="34" charset="-128"/>
+              </a:rPr>
+              <a:t>)</a:t>
+            </a:r>
+            <a:r>
+              <a:rPr lang="en-US" dirty="0" smtClean="0">
+                <a:solidFill>
+                  <a:schemeClr val="bg1"/>
+                </a:solidFill>
+                <a:latin typeface="Berlin Sans FB Demi" panose="020E0802020502020306" pitchFamily="34" charset="0"/>
+                <a:ea typeface="Adobe Gothic Std B" panose="020B0800000000000000" pitchFamily="34" charset="-128"/>
+              </a:rPr>
+              <a:t> DESIGN</a:t>
+            </a:r>
+            <a:r>
+              <a:rPr lang="id-ID" dirty="0" smtClean="0">
+                <a:solidFill>
+                  <a:schemeClr val="bg1"/>
+                </a:solidFill>
+                <a:latin typeface="Berlin Sans FB Demi" panose="020E0802020502020306" pitchFamily="34" charset="0"/>
+                <a:ea typeface="Adobe Gothic Std B" panose="020B0800000000000000" pitchFamily="34" charset="-128"/>
+              </a:rPr>
+              <a:t> </a:t>
+            </a:r>
+            <a:endParaRPr lang="en-US" dirty="0">
+              <a:solidFill>
+                <a:schemeClr val="bg1"/>
+              </a:solidFill>
+              <a:latin typeface="Berlin Sans FB Demi" panose="020E0802020502020306" pitchFamily="34" charset="0"/>
+              <a:ea typeface="Adobe Gothic Std B" panose="020B0800000000000000" pitchFamily="34" charset="-128"/>
+            </a:endParaRPr>
+          </a:p>
+        </p:txBody>
+      </p:sp>
+      <p:pic>
+        <p:nvPicPr>
+          <p:cNvPr id="9" name="Picture 8"/>
+          <p:cNvPicPr>
+            <a:picLocks noChangeAspect="1"/>
+          </p:cNvPicPr>
+          <p:nvPr/>
+        </p:nvPicPr>
+        <p:blipFill>
+          <a:blip r:embed="rId3"/>
+          <a:stretch>
+            <a:fillRect/>
+          </a:stretch>
+        </p:blipFill>
+        <p:spPr>
+          <a:xfrm>
+            <a:off x="5190049" y="2926739"/>
+            <a:ext cx="6445520" cy="3050980"/>
+          </a:xfrm>
+          <a:prstGeom prst="rect">
+            <a:avLst/>
+          </a:prstGeom>
+        </p:spPr>
+      </p:pic>
+      <p:grpSp>
+        <p:nvGrpSpPr>
+          <p:cNvPr id="7" name="Group 6"/>
+          <p:cNvGrpSpPr/>
+          <p:nvPr/>
+        </p:nvGrpSpPr>
+        <p:grpSpPr>
+          <a:xfrm>
+            <a:off x="0" y="6239255"/>
+            <a:ext cx="12301227" cy="618745"/>
+            <a:chOff x="0" y="6239255"/>
+            <a:chExt cx="12301227" cy="618745"/>
+          </a:xfrm>
+        </p:grpSpPr>
+        <p:sp>
+          <p:nvSpPr>
+            <p:cNvPr id="8" name="Rectangle 7"/>
+            <p:cNvSpPr/>
+            <p:nvPr/>
+          </p:nvSpPr>
+          <p:spPr>
+            <a:xfrm>
+              <a:off x="0" y="6324600"/>
+              <a:ext cx="4927600" cy="533400"/>
+            </a:xfrm>
+            <a:prstGeom prst="rect">
+              <a:avLst/>
+            </a:prstGeom>
+            <a:solidFill>
+              <a:srgbClr val="194206"/>
+            </a:solidFill>
+            <a:ln>
+              <a:noFill/>
+            </a:ln>
+          </p:spPr>
+          <p:style>
+            <a:lnRef idx="2">
+              <a:schemeClr val="accent1">
+                <a:shade val="50000"/>
+              </a:schemeClr>
+            </a:lnRef>
+            <a:fillRef idx="1">
+              <a:schemeClr val="accent1"/>
+            </a:fillRef>
+            <a:effectRef idx="0">
+              <a:schemeClr val="accent1"/>
+            </a:effectRef>
+            <a:fontRef idx="minor">
+              <a:schemeClr val="lt1"/>
+            </a:fontRef>
+          </p:style>
+          <p:txBody>
+            <a:bodyPr rtlCol="0" anchor="ctr"/>
+            <a:lstStyle/>
+            <a:p>
+              <a:pPr algn="ctr"/>
+              <a:endParaRPr lang="id-ID"/>
+            </a:p>
+          </p:txBody>
+        </p:sp>
+        <p:pic>
+          <p:nvPicPr>
+            <p:cNvPr id="12" name="Picture 11"/>
+            <p:cNvPicPr>
+              <a:picLocks noChangeAspect="1"/>
+            </p:cNvPicPr>
+            <p:nvPr/>
+          </p:nvPicPr>
+          <p:blipFill>
+            <a:blip r:embed="rId4" cstate="print">
+              <a:extLst>
+                <a:ext uri="{28A0092B-C50C-407E-A947-70E740481C1C}">
+                  <a14:useLocalDpi xmlns:a14="http://schemas.microsoft.com/office/drawing/2010/main" val="0"/>
+                </a:ext>
+              </a:extLst>
+            </a:blip>
+            <a:stretch>
+              <a:fillRect/>
+            </a:stretch>
+          </p:blipFill>
+          <p:spPr>
+            <a:xfrm>
+              <a:off x="4742172" y="6239255"/>
+              <a:ext cx="7559055" cy="618745"/>
+            </a:xfrm>
+            <a:prstGeom prst="rect">
+              <a:avLst/>
+            </a:prstGeom>
+          </p:spPr>
+        </p:pic>
+      </p:grpSp>
+    </p:spTree>
+    <p:extLst>
+      <p:ext uri="{BB962C8B-B14F-4D97-AF65-F5344CB8AC3E}">
+        <p14:creationId xmlns:p14="http://schemas.microsoft.com/office/powerpoint/2010/main" val="1662226690"/>
+      </p:ext>
+    </p:extLst>
+  </p:cSld>
+  <p:clrMapOvr>
+    <a:masterClrMapping/>
+  </p:clrMapOvr>
+  <p:transition spd="slow">
+    <p:push dir="u"/>
+  </p:transition>
+  <p:timing>
+    <p:tnLst>
+      <p:par>
+        <p:cTn id="1" dur="indefinite" restart="never" nodeType="tmRoot"/>
+      </p:par>
+    </p:tnLst>
+  </p:timing>
+</p:sld>
+</file>
+
+<file path=ppt/slides/slide12.xml><?xml version="1.0" encoding="utf-8"?>
+<p:sld xmlns:a="http://schemas.openxmlformats.org/drawingml/2006/main" xmlns:r="http://schemas.openxmlformats.org/officeDocument/2006/relationships" xmlns:p="http://schemas.openxmlformats.org/presentationml/2006/main">
+  <p:cSld>
     <p:spTree>
       <p:nvGrpSpPr>
         <p:cNvPr id="1" name=""/>
@@ -3519,69 +4079,176 @@
       </p:grpSpPr>
       <p:sp>
         <p:nvSpPr>
-          <p:cNvPr id="2" name="Title 1"/>
-          <p:cNvSpPr>
-            <a:spLocks noGrp="1"/>
-          </p:cNvSpPr>
-          <p:nvPr>
-            <p:ph type="title"/>
-          </p:nvPr>
+          <p:cNvPr id="3" name="Rectangle 2"/>
+          <p:cNvSpPr/>
+          <p:nvPr/>
         </p:nvSpPr>
-        <p:spPr/>
+        <p:spPr>
+          <a:xfrm>
+            <a:off x="0" y="436939"/>
+            <a:ext cx="12192000" cy="769441"/>
+          </a:xfrm>
+          <a:prstGeom prst="rect">
+            <a:avLst/>
+          </a:prstGeom>
+        </p:spPr>
         <p:txBody>
-          <a:bodyPr/>
+          <a:bodyPr wrap="square">
+            <a:spAutoFit/>
+          </a:bodyPr>
           <a:lstStyle/>
           <a:p>
             <a:pPr algn="ctr"/>
             <a:r>
-              <a:rPr lang="en-US" dirty="0" smtClean="0">
+              <a:rPr lang="en-US" sz="4400" dirty="0">
                 <a:solidFill>
                   <a:schemeClr val="bg1"/>
                 </a:solidFill>
-                <a:latin typeface="Adobe Gothic Std B" panose="020B0800000000000000" pitchFamily="34" charset="-128"/>
-                <a:ea typeface="Adobe Gothic Std B" panose="020B0800000000000000" pitchFamily="34" charset="-128"/>
-              </a:rPr>
-              <a:t>DEPLOYMENT DIAGRAM</a:t>
-            </a:r>
-            <a:endParaRPr lang="en-US" dirty="0">
-              <a:solidFill>
-                <a:schemeClr val="bg1"/>
-              </a:solidFill>
-              <a:latin typeface="Adobe Gothic Std B" panose="020B0800000000000000" pitchFamily="34" charset="-128"/>
-              <a:ea typeface="Adobe Gothic Std B" panose="020B0800000000000000" pitchFamily="34" charset="-128"/>
+                <a:latin typeface="Berlin Sans FB Demi" panose="020E0802020502020306" pitchFamily="34" charset="0"/>
+                <a:ea typeface="Adobe Gothic Std B" panose="020B0800000000000000" pitchFamily="34" charset="-128"/>
+              </a:rPr>
+              <a:t>APPS SITE MAP</a:t>
+            </a:r>
+            <a:endParaRPr lang="id-ID" sz="4400" dirty="0">
+              <a:latin typeface="Berlin Sans FB Demi" panose="020E0802020502020306" pitchFamily="34" charset="0"/>
             </a:endParaRPr>
           </a:p>
         </p:txBody>
       </p:sp>
-      <p:sp>
-        <p:nvSpPr>
-          <p:cNvPr id="3" name="Content Placeholder 2"/>
-          <p:cNvSpPr>
-            <a:spLocks noGrp="1"/>
-          </p:cNvSpPr>
-          <p:nvPr>
-            <p:ph idx="1"/>
-          </p:nvPr>
-        </p:nvSpPr>
-        <p:spPr/>
-        <p:txBody>
-          <a:bodyPr/>
-          <a:lstStyle/>
-          <a:p>
-            <a:endParaRPr lang="en-US"/>
-          </a:p>
-        </p:txBody>
-      </p:sp>
+      <p:grpSp>
+        <p:nvGrpSpPr>
+          <p:cNvPr id="4" name="Group 3"/>
+          <p:cNvGrpSpPr/>
+          <p:nvPr/>
+        </p:nvGrpSpPr>
+        <p:grpSpPr>
+          <a:xfrm>
+            <a:off x="0" y="6239255"/>
+            <a:ext cx="12301227" cy="618745"/>
+            <a:chOff x="0" y="6239255"/>
+            <a:chExt cx="12301227" cy="618745"/>
+          </a:xfrm>
+        </p:grpSpPr>
+        <p:sp>
+          <p:nvSpPr>
+            <p:cNvPr id="5" name="Rectangle 4"/>
+            <p:cNvSpPr/>
+            <p:nvPr/>
+          </p:nvSpPr>
+          <p:spPr>
+            <a:xfrm>
+              <a:off x="0" y="6324600"/>
+              <a:ext cx="4927600" cy="533400"/>
+            </a:xfrm>
+            <a:prstGeom prst="rect">
+              <a:avLst/>
+            </a:prstGeom>
+            <a:solidFill>
+              <a:srgbClr val="194206"/>
+            </a:solidFill>
+            <a:ln>
+              <a:noFill/>
+            </a:ln>
+          </p:spPr>
+          <p:style>
+            <a:lnRef idx="2">
+              <a:schemeClr val="accent1">
+                <a:shade val="50000"/>
+              </a:schemeClr>
+            </a:lnRef>
+            <a:fillRef idx="1">
+              <a:schemeClr val="accent1"/>
+            </a:fillRef>
+            <a:effectRef idx="0">
+              <a:schemeClr val="accent1"/>
+            </a:effectRef>
+            <a:fontRef idx="minor">
+              <a:schemeClr val="lt1"/>
+            </a:fontRef>
+          </p:style>
+          <p:txBody>
+            <a:bodyPr rtlCol="0" anchor="ctr"/>
+            <a:lstStyle/>
+            <a:p>
+              <a:pPr algn="ctr"/>
+              <a:endParaRPr lang="id-ID"/>
+            </a:p>
+          </p:txBody>
+        </p:sp>
+        <p:pic>
+          <p:nvPicPr>
+            <p:cNvPr id="6" name="Picture 5"/>
+            <p:cNvPicPr>
+              <a:picLocks noChangeAspect="1"/>
+            </p:cNvPicPr>
+            <p:nvPr/>
+          </p:nvPicPr>
+          <p:blipFill>
+            <a:blip r:embed="rId2" cstate="print">
+              <a:extLst>
+                <a:ext uri="{28A0092B-C50C-407E-A947-70E740481C1C}">
+                  <a14:useLocalDpi xmlns:a14="http://schemas.microsoft.com/office/drawing/2010/main" val="0"/>
+                </a:ext>
+              </a:extLst>
+            </a:blip>
+            <a:stretch>
+              <a:fillRect/>
+            </a:stretch>
+          </p:blipFill>
+          <p:spPr>
+            <a:xfrm>
+              <a:off x="4742172" y="6239255"/>
+              <a:ext cx="7559055" cy="618745"/>
+            </a:xfrm>
+            <a:prstGeom prst="rect">
+              <a:avLst/>
+            </a:prstGeom>
+          </p:spPr>
+        </p:pic>
+      </p:grpSp>
+      <p:pic>
+        <p:nvPicPr>
+          <p:cNvPr id="2" name="Picture 1"/>
+          <p:cNvPicPr>
+            <a:picLocks noChangeAspect="1"/>
+          </p:cNvPicPr>
+          <p:nvPr/>
+        </p:nvPicPr>
+        <p:blipFill>
+          <a:blip r:embed="rId3">
+            <a:extLst>
+              <a:ext uri="{28A0092B-C50C-407E-A947-70E740481C1C}">
+                <a14:useLocalDpi xmlns:a14="http://schemas.microsoft.com/office/drawing/2010/main" val="0"/>
+              </a:ext>
+            </a:extLst>
+          </a:blip>
+          <a:stretch>
+            <a:fillRect/>
+          </a:stretch>
+        </p:blipFill>
+        <p:spPr>
+          <a:xfrm>
+            <a:off x="2409310" y="1452239"/>
+            <a:ext cx="7373379" cy="4639322"/>
+          </a:xfrm>
+          <a:prstGeom prst="rect">
+            <a:avLst/>
+          </a:prstGeom>
+        </p:spPr>
+      </p:pic>
     </p:spTree>
     <p:extLst>
       <p:ext uri="{BB962C8B-B14F-4D97-AF65-F5344CB8AC3E}">
-        <p14:creationId xmlns:p14="http://schemas.microsoft.com/office/powerpoint/2010/main" val="4242043979"/>
+        <p14:creationId xmlns:p14="http://schemas.microsoft.com/office/powerpoint/2010/main" val="1547963382"/>
       </p:ext>
     </p:extLst>
   </p:cSld>
   <p:clrMapOvr>
     <a:masterClrMapping/>
   </p:clrMapOvr>
+  <p:transition spd="slow">
+    <p:push dir="u"/>
+  </p:transition>
   <p:timing>
     <p:tnLst>
       <p:par>
@@ -3592,130 +4259,9 @@
 </p:sld>
 </file>
 
-<file path=ppt/slides/slide11.xml><?xml version="1.0" encoding="utf-8"?>
+<file path=ppt/slides/slide13.xml><?xml version="1.0" encoding="utf-8"?>
 <p:sld xmlns:a="http://schemas.openxmlformats.org/drawingml/2006/main" xmlns:r="http://schemas.openxmlformats.org/officeDocument/2006/relationships" xmlns:p="http://schemas.openxmlformats.org/presentationml/2006/main">
   <p:cSld>
-    <p:bg>
-      <p:bgPr>
-        <a:solidFill>
-          <a:srgbClr val="A2869F"/>
-        </a:solidFill>
-        <a:effectLst/>
-      </p:bgPr>
-    </p:bg>
-    <p:spTree>
-      <p:nvGrpSpPr>
-        <p:cNvPr id="1" name=""/>
-        <p:cNvGrpSpPr/>
-        <p:nvPr/>
-      </p:nvGrpSpPr>
-      <p:grpSpPr>
-        <a:xfrm>
-          <a:off x="0" y="0"/>
-          <a:ext cx="0" cy="0"/>
-          <a:chOff x="0" y="0"/>
-          <a:chExt cx="0" cy="0"/>
-        </a:xfrm>
-      </p:grpSpPr>
-      <p:sp>
-        <p:nvSpPr>
-          <p:cNvPr id="3" name="Content Placeholder 2"/>
-          <p:cNvSpPr>
-            <a:spLocks noGrp="1"/>
-          </p:cNvSpPr>
-          <p:nvPr>
-            <p:ph idx="1"/>
-          </p:nvPr>
-        </p:nvSpPr>
-        <p:spPr/>
-        <p:txBody>
-          <a:bodyPr/>
-          <a:lstStyle/>
-          <a:p>
-            <a:endParaRPr lang="en-US"/>
-          </a:p>
-        </p:txBody>
-      </p:sp>
-      <p:pic>
-        <p:nvPicPr>
-          <p:cNvPr id="4" name="Picture 3"/>
-          <p:cNvPicPr/>
-          <p:nvPr/>
-        </p:nvPicPr>
-        <p:blipFill>
-          <a:blip r:embed="rId2" cstate="print"/>
-          <a:srcRect/>
-          <a:stretch>
-            <a:fillRect/>
-          </a:stretch>
-        </p:blipFill>
-        <p:spPr bwMode="auto">
-          <a:xfrm>
-            <a:off x="2586446" y="234406"/>
-            <a:ext cx="6897187" cy="6623594"/>
-          </a:xfrm>
-          <a:prstGeom prst="rect">
-            <a:avLst/>
-          </a:prstGeom>
-          <a:noFill/>
-          <a:ln w="9525">
-            <a:noFill/>
-            <a:miter lim="800000"/>
-            <a:headEnd/>
-            <a:tailEnd/>
-          </a:ln>
-        </p:spPr>
-      </p:pic>
-      <p:sp>
-        <p:nvSpPr>
-          <p:cNvPr id="5" name="Title 4"/>
-          <p:cNvSpPr>
-            <a:spLocks noGrp="1"/>
-          </p:cNvSpPr>
-          <p:nvPr>
-            <p:ph type="title"/>
-          </p:nvPr>
-        </p:nvSpPr>
-        <p:spPr/>
-        <p:txBody>
-          <a:bodyPr/>
-          <a:lstStyle/>
-          <a:p>
-            <a:endParaRPr lang="id-ID" dirty="0"/>
-          </a:p>
-        </p:txBody>
-      </p:sp>
-    </p:spTree>
-    <p:extLst>
-      <p:ext uri="{BB962C8B-B14F-4D97-AF65-F5344CB8AC3E}">
-        <p14:creationId xmlns:p14="http://schemas.microsoft.com/office/powerpoint/2010/main" val="4242043979"/>
-      </p:ext>
-    </p:extLst>
-  </p:cSld>
-  <p:clrMapOvr>
-    <a:masterClrMapping/>
-  </p:clrMapOvr>
-  <p:timing>
-    <p:tnLst>
-      <p:par>
-        <p:cTn id="1" dur="indefinite" restart="never" nodeType="tmRoot"/>
-      </p:par>
-    </p:tnLst>
-  </p:timing>
-</p:sld>
-</file>
-
-<file path=ppt/slides/slide12.xml><?xml version="1.0" encoding="utf-8"?>
-<p:sld xmlns:a="http://schemas.openxmlformats.org/drawingml/2006/main" xmlns:r="http://schemas.openxmlformats.org/officeDocument/2006/relationships" xmlns:p="http://schemas.openxmlformats.org/presentationml/2006/main">
-  <p:cSld>
-    <p:bg>
-      <p:bgPr>
-        <a:solidFill>
-          <a:srgbClr val="DD7657"/>
-        </a:solidFill>
-        <a:effectLst/>
-      </p:bgPr>
-    </p:bg>
     <p:spTree>
       <p:nvGrpSpPr>
         <p:cNvPr id="1" name=""/>
@@ -13620,6 +14166,9 @@
   <p:clrMapOvr>
     <a:masterClrMapping/>
   </p:clrMapOvr>
+  <p:transition spd="slow">
+    <p:push dir="u"/>
+  </p:transition>
   <p:timing>
     <p:tnLst>
       <p:par>
@@ -13630,17 +14179,9 @@
 </p:sld>
 </file>
 
-<file path=ppt/slides/slide13.xml><?xml version="1.0" encoding="utf-8"?>
+<file path=ppt/slides/slide14.xml><?xml version="1.0" encoding="utf-8"?>
 <p:sld xmlns:a="http://schemas.openxmlformats.org/drawingml/2006/main" xmlns:r="http://schemas.openxmlformats.org/officeDocument/2006/relationships" xmlns:p="http://schemas.openxmlformats.org/presentationml/2006/main">
   <p:cSld>
-    <p:bg>
-      <p:bgPr>
-        <a:solidFill>
-          <a:srgbClr val="ACAD8E"/>
-        </a:solidFill>
-        <a:effectLst/>
-      </p:bgPr>
-    </p:bg>
     <p:spTree>
       <p:nvGrpSpPr>
         <p:cNvPr id="1" name=""/>
@@ -13676,7 +14217,7 @@
                 <a:solidFill>
                   <a:schemeClr val="bg1"/>
                 </a:solidFill>
-                <a:latin typeface="Adobe Gothic Std B" panose="020B0800000000000000" pitchFamily="34" charset="-128"/>
+                <a:latin typeface="Berlin Sans FB Demi" panose="020E0802020502020306" pitchFamily="34" charset="0"/>
                 <a:ea typeface="Adobe Gothic Std B" panose="020B0800000000000000" pitchFamily="34" charset="-128"/>
               </a:rPr>
               <a:t>JOBDESK</a:t>
@@ -13685,7 +14226,7 @@
               <a:solidFill>
                 <a:schemeClr val="bg1"/>
               </a:solidFill>
-              <a:latin typeface="Adobe Gothic Std B" panose="020B0800000000000000" pitchFamily="34" charset="-128"/>
+              <a:latin typeface="Berlin Sans FB Demi" panose="020E0802020502020306" pitchFamily="34" charset="0"/>
               <a:ea typeface="Adobe Gothic Std B" panose="020B0800000000000000" pitchFamily="34" charset="-128"/>
             </a:endParaRPr>
           </a:p>
@@ -13701,10 +14242,15 @@
             <p:ph idx="1"/>
           </p:nvPr>
         </p:nvSpPr>
-        <p:spPr/>
+        <p:spPr>
+          <a:xfrm>
+            <a:off x="838200" y="1648201"/>
+            <a:ext cx="10515600" cy="4351338"/>
+          </a:xfrm>
+        </p:spPr>
         <p:txBody>
           <a:bodyPr>
-            <a:normAutofit fontScale="77500" lnSpcReduction="20000"/>
+            <a:normAutofit lnSpcReduction="10000"/>
           </a:bodyPr>
           <a:lstStyle/>
           <a:p>
@@ -13714,44 +14260,41 @@
             <a:r>
               <a:rPr lang="id-ID" dirty="0" smtClean="0">
                 <a:solidFill>
+                  <a:srgbClr val="F4C049"/>
+                </a:solidFill>
+                <a:latin typeface="Berlin Sans FB Demi" panose="020E0802020502020306" pitchFamily="34" charset="0"/>
+                <a:ea typeface="Adobe Gothic Std B" panose="020B0800000000000000" pitchFamily="34" charset="-128"/>
+              </a:rPr>
+              <a:t>RIPAS</a:t>
+            </a:r>
+            <a:r>
+              <a:rPr lang="en-US" dirty="0" smtClean="0">
+                <a:solidFill>
                   <a:schemeClr val="bg1"/>
                 </a:solidFill>
-                <a:latin typeface="Adobe Gothic Std B" panose="020B0800000000000000" pitchFamily="34" charset="-128"/>
-                <a:ea typeface="Adobe Gothic Std B" panose="020B0800000000000000" pitchFamily="34" charset="-128"/>
-              </a:rPr>
-              <a:t>RIPAS</a:t>
-            </a:r>
-            <a:r>
-              <a:rPr lang="en-US" dirty="0" smtClean="0">
-                <a:solidFill>
-                  <a:schemeClr val="bg1"/>
-                </a:solidFill>
-                <a:latin typeface="Adobe Gothic Std B" panose="020B0800000000000000" pitchFamily="34" charset="-128"/>
-                <a:ea typeface="Adobe Gothic Std B" panose="020B0800000000000000" pitchFamily="34" charset="-128"/>
-              </a:rPr>
-              <a:t>:</a:t>
-            </a:r>
-            <a:r>
-              <a:rPr lang="en-US" dirty="0" smtClean="0">
-                <a:solidFill>
-                  <a:schemeClr val="bg1"/>
-                </a:solidFill>
-                <a:latin typeface="Adobe Gothic Std B" panose="020B0800000000000000" pitchFamily="34" charset="-128"/>
-                <a:ea typeface="Adobe Gothic Std B" panose="020B0800000000000000" pitchFamily="34" charset="-128"/>
-              </a:rPr>
-              <a:t>		- EDIT PROFIL ADMIN</a:t>
-            </a:r>
+                <a:latin typeface="Berlin Sans FB Demi" panose="020E0802020502020306" pitchFamily="34" charset="0"/>
+                <a:ea typeface="Adobe Gothic Std B" panose="020B0800000000000000" pitchFamily="34" charset="-128"/>
+              </a:rPr>
+              <a:t>:	</a:t>
+            </a:r>
+            <a:endParaRPr lang="id-ID" dirty="0" smtClean="0">
+              <a:solidFill>
+                <a:schemeClr val="bg1"/>
+              </a:solidFill>
+              <a:latin typeface="Berlin Sans FB Demi" panose="020E0802020502020306" pitchFamily="34" charset="0"/>
+              <a:ea typeface="Adobe Gothic Std B" panose="020B0800000000000000" pitchFamily="34" charset="-128"/>
+            </a:endParaRPr>
           </a:p>
           <a:p>
             <a:pPr marL="0" indent="0">
               <a:buNone/>
             </a:pPr>
             <a:r>
-              <a:rPr lang="en-US" dirty="0">
+              <a:rPr lang="id-ID" dirty="0">
                 <a:solidFill>
                   <a:schemeClr val="bg1"/>
                 </a:solidFill>
-                <a:latin typeface="Adobe Gothic Std B" panose="020B0800000000000000" pitchFamily="34" charset="-128"/>
+                <a:latin typeface="Berlin Sans FB Demi" panose="020E0802020502020306" pitchFamily="34" charset="0"/>
                 <a:ea typeface="Adobe Gothic Std B" panose="020B0800000000000000" pitchFamily="34" charset="-128"/>
               </a:rPr>
               <a:t>	</a:t>
@@ -13761,102 +14304,103 @@
                 <a:solidFill>
                   <a:schemeClr val="bg1"/>
                 </a:solidFill>
-                <a:latin typeface="Adobe Gothic Std B" panose="020B0800000000000000" pitchFamily="34" charset="-128"/>
-                <a:ea typeface="Adobe Gothic Std B" panose="020B0800000000000000" pitchFamily="34" charset="-128"/>
-              </a:rPr>
-              <a:t>	- MENAMPILKAN PROFIL ADMIN</a:t>
-            </a:r>
+                <a:latin typeface="Berlin Sans FB Demi" panose="020E0802020502020306" pitchFamily="34" charset="0"/>
+                <a:ea typeface="Adobe Gothic Std B" panose="020B0800000000000000" pitchFamily="34" charset="-128"/>
+              </a:rPr>
+              <a:t>- </a:t>
+            </a:r>
+            <a:r>
+              <a:rPr lang="id-ID" dirty="0" smtClean="0">
+                <a:solidFill>
+                  <a:schemeClr val="bg1"/>
+                </a:solidFill>
+                <a:latin typeface="Berlin Sans FB Demi" panose="020E0802020502020306" pitchFamily="34" charset="0"/>
+                <a:ea typeface="Adobe Gothic Std B" panose="020B0800000000000000" pitchFamily="34" charset="-128"/>
+              </a:rPr>
+              <a:t>Desain view web page untuk admin</a:t>
+            </a:r>
+            <a:endParaRPr lang="en-US" dirty="0" smtClean="0">
+              <a:solidFill>
+                <a:schemeClr val="bg1"/>
+              </a:solidFill>
+              <a:latin typeface="Berlin Sans FB Demi" panose="020E0802020502020306" pitchFamily="34" charset="0"/>
+              <a:ea typeface="Adobe Gothic Std B" panose="020B0800000000000000" pitchFamily="34" charset="-128"/>
+            </a:endParaRPr>
           </a:p>
           <a:p>
             <a:pPr marL="0" indent="0">
               <a:buNone/>
             </a:pPr>
             <a:r>
+              <a:rPr lang="en-US" dirty="0" smtClean="0">
+                <a:solidFill>
+                  <a:schemeClr val="bg1"/>
+                </a:solidFill>
+                <a:latin typeface="Berlin Sans FB Demi" panose="020E0802020502020306" pitchFamily="34" charset="0"/>
+                <a:ea typeface="Adobe Gothic Std B" panose="020B0800000000000000" pitchFamily="34" charset="-128"/>
+              </a:rPr>
+              <a:t>	-</a:t>
+            </a:r>
+            <a:r>
               <a:rPr lang="id-ID" dirty="0" smtClean="0">
                 <a:solidFill>
                   <a:schemeClr val="bg1"/>
                 </a:solidFill>
-                <a:latin typeface="Adobe Gothic Std B" panose="020B0800000000000000" pitchFamily="34" charset="-128"/>
-                <a:ea typeface="Adobe Gothic Std B" panose="020B0800000000000000" pitchFamily="34" charset="-128"/>
-              </a:rPr>
-              <a:t>SHABRINA</a:t>
-            </a:r>
-            <a:r>
-              <a:rPr lang="en-US" dirty="0" smtClean="0">
-                <a:solidFill>
-                  <a:schemeClr val="bg1"/>
-                </a:solidFill>
-                <a:latin typeface="Adobe Gothic Std B" panose="020B0800000000000000" pitchFamily="34" charset="-128"/>
-                <a:ea typeface="Adobe Gothic Std B" panose="020B0800000000000000" pitchFamily="34" charset="-128"/>
-              </a:rPr>
-              <a:t>:</a:t>
-            </a:r>
-            <a:r>
-              <a:rPr lang="en-US" dirty="0" smtClean="0">
-                <a:solidFill>
-                  <a:schemeClr val="bg1"/>
-                </a:solidFill>
-                <a:latin typeface="Adobe Gothic Std B" panose="020B0800000000000000" pitchFamily="34" charset="-128"/>
-                <a:ea typeface="Adobe Gothic Std B" panose="020B0800000000000000" pitchFamily="34" charset="-128"/>
-              </a:rPr>
-              <a:t>	</a:t>
-            </a:r>
-            <a:r>
-              <a:rPr lang="en-US" dirty="0" smtClean="0">
-                <a:solidFill>
-                  <a:schemeClr val="bg1"/>
-                </a:solidFill>
-                <a:latin typeface="Adobe Gothic Std B" panose="020B0800000000000000" pitchFamily="34" charset="-128"/>
-                <a:ea typeface="Adobe Gothic Std B" panose="020B0800000000000000" pitchFamily="34" charset="-128"/>
-              </a:rPr>
-              <a:t>- </a:t>
-            </a:r>
-            <a:r>
-              <a:rPr lang="en-US" dirty="0" smtClean="0">
-                <a:solidFill>
-                  <a:schemeClr val="bg1"/>
-                </a:solidFill>
-                <a:latin typeface="Adobe Gothic Std B" panose="020B0800000000000000" pitchFamily="34" charset="-128"/>
-                <a:ea typeface="Adobe Gothic Std B" panose="020B0800000000000000" pitchFamily="34" charset="-128"/>
-              </a:rPr>
-              <a:t>LOGIN</a:t>
-            </a:r>
+                <a:latin typeface="Berlin Sans FB Demi" panose="020E0802020502020306" pitchFamily="34" charset="0"/>
+                <a:ea typeface="Adobe Gothic Std B" panose="020B0800000000000000" pitchFamily="34" charset="-128"/>
+              </a:rPr>
+              <a:t> Implementasi web page untuk admin</a:t>
+            </a:r>
+            <a:endParaRPr lang="en-US" dirty="0" smtClean="0">
+              <a:solidFill>
+                <a:schemeClr val="bg1"/>
+              </a:solidFill>
+              <a:latin typeface="Berlin Sans FB Demi" panose="020E0802020502020306" pitchFamily="34" charset="0"/>
+              <a:ea typeface="Adobe Gothic Std B" panose="020B0800000000000000" pitchFamily="34" charset="-128"/>
+            </a:endParaRPr>
           </a:p>
           <a:p>
             <a:pPr marL="0" indent="0">
               <a:buNone/>
             </a:pPr>
             <a:r>
-              <a:rPr lang="en-US" dirty="0">
+              <a:rPr lang="id-ID" dirty="0" smtClean="0">
+                <a:solidFill>
+                  <a:srgbClr val="F4C049"/>
+                </a:solidFill>
+                <a:latin typeface="Berlin Sans FB Demi" panose="020E0802020502020306" pitchFamily="34" charset="0"/>
+                <a:ea typeface="Adobe Gothic Std B" panose="020B0800000000000000" pitchFamily="34" charset="-128"/>
+              </a:rPr>
+              <a:t>SHABRINA</a:t>
+            </a:r>
+            <a:r>
+              <a:rPr lang="en-US" dirty="0" smtClean="0">
                 <a:solidFill>
                   <a:schemeClr val="bg1"/>
                 </a:solidFill>
-                <a:latin typeface="Adobe Gothic Std B" panose="020B0800000000000000" pitchFamily="34" charset="-128"/>
-                <a:ea typeface="Adobe Gothic Std B" panose="020B0800000000000000" pitchFamily="34" charset="-128"/>
-              </a:rPr>
-              <a:t>	</a:t>
-            </a:r>
-            <a:r>
-              <a:rPr lang="en-US" dirty="0" smtClean="0">
-                <a:solidFill>
-                  <a:schemeClr val="bg1"/>
-                </a:solidFill>
-                <a:latin typeface="Adobe Gothic Std B" panose="020B0800000000000000" pitchFamily="34" charset="-128"/>
-                <a:ea typeface="Adobe Gothic Std B" panose="020B0800000000000000" pitchFamily="34" charset="-128"/>
-              </a:rPr>
-              <a:t>	- HISTORY ABSENSI &amp; ISTIRAHAT KELUAR</a:t>
-            </a:r>
+                <a:latin typeface="Berlin Sans FB Demi" panose="020E0802020502020306" pitchFamily="34" charset="0"/>
+                <a:ea typeface="Adobe Gothic Std B" panose="020B0800000000000000" pitchFamily="34" charset="-128"/>
+              </a:rPr>
+              <a:t>:	</a:t>
+            </a:r>
+            <a:endParaRPr lang="id-ID" dirty="0">
+              <a:solidFill>
+                <a:schemeClr val="bg1"/>
+              </a:solidFill>
+              <a:latin typeface="Berlin Sans FB Demi" panose="020E0802020502020306" pitchFamily="34" charset="0"/>
+              <a:ea typeface="Adobe Gothic Std B" panose="020B0800000000000000" pitchFamily="34" charset="-128"/>
+            </a:endParaRPr>
           </a:p>
           <a:p>
             <a:pPr marL="0" indent="0">
               <a:buNone/>
             </a:pPr>
             <a:r>
-              <a:rPr lang="en-US" dirty="0">
+              <a:rPr lang="id-ID" dirty="0" smtClean="0">
                 <a:solidFill>
                   <a:schemeClr val="bg1"/>
                 </a:solidFill>
-                <a:latin typeface="Adobe Gothic Std B" panose="020B0800000000000000" pitchFamily="34" charset="-128"/>
+                <a:latin typeface="Berlin Sans FB Demi" panose="020E0802020502020306" pitchFamily="34" charset="0"/>
                 <a:ea typeface="Adobe Gothic Std B" panose="020B0800000000000000" pitchFamily="34" charset="-128"/>
               </a:rPr>
               <a:t>	</a:t>
@@ -13866,350 +14410,280 @@
                 <a:solidFill>
                   <a:schemeClr val="bg1"/>
                 </a:solidFill>
-                <a:latin typeface="Adobe Gothic Std B" panose="020B0800000000000000" pitchFamily="34" charset="-128"/>
-                <a:ea typeface="Adobe Gothic Std B" panose="020B0800000000000000" pitchFamily="34" charset="-128"/>
-              </a:rPr>
-              <a:t>	- FINISHING</a:t>
-            </a:r>
+                <a:latin typeface="Berlin Sans FB Demi" panose="020E0802020502020306" pitchFamily="34" charset="0"/>
+                <a:ea typeface="Adobe Gothic Std B" panose="020B0800000000000000" pitchFamily="34" charset="-128"/>
+              </a:rPr>
+              <a:t>- </a:t>
+            </a:r>
+            <a:r>
+              <a:rPr lang="id-ID" dirty="0" smtClean="0">
+                <a:solidFill>
+                  <a:schemeClr val="bg1"/>
+                </a:solidFill>
+                <a:latin typeface="Berlin Sans FB Demi" panose="020E0802020502020306" pitchFamily="34" charset="0"/>
+                <a:ea typeface="Adobe Gothic Std B" panose="020B0800000000000000" pitchFamily="34" charset="-128"/>
+              </a:rPr>
+              <a:t>Spesifikasi kebutuhan</a:t>
+            </a:r>
+            <a:endParaRPr lang="en-US" dirty="0" smtClean="0">
+              <a:solidFill>
+                <a:schemeClr val="bg1"/>
+              </a:solidFill>
+              <a:latin typeface="Berlin Sans FB Demi" panose="020E0802020502020306" pitchFamily="34" charset="0"/>
+              <a:ea typeface="Adobe Gothic Std B" panose="020B0800000000000000" pitchFamily="34" charset="-128"/>
+            </a:endParaRPr>
           </a:p>
           <a:p>
             <a:pPr marL="0" indent="0">
               <a:buNone/>
             </a:pPr>
             <a:r>
+              <a:rPr lang="en-US" dirty="0" smtClean="0">
+                <a:solidFill>
+                  <a:schemeClr val="bg1"/>
+                </a:solidFill>
+                <a:latin typeface="Berlin Sans FB Demi" panose="020E0802020502020306" pitchFamily="34" charset="0"/>
+                <a:ea typeface="Adobe Gothic Std B" panose="020B0800000000000000" pitchFamily="34" charset="-128"/>
+              </a:rPr>
+              <a:t>	- </a:t>
+            </a:r>
+            <a:r>
               <a:rPr lang="id-ID" dirty="0" smtClean="0">
                 <a:solidFill>
                   <a:schemeClr val="bg1"/>
                 </a:solidFill>
-                <a:latin typeface="Adobe Gothic Std B" panose="020B0800000000000000" pitchFamily="34" charset="-128"/>
-                <a:ea typeface="Adobe Gothic Std B" panose="020B0800000000000000" pitchFamily="34" charset="-128"/>
-              </a:rPr>
-              <a:t>CHRISTO</a:t>
-            </a:r>
-            <a:r>
-              <a:rPr lang="en-US" dirty="0" smtClean="0">
-                <a:solidFill>
-                  <a:schemeClr val="bg1"/>
-                </a:solidFill>
-                <a:latin typeface="Adobe Gothic Std B" panose="020B0800000000000000" pitchFamily="34" charset="-128"/>
-                <a:ea typeface="Adobe Gothic Std B" panose="020B0800000000000000" pitchFamily="34" charset="-128"/>
-              </a:rPr>
-              <a:t>:</a:t>
-            </a:r>
-            <a:r>
-              <a:rPr lang="en-US" dirty="0" smtClean="0">
-                <a:solidFill>
-                  <a:schemeClr val="bg1"/>
-                </a:solidFill>
-                <a:latin typeface="Adobe Gothic Std B" panose="020B0800000000000000" pitchFamily="34" charset="-128"/>
-                <a:ea typeface="Adobe Gothic Std B" panose="020B0800000000000000" pitchFamily="34" charset="-128"/>
-              </a:rPr>
-              <a:t>	- DESAIN USER-INTERFACE</a:t>
-            </a:r>
+                <a:latin typeface="Berlin Sans FB Demi" panose="020E0802020502020306" pitchFamily="34" charset="0"/>
+                <a:ea typeface="Adobe Gothic Std B" panose="020B0800000000000000" pitchFamily="34" charset="-128"/>
+              </a:rPr>
+              <a:t>Pembuatan dokumen</a:t>
+            </a:r>
+            <a:endParaRPr lang="en-US" dirty="0" smtClean="0">
+              <a:solidFill>
+                <a:schemeClr val="bg1"/>
+              </a:solidFill>
+              <a:latin typeface="Berlin Sans FB Demi" panose="020E0802020502020306" pitchFamily="34" charset="0"/>
+              <a:ea typeface="Adobe Gothic Std B" panose="020B0800000000000000" pitchFamily="34" charset="-128"/>
+            </a:endParaRPr>
           </a:p>
           <a:p>
             <a:pPr marL="0" indent="0">
               <a:buNone/>
             </a:pPr>
             <a:r>
-              <a:rPr lang="en-US" dirty="0">
+              <a:rPr lang="id-ID" dirty="0" smtClean="0">
+                <a:solidFill>
+                  <a:srgbClr val="F4C049"/>
+                </a:solidFill>
+                <a:latin typeface="Berlin Sans FB Demi" panose="020E0802020502020306" pitchFamily="34" charset="0"/>
+                <a:ea typeface="Adobe Gothic Std B" panose="020B0800000000000000" pitchFamily="34" charset="-128"/>
+              </a:rPr>
+              <a:t>CHRISTO</a:t>
+            </a:r>
+            <a:r>
+              <a:rPr lang="en-US" dirty="0" smtClean="0">
                 <a:solidFill>
                   <a:schemeClr val="bg1"/>
                 </a:solidFill>
-                <a:latin typeface="Adobe Gothic Std B" panose="020B0800000000000000" pitchFamily="34" charset="-128"/>
-                <a:ea typeface="Adobe Gothic Std B" panose="020B0800000000000000" pitchFamily="34" charset="-128"/>
-              </a:rPr>
-              <a:t>	</a:t>
-            </a:r>
-            <a:r>
-              <a:rPr lang="en-US" dirty="0" smtClean="0">
-                <a:solidFill>
-                  <a:schemeClr val="bg1"/>
-                </a:solidFill>
-                <a:latin typeface="Adobe Gothic Std B" panose="020B0800000000000000" pitchFamily="34" charset="-128"/>
-                <a:ea typeface="Adobe Gothic Std B" panose="020B0800000000000000" pitchFamily="34" charset="-128"/>
-              </a:rPr>
-              <a:t>	- SPESIFIKASI KEBUTUHAN</a:t>
-            </a:r>
+                <a:latin typeface="Berlin Sans FB Demi" panose="020E0802020502020306" pitchFamily="34" charset="0"/>
+                <a:ea typeface="Adobe Gothic Std B" panose="020B0800000000000000" pitchFamily="34" charset="-128"/>
+              </a:rPr>
+              <a:t>:	</a:t>
+            </a:r>
+            <a:endParaRPr lang="id-ID" dirty="0" smtClean="0">
+              <a:solidFill>
+                <a:schemeClr val="bg1"/>
+              </a:solidFill>
+              <a:latin typeface="Berlin Sans FB Demi" panose="020E0802020502020306" pitchFamily="34" charset="0"/>
+              <a:ea typeface="Adobe Gothic Std B" panose="020B0800000000000000" pitchFamily="34" charset="-128"/>
+            </a:endParaRPr>
           </a:p>
           <a:p>
             <a:pPr marL="0" indent="0">
               <a:buNone/>
             </a:pPr>
             <a:r>
+              <a:rPr lang="id-ID" dirty="0" smtClean="0">
+                <a:solidFill>
+                  <a:schemeClr val="bg1"/>
+                </a:solidFill>
+                <a:latin typeface="Berlin Sans FB Demi" panose="020E0802020502020306" pitchFamily="34" charset="0"/>
+                <a:ea typeface="Adobe Gothic Std B" panose="020B0800000000000000" pitchFamily="34" charset="-128"/>
+              </a:rPr>
+              <a:t>	</a:t>
+            </a:r>
+            <a:r>
               <a:rPr lang="en-US" dirty="0" smtClean="0">
                 <a:solidFill>
                   <a:schemeClr val="bg1"/>
                 </a:solidFill>
-                <a:latin typeface="Adobe Gothic Std B" panose="020B0800000000000000" pitchFamily="34" charset="-128"/>
-                <a:ea typeface="Adobe Gothic Std B" panose="020B0800000000000000" pitchFamily="34" charset="-128"/>
-              </a:rPr>
-              <a:t>RATIH:		- MENAMBAH PEGAWAI</a:t>
-            </a:r>
+                <a:latin typeface="Berlin Sans FB Demi" panose="020E0802020502020306" pitchFamily="34" charset="0"/>
+                <a:ea typeface="Adobe Gothic Std B" panose="020B0800000000000000" pitchFamily="34" charset="-128"/>
+              </a:rPr>
+              <a:t>- </a:t>
+            </a:r>
+            <a:r>
+              <a:rPr lang="en-US" dirty="0" err="1" smtClean="0">
+                <a:solidFill>
+                  <a:schemeClr val="bg1"/>
+                </a:solidFill>
+                <a:latin typeface="Berlin Sans FB Demi" panose="020E0802020502020306" pitchFamily="34" charset="0"/>
+                <a:ea typeface="Adobe Gothic Std B" panose="020B0800000000000000" pitchFamily="34" charset="-128"/>
+              </a:rPr>
+              <a:t>Desain</a:t>
+            </a:r>
+            <a:r>
+              <a:rPr lang="en-US" dirty="0" smtClean="0">
+                <a:solidFill>
+                  <a:schemeClr val="bg1"/>
+                </a:solidFill>
+                <a:latin typeface="Berlin Sans FB Demi" panose="020E0802020502020306" pitchFamily="34" charset="0"/>
+                <a:ea typeface="Adobe Gothic Std B" panose="020B0800000000000000" pitchFamily="34" charset="-128"/>
+              </a:rPr>
+              <a:t> </a:t>
+            </a:r>
+            <a:r>
+              <a:rPr lang="id-ID" dirty="0" smtClean="0">
+                <a:solidFill>
+                  <a:schemeClr val="bg1"/>
+                </a:solidFill>
+                <a:latin typeface="Berlin Sans FB Demi" panose="020E0802020502020306" pitchFamily="34" charset="0"/>
+                <a:ea typeface="Adobe Gothic Std B" panose="020B0800000000000000" pitchFamily="34" charset="-128"/>
+              </a:rPr>
+              <a:t>view web page untuk guest</a:t>
+            </a:r>
+            <a:endParaRPr lang="en-US" dirty="0" smtClean="0">
+              <a:solidFill>
+                <a:schemeClr val="bg1"/>
+              </a:solidFill>
+              <a:latin typeface="Berlin Sans FB Demi" panose="020E0802020502020306" pitchFamily="34" charset="0"/>
+              <a:ea typeface="Adobe Gothic Std B" panose="020B0800000000000000" pitchFamily="34" charset="-128"/>
+            </a:endParaRPr>
           </a:p>
           <a:p>
             <a:pPr marL="0" indent="0">
               <a:buNone/>
             </a:pPr>
             <a:r>
-              <a:rPr lang="en-US" dirty="0">
+              <a:rPr lang="en-US" dirty="0" smtClean="0">
                 <a:solidFill>
                   <a:schemeClr val="bg1"/>
                 </a:solidFill>
-                <a:latin typeface="Adobe Gothic Std B" panose="020B0800000000000000" pitchFamily="34" charset="-128"/>
-                <a:ea typeface="Adobe Gothic Std B" panose="020B0800000000000000" pitchFamily="34" charset="-128"/>
-              </a:rPr>
-              <a:t>	</a:t>
-            </a:r>
-            <a:r>
-              <a:rPr lang="en-US" dirty="0" smtClean="0">
+                <a:latin typeface="Berlin Sans FB Demi" panose="020E0802020502020306" pitchFamily="34" charset="0"/>
+                <a:ea typeface="Adobe Gothic Std B" panose="020B0800000000000000" pitchFamily="34" charset="-128"/>
+              </a:rPr>
+              <a:t>	- </a:t>
+            </a:r>
+            <a:r>
+              <a:rPr lang="id-ID" dirty="0" smtClean="0">
                 <a:solidFill>
                   <a:schemeClr val="bg1"/>
                 </a:solidFill>
-                <a:latin typeface="Adobe Gothic Std B" panose="020B0800000000000000" pitchFamily="34" charset="-128"/>
-                <a:ea typeface="Adobe Gothic Std B" panose="020B0800000000000000" pitchFamily="34" charset="-128"/>
-              </a:rPr>
-              <a:t>	- MENAMPILKAN LIST PEGAWAI</a:t>
-            </a:r>
-          </a:p>
-          <a:p>
-            <a:pPr marL="0" indent="0">
-              <a:buNone/>
-            </a:pPr>
-            <a:r>
-              <a:rPr lang="en-US" dirty="0" smtClean="0">
-                <a:solidFill>
-                  <a:schemeClr val="bg1"/>
-                </a:solidFill>
-                <a:latin typeface="Adobe Gothic Std B" panose="020B0800000000000000" pitchFamily="34" charset="-128"/>
-                <a:ea typeface="Adobe Gothic Std B" panose="020B0800000000000000" pitchFamily="34" charset="-128"/>
-              </a:rPr>
-              <a:t>OPIT:		- INPUT ABSENSI</a:t>
-            </a:r>
-          </a:p>
-          <a:p>
-            <a:pPr marL="0" indent="0">
-              <a:buNone/>
-            </a:pPr>
-            <a:r>
-              <a:rPr lang="en-US" dirty="0">
-                <a:solidFill>
-                  <a:schemeClr val="bg1"/>
-                </a:solidFill>
-                <a:latin typeface="Adobe Gothic Std B" panose="020B0800000000000000" pitchFamily="34" charset="-128"/>
-                <a:ea typeface="Adobe Gothic Std B" panose="020B0800000000000000" pitchFamily="34" charset="-128"/>
-              </a:rPr>
-              <a:t>	</a:t>
-            </a:r>
-            <a:r>
-              <a:rPr lang="en-US" dirty="0" smtClean="0">
-                <a:solidFill>
-                  <a:schemeClr val="bg1"/>
-                </a:solidFill>
-                <a:latin typeface="Adobe Gothic Std B" panose="020B0800000000000000" pitchFamily="34" charset="-128"/>
-                <a:ea typeface="Adobe Gothic Std B" panose="020B0800000000000000" pitchFamily="34" charset="-128"/>
-              </a:rPr>
-              <a:t>	- HISTORY ABSENSI PEGAWAI</a:t>
-            </a:r>
-          </a:p>
-          <a:p>
-            <a:pPr marL="0" indent="0">
-              <a:buNone/>
-            </a:pPr>
-            <a:r>
-              <a:rPr lang="en-US" dirty="0">
-                <a:solidFill>
-                  <a:schemeClr val="bg1"/>
-                </a:solidFill>
-                <a:latin typeface="Adobe Gothic Std B" panose="020B0800000000000000" pitchFamily="34" charset="-128"/>
-                <a:ea typeface="Adobe Gothic Std B" panose="020B0800000000000000" pitchFamily="34" charset="-128"/>
-              </a:rPr>
-              <a:t>	</a:t>
-            </a:r>
-            <a:r>
-              <a:rPr lang="en-US" dirty="0" smtClean="0">
-                <a:solidFill>
-                  <a:schemeClr val="bg1"/>
-                </a:solidFill>
-                <a:latin typeface="Adobe Gothic Std B" panose="020B0800000000000000" pitchFamily="34" charset="-128"/>
-                <a:ea typeface="Adobe Gothic Std B" panose="020B0800000000000000" pitchFamily="34" charset="-128"/>
-              </a:rPr>
-              <a:t>	</a:t>
-            </a:r>
-            <a:r>
-              <a:rPr lang="en-US" dirty="0">
-                <a:solidFill>
-                  <a:schemeClr val="bg1"/>
-                </a:solidFill>
-                <a:latin typeface="Adobe Gothic Std B" panose="020B0800000000000000" pitchFamily="34" charset="-128"/>
-                <a:ea typeface="Adobe Gothic Std B" panose="020B0800000000000000" pitchFamily="34" charset="-128"/>
-              </a:rPr>
-              <a:t>- HISTORY ABSENSI &amp; ISTIRAHAT </a:t>
-            </a:r>
-            <a:r>
-              <a:rPr lang="en-US" dirty="0" smtClean="0">
-                <a:solidFill>
-                  <a:schemeClr val="bg1"/>
-                </a:solidFill>
-                <a:latin typeface="Adobe Gothic Std B" panose="020B0800000000000000" pitchFamily="34" charset="-128"/>
-                <a:ea typeface="Adobe Gothic Std B" panose="020B0800000000000000" pitchFamily="34" charset="-128"/>
-              </a:rPr>
-              <a:t>MASUK</a:t>
-            </a:r>
-            <a:endParaRPr lang="en-US" dirty="0">
+                <a:latin typeface="Berlin Sans FB Demi" panose="020E0802020502020306" pitchFamily="34" charset="0"/>
+                <a:ea typeface="Adobe Gothic Std B" panose="020B0800000000000000" pitchFamily="34" charset="-128"/>
+              </a:rPr>
+              <a:t>Implementasi web page untuk guest</a:t>
+            </a:r>
+            <a:endParaRPr lang="en-US" dirty="0" smtClean="0">
               <a:solidFill>
                 <a:schemeClr val="bg1"/>
               </a:solidFill>
-              <a:latin typeface="Adobe Gothic Std B" panose="020B0800000000000000" pitchFamily="34" charset="-128"/>
+              <a:latin typeface="Berlin Sans FB Demi" panose="020E0802020502020306" pitchFamily="34" charset="0"/>
               <a:ea typeface="Adobe Gothic Std B" panose="020B0800000000000000" pitchFamily="34" charset="-128"/>
             </a:endParaRPr>
           </a:p>
         </p:txBody>
       </p:sp>
-      <p:sp>
-        <p:nvSpPr>
-          <p:cNvPr id="5" name="Rectangle 4"/>
-          <p:cNvSpPr/>
+      <p:grpSp>
+        <p:nvGrpSpPr>
+          <p:cNvPr id="8" name="Group 7"/>
+          <p:cNvGrpSpPr/>
           <p:nvPr/>
-        </p:nvSpPr>
-        <p:spPr>
-          <a:xfrm rot="19149073">
-            <a:off x="8940800" y="5695721"/>
-            <a:ext cx="4281714" cy="377372"/>
+        </p:nvGrpSpPr>
+        <p:grpSpPr>
+          <a:xfrm>
+            <a:off x="0" y="6239255"/>
+            <a:ext cx="12301227" cy="618745"/>
+            <a:chOff x="0" y="6239255"/>
+            <a:chExt cx="12301227" cy="618745"/>
           </a:xfrm>
-          <a:prstGeom prst="rect">
-            <a:avLst/>
-          </a:prstGeom>
-          <a:solidFill>
-            <a:schemeClr val="bg1"/>
-          </a:solidFill>
-          <a:ln>
+        </p:grpSpPr>
+        <p:sp>
+          <p:nvSpPr>
+            <p:cNvPr id="9" name="Rectangle 8"/>
+            <p:cNvSpPr/>
+            <p:nvPr/>
+          </p:nvSpPr>
+          <p:spPr>
+            <a:xfrm>
+              <a:off x="0" y="6324600"/>
+              <a:ext cx="4927600" cy="533400"/>
+            </a:xfrm>
+            <a:prstGeom prst="rect">
+              <a:avLst/>
+            </a:prstGeom>
             <a:solidFill>
-              <a:schemeClr val="bg1"/>
+              <a:srgbClr val="194206"/>
             </a:solidFill>
-          </a:ln>
-        </p:spPr>
-        <p:style>
-          <a:lnRef idx="2">
-            <a:schemeClr val="accent1">
-              <a:shade val="50000"/>
-            </a:schemeClr>
-          </a:lnRef>
-          <a:fillRef idx="1">
-            <a:schemeClr val="accent1"/>
-          </a:fillRef>
-          <a:effectRef idx="0">
-            <a:schemeClr val="accent1"/>
-          </a:effectRef>
-          <a:fontRef idx="minor">
-            <a:schemeClr val="lt1"/>
-          </a:fontRef>
-        </p:style>
-        <p:txBody>
-          <a:bodyPr rtlCol="0" anchor="ctr"/>
-          <a:lstStyle/>
-          <a:p>
-            <a:pPr algn="ctr"/>
-            <a:endParaRPr lang="en-US"/>
-          </a:p>
-        </p:txBody>
-      </p:sp>
-      <p:sp>
-        <p:nvSpPr>
-          <p:cNvPr id="6" name="Rectangle 5"/>
-          <p:cNvSpPr/>
-          <p:nvPr/>
-        </p:nvSpPr>
-        <p:spPr>
-          <a:xfrm rot="19149073">
-            <a:off x="7874371" y="5147208"/>
-            <a:ext cx="5306549" cy="539811"/>
-          </a:xfrm>
-          <a:prstGeom prst="rect">
-            <a:avLst/>
-          </a:prstGeom>
-          <a:solidFill>
-            <a:schemeClr val="bg1"/>
-          </a:solidFill>
-          <a:ln>
-            <a:solidFill>
-              <a:schemeClr val="bg1"/>
-            </a:solidFill>
-          </a:ln>
-        </p:spPr>
-        <p:style>
-          <a:lnRef idx="2">
-            <a:schemeClr val="accent1">
-              <a:shade val="50000"/>
-            </a:schemeClr>
-          </a:lnRef>
-          <a:fillRef idx="1">
-            <a:schemeClr val="accent1"/>
-          </a:fillRef>
-          <a:effectRef idx="0">
-            <a:schemeClr val="accent1"/>
-          </a:effectRef>
-          <a:fontRef idx="minor">
-            <a:schemeClr val="lt1"/>
-          </a:fontRef>
-        </p:style>
-        <p:txBody>
-          <a:bodyPr rtlCol="0" anchor="ctr"/>
-          <a:lstStyle/>
-          <a:p>
-            <a:pPr algn="ctr"/>
-            <a:endParaRPr lang="en-US"/>
-          </a:p>
-        </p:txBody>
-      </p:sp>
-      <p:sp>
-        <p:nvSpPr>
-          <p:cNvPr id="7" name="Rectangle 6"/>
-          <p:cNvSpPr/>
-          <p:nvPr/>
-        </p:nvSpPr>
-        <p:spPr>
-          <a:xfrm rot="19149073">
-            <a:off x="9488307" y="6129070"/>
-            <a:ext cx="4092359" cy="255098"/>
-          </a:xfrm>
-          <a:prstGeom prst="rect">
-            <a:avLst/>
-          </a:prstGeom>
-          <a:solidFill>
-            <a:schemeClr val="bg1"/>
-          </a:solidFill>
-          <a:ln>
-            <a:solidFill>
-              <a:schemeClr val="bg1"/>
-            </a:solidFill>
-          </a:ln>
-        </p:spPr>
-        <p:style>
-          <a:lnRef idx="2">
-            <a:schemeClr val="accent1">
-              <a:shade val="50000"/>
-            </a:schemeClr>
-          </a:lnRef>
-          <a:fillRef idx="1">
-            <a:schemeClr val="accent1"/>
-          </a:fillRef>
-          <a:effectRef idx="0">
-            <a:schemeClr val="accent1"/>
-          </a:effectRef>
-          <a:fontRef idx="minor">
-            <a:schemeClr val="lt1"/>
-          </a:fontRef>
-        </p:style>
-        <p:txBody>
-          <a:bodyPr rtlCol="0" anchor="ctr"/>
-          <a:lstStyle/>
-          <a:p>
-            <a:pPr algn="ctr"/>
-            <a:endParaRPr lang="en-US"/>
-          </a:p>
-        </p:txBody>
-      </p:sp>
+            <a:ln>
+              <a:noFill/>
+            </a:ln>
+          </p:spPr>
+          <p:style>
+            <a:lnRef idx="2">
+              <a:schemeClr val="accent1">
+                <a:shade val="50000"/>
+              </a:schemeClr>
+            </a:lnRef>
+            <a:fillRef idx="1">
+              <a:schemeClr val="accent1"/>
+            </a:fillRef>
+            <a:effectRef idx="0">
+              <a:schemeClr val="accent1"/>
+            </a:effectRef>
+            <a:fontRef idx="minor">
+              <a:schemeClr val="lt1"/>
+            </a:fontRef>
+          </p:style>
+          <p:txBody>
+            <a:bodyPr rtlCol="0" anchor="ctr"/>
+            <a:lstStyle/>
+            <a:p>
+              <a:pPr algn="ctr"/>
+              <a:endParaRPr lang="id-ID"/>
+            </a:p>
+          </p:txBody>
+        </p:sp>
+        <p:pic>
+          <p:nvPicPr>
+            <p:cNvPr id="10" name="Picture 9"/>
+            <p:cNvPicPr>
+              <a:picLocks noChangeAspect="1"/>
+            </p:cNvPicPr>
+            <p:nvPr/>
+          </p:nvPicPr>
+          <p:blipFill>
+            <a:blip r:embed="rId2" cstate="print">
+              <a:extLst>
+                <a:ext uri="{28A0092B-C50C-407E-A947-70E740481C1C}">
+                  <a14:useLocalDpi xmlns:a14="http://schemas.microsoft.com/office/drawing/2010/main" val="0"/>
+                </a:ext>
+              </a:extLst>
+            </a:blip>
+            <a:stretch>
+              <a:fillRect/>
+            </a:stretch>
+          </p:blipFill>
+          <p:spPr>
+            <a:xfrm>
+              <a:off x="4742172" y="6239255"/>
+              <a:ext cx="7559055" cy="618745"/>
+            </a:xfrm>
+            <a:prstGeom prst="rect">
+              <a:avLst/>
+            </a:prstGeom>
+          </p:spPr>
+        </p:pic>
+      </p:grpSp>
     </p:spTree>
     <p:extLst>
       <p:ext uri="{BB962C8B-B14F-4D97-AF65-F5344CB8AC3E}">
@@ -14220,6 +14694,9 @@
   <p:clrMapOvr>
     <a:masterClrMapping/>
   </p:clrMapOvr>
+  <p:transition spd="slow">
+    <p:push dir="u"/>
+  </p:transition>
   <p:timing>
     <p:tnLst>
       <p:par>
@@ -14230,17 +14707,9 @@
 </p:sld>
 </file>
 
-<file path=ppt/slides/slide14.xml><?xml version="1.0" encoding="utf-8"?>
+<file path=ppt/slides/slide15.xml><?xml version="1.0" encoding="utf-8"?>
 <p:sld xmlns:a="http://schemas.openxmlformats.org/drawingml/2006/main" xmlns:r="http://schemas.openxmlformats.org/officeDocument/2006/relationships" xmlns:p="http://schemas.openxmlformats.org/presentationml/2006/main">
   <p:cSld>
-    <p:bg>
-      <p:bgPr>
-        <a:solidFill>
-          <a:srgbClr val="DF5C64"/>
-        </a:solidFill>
-        <a:effectLst/>
-      </p:bgPr>
-    </p:bg>
     <p:spTree>
       <p:nvGrpSpPr>
         <p:cNvPr id="1" name=""/>
@@ -14267,8 +14736,8 @@
         </p:nvSpPr>
         <p:spPr>
           <a:xfrm>
-            <a:off x="664029" y="365125"/>
-            <a:ext cx="10515600" cy="1325563"/>
+            <a:off x="0" y="365125"/>
+            <a:ext cx="12192000" cy="1325563"/>
           </a:xfrm>
         </p:spPr>
         <p:txBody>
@@ -14281,260 +14750,16 @@
                 <a:solidFill>
                   <a:schemeClr val="bg1"/>
                 </a:solidFill>
-                <a:latin typeface="Adobe Gothic Std B" panose="020B0800000000000000" pitchFamily="34" charset="-128"/>
-                <a:ea typeface="Adobe Gothic Std B" panose="020B0800000000000000" pitchFamily="34" charset="-128"/>
-              </a:rPr>
-              <a:t>COST</a:t>
+                <a:latin typeface="Berlin Sans FB Demi" panose="020E0802020502020306" pitchFamily="34" charset="0"/>
+                <a:ea typeface="Adobe Gothic Std B" panose="020B0800000000000000" pitchFamily="34" charset="-128"/>
+              </a:rPr>
+              <a:t>KENDALA</a:t>
             </a:r>
             <a:endParaRPr lang="en-US" dirty="0">
               <a:solidFill>
                 <a:schemeClr val="bg1"/>
               </a:solidFill>
-              <a:latin typeface="Adobe Gothic Std B" panose="020B0800000000000000" pitchFamily="34" charset="-128"/>
-              <a:ea typeface="Adobe Gothic Std B" panose="020B0800000000000000" pitchFamily="34" charset="-128"/>
-            </a:endParaRPr>
-          </a:p>
-        </p:txBody>
-      </p:sp>
-      <p:sp>
-        <p:nvSpPr>
-          <p:cNvPr id="5" name="Rectangle 4"/>
-          <p:cNvSpPr/>
-          <p:nvPr/>
-        </p:nvSpPr>
-        <p:spPr>
-          <a:xfrm rot="19149073">
-            <a:off x="8940800" y="5695721"/>
-            <a:ext cx="4281714" cy="377372"/>
-          </a:xfrm>
-          <a:prstGeom prst="rect">
-            <a:avLst/>
-          </a:prstGeom>
-          <a:solidFill>
-            <a:schemeClr val="bg1"/>
-          </a:solidFill>
-          <a:ln>
-            <a:solidFill>
-              <a:schemeClr val="bg1"/>
-            </a:solidFill>
-          </a:ln>
-        </p:spPr>
-        <p:style>
-          <a:lnRef idx="2">
-            <a:schemeClr val="accent1">
-              <a:shade val="50000"/>
-            </a:schemeClr>
-          </a:lnRef>
-          <a:fillRef idx="1">
-            <a:schemeClr val="accent1"/>
-          </a:fillRef>
-          <a:effectRef idx="0">
-            <a:schemeClr val="accent1"/>
-          </a:effectRef>
-          <a:fontRef idx="minor">
-            <a:schemeClr val="lt1"/>
-          </a:fontRef>
-        </p:style>
-        <p:txBody>
-          <a:bodyPr rtlCol="0" anchor="ctr"/>
-          <a:lstStyle/>
-          <a:p>
-            <a:pPr algn="ctr"/>
-            <a:endParaRPr lang="en-US"/>
-          </a:p>
-        </p:txBody>
-      </p:sp>
-      <p:sp>
-        <p:nvSpPr>
-          <p:cNvPr id="6" name="Rectangle 5"/>
-          <p:cNvSpPr/>
-          <p:nvPr/>
-        </p:nvSpPr>
-        <p:spPr>
-          <a:xfrm rot="19149073">
-            <a:off x="7874371" y="5147208"/>
-            <a:ext cx="5306549" cy="539811"/>
-          </a:xfrm>
-          <a:prstGeom prst="rect">
-            <a:avLst/>
-          </a:prstGeom>
-          <a:solidFill>
-            <a:schemeClr val="bg1"/>
-          </a:solidFill>
-          <a:ln>
-            <a:solidFill>
-              <a:schemeClr val="bg1"/>
-            </a:solidFill>
-          </a:ln>
-        </p:spPr>
-        <p:style>
-          <a:lnRef idx="2">
-            <a:schemeClr val="accent1">
-              <a:shade val="50000"/>
-            </a:schemeClr>
-          </a:lnRef>
-          <a:fillRef idx="1">
-            <a:schemeClr val="accent1"/>
-          </a:fillRef>
-          <a:effectRef idx="0">
-            <a:schemeClr val="accent1"/>
-          </a:effectRef>
-          <a:fontRef idx="minor">
-            <a:schemeClr val="lt1"/>
-          </a:fontRef>
-        </p:style>
-        <p:txBody>
-          <a:bodyPr rtlCol="0" anchor="ctr"/>
-          <a:lstStyle/>
-          <a:p>
-            <a:pPr algn="ctr"/>
-            <a:endParaRPr lang="en-US"/>
-          </a:p>
-        </p:txBody>
-      </p:sp>
-      <p:sp>
-        <p:nvSpPr>
-          <p:cNvPr id="7" name="Rectangle 6"/>
-          <p:cNvSpPr/>
-          <p:nvPr/>
-        </p:nvSpPr>
-        <p:spPr>
-          <a:xfrm rot="19149073">
-            <a:off x="9488307" y="6129070"/>
-            <a:ext cx="4092359" cy="255098"/>
-          </a:xfrm>
-          <a:prstGeom prst="rect">
-            <a:avLst/>
-          </a:prstGeom>
-          <a:solidFill>
-            <a:schemeClr val="bg1"/>
-          </a:solidFill>
-          <a:ln>
-            <a:solidFill>
-              <a:schemeClr val="bg1"/>
-            </a:solidFill>
-          </a:ln>
-        </p:spPr>
-        <p:style>
-          <a:lnRef idx="2">
-            <a:schemeClr val="accent1">
-              <a:shade val="50000"/>
-            </a:schemeClr>
-          </a:lnRef>
-          <a:fillRef idx="1">
-            <a:schemeClr val="accent1"/>
-          </a:fillRef>
-          <a:effectRef idx="0">
-            <a:schemeClr val="accent1"/>
-          </a:effectRef>
-          <a:fontRef idx="minor">
-            <a:schemeClr val="lt1"/>
-          </a:fontRef>
-        </p:style>
-        <p:txBody>
-          <a:bodyPr rtlCol="0" anchor="ctr"/>
-          <a:lstStyle/>
-          <a:p>
-            <a:pPr algn="ctr"/>
-            <a:endParaRPr lang="en-US"/>
-          </a:p>
-        </p:txBody>
-      </p:sp>
-      <p:pic>
-        <p:nvPicPr>
-          <p:cNvPr id="18" name="Content Placeholder 17"/>
-          <p:cNvPicPr>
-            <a:picLocks noGrp="1" noChangeAspect="1"/>
-          </p:cNvPicPr>
-          <p:nvPr>
-            <p:ph idx="1"/>
-          </p:nvPr>
-        </p:nvPicPr>
-        <p:blipFill>
-          <a:blip r:embed="rId2"/>
-          <a:stretch>
-            <a:fillRect/>
-          </a:stretch>
-        </p:blipFill>
-        <p:spPr>
-          <a:xfrm>
-            <a:off x="1359794" y="2034797"/>
-            <a:ext cx="9994006" cy="3382316"/>
-          </a:xfrm>
-          <a:prstGeom prst="rect">
-            <a:avLst/>
-          </a:prstGeom>
-        </p:spPr>
-      </p:pic>
-    </p:spTree>
-    <p:extLst>
-      <p:ext uri="{BB962C8B-B14F-4D97-AF65-F5344CB8AC3E}">
-        <p14:creationId xmlns:p14="http://schemas.microsoft.com/office/powerpoint/2010/main" val="3772834226"/>
-      </p:ext>
-    </p:extLst>
-  </p:cSld>
-  <p:clrMapOvr>
-    <a:masterClrMapping/>
-  </p:clrMapOvr>
-</p:sld>
-</file>
-
-<file path=ppt/slides/slide15.xml><?xml version="1.0" encoding="utf-8"?>
-<p:sld xmlns:a="http://schemas.openxmlformats.org/drawingml/2006/main" xmlns:r="http://schemas.openxmlformats.org/officeDocument/2006/relationships" xmlns:p="http://schemas.openxmlformats.org/presentationml/2006/main">
-  <p:cSld>
-    <p:bg>
-      <p:bgPr>
-        <a:solidFill>
-          <a:srgbClr val="83C9BE"/>
-        </a:solidFill>
-        <a:effectLst/>
-      </p:bgPr>
-    </p:bg>
-    <p:spTree>
-      <p:nvGrpSpPr>
-        <p:cNvPr id="1" name=""/>
-        <p:cNvGrpSpPr/>
-        <p:nvPr/>
-      </p:nvGrpSpPr>
-      <p:grpSpPr>
-        <a:xfrm>
-          <a:off x="0" y="0"/>
-          <a:ext cx="0" cy="0"/>
-          <a:chOff x="0" y="0"/>
-          <a:chExt cx="0" cy="0"/>
-        </a:xfrm>
-      </p:grpSpPr>
-      <p:sp>
-        <p:nvSpPr>
-          <p:cNvPr id="2" name="Title 1"/>
-          <p:cNvSpPr>
-            <a:spLocks noGrp="1"/>
-          </p:cNvSpPr>
-          <p:nvPr>
-            <p:ph type="title"/>
-          </p:nvPr>
-        </p:nvSpPr>
-        <p:spPr/>
-        <p:txBody>
-          <a:bodyPr/>
-          <a:lstStyle/>
-          <a:p>
-            <a:pPr algn="ctr"/>
-            <a:r>
-              <a:rPr lang="en-US" dirty="0" smtClean="0">
-                <a:solidFill>
-                  <a:schemeClr val="bg1"/>
-                </a:solidFill>
-                <a:latin typeface="Adobe Gothic Std B" panose="020B0800000000000000" pitchFamily="34" charset="-128"/>
-                <a:ea typeface="Adobe Gothic Std B" panose="020B0800000000000000" pitchFamily="34" charset="-128"/>
-              </a:rPr>
-              <a:t>KENDALA</a:t>
-            </a:r>
-            <a:endParaRPr lang="en-US" dirty="0">
-              <a:solidFill>
-                <a:schemeClr val="bg1"/>
-              </a:solidFill>
-              <a:latin typeface="Adobe Gothic Std B" panose="020B0800000000000000" pitchFamily="34" charset="-128"/>
+              <a:latin typeface="Berlin Sans FB Demi" panose="020E0802020502020306" pitchFamily="34" charset="0"/>
               <a:ea typeface="Adobe Gothic Std B" panose="020B0800000000000000" pitchFamily="34" charset="-128"/>
             </a:endParaRPr>
           </a:p>
@@ -14552,70 +14777,113 @@
         </p:nvSpPr>
         <p:spPr>
           <a:xfrm>
-            <a:off x="825137" y="1956254"/>
-            <a:ext cx="10515600" cy="2145484"/>
+            <a:off x="991737" y="1969899"/>
+            <a:ext cx="10208526" cy="3884990"/>
           </a:xfrm>
         </p:spPr>
         <p:txBody>
           <a:bodyPr>
-            <a:normAutofit lnSpcReduction="10000"/>
+            <a:normAutofit/>
           </a:bodyPr>
           <a:lstStyle/>
           <a:p>
-            <a:pPr lvl="0"/>
+            <a:pPr lvl="0">
+              <a:buFont typeface="Wingdings" panose="05000000000000000000" pitchFamily="2" charset="2"/>
+              <a:buChar char="§"/>
+            </a:pPr>
             <a:r>
               <a:rPr lang="id-ID" dirty="0" smtClean="0">
                 <a:solidFill>
                   <a:schemeClr val="bg1"/>
                 </a:solidFill>
+                <a:latin typeface="Berlin Sans FB Demi" panose="020E0802020502020306" pitchFamily="34" charset="0"/>
               </a:rPr>
               <a:t>Waktu pengerjaan proyek </a:t>
             </a:r>
             <a:r>
               <a:rPr lang="id-ID" dirty="0" smtClean="0">
                 <a:solidFill>
+                  <a:srgbClr val="F4C049"/>
+                </a:solidFill>
+                <a:latin typeface="Berlin Sans FB Demi" panose="020E0802020502020306" pitchFamily="34" charset="0"/>
+              </a:rPr>
+              <a:t>tidak sesuai timeline</a:t>
+            </a:r>
+            <a:r>
+              <a:rPr lang="id-ID" dirty="0" smtClean="0">
+                <a:solidFill>
                   <a:schemeClr val="bg1"/>
                 </a:solidFill>
-              </a:rPr>
-              <a:t>tidak sesuai timeline, karena klien </a:t>
+                <a:latin typeface="Berlin Sans FB Demi" panose="020E0802020502020306" pitchFamily="34" charset="0"/>
+              </a:rPr>
+              <a:t>, karena </a:t>
             </a:r>
             <a:r>
               <a:rPr lang="id-ID" dirty="0" smtClean="0">
                 <a:solidFill>
                   <a:schemeClr val="bg1"/>
                 </a:solidFill>
-              </a:rPr>
-              <a:t>sulit dihubungi.</a:t>
+                <a:latin typeface="Berlin Sans FB Demi" panose="020E0802020502020306" pitchFamily="34" charset="0"/>
+              </a:rPr>
+              <a:t>susahnya menghubungi klien.</a:t>
             </a:r>
             <a:endParaRPr lang="id-ID" dirty="0">
               <a:solidFill>
                 <a:schemeClr val="bg1"/>
               </a:solidFill>
+              <a:latin typeface="Berlin Sans FB Demi" panose="020E0802020502020306" pitchFamily="34" charset="0"/>
             </a:endParaRPr>
           </a:p>
           <a:p>
-            <a:pPr lvl="0"/>
+            <a:pPr lvl="0">
+              <a:buFont typeface="Wingdings" panose="05000000000000000000" pitchFamily="2" charset="2"/>
+              <a:buChar char="§"/>
+            </a:pPr>
             <a:r>
               <a:rPr lang="id-ID" dirty="0" smtClean="0">
                 <a:solidFill>
                   <a:schemeClr val="bg1"/>
                 </a:solidFill>
-              </a:rPr>
-              <a:t>Beberapa kesalahan yang bersifat teknis yang membuat timeline realisasi tidak sesuai pengerjaan.</a:t>
+                <a:latin typeface="Berlin Sans FB Demi" panose="020E0802020502020306" pitchFamily="34" charset="0"/>
+              </a:rPr>
+              <a:t>Beberapa </a:t>
+            </a:r>
+            <a:r>
+              <a:rPr lang="id-ID" dirty="0" smtClean="0">
+                <a:solidFill>
+                  <a:srgbClr val="F4C049"/>
+                </a:solidFill>
+                <a:latin typeface="Berlin Sans FB Demi" panose="020E0802020502020306" pitchFamily="34" charset="0"/>
+              </a:rPr>
+              <a:t>kesalahan yang bersifat teknis</a:t>
+            </a:r>
+            <a:r>
+              <a:rPr lang="id-ID" dirty="0" smtClean="0">
+                <a:solidFill>
+                  <a:schemeClr val="bg1"/>
+                </a:solidFill>
+                <a:latin typeface="Berlin Sans FB Demi" panose="020E0802020502020306" pitchFamily="34" charset="0"/>
+              </a:rPr>
+              <a:t> yang membuat timeline realisasi tidak sesuai pengerjaan.</a:t>
             </a:r>
             <a:endParaRPr lang="id-ID" dirty="0">
               <a:solidFill>
                 <a:schemeClr val="bg1"/>
               </a:solidFill>
+              <a:latin typeface="Berlin Sans FB Demi" panose="020E0802020502020306" pitchFamily="34" charset="0"/>
             </a:endParaRPr>
           </a:p>
           <a:p>
-            <a:pPr lvl="0"/>
+            <a:pPr lvl="0">
+              <a:buFont typeface="Wingdings" panose="05000000000000000000" pitchFamily="2" charset="2"/>
+              <a:buChar char="§"/>
+            </a:pPr>
             <a:r>
               <a:rPr lang="id-ID" dirty="0" smtClean="0">
                 <a:solidFill>
                   <a:schemeClr val="bg1"/>
                 </a:solidFill>
+                <a:latin typeface="Berlin Sans FB Demi" panose="020E0802020502020306" pitchFamily="34" charset="0"/>
               </a:rPr>
               <a:t>Bingung </a:t>
             </a:r>
@@ -14624,164 +14892,173 @@
                 <a:solidFill>
                   <a:schemeClr val="bg1"/>
                 </a:solidFill>
-              </a:rPr>
-              <a:t>menentukan sistem ini akan dideploy dimana </a:t>
+                <a:latin typeface="Berlin Sans FB Demi" panose="020E0802020502020306" pitchFamily="34" charset="0"/>
+              </a:rPr>
+              <a:t>menentukan sistem ini akan </a:t>
+            </a:r>
+            <a:r>
+              <a:rPr lang="id-ID" dirty="0">
+                <a:solidFill>
+                  <a:srgbClr val="F4C049"/>
+                </a:solidFill>
+                <a:latin typeface="Berlin Sans FB Demi" panose="020E0802020502020306" pitchFamily="34" charset="0"/>
+              </a:rPr>
+              <a:t>dideploy</a:t>
+            </a:r>
+            <a:r>
+              <a:rPr lang="id-ID" dirty="0">
+                <a:solidFill>
+                  <a:schemeClr val="bg1"/>
+                </a:solidFill>
+                <a:latin typeface="Berlin Sans FB Demi" panose="020E0802020502020306" pitchFamily="34" charset="0"/>
+              </a:rPr>
+              <a:t> dimana </a:t>
             </a:r>
             <a:r>
               <a:rPr lang="id-ID" dirty="0" smtClean="0">
                 <a:solidFill>
                   <a:schemeClr val="bg1"/>
                 </a:solidFill>
-              </a:rPr>
-              <a:t>saja.</a:t>
+                <a:latin typeface="Berlin Sans FB Demi" panose="020E0802020502020306" pitchFamily="34" charset="0"/>
+              </a:rPr>
+              <a:t>saja</a:t>
+            </a:r>
+            <a:r>
+              <a:rPr lang="id-ID" dirty="0" smtClean="0">
+                <a:solidFill>
+                  <a:schemeClr val="bg1"/>
+                </a:solidFill>
+                <a:latin typeface="Berlin Sans FB Demi" panose="020E0802020502020306" pitchFamily="34" charset="0"/>
+              </a:rPr>
+              <a:t>.</a:t>
+            </a:r>
+          </a:p>
+          <a:p>
+            <a:pPr lvl="0">
+              <a:buFont typeface="Wingdings" panose="05000000000000000000" pitchFamily="2" charset="2"/>
+              <a:buChar char="§"/>
+            </a:pPr>
+            <a:r>
+              <a:rPr lang="id-ID" dirty="0" smtClean="0">
+                <a:solidFill>
+                  <a:schemeClr val="bg1"/>
+                </a:solidFill>
+                <a:latin typeface="Berlin Sans FB Demi" panose="020E0802020502020306" pitchFamily="34" charset="0"/>
+              </a:rPr>
+              <a:t>Kurang familiarnya dengan aplikasi </a:t>
+            </a:r>
+            <a:r>
+              <a:rPr lang="id-ID" dirty="0" smtClean="0">
+                <a:solidFill>
+                  <a:srgbClr val="F4C049"/>
+                </a:solidFill>
+                <a:latin typeface="Berlin Sans FB Demi" panose="020E0802020502020306" pitchFamily="34" charset="0"/>
+              </a:rPr>
+              <a:t>GitHub</a:t>
+            </a:r>
+            <a:r>
+              <a:rPr lang="id-ID" dirty="0" smtClean="0">
+                <a:solidFill>
+                  <a:schemeClr val="bg1"/>
+                </a:solidFill>
+                <a:latin typeface="Berlin Sans FB Demi" panose="020E0802020502020306" pitchFamily="34" charset="0"/>
+              </a:rPr>
+              <a:t>.</a:t>
             </a:r>
           </a:p>
         </p:txBody>
       </p:sp>
-      <p:sp>
-        <p:nvSpPr>
-          <p:cNvPr id="5" name="Rectangle 4"/>
-          <p:cNvSpPr/>
+      <p:grpSp>
+        <p:nvGrpSpPr>
+          <p:cNvPr id="8" name="Group 7"/>
+          <p:cNvGrpSpPr/>
           <p:nvPr/>
-        </p:nvSpPr>
-        <p:spPr>
-          <a:xfrm rot="19149073">
-            <a:off x="8940800" y="5695721"/>
-            <a:ext cx="4281714" cy="377372"/>
+        </p:nvGrpSpPr>
+        <p:grpSpPr>
+          <a:xfrm>
+            <a:off x="0" y="6239255"/>
+            <a:ext cx="12301227" cy="618745"/>
+            <a:chOff x="0" y="6239255"/>
+            <a:chExt cx="12301227" cy="618745"/>
           </a:xfrm>
-          <a:prstGeom prst="rect">
-            <a:avLst/>
-          </a:prstGeom>
-          <a:solidFill>
-            <a:schemeClr val="bg1"/>
-          </a:solidFill>
-          <a:ln>
+        </p:grpSpPr>
+        <p:sp>
+          <p:nvSpPr>
+            <p:cNvPr id="9" name="Rectangle 8"/>
+            <p:cNvSpPr/>
+            <p:nvPr/>
+          </p:nvSpPr>
+          <p:spPr>
+            <a:xfrm>
+              <a:off x="0" y="6324600"/>
+              <a:ext cx="4927600" cy="533400"/>
+            </a:xfrm>
+            <a:prstGeom prst="rect">
+              <a:avLst/>
+            </a:prstGeom>
             <a:solidFill>
-              <a:schemeClr val="bg1"/>
+              <a:srgbClr val="194206"/>
             </a:solidFill>
-          </a:ln>
-        </p:spPr>
-        <p:style>
-          <a:lnRef idx="2">
-            <a:schemeClr val="accent1">
-              <a:shade val="50000"/>
-            </a:schemeClr>
-          </a:lnRef>
-          <a:fillRef idx="1">
-            <a:schemeClr val="accent1"/>
-          </a:fillRef>
-          <a:effectRef idx="0">
-            <a:schemeClr val="accent1"/>
-          </a:effectRef>
-          <a:fontRef idx="minor">
-            <a:schemeClr val="lt1"/>
-          </a:fontRef>
-        </p:style>
-        <p:txBody>
-          <a:bodyPr rtlCol="0" anchor="ctr"/>
-          <a:lstStyle/>
-          <a:p>
-            <a:pPr algn="ctr"/>
-            <a:endParaRPr lang="en-US"/>
-          </a:p>
-        </p:txBody>
-      </p:sp>
-      <p:sp>
-        <p:nvSpPr>
-          <p:cNvPr id="6" name="Rectangle 5"/>
-          <p:cNvSpPr/>
-          <p:nvPr/>
-        </p:nvSpPr>
-        <p:spPr>
-          <a:xfrm rot="19149073">
-            <a:off x="7874371" y="5147208"/>
-            <a:ext cx="5306549" cy="539811"/>
-          </a:xfrm>
-          <a:prstGeom prst="rect">
-            <a:avLst/>
-          </a:prstGeom>
-          <a:solidFill>
-            <a:schemeClr val="bg1"/>
-          </a:solidFill>
-          <a:ln>
-            <a:solidFill>
-              <a:schemeClr val="bg1"/>
-            </a:solidFill>
-          </a:ln>
-        </p:spPr>
-        <p:style>
-          <a:lnRef idx="2">
-            <a:schemeClr val="accent1">
-              <a:shade val="50000"/>
-            </a:schemeClr>
-          </a:lnRef>
-          <a:fillRef idx="1">
-            <a:schemeClr val="accent1"/>
-          </a:fillRef>
-          <a:effectRef idx="0">
-            <a:schemeClr val="accent1"/>
-          </a:effectRef>
-          <a:fontRef idx="minor">
-            <a:schemeClr val="lt1"/>
-          </a:fontRef>
-        </p:style>
-        <p:txBody>
-          <a:bodyPr rtlCol="0" anchor="ctr"/>
-          <a:lstStyle/>
-          <a:p>
-            <a:pPr algn="ctr"/>
-            <a:endParaRPr lang="en-US"/>
-          </a:p>
-        </p:txBody>
-      </p:sp>
-      <p:sp>
-        <p:nvSpPr>
-          <p:cNvPr id="7" name="Rectangle 6"/>
-          <p:cNvSpPr/>
-          <p:nvPr/>
-        </p:nvSpPr>
-        <p:spPr>
-          <a:xfrm rot="19149073">
-            <a:off x="9488307" y="6129070"/>
-            <a:ext cx="4092359" cy="255098"/>
-          </a:xfrm>
-          <a:prstGeom prst="rect">
-            <a:avLst/>
-          </a:prstGeom>
-          <a:solidFill>
-            <a:schemeClr val="bg1"/>
-          </a:solidFill>
-          <a:ln>
-            <a:solidFill>
-              <a:schemeClr val="bg1"/>
-            </a:solidFill>
-          </a:ln>
-        </p:spPr>
-        <p:style>
-          <a:lnRef idx="2">
-            <a:schemeClr val="accent1">
-              <a:shade val="50000"/>
-            </a:schemeClr>
-          </a:lnRef>
-          <a:fillRef idx="1">
-            <a:schemeClr val="accent1"/>
-          </a:fillRef>
-          <a:effectRef idx="0">
-            <a:schemeClr val="accent1"/>
-          </a:effectRef>
-          <a:fontRef idx="minor">
-            <a:schemeClr val="lt1"/>
-          </a:fontRef>
-        </p:style>
-        <p:txBody>
-          <a:bodyPr rtlCol="0" anchor="ctr"/>
-          <a:lstStyle/>
-          <a:p>
-            <a:pPr algn="ctr"/>
-            <a:endParaRPr lang="en-US"/>
-          </a:p>
-        </p:txBody>
-      </p:sp>
+            <a:ln>
+              <a:noFill/>
+            </a:ln>
+          </p:spPr>
+          <p:style>
+            <a:lnRef idx="2">
+              <a:schemeClr val="accent1">
+                <a:shade val="50000"/>
+              </a:schemeClr>
+            </a:lnRef>
+            <a:fillRef idx="1">
+              <a:schemeClr val="accent1"/>
+            </a:fillRef>
+            <a:effectRef idx="0">
+              <a:schemeClr val="accent1"/>
+            </a:effectRef>
+            <a:fontRef idx="minor">
+              <a:schemeClr val="lt1"/>
+            </a:fontRef>
+          </p:style>
+          <p:txBody>
+            <a:bodyPr rtlCol="0" anchor="ctr"/>
+            <a:lstStyle/>
+            <a:p>
+              <a:pPr algn="ctr"/>
+              <a:endParaRPr lang="id-ID"/>
+            </a:p>
+          </p:txBody>
+        </p:sp>
+        <p:pic>
+          <p:nvPicPr>
+            <p:cNvPr id="10" name="Picture 9"/>
+            <p:cNvPicPr>
+              <a:picLocks noChangeAspect="1"/>
+            </p:cNvPicPr>
+            <p:nvPr/>
+          </p:nvPicPr>
+          <p:blipFill>
+            <a:blip r:embed="rId2" cstate="print">
+              <a:extLst>
+                <a:ext uri="{28A0092B-C50C-407E-A947-70E740481C1C}">
+                  <a14:useLocalDpi xmlns:a14="http://schemas.microsoft.com/office/drawing/2010/main" val="0"/>
+                </a:ext>
+              </a:extLst>
+            </a:blip>
+            <a:stretch>
+              <a:fillRect/>
+            </a:stretch>
+          </p:blipFill>
+          <p:spPr>
+            <a:xfrm>
+              <a:off x="4742172" y="6239255"/>
+              <a:ext cx="7559055" cy="618745"/>
+            </a:xfrm>
+            <a:prstGeom prst="rect">
+              <a:avLst/>
+            </a:prstGeom>
+          </p:spPr>
+        </p:pic>
+      </p:grpSp>
     </p:spTree>
     <p:extLst>
       <p:ext uri="{BB962C8B-B14F-4D97-AF65-F5344CB8AC3E}">
@@ -14792,310 +15069,22 @@
   <p:clrMapOvr>
     <a:masterClrMapping/>
   </p:clrMapOvr>
+  <p:transition spd="slow">
+    <p:push dir="u"/>
+  </p:transition>
+  <p:timing>
+    <p:tnLst>
+      <p:par>
+        <p:cTn id="1" dur="indefinite" restart="never" nodeType="tmRoot"/>
+      </p:par>
+    </p:tnLst>
+  </p:timing>
 </p:sld>
 </file>
 
 <file path=ppt/slides/slide16.xml><?xml version="1.0" encoding="utf-8"?>
 <p:sld xmlns:a="http://schemas.openxmlformats.org/drawingml/2006/main" xmlns:r="http://schemas.openxmlformats.org/officeDocument/2006/relationships" xmlns:p="http://schemas.openxmlformats.org/presentationml/2006/main">
   <p:cSld>
-    <p:bg>
-      <p:bgPr>
-        <a:solidFill>
-          <a:srgbClr val="FE8975"/>
-        </a:solidFill>
-        <a:effectLst/>
-      </p:bgPr>
-    </p:bg>
-    <p:spTree>
-      <p:nvGrpSpPr>
-        <p:cNvPr id="1" name=""/>
-        <p:cNvGrpSpPr/>
-        <p:nvPr/>
-      </p:nvGrpSpPr>
-      <p:grpSpPr>
-        <a:xfrm>
-          <a:off x="0" y="0"/>
-          <a:ext cx="0" cy="0"/>
-          <a:chOff x="0" y="0"/>
-          <a:chExt cx="0" cy="0"/>
-        </a:xfrm>
-      </p:grpSpPr>
-      <p:sp>
-        <p:nvSpPr>
-          <p:cNvPr id="2" name="Title 1"/>
-          <p:cNvSpPr>
-            <a:spLocks noGrp="1"/>
-          </p:cNvSpPr>
-          <p:nvPr>
-            <p:ph type="title"/>
-          </p:nvPr>
-        </p:nvSpPr>
-        <p:spPr/>
-        <p:txBody>
-          <a:bodyPr/>
-          <a:lstStyle/>
-          <a:p>
-            <a:pPr algn="ctr"/>
-            <a:r>
-              <a:rPr lang="en-US" dirty="0" smtClean="0">
-                <a:solidFill>
-                  <a:schemeClr val="bg1"/>
-                </a:solidFill>
-                <a:latin typeface="Adobe Gothic Std B" panose="020B0800000000000000" pitchFamily="34" charset="-128"/>
-                <a:ea typeface="Adobe Gothic Std B" panose="020B0800000000000000" pitchFamily="34" charset="-128"/>
-              </a:rPr>
-              <a:t>MAINTENANCE</a:t>
-            </a:r>
-            <a:endParaRPr lang="en-US" dirty="0">
-              <a:solidFill>
-                <a:schemeClr val="bg1"/>
-              </a:solidFill>
-              <a:latin typeface="Adobe Gothic Std B" panose="020B0800000000000000" pitchFamily="34" charset="-128"/>
-              <a:ea typeface="Adobe Gothic Std B" panose="020B0800000000000000" pitchFamily="34" charset="-128"/>
-            </a:endParaRPr>
-          </a:p>
-        </p:txBody>
-      </p:sp>
-      <p:sp>
-        <p:nvSpPr>
-          <p:cNvPr id="3" name="Content Placeholder 2"/>
-          <p:cNvSpPr>
-            <a:spLocks noGrp="1"/>
-          </p:cNvSpPr>
-          <p:nvPr>
-            <p:ph idx="1"/>
-          </p:nvPr>
-        </p:nvSpPr>
-        <p:spPr>
-          <a:xfrm>
-            <a:off x="838200" y="1825625"/>
-            <a:ext cx="10515600" cy="2251752"/>
-          </a:xfrm>
-        </p:spPr>
-        <p:txBody>
-          <a:bodyPr>
-            <a:normAutofit lnSpcReduction="10000"/>
-          </a:bodyPr>
-          <a:lstStyle/>
-          <a:p>
-            <a:pPr marL="0" indent="0">
-              <a:buNone/>
-            </a:pPr>
-            <a:r>
-              <a:rPr lang="en-US" dirty="0" smtClean="0">
-                <a:solidFill>
-                  <a:schemeClr val="bg1"/>
-                </a:solidFill>
-                <a:latin typeface="Adobe Gothic Std B" panose="020B0800000000000000" pitchFamily="34" charset="-128"/>
-                <a:ea typeface="Adobe Gothic Std B" panose="020B0800000000000000" pitchFamily="34" charset="-128"/>
-              </a:rPr>
-              <a:t>ADA PELATIHAN UNTUK CUSTOMER SETELAH APLIKASI DIDISTRIBUSIKAN</a:t>
-            </a:r>
-          </a:p>
-          <a:p>
-            <a:pPr marL="0" indent="0">
-              <a:buNone/>
-            </a:pPr>
-            <a:endParaRPr lang="en-US" dirty="0" smtClean="0">
-              <a:solidFill>
-                <a:schemeClr val="bg1"/>
-              </a:solidFill>
-              <a:latin typeface="Adobe Gothic Std B" panose="020B0800000000000000" pitchFamily="34" charset="-128"/>
-              <a:ea typeface="Adobe Gothic Std B" panose="020B0800000000000000" pitchFamily="34" charset="-128"/>
-            </a:endParaRPr>
-          </a:p>
-          <a:p>
-            <a:pPr marL="0" indent="0">
-              <a:buNone/>
-            </a:pPr>
-            <a:r>
-              <a:rPr lang="en-US" dirty="0" smtClean="0">
-                <a:solidFill>
-                  <a:schemeClr val="bg1"/>
-                </a:solidFill>
-                <a:latin typeface="Adobe Gothic Std B" panose="020B0800000000000000" pitchFamily="34" charset="-128"/>
-                <a:ea typeface="Adobe Gothic Std B" panose="020B0800000000000000" pitchFamily="34" charset="-128"/>
-              </a:rPr>
-              <a:t>APABILA ADA BUG/ERROR CUSTOMER DAPAT MENGHUBUNGI PIHAK DEVELOPER MELALUI PROJECT MANAGER</a:t>
-            </a:r>
-            <a:endParaRPr lang="en-US" dirty="0">
-              <a:solidFill>
-                <a:schemeClr val="bg1"/>
-              </a:solidFill>
-              <a:latin typeface="Adobe Gothic Std B" panose="020B0800000000000000" pitchFamily="34" charset="-128"/>
-              <a:ea typeface="Adobe Gothic Std B" panose="020B0800000000000000" pitchFamily="34" charset="-128"/>
-            </a:endParaRPr>
-          </a:p>
-        </p:txBody>
-      </p:sp>
-      <p:sp>
-        <p:nvSpPr>
-          <p:cNvPr id="5" name="Rectangle 4"/>
-          <p:cNvSpPr/>
-          <p:nvPr/>
-        </p:nvSpPr>
-        <p:spPr>
-          <a:xfrm rot="19149073">
-            <a:off x="8940800" y="5695721"/>
-            <a:ext cx="4281714" cy="377372"/>
-          </a:xfrm>
-          <a:prstGeom prst="rect">
-            <a:avLst/>
-          </a:prstGeom>
-          <a:solidFill>
-            <a:schemeClr val="bg1"/>
-          </a:solidFill>
-          <a:ln>
-            <a:solidFill>
-              <a:schemeClr val="bg1"/>
-            </a:solidFill>
-          </a:ln>
-        </p:spPr>
-        <p:style>
-          <a:lnRef idx="2">
-            <a:schemeClr val="accent1">
-              <a:shade val="50000"/>
-            </a:schemeClr>
-          </a:lnRef>
-          <a:fillRef idx="1">
-            <a:schemeClr val="accent1"/>
-          </a:fillRef>
-          <a:effectRef idx="0">
-            <a:schemeClr val="accent1"/>
-          </a:effectRef>
-          <a:fontRef idx="minor">
-            <a:schemeClr val="lt1"/>
-          </a:fontRef>
-        </p:style>
-        <p:txBody>
-          <a:bodyPr rtlCol="0" anchor="ctr"/>
-          <a:lstStyle/>
-          <a:p>
-            <a:pPr algn="ctr"/>
-            <a:endParaRPr lang="en-US"/>
-          </a:p>
-        </p:txBody>
-      </p:sp>
-      <p:sp>
-        <p:nvSpPr>
-          <p:cNvPr id="6" name="Rectangle 5"/>
-          <p:cNvSpPr/>
-          <p:nvPr/>
-        </p:nvSpPr>
-        <p:spPr>
-          <a:xfrm rot="19149073">
-            <a:off x="7874371" y="5147208"/>
-            <a:ext cx="5306549" cy="539811"/>
-          </a:xfrm>
-          <a:prstGeom prst="rect">
-            <a:avLst/>
-          </a:prstGeom>
-          <a:solidFill>
-            <a:schemeClr val="bg1"/>
-          </a:solidFill>
-          <a:ln>
-            <a:solidFill>
-              <a:schemeClr val="bg1"/>
-            </a:solidFill>
-          </a:ln>
-        </p:spPr>
-        <p:style>
-          <a:lnRef idx="2">
-            <a:schemeClr val="accent1">
-              <a:shade val="50000"/>
-            </a:schemeClr>
-          </a:lnRef>
-          <a:fillRef idx="1">
-            <a:schemeClr val="accent1"/>
-          </a:fillRef>
-          <a:effectRef idx="0">
-            <a:schemeClr val="accent1"/>
-          </a:effectRef>
-          <a:fontRef idx="minor">
-            <a:schemeClr val="lt1"/>
-          </a:fontRef>
-        </p:style>
-        <p:txBody>
-          <a:bodyPr rtlCol="0" anchor="ctr"/>
-          <a:lstStyle/>
-          <a:p>
-            <a:pPr algn="ctr"/>
-            <a:endParaRPr lang="en-US"/>
-          </a:p>
-        </p:txBody>
-      </p:sp>
-      <p:sp>
-        <p:nvSpPr>
-          <p:cNvPr id="7" name="Rectangle 6"/>
-          <p:cNvSpPr/>
-          <p:nvPr/>
-        </p:nvSpPr>
-        <p:spPr>
-          <a:xfrm rot="19149073">
-            <a:off x="9488307" y="6129070"/>
-            <a:ext cx="4092359" cy="255098"/>
-          </a:xfrm>
-          <a:prstGeom prst="rect">
-            <a:avLst/>
-          </a:prstGeom>
-          <a:solidFill>
-            <a:schemeClr val="bg1"/>
-          </a:solidFill>
-          <a:ln>
-            <a:solidFill>
-              <a:schemeClr val="bg1"/>
-            </a:solidFill>
-          </a:ln>
-        </p:spPr>
-        <p:style>
-          <a:lnRef idx="2">
-            <a:schemeClr val="accent1">
-              <a:shade val="50000"/>
-            </a:schemeClr>
-          </a:lnRef>
-          <a:fillRef idx="1">
-            <a:schemeClr val="accent1"/>
-          </a:fillRef>
-          <a:effectRef idx="0">
-            <a:schemeClr val="accent1"/>
-          </a:effectRef>
-          <a:fontRef idx="minor">
-            <a:schemeClr val="lt1"/>
-          </a:fontRef>
-        </p:style>
-        <p:txBody>
-          <a:bodyPr rtlCol="0" anchor="ctr"/>
-          <a:lstStyle/>
-          <a:p>
-            <a:pPr algn="ctr"/>
-            <a:endParaRPr lang="en-US"/>
-          </a:p>
-        </p:txBody>
-      </p:sp>
-    </p:spTree>
-    <p:extLst>
-      <p:ext uri="{BB962C8B-B14F-4D97-AF65-F5344CB8AC3E}">
-        <p14:creationId xmlns:p14="http://schemas.microsoft.com/office/powerpoint/2010/main" val="167294595"/>
-      </p:ext>
-    </p:extLst>
-  </p:cSld>
-  <p:clrMapOvr>
-    <a:masterClrMapping/>
-  </p:clrMapOvr>
-</p:sld>
-</file>
-
-<file path=ppt/slides/slide2.xml><?xml version="1.0" encoding="utf-8"?>
-<p:sld xmlns:a="http://schemas.openxmlformats.org/drawingml/2006/main" xmlns:r="http://schemas.openxmlformats.org/officeDocument/2006/relationships" xmlns:p="http://schemas.openxmlformats.org/presentationml/2006/main">
-  <p:cSld>
-    <p:bg>
-      <p:bgPr>
-        <a:solidFill>
-          <a:srgbClr val="74C7D5"/>
-        </a:solidFill>
-        <a:effectLst/>
-      </p:bgPr>
-    </p:bg>
     <p:spTree>
       <p:nvGrpSpPr>
         <p:cNvPr id="1" name=""/>
@@ -15122,721 +15111,174 @@
         </p:nvSpPr>
         <p:spPr>
           <a:xfrm>
-            <a:off x="1230086" y="332098"/>
+            <a:off x="838200" y="2766218"/>
             <a:ext cx="10515600" cy="1325563"/>
           </a:xfrm>
         </p:spPr>
         <p:txBody>
-          <a:bodyPr/>
+          <a:bodyPr>
+            <a:noAutofit/>
+          </a:bodyPr>
           <a:lstStyle/>
           <a:p>
             <a:pPr algn="ctr"/>
             <a:r>
-              <a:rPr lang="en-US" dirty="0" smtClean="0">
+              <a:rPr lang="id-ID" sz="8000" dirty="0" smtClean="0">
                 <a:solidFill>
                   <a:schemeClr val="bg1"/>
                 </a:solidFill>
-                <a:latin typeface="Adobe Gothic Std B" panose="020B0800000000000000" pitchFamily="34" charset="-128"/>
-                <a:ea typeface="Adobe Gothic Std B" panose="020B0800000000000000" pitchFamily="34" charset="-128"/>
-              </a:rPr>
-              <a:t>SYSTEM OVERVIEW</a:t>
-            </a:r>
-            <a:endParaRPr lang="en-US" dirty="0">
+                <a:latin typeface="Berlin Sans FB Demi" panose="020E0802020502020306" pitchFamily="34" charset="0"/>
+              </a:rPr>
+              <a:t>SEKIAN, </a:t>
+            </a:r>
+            <a:r>
+              <a:rPr lang="id-ID" sz="8000" dirty="0" smtClean="0">
+                <a:solidFill>
+                  <a:srgbClr val="F4C049"/>
+                </a:solidFill>
+                <a:latin typeface="Berlin Sans FB Demi" panose="020E0802020502020306" pitchFamily="34" charset="0"/>
+              </a:rPr>
+              <a:t>DAN</a:t>
+            </a:r>
+            <a:r>
+              <a:rPr lang="id-ID" sz="8000" dirty="0" smtClean="0">
+                <a:solidFill>
+                  <a:schemeClr val="bg1"/>
+                </a:solidFill>
+                <a:latin typeface="Berlin Sans FB Demi" panose="020E0802020502020306" pitchFamily="34" charset="0"/>
+              </a:rPr>
+              <a:t/>
+            </a:r>
+            <a:br>
+              <a:rPr lang="id-ID" sz="8000" dirty="0" smtClean="0">
+                <a:solidFill>
+                  <a:schemeClr val="bg1"/>
+                </a:solidFill>
+                <a:latin typeface="Berlin Sans FB Demi" panose="020E0802020502020306" pitchFamily="34" charset="0"/>
+              </a:rPr>
+            </a:br>
+            <a:r>
+              <a:rPr lang="id-ID" sz="8000" dirty="0" smtClean="0">
+                <a:solidFill>
+                  <a:schemeClr val="bg1"/>
+                </a:solidFill>
+                <a:latin typeface="Berlin Sans FB Demi" panose="020E0802020502020306" pitchFamily="34" charset="0"/>
+              </a:rPr>
+              <a:t>TERIMA KASIH</a:t>
+            </a:r>
+            <a:endParaRPr lang="id-ID" sz="8000" dirty="0">
               <a:solidFill>
                 <a:schemeClr val="bg1"/>
               </a:solidFill>
-              <a:latin typeface="Adobe Gothic Std B" panose="020B0800000000000000" pitchFamily="34" charset="-128"/>
-              <a:ea typeface="Adobe Gothic Std B" panose="020B0800000000000000" pitchFamily="34" charset="-128"/>
+              <a:latin typeface="Berlin Sans FB Demi" panose="020E0802020502020306" pitchFamily="34" charset="0"/>
             </a:endParaRPr>
           </a:p>
         </p:txBody>
       </p:sp>
-      <p:sp>
-        <p:nvSpPr>
-          <p:cNvPr id="3" name="Content Placeholder 2"/>
-          <p:cNvSpPr>
-            <a:spLocks noGrp="1"/>
-          </p:cNvSpPr>
-          <p:nvPr>
-            <p:ph idx="1"/>
-          </p:nvPr>
-        </p:nvSpPr>
-        <p:spPr>
+      <p:grpSp>
+        <p:nvGrpSpPr>
+          <p:cNvPr id="4" name="Group 3"/>
+          <p:cNvGrpSpPr/>
+          <p:nvPr/>
+        </p:nvGrpSpPr>
+        <p:grpSpPr>
           <a:xfrm>
-            <a:off x="1110343" y="1753293"/>
-            <a:ext cx="10755086" cy="874032"/>
+            <a:off x="0" y="6239255"/>
+            <a:ext cx="12301227" cy="618745"/>
+            <a:chOff x="0" y="6239255"/>
+            <a:chExt cx="12301227" cy="618745"/>
           </a:xfrm>
-        </p:spPr>
-        <p:txBody>
-          <a:bodyPr>
-            <a:normAutofit fontScale="92500"/>
-          </a:bodyPr>
-          <a:lstStyle/>
-          <a:p>
-            <a:pPr marL="0" indent="0" algn="ctr">
-              <a:buNone/>
-            </a:pPr>
-            <a:r>
-              <a:rPr lang="en-US" dirty="0" smtClean="0">
-                <a:solidFill>
-                  <a:schemeClr val="bg1"/>
-                </a:solidFill>
-                <a:latin typeface="Adobe Gothic Std B" panose="020B0800000000000000" pitchFamily="34" charset="-128"/>
-                <a:ea typeface="Adobe Gothic Std B" panose="020B0800000000000000" pitchFamily="34" charset="-128"/>
-              </a:rPr>
-              <a:t>MENYEDIAKAN SISTEM INFORMASI </a:t>
-            </a:r>
-            <a:r>
-              <a:rPr lang="id-ID" dirty="0" smtClean="0">
-                <a:solidFill>
-                  <a:schemeClr val="bg1"/>
-                </a:solidFill>
-                <a:latin typeface="Adobe Gothic Std B" panose="020B0800000000000000" pitchFamily="34" charset="-128"/>
-                <a:ea typeface="Adobe Gothic Std B" panose="020B0800000000000000" pitchFamily="34" charset="-128"/>
-              </a:rPr>
-              <a:t>UNTUK MENJUAL HASIL PRODUK LOKAL PERKEBUNAN DI DAERAH CIKORO, SULAWESI SELATAN</a:t>
-            </a:r>
-            <a:endParaRPr lang="en-US" dirty="0" smtClean="0">
-              <a:solidFill>
-                <a:schemeClr val="bg1"/>
-              </a:solidFill>
-              <a:latin typeface="Adobe Gothic Std B" panose="020B0800000000000000" pitchFamily="34" charset="-128"/>
-              <a:ea typeface="Adobe Gothic Std B" panose="020B0800000000000000" pitchFamily="34" charset="-128"/>
-            </a:endParaRPr>
-          </a:p>
-          <a:p>
-            <a:pPr marL="0" indent="0" algn="ctr">
-              <a:buNone/>
-            </a:pPr>
-            <a:endParaRPr lang="en-US" dirty="0">
-              <a:solidFill>
-                <a:schemeClr val="bg1"/>
-              </a:solidFill>
-              <a:latin typeface="Adobe Gothic Std B" panose="020B0800000000000000" pitchFamily="34" charset="-128"/>
-              <a:ea typeface="Adobe Gothic Std B" panose="020B0800000000000000" pitchFamily="34" charset="-128"/>
-            </a:endParaRPr>
-          </a:p>
-          <a:p>
-            <a:pPr marL="0" indent="0" algn="ctr">
-              <a:buNone/>
-            </a:pPr>
-            <a:endParaRPr lang="en-US" dirty="0">
-              <a:solidFill>
-                <a:schemeClr val="bg1"/>
-              </a:solidFill>
-              <a:latin typeface="Adobe Gothic Std B" panose="020B0800000000000000" pitchFamily="34" charset="-128"/>
-              <a:ea typeface="Adobe Gothic Std B" panose="020B0800000000000000" pitchFamily="34" charset="-128"/>
-            </a:endParaRPr>
-          </a:p>
-        </p:txBody>
-      </p:sp>
-      <p:sp>
-        <p:nvSpPr>
-          <p:cNvPr id="8" name="Content Placeholder 2"/>
-          <p:cNvSpPr txBox="1">
-            <a:spLocks/>
-          </p:cNvSpPr>
-          <p:nvPr/>
-        </p:nvSpPr>
-        <p:spPr>
-          <a:xfrm>
-            <a:off x="1230086" y="3052200"/>
-            <a:ext cx="10515600" cy="1130980"/>
-          </a:xfrm>
-          <a:prstGeom prst="rect">
-            <a:avLst/>
-          </a:prstGeom>
-        </p:spPr>
-        <p:txBody>
-          <a:bodyPr vert="horz" lIns="91440" tIns="45720" rIns="91440" bIns="45720" rtlCol="0">
-            <a:normAutofit fontScale="55000" lnSpcReduction="20000"/>
-          </a:bodyPr>
-          <a:lstStyle>
-            <a:lvl1pPr marL="228600" indent="-228600" algn="l" defTabSz="914400" rtl="0" eaLnBrk="1" latinLnBrk="0" hangingPunct="1">
-              <a:lnSpc>
-                <a:spcPct val="90000"/>
-              </a:lnSpc>
-              <a:spcBef>
-                <a:spcPts val="1000"/>
-              </a:spcBef>
-              <a:buFont typeface="Arial" panose="020B0604020202020204" pitchFamily="34" charset="0"/>
-              <a:buChar char="•"/>
-              <a:defRPr sz="2800" kern="1200">
-                <a:solidFill>
-                  <a:schemeClr val="tx1"/>
-                </a:solidFill>
-                <a:latin typeface="+mn-lt"/>
-                <a:ea typeface="+mn-ea"/>
-                <a:cs typeface="+mn-cs"/>
-              </a:defRPr>
-            </a:lvl1pPr>
-            <a:lvl2pPr marL="685800" indent="-228600" algn="l" defTabSz="914400" rtl="0" eaLnBrk="1" latinLnBrk="0" hangingPunct="1">
-              <a:lnSpc>
-                <a:spcPct val="90000"/>
-              </a:lnSpc>
-              <a:spcBef>
-                <a:spcPts val="500"/>
-              </a:spcBef>
-              <a:buFont typeface="Arial" panose="020B0604020202020204" pitchFamily="34" charset="0"/>
-              <a:buChar char="•"/>
-              <a:defRPr sz="2400" kern="1200">
-                <a:solidFill>
-                  <a:schemeClr val="tx1"/>
-                </a:solidFill>
-                <a:latin typeface="+mn-lt"/>
-                <a:ea typeface="+mn-ea"/>
-                <a:cs typeface="+mn-cs"/>
-              </a:defRPr>
-            </a:lvl2pPr>
-            <a:lvl3pPr marL="1143000" indent="-228600" algn="l" defTabSz="914400" rtl="0" eaLnBrk="1" latinLnBrk="0" hangingPunct="1">
-              <a:lnSpc>
-                <a:spcPct val="90000"/>
-              </a:lnSpc>
-              <a:spcBef>
-                <a:spcPts val="500"/>
-              </a:spcBef>
-              <a:buFont typeface="Arial" panose="020B0604020202020204" pitchFamily="34" charset="0"/>
-              <a:buChar char="•"/>
-              <a:defRPr sz="2000" kern="1200">
-                <a:solidFill>
-                  <a:schemeClr val="tx1"/>
-                </a:solidFill>
-                <a:latin typeface="+mn-lt"/>
-                <a:ea typeface="+mn-ea"/>
-                <a:cs typeface="+mn-cs"/>
-              </a:defRPr>
-            </a:lvl3pPr>
-            <a:lvl4pPr marL="1600200" indent="-228600" algn="l" defTabSz="914400" rtl="0" eaLnBrk="1" latinLnBrk="0" hangingPunct="1">
-              <a:lnSpc>
-                <a:spcPct val="90000"/>
-              </a:lnSpc>
-              <a:spcBef>
-                <a:spcPts val="500"/>
-              </a:spcBef>
-              <a:buFont typeface="Arial" panose="020B0604020202020204" pitchFamily="34" charset="0"/>
-              <a:buChar char="•"/>
-              <a:defRPr sz="1800" kern="1200">
-                <a:solidFill>
-                  <a:schemeClr val="tx1"/>
-                </a:solidFill>
-                <a:latin typeface="+mn-lt"/>
-                <a:ea typeface="+mn-ea"/>
-                <a:cs typeface="+mn-cs"/>
-              </a:defRPr>
-            </a:lvl4pPr>
-            <a:lvl5pPr marL="2057400" indent="-228600" algn="l" defTabSz="914400" rtl="0" eaLnBrk="1" latinLnBrk="0" hangingPunct="1">
-              <a:lnSpc>
-                <a:spcPct val="90000"/>
-              </a:lnSpc>
-              <a:spcBef>
-                <a:spcPts val="500"/>
-              </a:spcBef>
-              <a:buFont typeface="Arial" panose="020B0604020202020204" pitchFamily="34" charset="0"/>
-              <a:buChar char="•"/>
-              <a:defRPr sz="1800" kern="1200">
-                <a:solidFill>
-                  <a:schemeClr val="tx1"/>
-                </a:solidFill>
-                <a:latin typeface="+mn-lt"/>
-                <a:ea typeface="+mn-ea"/>
-                <a:cs typeface="+mn-cs"/>
-              </a:defRPr>
-            </a:lvl5pPr>
-            <a:lvl6pPr marL="2514600" indent="-228600" algn="l" defTabSz="914400" rtl="0" eaLnBrk="1" latinLnBrk="0" hangingPunct="1">
-              <a:lnSpc>
-                <a:spcPct val="90000"/>
-              </a:lnSpc>
-              <a:spcBef>
-                <a:spcPts val="500"/>
-              </a:spcBef>
-              <a:buFont typeface="Arial" panose="020B0604020202020204" pitchFamily="34" charset="0"/>
-              <a:buChar char="•"/>
-              <a:defRPr sz="1800" kern="1200">
-                <a:solidFill>
-                  <a:schemeClr val="tx1"/>
-                </a:solidFill>
-                <a:latin typeface="+mn-lt"/>
-                <a:ea typeface="+mn-ea"/>
-                <a:cs typeface="+mn-cs"/>
-              </a:defRPr>
-            </a:lvl6pPr>
-            <a:lvl7pPr marL="2971800" indent="-228600" algn="l" defTabSz="914400" rtl="0" eaLnBrk="1" latinLnBrk="0" hangingPunct="1">
-              <a:lnSpc>
-                <a:spcPct val="90000"/>
-              </a:lnSpc>
-              <a:spcBef>
-                <a:spcPts val="500"/>
-              </a:spcBef>
-              <a:buFont typeface="Arial" panose="020B0604020202020204" pitchFamily="34" charset="0"/>
-              <a:buChar char="•"/>
-              <a:defRPr sz="1800" kern="1200">
-                <a:solidFill>
-                  <a:schemeClr val="tx1"/>
-                </a:solidFill>
-                <a:latin typeface="+mn-lt"/>
-                <a:ea typeface="+mn-ea"/>
-                <a:cs typeface="+mn-cs"/>
-              </a:defRPr>
-            </a:lvl7pPr>
-            <a:lvl8pPr marL="3429000" indent="-228600" algn="l" defTabSz="914400" rtl="0" eaLnBrk="1" latinLnBrk="0" hangingPunct="1">
-              <a:lnSpc>
-                <a:spcPct val="90000"/>
-              </a:lnSpc>
-              <a:spcBef>
-                <a:spcPts val="500"/>
-              </a:spcBef>
-              <a:buFont typeface="Arial" panose="020B0604020202020204" pitchFamily="34" charset="0"/>
-              <a:buChar char="•"/>
-              <a:defRPr sz="1800" kern="1200">
-                <a:solidFill>
-                  <a:schemeClr val="tx1"/>
-                </a:solidFill>
-                <a:latin typeface="+mn-lt"/>
-                <a:ea typeface="+mn-ea"/>
-                <a:cs typeface="+mn-cs"/>
-              </a:defRPr>
-            </a:lvl8pPr>
-            <a:lvl9pPr marL="3886200" indent="-228600" algn="l" defTabSz="914400" rtl="0" eaLnBrk="1" latinLnBrk="0" hangingPunct="1">
-              <a:lnSpc>
-                <a:spcPct val="90000"/>
-              </a:lnSpc>
-              <a:spcBef>
-                <a:spcPts val="500"/>
-              </a:spcBef>
-              <a:buFont typeface="Arial" panose="020B0604020202020204" pitchFamily="34" charset="0"/>
-              <a:buChar char="•"/>
-              <a:defRPr sz="1800" kern="1200">
-                <a:solidFill>
-                  <a:schemeClr val="tx1"/>
-                </a:solidFill>
-                <a:latin typeface="+mn-lt"/>
-                <a:ea typeface="+mn-ea"/>
-                <a:cs typeface="+mn-cs"/>
-              </a:defRPr>
-            </a:lvl9pPr>
-          </a:lstStyle>
-          <a:p>
-            <a:pPr marL="0" indent="0" algn="ctr">
-              <a:lnSpc>
-                <a:spcPct val="170000"/>
-              </a:lnSpc>
-              <a:buFont typeface="Arial" panose="020B0604020202020204" pitchFamily="34" charset="0"/>
-              <a:buNone/>
-            </a:pPr>
-            <a:r>
-              <a:rPr lang="en-US" dirty="0" smtClean="0">
-                <a:solidFill>
-                  <a:schemeClr val="bg1"/>
-                </a:solidFill>
-                <a:latin typeface="Adobe Gothic Std B" panose="020B0800000000000000" pitchFamily="34" charset="-128"/>
-                <a:ea typeface="Adobe Gothic Std B" panose="020B0800000000000000" pitchFamily="34" charset="-128"/>
-              </a:rPr>
-              <a:t>SISTEM INI </a:t>
-            </a:r>
-            <a:r>
-              <a:rPr lang="en-US" dirty="0" smtClean="0">
-                <a:solidFill>
-                  <a:schemeClr val="bg1"/>
-                </a:solidFill>
-                <a:latin typeface="Adobe Gothic Std B" panose="020B0800000000000000" pitchFamily="34" charset="-128"/>
-                <a:ea typeface="Adobe Gothic Std B" panose="020B0800000000000000" pitchFamily="34" charset="-128"/>
-              </a:rPr>
-              <a:t>DAPAT</a:t>
-            </a:r>
-            <a:r>
-              <a:rPr lang="id-ID" dirty="0" smtClean="0">
-                <a:solidFill>
-                  <a:schemeClr val="bg1"/>
-                </a:solidFill>
-                <a:latin typeface="Adobe Gothic Std B" panose="020B0800000000000000" pitchFamily="34" charset="-128"/>
-                <a:ea typeface="Adobe Gothic Std B" panose="020B0800000000000000" pitchFamily="34" charset="-128"/>
-              </a:rPr>
-              <a:t> DIGUNAKAN USER UNTUK MENJUAL DAN MEMBELI PRODUK PERKEBUNAN, SEDANGKAN UNTUK ADMIN SISTEM INI DAPAT MENAMBAH, MENGHAPUS, MAUPUN MENGUPDATE PRODUK YANG AKAN DIJUAL , MERUBAH STATUS PEMESANAN</a:t>
-            </a:r>
-            <a:endParaRPr lang="en-US" dirty="0">
-              <a:solidFill>
-                <a:schemeClr val="bg1"/>
-              </a:solidFill>
-              <a:latin typeface="Adobe Gothic Std B" panose="020B0800000000000000" pitchFamily="34" charset="-128"/>
-              <a:ea typeface="Adobe Gothic Std B" panose="020B0800000000000000" pitchFamily="34" charset="-128"/>
-            </a:endParaRPr>
-          </a:p>
-        </p:txBody>
-      </p:sp>
-      <p:sp>
-        <p:nvSpPr>
-          <p:cNvPr id="9" name="Content Placeholder 2"/>
-          <p:cNvSpPr txBox="1">
-            <a:spLocks/>
-          </p:cNvSpPr>
-          <p:nvPr/>
-        </p:nvSpPr>
-        <p:spPr>
-          <a:xfrm>
-            <a:off x="435429" y="4683176"/>
-            <a:ext cx="10515600" cy="874032"/>
-          </a:xfrm>
-          <a:prstGeom prst="rect">
-            <a:avLst/>
-          </a:prstGeom>
-        </p:spPr>
-        <p:txBody>
-          <a:bodyPr vert="horz" lIns="91440" tIns="45720" rIns="91440" bIns="45720" rtlCol="0">
-            <a:normAutofit/>
-          </a:bodyPr>
-          <a:lstStyle>
-            <a:lvl1pPr marL="228600" indent="-228600" algn="l" defTabSz="914400" rtl="0" eaLnBrk="1" latinLnBrk="0" hangingPunct="1">
-              <a:lnSpc>
-                <a:spcPct val="90000"/>
-              </a:lnSpc>
-              <a:spcBef>
-                <a:spcPts val="1000"/>
-              </a:spcBef>
-              <a:buFont typeface="Arial" panose="020B0604020202020204" pitchFamily="34" charset="0"/>
-              <a:buChar char="•"/>
-              <a:defRPr sz="2800" kern="1200">
-                <a:solidFill>
-                  <a:schemeClr val="tx1"/>
-                </a:solidFill>
-                <a:latin typeface="+mn-lt"/>
-                <a:ea typeface="+mn-ea"/>
-                <a:cs typeface="+mn-cs"/>
-              </a:defRPr>
-            </a:lvl1pPr>
-            <a:lvl2pPr marL="685800" indent="-228600" algn="l" defTabSz="914400" rtl="0" eaLnBrk="1" latinLnBrk="0" hangingPunct="1">
-              <a:lnSpc>
-                <a:spcPct val="90000"/>
-              </a:lnSpc>
-              <a:spcBef>
-                <a:spcPts val="500"/>
-              </a:spcBef>
-              <a:buFont typeface="Arial" panose="020B0604020202020204" pitchFamily="34" charset="0"/>
-              <a:buChar char="•"/>
-              <a:defRPr sz="2400" kern="1200">
-                <a:solidFill>
-                  <a:schemeClr val="tx1"/>
-                </a:solidFill>
-                <a:latin typeface="+mn-lt"/>
-                <a:ea typeface="+mn-ea"/>
-                <a:cs typeface="+mn-cs"/>
-              </a:defRPr>
-            </a:lvl2pPr>
-            <a:lvl3pPr marL="1143000" indent="-228600" algn="l" defTabSz="914400" rtl="0" eaLnBrk="1" latinLnBrk="0" hangingPunct="1">
-              <a:lnSpc>
-                <a:spcPct val="90000"/>
-              </a:lnSpc>
-              <a:spcBef>
-                <a:spcPts val="500"/>
-              </a:spcBef>
-              <a:buFont typeface="Arial" panose="020B0604020202020204" pitchFamily="34" charset="0"/>
-              <a:buChar char="•"/>
-              <a:defRPr sz="2000" kern="1200">
-                <a:solidFill>
-                  <a:schemeClr val="tx1"/>
-                </a:solidFill>
-                <a:latin typeface="+mn-lt"/>
-                <a:ea typeface="+mn-ea"/>
-                <a:cs typeface="+mn-cs"/>
-              </a:defRPr>
-            </a:lvl3pPr>
-            <a:lvl4pPr marL="1600200" indent="-228600" algn="l" defTabSz="914400" rtl="0" eaLnBrk="1" latinLnBrk="0" hangingPunct="1">
-              <a:lnSpc>
-                <a:spcPct val="90000"/>
-              </a:lnSpc>
-              <a:spcBef>
-                <a:spcPts val="500"/>
-              </a:spcBef>
-              <a:buFont typeface="Arial" panose="020B0604020202020204" pitchFamily="34" charset="0"/>
-              <a:buChar char="•"/>
-              <a:defRPr sz="1800" kern="1200">
-                <a:solidFill>
-                  <a:schemeClr val="tx1"/>
-                </a:solidFill>
-                <a:latin typeface="+mn-lt"/>
-                <a:ea typeface="+mn-ea"/>
-                <a:cs typeface="+mn-cs"/>
-              </a:defRPr>
-            </a:lvl4pPr>
-            <a:lvl5pPr marL="2057400" indent="-228600" algn="l" defTabSz="914400" rtl="0" eaLnBrk="1" latinLnBrk="0" hangingPunct="1">
-              <a:lnSpc>
-                <a:spcPct val="90000"/>
-              </a:lnSpc>
-              <a:spcBef>
-                <a:spcPts val="500"/>
-              </a:spcBef>
-              <a:buFont typeface="Arial" panose="020B0604020202020204" pitchFamily="34" charset="0"/>
-              <a:buChar char="•"/>
-              <a:defRPr sz="1800" kern="1200">
-                <a:solidFill>
-                  <a:schemeClr val="tx1"/>
-                </a:solidFill>
-                <a:latin typeface="+mn-lt"/>
-                <a:ea typeface="+mn-ea"/>
-                <a:cs typeface="+mn-cs"/>
-              </a:defRPr>
-            </a:lvl5pPr>
-            <a:lvl6pPr marL="2514600" indent="-228600" algn="l" defTabSz="914400" rtl="0" eaLnBrk="1" latinLnBrk="0" hangingPunct="1">
-              <a:lnSpc>
-                <a:spcPct val="90000"/>
-              </a:lnSpc>
-              <a:spcBef>
-                <a:spcPts val="500"/>
-              </a:spcBef>
-              <a:buFont typeface="Arial" panose="020B0604020202020204" pitchFamily="34" charset="0"/>
-              <a:buChar char="•"/>
-              <a:defRPr sz="1800" kern="1200">
-                <a:solidFill>
-                  <a:schemeClr val="tx1"/>
-                </a:solidFill>
-                <a:latin typeface="+mn-lt"/>
-                <a:ea typeface="+mn-ea"/>
-                <a:cs typeface="+mn-cs"/>
-              </a:defRPr>
-            </a:lvl6pPr>
-            <a:lvl7pPr marL="2971800" indent="-228600" algn="l" defTabSz="914400" rtl="0" eaLnBrk="1" latinLnBrk="0" hangingPunct="1">
-              <a:lnSpc>
-                <a:spcPct val="90000"/>
-              </a:lnSpc>
-              <a:spcBef>
-                <a:spcPts val="500"/>
-              </a:spcBef>
-              <a:buFont typeface="Arial" panose="020B0604020202020204" pitchFamily="34" charset="0"/>
-              <a:buChar char="•"/>
-              <a:defRPr sz="1800" kern="1200">
-                <a:solidFill>
-                  <a:schemeClr val="tx1"/>
-                </a:solidFill>
-                <a:latin typeface="+mn-lt"/>
-                <a:ea typeface="+mn-ea"/>
-                <a:cs typeface="+mn-cs"/>
-              </a:defRPr>
-            </a:lvl7pPr>
-            <a:lvl8pPr marL="3429000" indent="-228600" algn="l" defTabSz="914400" rtl="0" eaLnBrk="1" latinLnBrk="0" hangingPunct="1">
-              <a:lnSpc>
-                <a:spcPct val="90000"/>
-              </a:lnSpc>
-              <a:spcBef>
-                <a:spcPts val="500"/>
-              </a:spcBef>
-              <a:buFont typeface="Arial" panose="020B0604020202020204" pitchFamily="34" charset="0"/>
-              <a:buChar char="•"/>
-              <a:defRPr sz="1800" kern="1200">
-                <a:solidFill>
-                  <a:schemeClr val="tx1"/>
-                </a:solidFill>
-                <a:latin typeface="+mn-lt"/>
-                <a:ea typeface="+mn-ea"/>
-                <a:cs typeface="+mn-cs"/>
-              </a:defRPr>
-            </a:lvl8pPr>
-            <a:lvl9pPr marL="3886200" indent="-228600" algn="l" defTabSz="914400" rtl="0" eaLnBrk="1" latinLnBrk="0" hangingPunct="1">
-              <a:lnSpc>
-                <a:spcPct val="90000"/>
-              </a:lnSpc>
-              <a:spcBef>
-                <a:spcPts val="500"/>
-              </a:spcBef>
-              <a:buFont typeface="Arial" panose="020B0604020202020204" pitchFamily="34" charset="0"/>
-              <a:buChar char="•"/>
-              <a:defRPr sz="1800" kern="1200">
-                <a:solidFill>
-                  <a:schemeClr val="tx1"/>
-                </a:solidFill>
-                <a:latin typeface="+mn-lt"/>
-                <a:ea typeface="+mn-ea"/>
-                <a:cs typeface="+mn-cs"/>
-              </a:defRPr>
-            </a:lvl9pPr>
-          </a:lstStyle>
-          <a:p>
-            <a:pPr marL="0" indent="0" algn="ctr">
-              <a:buFont typeface="Arial" panose="020B0604020202020204" pitchFamily="34" charset="0"/>
-              <a:buNone/>
-            </a:pPr>
-            <a:r>
-              <a:rPr lang="en-US" dirty="0" smtClean="0">
-                <a:solidFill>
-                  <a:schemeClr val="bg1"/>
-                </a:solidFill>
-                <a:latin typeface="Adobe Gothic Std B" panose="020B0800000000000000" pitchFamily="34" charset="-128"/>
-                <a:ea typeface="Adobe Gothic Std B" panose="020B0800000000000000" pitchFamily="34" charset="-128"/>
-              </a:rPr>
-              <a:t>SISTEM INI SEKALIGUS MENJADI </a:t>
-            </a:r>
-            <a:r>
-              <a:rPr lang="id-ID" dirty="0" smtClean="0">
-                <a:solidFill>
-                  <a:schemeClr val="bg1"/>
-                </a:solidFill>
-                <a:latin typeface="Adobe Gothic Std B" panose="020B0800000000000000" pitchFamily="34" charset="-128"/>
-                <a:ea typeface="Adobe Gothic Std B" panose="020B0800000000000000" pitchFamily="34" charset="-128"/>
-              </a:rPr>
-              <a:t>PROMOSI HASIL DAERAH LOKAL </a:t>
-            </a:r>
-            <a:endParaRPr lang="en-US" dirty="0">
-              <a:solidFill>
-                <a:schemeClr val="bg1"/>
-              </a:solidFill>
-              <a:latin typeface="Adobe Gothic Std B" panose="020B0800000000000000" pitchFamily="34" charset="-128"/>
-              <a:ea typeface="Adobe Gothic Std B" panose="020B0800000000000000" pitchFamily="34" charset="-128"/>
-            </a:endParaRPr>
-          </a:p>
-        </p:txBody>
-      </p:sp>
-      <p:sp>
-        <p:nvSpPr>
-          <p:cNvPr id="16" name="Rectangle 15"/>
-          <p:cNvSpPr/>
-          <p:nvPr/>
-        </p:nvSpPr>
-        <p:spPr>
-          <a:xfrm rot="19149073">
-            <a:off x="8940800" y="5695721"/>
-            <a:ext cx="4281714" cy="377372"/>
-          </a:xfrm>
-          <a:prstGeom prst="rect">
-            <a:avLst/>
-          </a:prstGeom>
-          <a:solidFill>
-            <a:schemeClr val="bg1"/>
-          </a:solidFill>
-          <a:ln>
+        </p:grpSpPr>
+        <p:sp>
+          <p:nvSpPr>
+            <p:cNvPr id="5" name="Rectangle 4"/>
+            <p:cNvSpPr/>
+            <p:nvPr/>
+          </p:nvSpPr>
+          <p:spPr>
+            <a:xfrm>
+              <a:off x="0" y="6324600"/>
+              <a:ext cx="4927600" cy="533400"/>
+            </a:xfrm>
+            <a:prstGeom prst="rect">
+              <a:avLst/>
+            </a:prstGeom>
             <a:solidFill>
-              <a:schemeClr val="bg1"/>
+              <a:srgbClr val="194206"/>
             </a:solidFill>
-          </a:ln>
-        </p:spPr>
-        <p:style>
-          <a:lnRef idx="2">
-            <a:schemeClr val="accent1">
-              <a:shade val="50000"/>
-            </a:schemeClr>
-          </a:lnRef>
-          <a:fillRef idx="1">
-            <a:schemeClr val="accent1"/>
-          </a:fillRef>
-          <a:effectRef idx="0">
-            <a:schemeClr val="accent1"/>
-          </a:effectRef>
-          <a:fontRef idx="minor">
-            <a:schemeClr val="lt1"/>
-          </a:fontRef>
-        </p:style>
-        <p:txBody>
-          <a:bodyPr rtlCol="0" anchor="ctr"/>
-          <a:lstStyle/>
-          <a:p>
-            <a:pPr algn="ctr"/>
-            <a:endParaRPr lang="en-US"/>
-          </a:p>
-        </p:txBody>
-      </p:sp>
-      <p:sp>
-        <p:nvSpPr>
-          <p:cNvPr id="17" name="Rectangle 16"/>
-          <p:cNvSpPr/>
-          <p:nvPr/>
-        </p:nvSpPr>
-        <p:spPr>
-          <a:xfrm rot="19149073">
-            <a:off x="7874371" y="5147208"/>
-            <a:ext cx="5306549" cy="539811"/>
-          </a:xfrm>
-          <a:prstGeom prst="rect">
-            <a:avLst/>
-          </a:prstGeom>
-          <a:solidFill>
-            <a:schemeClr val="bg1"/>
-          </a:solidFill>
-          <a:ln>
-            <a:solidFill>
-              <a:schemeClr val="bg1"/>
-            </a:solidFill>
-          </a:ln>
-        </p:spPr>
-        <p:style>
-          <a:lnRef idx="2">
-            <a:schemeClr val="accent1">
-              <a:shade val="50000"/>
-            </a:schemeClr>
-          </a:lnRef>
-          <a:fillRef idx="1">
-            <a:schemeClr val="accent1"/>
-          </a:fillRef>
-          <a:effectRef idx="0">
-            <a:schemeClr val="accent1"/>
-          </a:effectRef>
-          <a:fontRef idx="minor">
-            <a:schemeClr val="lt1"/>
-          </a:fontRef>
-        </p:style>
-        <p:txBody>
-          <a:bodyPr rtlCol="0" anchor="ctr"/>
-          <a:lstStyle/>
-          <a:p>
-            <a:pPr algn="ctr"/>
-            <a:endParaRPr lang="en-US"/>
-          </a:p>
-        </p:txBody>
-      </p:sp>
-      <p:sp>
-        <p:nvSpPr>
-          <p:cNvPr id="18" name="Rectangle 17"/>
-          <p:cNvSpPr/>
-          <p:nvPr/>
-        </p:nvSpPr>
-        <p:spPr>
-          <a:xfrm rot="19149073">
-            <a:off x="9488307" y="6129070"/>
-            <a:ext cx="4092359" cy="255098"/>
-          </a:xfrm>
-          <a:prstGeom prst="rect">
-            <a:avLst/>
-          </a:prstGeom>
-          <a:solidFill>
-            <a:schemeClr val="bg1"/>
-          </a:solidFill>
-          <a:ln>
-            <a:solidFill>
-              <a:schemeClr val="bg1"/>
-            </a:solidFill>
-          </a:ln>
-        </p:spPr>
-        <p:style>
-          <a:lnRef idx="2">
-            <a:schemeClr val="accent1">
-              <a:shade val="50000"/>
-            </a:schemeClr>
-          </a:lnRef>
-          <a:fillRef idx="1">
-            <a:schemeClr val="accent1"/>
-          </a:fillRef>
-          <a:effectRef idx="0">
-            <a:schemeClr val="accent1"/>
-          </a:effectRef>
-          <a:fontRef idx="minor">
-            <a:schemeClr val="lt1"/>
-          </a:fontRef>
-        </p:style>
-        <p:txBody>
-          <a:bodyPr rtlCol="0" anchor="ctr"/>
-          <a:lstStyle/>
-          <a:p>
-            <a:pPr algn="ctr"/>
-            <a:endParaRPr lang="en-US"/>
-          </a:p>
-        </p:txBody>
-      </p:sp>
+            <a:ln>
+              <a:noFill/>
+            </a:ln>
+          </p:spPr>
+          <p:style>
+            <a:lnRef idx="2">
+              <a:schemeClr val="accent1">
+                <a:shade val="50000"/>
+              </a:schemeClr>
+            </a:lnRef>
+            <a:fillRef idx="1">
+              <a:schemeClr val="accent1"/>
+            </a:fillRef>
+            <a:effectRef idx="0">
+              <a:schemeClr val="accent1"/>
+            </a:effectRef>
+            <a:fontRef idx="minor">
+              <a:schemeClr val="lt1"/>
+            </a:fontRef>
+          </p:style>
+          <p:txBody>
+            <a:bodyPr rtlCol="0" anchor="ctr"/>
+            <a:lstStyle/>
+            <a:p>
+              <a:pPr algn="ctr"/>
+              <a:endParaRPr lang="id-ID"/>
+            </a:p>
+          </p:txBody>
+        </p:sp>
+        <p:pic>
+          <p:nvPicPr>
+            <p:cNvPr id="6" name="Picture 5"/>
+            <p:cNvPicPr>
+              <a:picLocks noChangeAspect="1"/>
+            </p:cNvPicPr>
+            <p:nvPr/>
+          </p:nvPicPr>
+          <p:blipFill>
+            <a:blip r:embed="rId2" cstate="print">
+              <a:extLst>
+                <a:ext uri="{28A0092B-C50C-407E-A947-70E740481C1C}">
+                  <a14:useLocalDpi xmlns:a14="http://schemas.microsoft.com/office/drawing/2010/main" val="0"/>
+                </a:ext>
+              </a:extLst>
+            </a:blip>
+            <a:stretch>
+              <a:fillRect/>
+            </a:stretch>
+          </p:blipFill>
+          <p:spPr>
+            <a:xfrm>
+              <a:off x="4742172" y="6239255"/>
+              <a:ext cx="7559055" cy="618745"/>
+            </a:xfrm>
+            <a:prstGeom prst="rect">
+              <a:avLst/>
+            </a:prstGeom>
+          </p:spPr>
+        </p:pic>
+      </p:grpSp>
     </p:spTree>
     <p:extLst>
       <p:ext uri="{BB962C8B-B14F-4D97-AF65-F5344CB8AC3E}">
-        <p14:creationId xmlns:p14="http://schemas.microsoft.com/office/powerpoint/2010/main" val="3810760854"/>
+        <p14:creationId xmlns:p14="http://schemas.microsoft.com/office/powerpoint/2010/main" val="2412338983"/>
       </p:ext>
     </p:extLst>
   </p:cSld>
   <p:clrMapOvr>
     <a:masterClrMapping/>
   </p:clrMapOvr>
+  <p:transition spd="slow">
+    <p:push dir="u"/>
+  </p:transition>
   <p:timing>
     <p:tnLst>
       <p:par>
@@ -15847,17 +15289,9 @@
 </p:sld>
 </file>
 
-<file path=ppt/slides/slide3.xml><?xml version="1.0" encoding="utf-8"?>
+<file path=ppt/slides/slide2.xml><?xml version="1.0" encoding="utf-8"?>
 <p:sld xmlns:a="http://schemas.openxmlformats.org/drawingml/2006/main" xmlns:r="http://schemas.openxmlformats.org/officeDocument/2006/relationships" xmlns:p="http://schemas.openxmlformats.org/presentationml/2006/main">
   <p:cSld>
-    <p:bg>
-      <p:bgPr>
-        <a:solidFill>
-          <a:srgbClr val="74C7D5"/>
-        </a:solidFill>
-        <a:effectLst/>
-      </p:bgPr>
-    </p:bg>
     <p:spTree>
       <p:nvGrpSpPr>
         <p:cNvPr id="1" name=""/>
@@ -15884,8 +15318,8 @@
         </p:nvSpPr>
         <p:spPr>
           <a:xfrm>
-            <a:off x="838200" y="308734"/>
-            <a:ext cx="10515600" cy="1325563"/>
+            <a:off x="0" y="332098"/>
+            <a:ext cx="12192000" cy="1325563"/>
           </a:xfrm>
         </p:spPr>
         <p:txBody>
@@ -15898,16 +15332,16 @@
                 <a:solidFill>
                   <a:schemeClr val="bg1"/>
                 </a:solidFill>
-                <a:latin typeface="Adobe Gothic Std B" panose="020B0800000000000000" pitchFamily="34" charset="-128"/>
-                <a:ea typeface="Adobe Gothic Std B" panose="020B0800000000000000" pitchFamily="34" charset="-128"/>
-              </a:rPr>
-              <a:t>CLIENT OVERVIEW</a:t>
+                <a:latin typeface="Berlin Sans FB Demi" panose="020E0802020502020306" pitchFamily="34" charset="0"/>
+                <a:ea typeface="Adobe Gothic Std B" panose="020B0800000000000000" pitchFamily="34" charset="-128"/>
+              </a:rPr>
+              <a:t>SYSTEM OVERVIEW</a:t>
             </a:r>
             <a:endParaRPr lang="en-US" dirty="0">
               <a:solidFill>
                 <a:schemeClr val="bg1"/>
               </a:solidFill>
-              <a:latin typeface="Adobe Gothic Std B" panose="020B0800000000000000" pitchFamily="34" charset="-128"/>
+              <a:latin typeface="Berlin Sans FB Demi" panose="020E0802020502020306" pitchFamily="34" charset="0"/>
               <a:ea typeface="Adobe Gothic Std B" panose="020B0800000000000000" pitchFamily="34" charset="-128"/>
             </a:endParaRPr>
           </a:p>
@@ -15925,91 +15359,136 @@
         </p:nvSpPr>
         <p:spPr>
           <a:xfrm>
-            <a:off x="838200" y="1825625"/>
-            <a:ext cx="10515600" cy="3409315"/>
+            <a:off x="818867" y="2053544"/>
+            <a:ext cx="10863617" cy="874032"/>
           </a:xfrm>
         </p:spPr>
         <p:txBody>
           <a:bodyPr>
-            <a:normAutofit fontScale="92500" lnSpcReduction="20000"/>
+            <a:normAutofit/>
           </a:bodyPr>
           <a:lstStyle/>
-          <a:p>
-            <a:r>
-              <a:rPr lang="id-ID" dirty="0">
-                <a:solidFill>
-                  <a:srgbClr val="FF0000"/>
-                </a:solidFill>
-                <a:latin typeface="Adobe Gothic Std B" panose="020B0800000000000000" pitchFamily="34" charset="-128"/>
-                <a:ea typeface="Adobe Gothic Std B" panose="020B0800000000000000" pitchFamily="34" charset="-128"/>
-              </a:rPr>
-              <a:t>C</a:t>
-            </a:r>
-            <a:r>
-              <a:rPr lang="en-US" dirty="0" smtClean="0">
-                <a:solidFill>
-                  <a:srgbClr val="FF0000"/>
-                </a:solidFill>
-                <a:latin typeface="Adobe Gothic Std B" panose="020B0800000000000000" pitchFamily="34" charset="-128"/>
-                <a:ea typeface="Adobe Gothic Std B" panose="020B0800000000000000" pitchFamily="34" charset="-128"/>
-              </a:rPr>
-              <a:t>E</a:t>
-            </a:r>
-            <a:r>
-              <a:rPr lang="id-ID" dirty="0" smtClean="0">
-                <a:solidFill>
-                  <a:srgbClr val="FF0000"/>
-                </a:solidFill>
-                <a:latin typeface="Adobe Gothic Std B" panose="020B0800000000000000" pitchFamily="34" charset="-128"/>
-                <a:ea typeface="Adobe Gothic Std B" panose="020B0800000000000000" pitchFamily="34" charset="-128"/>
-              </a:rPr>
-              <a:t>O English Quantum Course Indonesia </a:t>
-            </a:r>
-          </a:p>
           <a:p>
             <a:pPr marL="0" indent="0">
               <a:buNone/>
             </a:pPr>
             <a:r>
-              <a:rPr lang="id-ID" dirty="0" smtClean="0">
-                <a:solidFill>
-                  <a:srgbClr val="FF0000"/>
-                </a:solidFill>
-                <a:latin typeface="Adobe Gothic Std B" panose="020B0800000000000000" pitchFamily="34" charset="-128"/>
-                <a:ea typeface="Adobe Gothic Std B" panose="020B0800000000000000" pitchFamily="34" charset="-128"/>
-              </a:rPr>
-              <a:t>Pemilik English Quantum Course dan Pemegang Paten English Quantum Course. </a:t>
-            </a:r>
+              <a:rPr lang="en-US" sz="2400" dirty="0" err="1" smtClean="0">
+                <a:solidFill>
+                  <a:schemeClr val="bg1"/>
+                </a:solidFill>
+                <a:latin typeface="Berlin Sans FB Demi" panose="020E0802020502020306" pitchFamily="34" charset="0"/>
+                <a:ea typeface="Adobe Gothic Std B" panose="020B0800000000000000" pitchFamily="34" charset="-128"/>
+              </a:rPr>
+              <a:t>Menyediakan</a:t>
+            </a:r>
+            <a:r>
+              <a:rPr lang="en-US" sz="2400" dirty="0" smtClean="0">
+                <a:solidFill>
+                  <a:schemeClr val="bg1"/>
+                </a:solidFill>
+                <a:latin typeface="Berlin Sans FB Demi" panose="020E0802020502020306" pitchFamily="34" charset="0"/>
+                <a:ea typeface="Adobe Gothic Std B" panose="020B0800000000000000" pitchFamily="34" charset="-128"/>
+              </a:rPr>
+              <a:t> </a:t>
+            </a:r>
+            <a:r>
+              <a:rPr lang="en-US" sz="2400" dirty="0" err="1" smtClean="0">
+                <a:solidFill>
+                  <a:schemeClr val="bg1"/>
+                </a:solidFill>
+                <a:latin typeface="Berlin Sans FB Demi" panose="020E0802020502020306" pitchFamily="34" charset="0"/>
+                <a:ea typeface="Adobe Gothic Std B" panose="020B0800000000000000" pitchFamily="34" charset="-128"/>
+              </a:rPr>
+              <a:t>sistem</a:t>
+            </a:r>
+            <a:r>
+              <a:rPr lang="en-US" sz="2400" dirty="0" smtClean="0">
+                <a:solidFill>
+                  <a:schemeClr val="bg1"/>
+                </a:solidFill>
+                <a:latin typeface="Berlin Sans FB Demi" panose="020E0802020502020306" pitchFamily="34" charset="0"/>
+                <a:ea typeface="Adobe Gothic Std B" panose="020B0800000000000000" pitchFamily="34" charset="-128"/>
+              </a:rPr>
+              <a:t> </a:t>
+            </a:r>
+            <a:r>
+              <a:rPr lang="en-US" sz="2400" dirty="0" err="1" smtClean="0">
+                <a:solidFill>
+                  <a:schemeClr val="bg1"/>
+                </a:solidFill>
+                <a:latin typeface="Berlin Sans FB Demi" panose="020E0802020502020306" pitchFamily="34" charset="0"/>
+                <a:ea typeface="Adobe Gothic Std B" panose="020B0800000000000000" pitchFamily="34" charset="-128"/>
+              </a:rPr>
+              <a:t>informasi</a:t>
+            </a:r>
+            <a:r>
+              <a:rPr lang="en-US" sz="2400" dirty="0" smtClean="0">
+                <a:solidFill>
+                  <a:schemeClr val="bg1"/>
+                </a:solidFill>
+                <a:latin typeface="Berlin Sans FB Demi" panose="020E0802020502020306" pitchFamily="34" charset="0"/>
+                <a:ea typeface="Adobe Gothic Std B" panose="020B0800000000000000" pitchFamily="34" charset="-128"/>
+              </a:rPr>
+              <a:t> </a:t>
+            </a:r>
+            <a:r>
+              <a:rPr lang="id-ID" sz="2400" dirty="0" smtClean="0">
+                <a:solidFill>
+                  <a:schemeClr val="bg1"/>
+                </a:solidFill>
+                <a:latin typeface="Berlin Sans FB Demi" panose="020E0802020502020306" pitchFamily="34" charset="0"/>
+                <a:ea typeface="Adobe Gothic Std B" panose="020B0800000000000000" pitchFamily="34" charset="-128"/>
+              </a:rPr>
+              <a:t>untuk menjual hasil produk lokal perkebunan di daerah </a:t>
+            </a:r>
+            <a:r>
+              <a:rPr lang="id-ID" sz="2400" dirty="0" smtClean="0">
+                <a:solidFill>
+                  <a:srgbClr val="F4C049"/>
+                </a:solidFill>
+                <a:latin typeface="Berlin Sans FB Demi" panose="020E0802020502020306" pitchFamily="34" charset="0"/>
+                <a:ea typeface="Adobe Gothic Std B" panose="020B0800000000000000" pitchFamily="34" charset="-128"/>
+              </a:rPr>
+              <a:t>Cikoro, Sulawesi </a:t>
+            </a:r>
+            <a:r>
+              <a:rPr lang="id-ID" sz="2400" dirty="0" smtClean="0">
+                <a:solidFill>
+                  <a:srgbClr val="F4C049"/>
+                </a:solidFill>
+                <a:latin typeface="Berlin Sans FB Demi" panose="020E0802020502020306" pitchFamily="34" charset="0"/>
+                <a:ea typeface="Adobe Gothic Std B" panose="020B0800000000000000" pitchFamily="34" charset="-128"/>
+              </a:rPr>
+              <a:t>S</a:t>
+            </a:r>
+            <a:r>
+              <a:rPr lang="id-ID" sz="2400" dirty="0" smtClean="0">
+                <a:solidFill>
+                  <a:srgbClr val="F4C049"/>
+                </a:solidFill>
+                <a:latin typeface="Berlin Sans FB Demi" panose="020E0802020502020306" pitchFamily="34" charset="0"/>
+                <a:ea typeface="Adobe Gothic Std B" panose="020B0800000000000000" pitchFamily="34" charset="-128"/>
+              </a:rPr>
+              <a:t>elatan</a:t>
+            </a:r>
+            <a:endParaRPr lang="en-US" sz="2400" dirty="0" smtClean="0">
+              <a:solidFill>
+                <a:srgbClr val="F4C049"/>
+              </a:solidFill>
+              <a:latin typeface="Berlin Sans FB Demi" panose="020E0802020502020306" pitchFamily="34" charset="0"/>
+              <a:ea typeface="Adobe Gothic Std B" panose="020B0800000000000000" pitchFamily="34" charset="-128"/>
+            </a:endParaRPr>
           </a:p>
           <a:p>
             <a:pPr marL="0" indent="0">
               <a:buNone/>
             </a:pPr>
-            <a:r>
-              <a:rPr lang="id-ID" dirty="0" smtClean="0">
-                <a:solidFill>
-                  <a:srgbClr val="FF0000"/>
-                </a:solidFill>
-                <a:latin typeface="Adobe Gothic Std B" panose="020B0800000000000000" pitchFamily="34" charset="-128"/>
-                <a:ea typeface="Adobe Gothic Std B" panose="020B0800000000000000" pitchFamily="34" charset="-128"/>
-              </a:rPr>
-              <a:t>Nama : Milardi Ardianto Hartono </a:t>
-            </a:r>
-            <a:r>
-              <a:rPr lang="id-ID" dirty="0" smtClean="0">
-                <a:solidFill>
-                  <a:srgbClr val="FF0000"/>
-                </a:solidFill>
-                <a:latin typeface="Adobe Gothic Std B" panose="020B0800000000000000" pitchFamily="34" charset="-128"/>
-                <a:ea typeface="Adobe Gothic Std B" panose="020B0800000000000000" pitchFamily="34" charset="-128"/>
-              </a:rPr>
-              <a:t>?????</a:t>
-            </a:r>
-            <a:endParaRPr lang="id-ID" dirty="0" smtClean="0">
+            <a:endParaRPr lang="en-US" sz="2400" dirty="0" smtClean="0">
               <a:solidFill>
-                <a:srgbClr val="FF0000"/>
+                <a:schemeClr val="bg1"/>
               </a:solidFill>
-              <a:latin typeface="Adobe Gothic Std B" panose="020B0800000000000000" pitchFamily="34" charset="-128"/>
+              <a:latin typeface="Berlin Sans FB Demi" panose="020E0802020502020306" pitchFamily="34" charset="0"/>
               <a:ea typeface="Adobe Gothic Std B" panose="020B0800000000000000" pitchFamily="34" charset="-128"/>
             </a:endParaRPr>
           </a:p>
@@ -16017,199 +15496,733 @@
             <a:pPr marL="0" indent="0">
               <a:buNone/>
             </a:pPr>
-            <a:endParaRPr lang="id-ID" dirty="0" smtClean="0">
+            <a:endParaRPr lang="en-US" sz="2400" dirty="0">
               <a:solidFill>
                 <a:schemeClr val="bg1"/>
               </a:solidFill>
-              <a:latin typeface="Adobe Gothic Std B" panose="020B0800000000000000" pitchFamily="34" charset="-128"/>
+              <a:latin typeface="Berlin Sans FB Demi" panose="020E0802020502020306" pitchFamily="34" charset="0"/>
               <a:ea typeface="Adobe Gothic Std B" panose="020B0800000000000000" pitchFamily="34" charset="-128"/>
-            </a:endParaRPr>
-          </a:p>
-          <a:p>
-            <a:r>
-              <a:rPr lang="id-ID" dirty="0" smtClean="0">
-                <a:solidFill>
-                  <a:schemeClr val="bg1"/>
-                </a:solidFill>
-                <a:latin typeface="Adobe Gothic Std B" panose="020B0800000000000000" pitchFamily="34" charset="-128"/>
-                <a:ea typeface="Adobe Gothic Std B" panose="020B0800000000000000" pitchFamily="34" charset="-128"/>
-              </a:rPr>
-              <a:t>Client ingin sebuah sistem yang dapat </a:t>
-            </a:r>
-            <a:r>
-              <a:rPr lang="id-ID" dirty="0" smtClean="0">
-                <a:solidFill>
-                  <a:schemeClr val="bg1"/>
-                </a:solidFill>
-                <a:latin typeface="Adobe Gothic Std B" panose="020B0800000000000000" pitchFamily="34" charset="-128"/>
-                <a:ea typeface="Adobe Gothic Std B" panose="020B0800000000000000" pitchFamily="34" charset="-128"/>
-              </a:rPr>
-              <a:t>menjual hasil produk perkebunan lokal yang lebih memudahkan customer untuk mengetahui dan membeli produk perkebunan dan memudahkan penjual (Admin) untuk mengontrol penjualannya.</a:t>
-            </a:r>
-            <a:endParaRPr lang="id-ID" b="1" dirty="0">
-              <a:solidFill>
-                <a:schemeClr val="bg1"/>
-              </a:solidFill>
-              <a:latin typeface="Adobe Caslon Pro" panose="0205050205050A020403" pitchFamily="18" charset="0"/>
-              <a:ea typeface="Adobe Gothic Std B" panose="020B0800000000000000"/>
             </a:endParaRPr>
           </a:p>
         </p:txBody>
       </p:sp>
       <p:sp>
         <p:nvSpPr>
-          <p:cNvPr id="7" name="Rectangle 6"/>
-          <p:cNvSpPr/>
+          <p:cNvPr id="8" name="Content Placeholder 2"/>
+          <p:cNvSpPr txBox="1">
+            <a:spLocks/>
+          </p:cNvSpPr>
           <p:nvPr/>
         </p:nvSpPr>
         <p:spPr>
-          <a:xfrm rot="19149073">
-            <a:off x="8940800" y="5695721"/>
-            <a:ext cx="4281714" cy="377372"/>
+          <a:xfrm>
+            <a:off x="838200" y="2997609"/>
+            <a:ext cx="10515600" cy="1130980"/>
           </a:xfrm>
           <a:prstGeom prst="rect">
             <a:avLst/>
           </a:prstGeom>
-          <a:solidFill>
-            <a:schemeClr val="bg1"/>
-          </a:solidFill>
-          <a:ln>
-            <a:solidFill>
-              <a:schemeClr val="bg1"/>
-            </a:solidFill>
-          </a:ln>
         </p:spPr>
-        <p:style>
-          <a:lnRef idx="2">
-            <a:schemeClr val="accent1">
-              <a:shade val="50000"/>
-            </a:schemeClr>
-          </a:lnRef>
-          <a:fillRef idx="1">
-            <a:schemeClr val="accent1"/>
-          </a:fillRef>
-          <a:effectRef idx="0">
-            <a:schemeClr val="accent1"/>
-          </a:effectRef>
-          <a:fontRef idx="minor">
-            <a:schemeClr val="lt1"/>
-          </a:fontRef>
-        </p:style>
         <p:txBody>
-          <a:bodyPr rtlCol="0" anchor="ctr"/>
-          <a:lstStyle/>
-          <a:p>
-            <a:pPr algn="ctr"/>
-            <a:endParaRPr lang="en-US"/>
+          <a:bodyPr vert="horz" lIns="91440" tIns="45720" rIns="91440" bIns="45720" rtlCol="0">
+            <a:noAutofit/>
+          </a:bodyPr>
+          <a:lstStyle>
+            <a:lvl1pPr marL="228600" indent="-228600" algn="l" defTabSz="914400" rtl="0" eaLnBrk="1" latinLnBrk="0" hangingPunct="1">
+              <a:lnSpc>
+                <a:spcPct val="90000"/>
+              </a:lnSpc>
+              <a:spcBef>
+                <a:spcPts val="1000"/>
+              </a:spcBef>
+              <a:buFont typeface="Arial" panose="020B0604020202020204" pitchFamily="34" charset="0"/>
+              <a:buChar char="•"/>
+              <a:defRPr sz="2800" kern="1200">
+                <a:solidFill>
+                  <a:schemeClr val="tx1"/>
+                </a:solidFill>
+                <a:latin typeface="+mn-lt"/>
+                <a:ea typeface="+mn-ea"/>
+                <a:cs typeface="+mn-cs"/>
+              </a:defRPr>
+            </a:lvl1pPr>
+            <a:lvl2pPr marL="685800" indent="-228600" algn="l" defTabSz="914400" rtl="0" eaLnBrk="1" latinLnBrk="0" hangingPunct="1">
+              <a:lnSpc>
+                <a:spcPct val="90000"/>
+              </a:lnSpc>
+              <a:spcBef>
+                <a:spcPts val="500"/>
+              </a:spcBef>
+              <a:buFont typeface="Arial" panose="020B0604020202020204" pitchFamily="34" charset="0"/>
+              <a:buChar char="•"/>
+              <a:defRPr sz="2400" kern="1200">
+                <a:solidFill>
+                  <a:schemeClr val="tx1"/>
+                </a:solidFill>
+                <a:latin typeface="+mn-lt"/>
+                <a:ea typeface="+mn-ea"/>
+                <a:cs typeface="+mn-cs"/>
+              </a:defRPr>
+            </a:lvl2pPr>
+            <a:lvl3pPr marL="1143000" indent="-228600" algn="l" defTabSz="914400" rtl="0" eaLnBrk="1" latinLnBrk="0" hangingPunct="1">
+              <a:lnSpc>
+                <a:spcPct val="90000"/>
+              </a:lnSpc>
+              <a:spcBef>
+                <a:spcPts val="500"/>
+              </a:spcBef>
+              <a:buFont typeface="Arial" panose="020B0604020202020204" pitchFamily="34" charset="0"/>
+              <a:buChar char="•"/>
+              <a:defRPr sz="2000" kern="1200">
+                <a:solidFill>
+                  <a:schemeClr val="tx1"/>
+                </a:solidFill>
+                <a:latin typeface="+mn-lt"/>
+                <a:ea typeface="+mn-ea"/>
+                <a:cs typeface="+mn-cs"/>
+              </a:defRPr>
+            </a:lvl3pPr>
+            <a:lvl4pPr marL="1600200" indent="-228600" algn="l" defTabSz="914400" rtl="0" eaLnBrk="1" latinLnBrk="0" hangingPunct="1">
+              <a:lnSpc>
+                <a:spcPct val="90000"/>
+              </a:lnSpc>
+              <a:spcBef>
+                <a:spcPts val="500"/>
+              </a:spcBef>
+              <a:buFont typeface="Arial" panose="020B0604020202020204" pitchFamily="34" charset="0"/>
+              <a:buChar char="•"/>
+              <a:defRPr sz="1800" kern="1200">
+                <a:solidFill>
+                  <a:schemeClr val="tx1"/>
+                </a:solidFill>
+                <a:latin typeface="+mn-lt"/>
+                <a:ea typeface="+mn-ea"/>
+                <a:cs typeface="+mn-cs"/>
+              </a:defRPr>
+            </a:lvl4pPr>
+            <a:lvl5pPr marL="2057400" indent="-228600" algn="l" defTabSz="914400" rtl="0" eaLnBrk="1" latinLnBrk="0" hangingPunct="1">
+              <a:lnSpc>
+                <a:spcPct val="90000"/>
+              </a:lnSpc>
+              <a:spcBef>
+                <a:spcPts val="500"/>
+              </a:spcBef>
+              <a:buFont typeface="Arial" panose="020B0604020202020204" pitchFamily="34" charset="0"/>
+              <a:buChar char="•"/>
+              <a:defRPr sz="1800" kern="1200">
+                <a:solidFill>
+                  <a:schemeClr val="tx1"/>
+                </a:solidFill>
+                <a:latin typeface="+mn-lt"/>
+                <a:ea typeface="+mn-ea"/>
+                <a:cs typeface="+mn-cs"/>
+              </a:defRPr>
+            </a:lvl5pPr>
+            <a:lvl6pPr marL="2514600" indent="-228600" algn="l" defTabSz="914400" rtl="0" eaLnBrk="1" latinLnBrk="0" hangingPunct="1">
+              <a:lnSpc>
+                <a:spcPct val="90000"/>
+              </a:lnSpc>
+              <a:spcBef>
+                <a:spcPts val="500"/>
+              </a:spcBef>
+              <a:buFont typeface="Arial" panose="020B0604020202020204" pitchFamily="34" charset="0"/>
+              <a:buChar char="•"/>
+              <a:defRPr sz="1800" kern="1200">
+                <a:solidFill>
+                  <a:schemeClr val="tx1"/>
+                </a:solidFill>
+                <a:latin typeface="+mn-lt"/>
+                <a:ea typeface="+mn-ea"/>
+                <a:cs typeface="+mn-cs"/>
+              </a:defRPr>
+            </a:lvl6pPr>
+            <a:lvl7pPr marL="2971800" indent="-228600" algn="l" defTabSz="914400" rtl="0" eaLnBrk="1" latinLnBrk="0" hangingPunct="1">
+              <a:lnSpc>
+                <a:spcPct val="90000"/>
+              </a:lnSpc>
+              <a:spcBef>
+                <a:spcPts val="500"/>
+              </a:spcBef>
+              <a:buFont typeface="Arial" panose="020B0604020202020204" pitchFamily="34" charset="0"/>
+              <a:buChar char="•"/>
+              <a:defRPr sz="1800" kern="1200">
+                <a:solidFill>
+                  <a:schemeClr val="tx1"/>
+                </a:solidFill>
+                <a:latin typeface="+mn-lt"/>
+                <a:ea typeface="+mn-ea"/>
+                <a:cs typeface="+mn-cs"/>
+              </a:defRPr>
+            </a:lvl7pPr>
+            <a:lvl8pPr marL="3429000" indent="-228600" algn="l" defTabSz="914400" rtl="0" eaLnBrk="1" latinLnBrk="0" hangingPunct="1">
+              <a:lnSpc>
+                <a:spcPct val="90000"/>
+              </a:lnSpc>
+              <a:spcBef>
+                <a:spcPts val="500"/>
+              </a:spcBef>
+              <a:buFont typeface="Arial" panose="020B0604020202020204" pitchFamily="34" charset="0"/>
+              <a:buChar char="•"/>
+              <a:defRPr sz="1800" kern="1200">
+                <a:solidFill>
+                  <a:schemeClr val="tx1"/>
+                </a:solidFill>
+                <a:latin typeface="+mn-lt"/>
+                <a:ea typeface="+mn-ea"/>
+                <a:cs typeface="+mn-cs"/>
+              </a:defRPr>
+            </a:lvl8pPr>
+            <a:lvl9pPr marL="3886200" indent="-228600" algn="l" defTabSz="914400" rtl="0" eaLnBrk="1" latinLnBrk="0" hangingPunct="1">
+              <a:lnSpc>
+                <a:spcPct val="90000"/>
+              </a:lnSpc>
+              <a:spcBef>
+                <a:spcPts val="500"/>
+              </a:spcBef>
+              <a:buFont typeface="Arial" panose="020B0604020202020204" pitchFamily="34" charset="0"/>
+              <a:buChar char="•"/>
+              <a:defRPr sz="1800" kern="1200">
+                <a:solidFill>
+                  <a:schemeClr val="tx1"/>
+                </a:solidFill>
+                <a:latin typeface="+mn-lt"/>
+                <a:ea typeface="+mn-ea"/>
+                <a:cs typeface="+mn-cs"/>
+              </a:defRPr>
+            </a:lvl9pPr>
+          </a:lstStyle>
+          <a:p>
+            <a:pPr marL="0" indent="0" algn="just">
+              <a:lnSpc>
+                <a:spcPct val="100000"/>
+              </a:lnSpc>
+              <a:buFont typeface="Arial" panose="020B0604020202020204" pitchFamily="34" charset="0"/>
+              <a:buNone/>
+            </a:pPr>
+            <a:r>
+              <a:rPr lang="en-US" sz="2400" dirty="0" err="1" smtClean="0">
+                <a:solidFill>
+                  <a:schemeClr val="bg1"/>
+                </a:solidFill>
+                <a:latin typeface="Berlin Sans FB Demi" panose="020E0802020502020306" pitchFamily="34" charset="0"/>
+                <a:ea typeface="Adobe Gothic Std B" panose="020B0800000000000000" pitchFamily="34" charset="-128"/>
+              </a:rPr>
+              <a:t>Sistem</a:t>
+            </a:r>
+            <a:r>
+              <a:rPr lang="en-US" sz="2400" dirty="0" smtClean="0">
+                <a:solidFill>
+                  <a:schemeClr val="bg1"/>
+                </a:solidFill>
+                <a:latin typeface="Berlin Sans FB Demi" panose="020E0802020502020306" pitchFamily="34" charset="0"/>
+                <a:ea typeface="Adobe Gothic Std B" panose="020B0800000000000000" pitchFamily="34" charset="-128"/>
+              </a:rPr>
+              <a:t> </a:t>
+            </a:r>
+            <a:r>
+              <a:rPr lang="en-US" sz="2400" dirty="0" err="1" smtClean="0">
+                <a:solidFill>
+                  <a:schemeClr val="bg1"/>
+                </a:solidFill>
+                <a:latin typeface="Berlin Sans FB Demi" panose="020E0802020502020306" pitchFamily="34" charset="0"/>
+                <a:ea typeface="Adobe Gothic Std B" panose="020B0800000000000000" pitchFamily="34" charset="-128"/>
+              </a:rPr>
+              <a:t>ini</a:t>
+            </a:r>
+            <a:r>
+              <a:rPr lang="en-US" sz="2400" dirty="0" smtClean="0">
+                <a:solidFill>
+                  <a:schemeClr val="bg1"/>
+                </a:solidFill>
+                <a:latin typeface="Berlin Sans FB Demi" panose="020E0802020502020306" pitchFamily="34" charset="0"/>
+                <a:ea typeface="Adobe Gothic Std B" panose="020B0800000000000000" pitchFamily="34" charset="-128"/>
+              </a:rPr>
+              <a:t> </a:t>
+            </a:r>
+            <a:r>
+              <a:rPr lang="en-US" sz="2400" dirty="0" err="1" smtClean="0">
+                <a:solidFill>
+                  <a:schemeClr val="bg1"/>
+                </a:solidFill>
+                <a:latin typeface="Berlin Sans FB Demi" panose="020E0802020502020306" pitchFamily="34" charset="0"/>
+                <a:ea typeface="Adobe Gothic Std B" panose="020B0800000000000000" pitchFamily="34" charset="-128"/>
+              </a:rPr>
+              <a:t>dapat</a:t>
+            </a:r>
+            <a:r>
+              <a:rPr lang="id-ID" sz="2400" dirty="0" smtClean="0">
+                <a:solidFill>
+                  <a:schemeClr val="bg1"/>
+                </a:solidFill>
+                <a:latin typeface="Berlin Sans FB Demi" panose="020E0802020502020306" pitchFamily="34" charset="0"/>
+                <a:ea typeface="Adobe Gothic Std B" panose="020B0800000000000000" pitchFamily="34" charset="-128"/>
+              </a:rPr>
+              <a:t> digunakan </a:t>
+            </a:r>
+            <a:r>
+              <a:rPr lang="id-ID" sz="2400" dirty="0" smtClean="0">
+                <a:solidFill>
+                  <a:srgbClr val="F4C049"/>
+                </a:solidFill>
+                <a:latin typeface="Berlin Sans FB Demi" panose="020E0802020502020306" pitchFamily="34" charset="0"/>
+                <a:ea typeface="Adobe Gothic Std B" panose="020B0800000000000000" pitchFamily="34" charset="-128"/>
+              </a:rPr>
+              <a:t>User </a:t>
+            </a:r>
+            <a:r>
+              <a:rPr lang="id-ID" sz="2400" dirty="0">
+                <a:solidFill>
+                  <a:srgbClr val="F4C049"/>
+                </a:solidFill>
+                <a:latin typeface="Berlin Sans FB Demi" panose="020E0802020502020306" pitchFamily="34" charset="0"/>
+                <a:ea typeface="Adobe Gothic Std B" panose="020B0800000000000000" pitchFamily="34" charset="-128"/>
+              </a:rPr>
+              <a:t>G</a:t>
+            </a:r>
+            <a:r>
+              <a:rPr lang="id-ID" sz="2400" dirty="0" smtClean="0">
+                <a:solidFill>
+                  <a:srgbClr val="F4C049"/>
+                </a:solidFill>
+                <a:latin typeface="Berlin Sans FB Demi" panose="020E0802020502020306" pitchFamily="34" charset="0"/>
+                <a:ea typeface="Adobe Gothic Std B" panose="020B0800000000000000" pitchFamily="34" charset="-128"/>
+              </a:rPr>
+              <a:t>uest</a:t>
+            </a:r>
+            <a:r>
+              <a:rPr lang="id-ID" sz="2400" dirty="0" smtClean="0">
+                <a:solidFill>
+                  <a:schemeClr val="bg1"/>
+                </a:solidFill>
+                <a:latin typeface="Berlin Sans FB Demi" panose="020E0802020502020306" pitchFamily="34" charset="0"/>
+                <a:ea typeface="Adobe Gothic Std B" panose="020B0800000000000000" pitchFamily="34" charset="-128"/>
+              </a:rPr>
+              <a:t> untuk menjual dan membeli produk perkebunan, sedangkan untuk </a:t>
+            </a:r>
+            <a:r>
+              <a:rPr lang="id-ID" sz="2400" dirty="0" smtClean="0">
+                <a:solidFill>
+                  <a:srgbClr val="F4C049"/>
+                </a:solidFill>
+                <a:latin typeface="Berlin Sans FB Demi" panose="020E0802020502020306" pitchFamily="34" charset="0"/>
+                <a:ea typeface="Adobe Gothic Std B" panose="020B0800000000000000" pitchFamily="34" charset="-128"/>
+              </a:rPr>
+              <a:t>Admin</a:t>
+            </a:r>
+            <a:r>
+              <a:rPr lang="id-ID" sz="2400" dirty="0" smtClean="0">
+                <a:solidFill>
+                  <a:schemeClr val="bg1"/>
+                </a:solidFill>
+                <a:latin typeface="Berlin Sans FB Demi" panose="020E0802020502020306" pitchFamily="34" charset="0"/>
+                <a:ea typeface="Adobe Gothic Std B" panose="020B0800000000000000" pitchFamily="34" charset="-128"/>
+              </a:rPr>
+              <a:t> sistem ini dapat menambah, menghapus, maupun mengupdate produk yang akan dijual , serta merubah status pemesanan</a:t>
+            </a:r>
+            <a:endParaRPr lang="en-US" sz="2400" dirty="0">
+              <a:solidFill>
+                <a:schemeClr val="bg1"/>
+              </a:solidFill>
+              <a:latin typeface="Berlin Sans FB Demi" panose="020E0802020502020306" pitchFamily="34" charset="0"/>
+              <a:ea typeface="Adobe Gothic Std B" panose="020B0800000000000000" pitchFamily="34" charset="-128"/>
+            </a:endParaRPr>
           </a:p>
         </p:txBody>
       </p:sp>
       <p:sp>
         <p:nvSpPr>
-          <p:cNvPr id="10" name="Rectangle 9"/>
-          <p:cNvSpPr/>
+          <p:cNvPr id="9" name="Content Placeholder 2"/>
+          <p:cNvSpPr txBox="1">
+            <a:spLocks/>
+          </p:cNvSpPr>
           <p:nvPr/>
         </p:nvSpPr>
         <p:spPr>
-          <a:xfrm rot="19149073">
-            <a:off x="7874371" y="5147208"/>
-            <a:ext cx="5306549" cy="539811"/>
+          <a:xfrm>
+            <a:off x="838200" y="4806006"/>
+            <a:ext cx="10515600" cy="874032"/>
           </a:xfrm>
           <a:prstGeom prst="rect">
             <a:avLst/>
           </a:prstGeom>
-          <a:solidFill>
-            <a:schemeClr val="bg1"/>
-          </a:solidFill>
-          <a:ln>
-            <a:solidFill>
-              <a:schemeClr val="bg1"/>
-            </a:solidFill>
-          </a:ln>
         </p:spPr>
-        <p:style>
-          <a:lnRef idx="2">
-            <a:schemeClr val="accent1">
-              <a:shade val="50000"/>
-            </a:schemeClr>
-          </a:lnRef>
-          <a:fillRef idx="1">
-            <a:schemeClr val="accent1"/>
-          </a:fillRef>
-          <a:effectRef idx="0">
-            <a:schemeClr val="accent1"/>
-          </a:effectRef>
-          <a:fontRef idx="minor">
-            <a:schemeClr val="lt1"/>
-          </a:fontRef>
-        </p:style>
         <p:txBody>
-          <a:bodyPr rtlCol="0" anchor="ctr"/>
-          <a:lstStyle/>
-          <a:p>
-            <a:pPr algn="ctr"/>
-            <a:endParaRPr lang="en-US"/>
+          <a:bodyPr vert="horz" lIns="91440" tIns="45720" rIns="91440" bIns="45720" rtlCol="0">
+            <a:normAutofit/>
+          </a:bodyPr>
+          <a:lstStyle>
+            <a:lvl1pPr marL="228600" indent="-228600" algn="l" defTabSz="914400" rtl="0" eaLnBrk="1" latinLnBrk="0" hangingPunct="1">
+              <a:lnSpc>
+                <a:spcPct val="90000"/>
+              </a:lnSpc>
+              <a:spcBef>
+                <a:spcPts val="1000"/>
+              </a:spcBef>
+              <a:buFont typeface="Arial" panose="020B0604020202020204" pitchFamily="34" charset="0"/>
+              <a:buChar char="•"/>
+              <a:defRPr sz="2800" kern="1200">
+                <a:solidFill>
+                  <a:schemeClr val="tx1"/>
+                </a:solidFill>
+                <a:latin typeface="+mn-lt"/>
+                <a:ea typeface="+mn-ea"/>
+                <a:cs typeface="+mn-cs"/>
+              </a:defRPr>
+            </a:lvl1pPr>
+            <a:lvl2pPr marL="685800" indent="-228600" algn="l" defTabSz="914400" rtl="0" eaLnBrk="1" latinLnBrk="0" hangingPunct="1">
+              <a:lnSpc>
+                <a:spcPct val="90000"/>
+              </a:lnSpc>
+              <a:spcBef>
+                <a:spcPts val="500"/>
+              </a:spcBef>
+              <a:buFont typeface="Arial" panose="020B0604020202020204" pitchFamily="34" charset="0"/>
+              <a:buChar char="•"/>
+              <a:defRPr sz="2400" kern="1200">
+                <a:solidFill>
+                  <a:schemeClr val="tx1"/>
+                </a:solidFill>
+                <a:latin typeface="+mn-lt"/>
+                <a:ea typeface="+mn-ea"/>
+                <a:cs typeface="+mn-cs"/>
+              </a:defRPr>
+            </a:lvl2pPr>
+            <a:lvl3pPr marL="1143000" indent="-228600" algn="l" defTabSz="914400" rtl="0" eaLnBrk="1" latinLnBrk="0" hangingPunct="1">
+              <a:lnSpc>
+                <a:spcPct val="90000"/>
+              </a:lnSpc>
+              <a:spcBef>
+                <a:spcPts val="500"/>
+              </a:spcBef>
+              <a:buFont typeface="Arial" panose="020B0604020202020204" pitchFamily="34" charset="0"/>
+              <a:buChar char="•"/>
+              <a:defRPr sz="2000" kern="1200">
+                <a:solidFill>
+                  <a:schemeClr val="tx1"/>
+                </a:solidFill>
+                <a:latin typeface="+mn-lt"/>
+                <a:ea typeface="+mn-ea"/>
+                <a:cs typeface="+mn-cs"/>
+              </a:defRPr>
+            </a:lvl3pPr>
+            <a:lvl4pPr marL="1600200" indent="-228600" algn="l" defTabSz="914400" rtl="0" eaLnBrk="1" latinLnBrk="0" hangingPunct="1">
+              <a:lnSpc>
+                <a:spcPct val="90000"/>
+              </a:lnSpc>
+              <a:spcBef>
+                <a:spcPts val="500"/>
+              </a:spcBef>
+              <a:buFont typeface="Arial" panose="020B0604020202020204" pitchFamily="34" charset="0"/>
+              <a:buChar char="•"/>
+              <a:defRPr sz="1800" kern="1200">
+                <a:solidFill>
+                  <a:schemeClr val="tx1"/>
+                </a:solidFill>
+                <a:latin typeface="+mn-lt"/>
+                <a:ea typeface="+mn-ea"/>
+                <a:cs typeface="+mn-cs"/>
+              </a:defRPr>
+            </a:lvl4pPr>
+            <a:lvl5pPr marL="2057400" indent="-228600" algn="l" defTabSz="914400" rtl="0" eaLnBrk="1" latinLnBrk="0" hangingPunct="1">
+              <a:lnSpc>
+                <a:spcPct val="90000"/>
+              </a:lnSpc>
+              <a:spcBef>
+                <a:spcPts val="500"/>
+              </a:spcBef>
+              <a:buFont typeface="Arial" panose="020B0604020202020204" pitchFamily="34" charset="0"/>
+              <a:buChar char="•"/>
+              <a:defRPr sz="1800" kern="1200">
+                <a:solidFill>
+                  <a:schemeClr val="tx1"/>
+                </a:solidFill>
+                <a:latin typeface="+mn-lt"/>
+                <a:ea typeface="+mn-ea"/>
+                <a:cs typeface="+mn-cs"/>
+              </a:defRPr>
+            </a:lvl5pPr>
+            <a:lvl6pPr marL="2514600" indent="-228600" algn="l" defTabSz="914400" rtl="0" eaLnBrk="1" latinLnBrk="0" hangingPunct="1">
+              <a:lnSpc>
+                <a:spcPct val="90000"/>
+              </a:lnSpc>
+              <a:spcBef>
+                <a:spcPts val="500"/>
+              </a:spcBef>
+              <a:buFont typeface="Arial" panose="020B0604020202020204" pitchFamily="34" charset="0"/>
+              <a:buChar char="•"/>
+              <a:defRPr sz="1800" kern="1200">
+                <a:solidFill>
+                  <a:schemeClr val="tx1"/>
+                </a:solidFill>
+                <a:latin typeface="+mn-lt"/>
+                <a:ea typeface="+mn-ea"/>
+                <a:cs typeface="+mn-cs"/>
+              </a:defRPr>
+            </a:lvl6pPr>
+            <a:lvl7pPr marL="2971800" indent="-228600" algn="l" defTabSz="914400" rtl="0" eaLnBrk="1" latinLnBrk="0" hangingPunct="1">
+              <a:lnSpc>
+                <a:spcPct val="90000"/>
+              </a:lnSpc>
+              <a:spcBef>
+                <a:spcPts val="500"/>
+              </a:spcBef>
+              <a:buFont typeface="Arial" panose="020B0604020202020204" pitchFamily="34" charset="0"/>
+              <a:buChar char="•"/>
+              <a:defRPr sz="1800" kern="1200">
+                <a:solidFill>
+                  <a:schemeClr val="tx1"/>
+                </a:solidFill>
+                <a:latin typeface="+mn-lt"/>
+                <a:ea typeface="+mn-ea"/>
+                <a:cs typeface="+mn-cs"/>
+              </a:defRPr>
+            </a:lvl7pPr>
+            <a:lvl8pPr marL="3429000" indent="-228600" algn="l" defTabSz="914400" rtl="0" eaLnBrk="1" latinLnBrk="0" hangingPunct="1">
+              <a:lnSpc>
+                <a:spcPct val="90000"/>
+              </a:lnSpc>
+              <a:spcBef>
+                <a:spcPts val="500"/>
+              </a:spcBef>
+              <a:buFont typeface="Arial" panose="020B0604020202020204" pitchFamily="34" charset="0"/>
+              <a:buChar char="•"/>
+              <a:defRPr sz="1800" kern="1200">
+                <a:solidFill>
+                  <a:schemeClr val="tx1"/>
+                </a:solidFill>
+                <a:latin typeface="+mn-lt"/>
+                <a:ea typeface="+mn-ea"/>
+                <a:cs typeface="+mn-cs"/>
+              </a:defRPr>
+            </a:lvl8pPr>
+            <a:lvl9pPr marL="3886200" indent="-228600" algn="l" defTabSz="914400" rtl="0" eaLnBrk="1" latinLnBrk="0" hangingPunct="1">
+              <a:lnSpc>
+                <a:spcPct val="90000"/>
+              </a:lnSpc>
+              <a:spcBef>
+                <a:spcPts val="500"/>
+              </a:spcBef>
+              <a:buFont typeface="Arial" panose="020B0604020202020204" pitchFamily="34" charset="0"/>
+              <a:buChar char="•"/>
+              <a:defRPr sz="1800" kern="1200">
+                <a:solidFill>
+                  <a:schemeClr val="tx1"/>
+                </a:solidFill>
+                <a:latin typeface="+mn-lt"/>
+                <a:ea typeface="+mn-ea"/>
+                <a:cs typeface="+mn-cs"/>
+              </a:defRPr>
+            </a:lvl9pPr>
+          </a:lstStyle>
+          <a:p>
+            <a:pPr marL="0" indent="0">
+              <a:buFont typeface="Arial" panose="020B0604020202020204" pitchFamily="34" charset="0"/>
+              <a:buNone/>
+            </a:pPr>
+            <a:r>
+              <a:rPr lang="en-US" sz="2400" dirty="0" err="1" smtClean="0">
+                <a:solidFill>
+                  <a:schemeClr val="bg1"/>
+                </a:solidFill>
+                <a:latin typeface="Berlin Sans FB Demi" panose="020E0802020502020306" pitchFamily="34" charset="0"/>
+                <a:ea typeface="Adobe Gothic Std B" panose="020B0800000000000000" pitchFamily="34" charset="-128"/>
+              </a:rPr>
+              <a:t>Sistem</a:t>
+            </a:r>
+            <a:r>
+              <a:rPr lang="en-US" sz="2400" dirty="0" smtClean="0">
+                <a:solidFill>
+                  <a:schemeClr val="bg1"/>
+                </a:solidFill>
+                <a:latin typeface="Berlin Sans FB Demi" panose="020E0802020502020306" pitchFamily="34" charset="0"/>
+                <a:ea typeface="Adobe Gothic Std B" panose="020B0800000000000000" pitchFamily="34" charset="-128"/>
+              </a:rPr>
+              <a:t> </a:t>
+            </a:r>
+            <a:r>
+              <a:rPr lang="en-US" sz="2400" dirty="0" err="1" smtClean="0">
+                <a:solidFill>
+                  <a:schemeClr val="bg1"/>
+                </a:solidFill>
+                <a:latin typeface="Berlin Sans FB Demi" panose="020E0802020502020306" pitchFamily="34" charset="0"/>
+                <a:ea typeface="Adobe Gothic Std B" panose="020B0800000000000000" pitchFamily="34" charset="-128"/>
+              </a:rPr>
+              <a:t>ini</a:t>
+            </a:r>
+            <a:r>
+              <a:rPr lang="en-US" sz="2400" dirty="0" smtClean="0">
+                <a:solidFill>
+                  <a:schemeClr val="bg1"/>
+                </a:solidFill>
+                <a:latin typeface="Berlin Sans FB Demi" panose="020E0802020502020306" pitchFamily="34" charset="0"/>
+                <a:ea typeface="Adobe Gothic Std B" panose="020B0800000000000000" pitchFamily="34" charset="-128"/>
+              </a:rPr>
+              <a:t> </a:t>
+            </a:r>
+            <a:r>
+              <a:rPr lang="en-US" sz="2400" dirty="0" err="1" smtClean="0">
+                <a:solidFill>
+                  <a:schemeClr val="bg1"/>
+                </a:solidFill>
+                <a:latin typeface="Berlin Sans FB Demi" panose="020E0802020502020306" pitchFamily="34" charset="0"/>
+                <a:ea typeface="Adobe Gothic Std B" panose="020B0800000000000000" pitchFamily="34" charset="-128"/>
+              </a:rPr>
+              <a:t>sekaligus</a:t>
+            </a:r>
+            <a:r>
+              <a:rPr lang="en-US" sz="2400" dirty="0" smtClean="0">
+                <a:solidFill>
+                  <a:schemeClr val="bg1"/>
+                </a:solidFill>
+                <a:latin typeface="Berlin Sans FB Demi" panose="020E0802020502020306" pitchFamily="34" charset="0"/>
+                <a:ea typeface="Adobe Gothic Std B" panose="020B0800000000000000" pitchFamily="34" charset="-128"/>
+              </a:rPr>
+              <a:t> </a:t>
+            </a:r>
+            <a:r>
+              <a:rPr lang="en-US" sz="2400" dirty="0" err="1" smtClean="0">
+                <a:solidFill>
+                  <a:schemeClr val="bg1"/>
+                </a:solidFill>
+                <a:latin typeface="Berlin Sans FB Demi" panose="020E0802020502020306" pitchFamily="34" charset="0"/>
+                <a:ea typeface="Adobe Gothic Std B" panose="020B0800000000000000" pitchFamily="34" charset="-128"/>
+              </a:rPr>
+              <a:t>menjadi</a:t>
+            </a:r>
+            <a:r>
+              <a:rPr lang="en-US" sz="2400" dirty="0" smtClean="0">
+                <a:solidFill>
+                  <a:schemeClr val="bg1"/>
+                </a:solidFill>
+                <a:latin typeface="Berlin Sans FB Demi" panose="020E0802020502020306" pitchFamily="34" charset="0"/>
+                <a:ea typeface="Adobe Gothic Std B" panose="020B0800000000000000" pitchFamily="34" charset="-128"/>
+              </a:rPr>
+              <a:t> </a:t>
+            </a:r>
+            <a:r>
+              <a:rPr lang="id-ID" sz="2400" dirty="0" smtClean="0">
+                <a:solidFill>
+                  <a:schemeClr val="bg1"/>
+                </a:solidFill>
+                <a:latin typeface="Berlin Sans FB Demi" panose="020E0802020502020306" pitchFamily="34" charset="0"/>
+                <a:ea typeface="Adobe Gothic Std B" panose="020B0800000000000000" pitchFamily="34" charset="-128"/>
+              </a:rPr>
+              <a:t>promosi hasil daerah lokal </a:t>
+            </a:r>
+            <a:endParaRPr lang="en-US" sz="2400" dirty="0">
+              <a:solidFill>
+                <a:schemeClr val="bg1"/>
+              </a:solidFill>
+              <a:latin typeface="Berlin Sans FB Demi" panose="020E0802020502020306" pitchFamily="34" charset="0"/>
+              <a:ea typeface="Adobe Gothic Std B" panose="020B0800000000000000" pitchFamily="34" charset="-128"/>
+            </a:endParaRPr>
           </a:p>
         </p:txBody>
       </p:sp>
-      <p:sp>
-        <p:nvSpPr>
-          <p:cNvPr id="11" name="Rectangle 10"/>
-          <p:cNvSpPr/>
+      <p:grpSp>
+        <p:nvGrpSpPr>
+          <p:cNvPr id="10" name="Group 9"/>
+          <p:cNvGrpSpPr/>
           <p:nvPr/>
-        </p:nvSpPr>
-        <p:spPr>
-          <a:xfrm rot="19149073">
-            <a:off x="9488307" y="6129070"/>
-            <a:ext cx="4092359" cy="255098"/>
+        </p:nvGrpSpPr>
+        <p:grpSpPr>
+          <a:xfrm>
+            <a:off x="0" y="6239255"/>
+            <a:ext cx="12301227" cy="618745"/>
+            <a:chOff x="0" y="6239255"/>
+            <a:chExt cx="12301227" cy="618745"/>
           </a:xfrm>
-          <a:prstGeom prst="rect">
-            <a:avLst/>
-          </a:prstGeom>
-          <a:solidFill>
-            <a:schemeClr val="bg1"/>
-          </a:solidFill>
-          <a:ln>
+        </p:grpSpPr>
+        <p:sp>
+          <p:nvSpPr>
+            <p:cNvPr id="11" name="Rectangle 10"/>
+            <p:cNvSpPr/>
+            <p:nvPr/>
+          </p:nvSpPr>
+          <p:spPr>
+            <a:xfrm>
+              <a:off x="0" y="6324600"/>
+              <a:ext cx="4927600" cy="533400"/>
+            </a:xfrm>
+            <a:prstGeom prst="rect">
+              <a:avLst/>
+            </a:prstGeom>
             <a:solidFill>
-              <a:schemeClr val="bg1"/>
+              <a:srgbClr val="194206"/>
             </a:solidFill>
-          </a:ln>
-        </p:spPr>
-        <p:style>
-          <a:lnRef idx="2">
-            <a:schemeClr val="accent1">
-              <a:shade val="50000"/>
-            </a:schemeClr>
-          </a:lnRef>
-          <a:fillRef idx="1">
-            <a:schemeClr val="accent1"/>
-          </a:fillRef>
-          <a:effectRef idx="0">
-            <a:schemeClr val="accent1"/>
-          </a:effectRef>
-          <a:fontRef idx="minor">
-            <a:schemeClr val="lt1"/>
-          </a:fontRef>
-        </p:style>
-        <p:txBody>
-          <a:bodyPr rtlCol="0" anchor="ctr"/>
-          <a:lstStyle/>
-          <a:p>
-            <a:pPr algn="ctr"/>
-            <a:endParaRPr lang="en-US"/>
-          </a:p>
-        </p:txBody>
-      </p:sp>
+            <a:ln>
+              <a:noFill/>
+            </a:ln>
+          </p:spPr>
+          <p:style>
+            <a:lnRef idx="2">
+              <a:schemeClr val="accent1">
+                <a:shade val="50000"/>
+              </a:schemeClr>
+            </a:lnRef>
+            <a:fillRef idx="1">
+              <a:schemeClr val="accent1"/>
+            </a:fillRef>
+            <a:effectRef idx="0">
+              <a:schemeClr val="accent1"/>
+            </a:effectRef>
+            <a:fontRef idx="minor">
+              <a:schemeClr val="lt1"/>
+            </a:fontRef>
+          </p:style>
+          <p:txBody>
+            <a:bodyPr rtlCol="0" anchor="ctr"/>
+            <a:lstStyle/>
+            <a:p>
+              <a:pPr algn="ctr"/>
+              <a:endParaRPr lang="id-ID"/>
+            </a:p>
+          </p:txBody>
+        </p:sp>
+        <p:pic>
+          <p:nvPicPr>
+            <p:cNvPr id="12" name="Picture 11"/>
+            <p:cNvPicPr>
+              <a:picLocks noChangeAspect="1"/>
+            </p:cNvPicPr>
+            <p:nvPr/>
+          </p:nvPicPr>
+          <p:blipFill>
+            <a:blip r:embed="rId2" cstate="print">
+              <a:extLst>
+                <a:ext uri="{28A0092B-C50C-407E-A947-70E740481C1C}">
+                  <a14:useLocalDpi xmlns:a14="http://schemas.microsoft.com/office/drawing/2010/main" val="0"/>
+                </a:ext>
+              </a:extLst>
+            </a:blip>
+            <a:stretch>
+              <a:fillRect/>
+            </a:stretch>
+          </p:blipFill>
+          <p:spPr>
+            <a:xfrm>
+              <a:off x="4742172" y="6239255"/>
+              <a:ext cx="7559055" cy="618745"/>
+            </a:xfrm>
+            <a:prstGeom prst="rect">
+              <a:avLst/>
+            </a:prstGeom>
+          </p:spPr>
+        </p:pic>
+      </p:grpSp>
     </p:spTree>
     <p:extLst>
       <p:ext uri="{BB962C8B-B14F-4D97-AF65-F5344CB8AC3E}">
-        <p14:creationId xmlns:p14="http://schemas.microsoft.com/office/powerpoint/2010/main" val="4293844253"/>
+        <p14:creationId xmlns:p14="http://schemas.microsoft.com/office/powerpoint/2010/main" val="3810760854"/>
       </p:ext>
     </p:extLst>
   </p:cSld>
   <p:clrMapOvr>
     <a:masterClrMapping/>
   </p:clrMapOvr>
+  <p:transition spd="slow">
+    <p:push dir="u"/>
+  </p:transition>
   <p:timing>
     <p:tnLst>
       <p:par>
@@ -16220,653 +16233,9 @@
 </p:sld>
 </file>
 
-<file path=ppt/slides/slide4.xml><?xml version="1.0" encoding="utf-8"?>
+<file path=ppt/slides/slide3.xml><?xml version="1.0" encoding="utf-8"?>
 <p:sld xmlns:a="http://schemas.openxmlformats.org/drawingml/2006/main" xmlns:r="http://schemas.openxmlformats.org/officeDocument/2006/relationships" xmlns:p="http://schemas.openxmlformats.org/presentationml/2006/main">
   <p:cSld>
-    <p:bg>
-      <p:bgPr>
-        <a:solidFill>
-          <a:srgbClr val="74C7D5"/>
-        </a:solidFill>
-        <a:effectLst/>
-      </p:bgPr>
-    </p:bg>
-    <p:spTree>
-      <p:nvGrpSpPr>
-        <p:cNvPr id="1" name=""/>
-        <p:cNvGrpSpPr/>
-        <p:nvPr/>
-      </p:nvGrpSpPr>
-      <p:grpSpPr>
-        <a:xfrm>
-          <a:off x="0" y="0"/>
-          <a:ext cx="0" cy="0"/>
-          <a:chOff x="0" y="0"/>
-          <a:chExt cx="0" cy="0"/>
-        </a:xfrm>
-      </p:grpSpPr>
-      <p:sp>
-        <p:nvSpPr>
-          <p:cNvPr id="2" name="Title 1"/>
-          <p:cNvSpPr>
-            <a:spLocks noGrp="1"/>
-          </p:cNvSpPr>
-          <p:nvPr>
-            <p:ph type="title"/>
-          </p:nvPr>
-        </p:nvSpPr>
-        <p:spPr/>
-        <p:txBody>
-          <a:bodyPr/>
-          <a:lstStyle/>
-          <a:p>
-            <a:pPr algn="ctr"/>
-            <a:r>
-              <a:rPr lang="en-US" dirty="0" smtClean="0">
-                <a:solidFill>
-                  <a:schemeClr val="bg1"/>
-                </a:solidFill>
-                <a:latin typeface="Adobe Gothic Std B" panose="020B0800000000000000" pitchFamily="34" charset="-128"/>
-                <a:ea typeface="Adobe Gothic Std B" panose="020B0800000000000000" pitchFamily="34" charset="-128"/>
-              </a:rPr>
-              <a:t>PRODUCT SPECIFICATION</a:t>
-            </a:r>
-            <a:endParaRPr lang="en-US" dirty="0">
-              <a:solidFill>
-                <a:schemeClr val="bg1"/>
-              </a:solidFill>
-              <a:latin typeface="Adobe Gothic Std B" panose="020B0800000000000000" pitchFamily="34" charset="-128"/>
-              <a:ea typeface="Adobe Gothic Std B" panose="020B0800000000000000" pitchFamily="34" charset="-128"/>
-            </a:endParaRPr>
-          </a:p>
-        </p:txBody>
-      </p:sp>
-      <p:sp>
-        <p:nvSpPr>
-          <p:cNvPr id="3" name="Rectangle 2"/>
-          <p:cNvSpPr/>
-          <p:nvPr/>
-        </p:nvSpPr>
-        <p:spPr>
-          <a:xfrm rot="19149073">
-            <a:off x="8940800" y="5695721"/>
-            <a:ext cx="4281714" cy="377372"/>
-          </a:xfrm>
-          <a:prstGeom prst="rect">
-            <a:avLst/>
-          </a:prstGeom>
-          <a:solidFill>
-            <a:schemeClr val="bg1"/>
-          </a:solidFill>
-          <a:ln>
-            <a:solidFill>
-              <a:schemeClr val="bg1"/>
-            </a:solidFill>
-          </a:ln>
-        </p:spPr>
-        <p:style>
-          <a:lnRef idx="2">
-            <a:schemeClr val="accent1">
-              <a:shade val="50000"/>
-            </a:schemeClr>
-          </a:lnRef>
-          <a:fillRef idx="1">
-            <a:schemeClr val="accent1"/>
-          </a:fillRef>
-          <a:effectRef idx="0">
-            <a:schemeClr val="accent1"/>
-          </a:effectRef>
-          <a:fontRef idx="minor">
-            <a:schemeClr val="lt1"/>
-          </a:fontRef>
-        </p:style>
-        <p:txBody>
-          <a:bodyPr rtlCol="0" anchor="ctr"/>
-          <a:lstStyle/>
-          <a:p>
-            <a:pPr algn="ctr"/>
-            <a:endParaRPr lang="en-US"/>
-          </a:p>
-        </p:txBody>
-      </p:sp>
-      <p:sp>
-        <p:nvSpPr>
-          <p:cNvPr id="4" name="Rectangle 3"/>
-          <p:cNvSpPr/>
-          <p:nvPr/>
-        </p:nvSpPr>
-        <p:spPr>
-          <a:xfrm rot="19149073">
-            <a:off x="7874371" y="5147208"/>
-            <a:ext cx="5306549" cy="539811"/>
-          </a:xfrm>
-          <a:prstGeom prst="rect">
-            <a:avLst/>
-          </a:prstGeom>
-          <a:solidFill>
-            <a:schemeClr val="bg1"/>
-          </a:solidFill>
-          <a:ln>
-            <a:solidFill>
-              <a:schemeClr val="bg1"/>
-            </a:solidFill>
-          </a:ln>
-        </p:spPr>
-        <p:style>
-          <a:lnRef idx="2">
-            <a:schemeClr val="accent1">
-              <a:shade val="50000"/>
-            </a:schemeClr>
-          </a:lnRef>
-          <a:fillRef idx="1">
-            <a:schemeClr val="accent1"/>
-          </a:fillRef>
-          <a:effectRef idx="0">
-            <a:schemeClr val="accent1"/>
-          </a:effectRef>
-          <a:fontRef idx="minor">
-            <a:schemeClr val="lt1"/>
-          </a:fontRef>
-        </p:style>
-        <p:txBody>
-          <a:bodyPr rtlCol="0" anchor="ctr"/>
-          <a:lstStyle/>
-          <a:p>
-            <a:pPr algn="ctr"/>
-            <a:endParaRPr lang="en-US"/>
-          </a:p>
-        </p:txBody>
-      </p:sp>
-      <p:sp>
-        <p:nvSpPr>
-          <p:cNvPr id="5" name="Rectangle 4"/>
-          <p:cNvSpPr/>
-          <p:nvPr/>
-        </p:nvSpPr>
-        <p:spPr>
-          <a:xfrm rot="19149073">
-            <a:off x="9488307" y="6129070"/>
-            <a:ext cx="4092359" cy="255098"/>
-          </a:xfrm>
-          <a:prstGeom prst="rect">
-            <a:avLst/>
-          </a:prstGeom>
-          <a:solidFill>
-            <a:schemeClr val="bg1"/>
-          </a:solidFill>
-          <a:ln>
-            <a:solidFill>
-              <a:schemeClr val="bg1"/>
-            </a:solidFill>
-          </a:ln>
-        </p:spPr>
-        <p:style>
-          <a:lnRef idx="2">
-            <a:schemeClr val="accent1">
-              <a:shade val="50000"/>
-            </a:schemeClr>
-          </a:lnRef>
-          <a:fillRef idx="1">
-            <a:schemeClr val="accent1"/>
-          </a:fillRef>
-          <a:effectRef idx="0">
-            <a:schemeClr val="accent1"/>
-          </a:effectRef>
-          <a:fontRef idx="minor">
-            <a:schemeClr val="lt1"/>
-          </a:fontRef>
-        </p:style>
-        <p:txBody>
-          <a:bodyPr rtlCol="0" anchor="ctr"/>
-          <a:lstStyle/>
-          <a:p>
-            <a:pPr algn="ctr"/>
-            <a:endParaRPr lang="en-US"/>
-          </a:p>
-        </p:txBody>
-      </p:sp>
-      <p:sp>
-        <p:nvSpPr>
-          <p:cNvPr id="6" name="Content Placeholder 2"/>
-          <p:cNvSpPr>
-            <a:spLocks noGrp="1"/>
-          </p:cNvSpPr>
-          <p:nvPr>
-            <p:ph idx="1"/>
-          </p:nvPr>
-        </p:nvSpPr>
-        <p:spPr>
-          <a:xfrm>
-            <a:off x="1676400" y="1788151"/>
-            <a:ext cx="10515600" cy="2482566"/>
-          </a:xfrm>
-        </p:spPr>
-        <p:txBody>
-          <a:bodyPr>
-            <a:normAutofit fontScale="62500" lnSpcReduction="20000"/>
-          </a:bodyPr>
-          <a:lstStyle/>
-          <a:p>
-            <a:r>
-              <a:rPr lang="id-ID" dirty="0" smtClean="0">
-                <a:solidFill>
-                  <a:schemeClr val="bg1"/>
-                </a:solidFill>
-                <a:latin typeface="Adobe Gothic Std B" panose="020B0800000000000000" pitchFamily="34" charset="-128"/>
-                <a:ea typeface="Adobe Gothic Std B" panose="020B0800000000000000" pitchFamily="34" charset="-128"/>
-              </a:rPr>
-              <a:t>Admin</a:t>
-            </a:r>
-          </a:p>
-          <a:p>
-            <a:pPr lvl="1"/>
-            <a:r>
-              <a:rPr lang="id-ID" dirty="0" smtClean="0">
-                <a:solidFill>
-                  <a:schemeClr val="bg1"/>
-                </a:solidFill>
-                <a:latin typeface="Adobe Gothic Std B" panose="020B0800000000000000" pitchFamily="34" charset="-128"/>
-                <a:ea typeface="Adobe Gothic Std B" panose="020B0800000000000000" pitchFamily="34" charset="-128"/>
-              </a:rPr>
-              <a:t>Login ke akun Admin</a:t>
-            </a:r>
-          </a:p>
-          <a:p>
-            <a:pPr lvl="1"/>
-            <a:r>
-              <a:rPr lang="id-ID" dirty="0" smtClean="0">
-                <a:solidFill>
-                  <a:schemeClr val="bg1"/>
-                </a:solidFill>
-                <a:latin typeface="Adobe Gothic Std B" panose="020B0800000000000000" pitchFamily="34" charset="-128"/>
-                <a:ea typeface="Adobe Gothic Std B" panose="020B0800000000000000" pitchFamily="34" charset="-128"/>
-              </a:rPr>
-              <a:t>Manajemen (</a:t>
-            </a:r>
-            <a:r>
-              <a:rPr lang="id-ID" dirty="0" smtClean="0">
-                <a:solidFill>
-                  <a:schemeClr val="bg1"/>
-                </a:solidFill>
-                <a:latin typeface="Adobe Gothic Std B" panose="020B0800000000000000" pitchFamily="34" charset="-128"/>
-                <a:ea typeface="Adobe Gothic Std B" panose="020B0800000000000000" pitchFamily="34" charset="-128"/>
-              </a:rPr>
-              <a:t>T</a:t>
-            </a:r>
-            <a:r>
-              <a:rPr lang="id-ID" dirty="0" smtClean="0">
-                <a:solidFill>
-                  <a:schemeClr val="bg1"/>
-                </a:solidFill>
-                <a:latin typeface="Adobe Gothic Std B" panose="020B0800000000000000" pitchFamily="34" charset="-128"/>
-                <a:ea typeface="Adobe Gothic Std B" panose="020B0800000000000000" pitchFamily="34" charset="-128"/>
-              </a:rPr>
-              <a:t>ambah, Hapus, Update) Produk yang Dijual</a:t>
-            </a:r>
-          </a:p>
-          <a:p>
-            <a:pPr lvl="1"/>
-            <a:r>
-              <a:rPr lang="id-ID" dirty="0" smtClean="0">
-                <a:solidFill>
-                  <a:schemeClr val="bg1"/>
-                </a:solidFill>
-                <a:latin typeface="Adobe Gothic Std B" panose="020B0800000000000000" pitchFamily="34" charset="-128"/>
-                <a:ea typeface="Adobe Gothic Std B" panose="020B0800000000000000" pitchFamily="34" charset="-128"/>
-              </a:rPr>
-              <a:t>Melihat daftar pemesanan dan mengubah status pemesanan (Belum Membayar, Sudah Membayar, Dikirim)</a:t>
-            </a:r>
-          </a:p>
-          <a:p>
-            <a:pPr lvl="1"/>
-            <a:r>
-              <a:rPr lang="id-ID" dirty="0" smtClean="0">
-                <a:solidFill>
-                  <a:schemeClr val="bg1"/>
-                </a:solidFill>
-                <a:latin typeface="Adobe Gothic Std B" panose="020B0800000000000000" pitchFamily="34" charset="-128"/>
-                <a:ea typeface="Adobe Gothic Std B" panose="020B0800000000000000" pitchFamily="34" charset="-128"/>
-              </a:rPr>
-              <a:t>Melihat dan membalas pesan (kritik dan saran) yang masuk ke admin.</a:t>
-            </a:r>
-          </a:p>
-          <a:p>
-            <a:pPr lvl="1"/>
-            <a:endParaRPr lang="en-US" dirty="0" smtClean="0">
-              <a:solidFill>
-                <a:schemeClr val="bg1"/>
-              </a:solidFill>
-              <a:latin typeface="Adobe Gothic Std B" panose="020B0800000000000000" pitchFamily="34" charset="-128"/>
-              <a:ea typeface="Adobe Gothic Std B" panose="020B0800000000000000" pitchFamily="34" charset="-128"/>
-            </a:endParaRPr>
-          </a:p>
-          <a:p>
-            <a:r>
-              <a:rPr lang="id-ID" dirty="0" smtClean="0">
-                <a:solidFill>
-                  <a:schemeClr val="bg1"/>
-                </a:solidFill>
-                <a:latin typeface="Adobe Gothic Std B" panose="020B0800000000000000" pitchFamily="34" charset="-128"/>
-                <a:ea typeface="Adobe Gothic Std B" panose="020B0800000000000000" pitchFamily="34" charset="-128"/>
-              </a:rPr>
-              <a:t>Guest</a:t>
-            </a:r>
-          </a:p>
-          <a:p>
-            <a:pPr lvl="1"/>
-            <a:r>
-              <a:rPr lang="id-ID" dirty="0" smtClean="0">
-                <a:solidFill>
-                  <a:schemeClr val="bg1"/>
-                </a:solidFill>
-                <a:latin typeface="Adobe Gothic Std B" panose="020B0800000000000000" pitchFamily="34" charset="-128"/>
-                <a:ea typeface="Adobe Gothic Std B" panose="020B0800000000000000" pitchFamily="34" charset="-128"/>
-              </a:rPr>
-              <a:t>Melihat dan melakukan transaksi pembelian daftar produk yang dijual</a:t>
-            </a:r>
-          </a:p>
-          <a:p>
-            <a:pPr lvl="1"/>
-            <a:r>
-              <a:rPr lang="id-ID" dirty="0" smtClean="0">
-                <a:solidFill>
-                  <a:schemeClr val="bg1"/>
-                </a:solidFill>
-                <a:latin typeface="Adobe Gothic Std B" panose="020B0800000000000000" pitchFamily="34" charset="-128"/>
-                <a:ea typeface="Adobe Gothic Std B" panose="020B0800000000000000" pitchFamily="34" charset="-128"/>
-              </a:rPr>
-              <a:t>Melihat informasi tentang Cikoro Farm dan LP3M</a:t>
-            </a:r>
-          </a:p>
-          <a:p>
-            <a:pPr lvl="1"/>
-            <a:r>
-              <a:rPr lang="id-ID" dirty="0" smtClean="0">
-                <a:solidFill>
-                  <a:schemeClr val="bg1"/>
-                </a:solidFill>
-                <a:latin typeface="Adobe Gothic Std B" panose="020B0800000000000000" pitchFamily="34" charset="-128"/>
-                <a:ea typeface="Adobe Gothic Std B" panose="020B0800000000000000" pitchFamily="34" charset="-128"/>
-              </a:rPr>
-              <a:t>Memberi Pesan (kritik &amp; saran) kepada Admin</a:t>
-            </a:r>
-            <a:endParaRPr lang="en-US" dirty="0" smtClean="0">
-              <a:solidFill>
-                <a:schemeClr val="bg1"/>
-              </a:solidFill>
-              <a:latin typeface="Adobe Gothic Std B" panose="020B0800000000000000" pitchFamily="34" charset="-128"/>
-              <a:ea typeface="Adobe Gothic Std B" panose="020B0800000000000000" pitchFamily="34" charset="-128"/>
-            </a:endParaRPr>
-          </a:p>
-          <a:p>
-            <a:pPr marL="0" indent="0">
-              <a:buNone/>
-            </a:pPr>
-            <a:endParaRPr lang="en-US" dirty="0">
-              <a:solidFill>
-                <a:schemeClr val="bg1"/>
-              </a:solidFill>
-              <a:latin typeface="Adobe Gothic Std B" panose="020B0800000000000000" pitchFamily="34" charset="-128"/>
-              <a:ea typeface="Adobe Gothic Std B" panose="020B0800000000000000" pitchFamily="34" charset="-128"/>
-            </a:endParaRPr>
-          </a:p>
-          <a:p>
-            <a:pPr marL="0" indent="0">
-              <a:buNone/>
-            </a:pPr>
-            <a:endParaRPr lang="en-US" dirty="0">
-              <a:solidFill>
-                <a:schemeClr val="bg1"/>
-              </a:solidFill>
-              <a:latin typeface="Adobe Gothic Std B" panose="020B0800000000000000" pitchFamily="34" charset="-128"/>
-              <a:ea typeface="Adobe Gothic Std B" panose="020B0800000000000000" pitchFamily="34" charset="-128"/>
-            </a:endParaRPr>
-          </a:p>
-        </p:txBody>
-      </p:sp>
-    </p:spTree>
-    <p:extLst>
-      <p:ext uri="{BB962C8B-B14F-4D97-AF65-F5344CB8AC3E}">
-        <p14:creationId xmlns:p14="http://schemas.microsoft.com/office/powerpoint/2010/main" val="1701244190"/>
-      </p:ext>
-    </p:extLst>
-  </p:cSld>
-  <p:clrMapOvr>
-    <a:masterClrMapping/>
-  </p:clrMapOvr>
-  <p:timing>
-    <p:tnLst>
-      <p:par>
-        <p:cTn id="1" dur="indefinite" restart="never" nodeType="tmRoot"/>
-      </p:par>
-    </p:tnLst>
-  </p:timing>
-</p:sld>
-</file>
-
-<file path=ppt/slides/slide5.xml><?xml version="1.0" encoding="utf-8"?>
-<p:sld xmlns:a="http://schemas.openxmlformats.org/drawingml/2006/main" xmlns:r="http://schemas.openxmlformats.org/officeDocument/2006/relationships" xmlns:p="http://schemas.openxmlformats.org/presentationml/2006/main">
-  <p:cSld>
-    <p:bg>
-      <p:bgPr>
-        <a:solidFill>
-          <a:srgbClr val="F4C049"/>
-        </a:solidFill>
-        <a:effectLst/>
-      </p:bgPr>
-    </p:bg>
-    <p:spTree>
-      <p:nvGrpSpPr>
-        <p:cNvPr id="1" name=""/>
-        <p:cNvGrpSpPr/>
-        <p:nvPr/>
-      </p:nvGrpSpPr>
-      <p:grpSpPr>
-        <a:xfrm>
-          <a:off x="0" y="0"/>
-          <a:ext cx="0" cy="0"/>
-          <a:chOff x="0" y="0"/>
-          <a:chExt cx="0" cy="0"/>
-        </a:xfrm>
-      </p:grpSpPr>
-      <p:pic>
-        <p:nvPicPr>
-          <p:cNvPr id="15" name="Picture 14"/>
-          <p:cNvPicPr>
-            <a:picLocks noChangeAspect="1"/>
-          </p:cNvPicPr>
-          <p:nvPr/>
-        </p:nvPicPr>
-        <p:blipFill>
-          <a:blip r:embed="rId2"/>
-          <a:stretch>
-            <a:fillRect/>
-          </a:stretch>
-        </p:blipFill>
-        <p:spPr>
-          <a:xfrm>
-            <a:off x="6074228" y="4068930"/>
-            <a:ext cx="5962558" cy="2691098"/>
-          </a:xfrm>
-          <a:prstGeom prst="rect">
-            <a:avLst/>
-          </a:prstGeom>
-        </p:spPr>
-      </p:pic>
-      <p:sp>
-        <p:nvSpPr>
-          <p:cNvPr id="2" name="Title 1"/>
-          <p:cNvSpPr>
-            <a:spLocks noGrp="1"/>
-          </p:cNvSpPr>
-          <p:nvPr>
-            <p:ph type="title"/>
-          </p:nvPr>
-        </p:nvSpPr>
-        <p:spPr>
-          <a:xfrm>
-            <a:off x="816428" y="0"/>
-            <a:ext cx="10515600" cy="1325563"/>
-          </a:xfrm>
-        </p:spPr>
-        <p:txBody>
-          <a:bodyPr/>
-          <a:lstStyle/>
-          <a:p>
-            <a:pPr algn="ctr"/>
-            <a:r>
-              <a:rPr lang="en-US" dirty="0" smtClean="0">
-                <a:solidFill>
-                  <a:schemeClr val="bg1"/>
-                </a:solidFill>
-                <a:latin typeface="Adobe Gothic Std B" panose="020B0800000000000000" pitchFamily="34" charset="-128"/>
-                <a:ea typeface="Adobe Gothic Std B" panose="020B0800000000000000" pitchFamily="34" charset="-128"/>
-              </a:rPr>
-              <a:t>USER-INTERFACE</a:t>
-            </a:r>
-            <a:r>
-              <a:rPr lang="id-ID" dirty="0" smtClean="0">
-                <a:solidFill>
-                  <a:schemeClr val="bg1"/>
-                </a:solidFill>
-                <a:latin typeface="Adobe Gothic Std B" panose="020B0800000000000000" pitchFamily="34" charset="-128"/>
-                <a:ea typeface="Adobe Gothic Std B" panose="020B0800000000000000" pitchFamily="34" charset="-128"/>
-              </a:rPr>
-              <a:t> (GUEST)</a:t>
-            </a:r>
-            <a:r>
-              <a:rPr lang="en-US" dirty="0" smtClean="0">
-                <a:solidFill>
-                  <a:schemeClr val="bg1"/>
-                </a:solidFill>
-                <a:latin typeface="Adobe Gothic Std B" panose="020B0800000000000000" pitchFamily="34" charset="-128"/>
-                <a:ea typeface="Adobe Gothic Std B" panose="020B0800000000000000" pitchFamily="34" charset="-128"/>
-              </a:rPr>
-              <a:t> DESIGN</a:t>
-            </a:r>
-            <a:r>
-              <a:rPr lang="id-ID" dirty="0" smtClean="0">
-                <a:solidFill>
-                  <a:schemeClr val="bg1"/>
-                </a:solidFill>
-                <a:latin typeface="Adobe Gothic Std B" panose="020B0800000000000000" pitchFamily="34" charset="-128"/>
-                <a:ea typeface="Adobe Gothic Std B" panose="020B0800000000000000" pitchFamily="34" charset="-128"/>
-              </a:rPr>
-              <a:t> </a:t>
-            </a:r>
-            <a:endParaRPr lang="en-US" dirty="0">
-              <a:solidFill>
-                <a:schemeClr val="bg1"/>
-              </a:solidFill>
-              <a:latin typeface="Adobe Gothic Std B" panose="020B0800000000000000" pitchFamily="34" charset="-128"/>
-              <a:ea typeface="Adobe Gothic Std B" panose="020B0800000000000000" pitchFamily="34" charset="-128"/>
-            </a:endParaRPr>
-          </a:p>
-        </p:txBody>
-      </p:sp>
-      <p:pic>
-        <p:nvPicPr>
-          <p:cNvPr id="3" name="Picture 2"/>
-          <p:cNvPicPr>
-            <a:picLocks noChangeAspect="1"/>
-          </p:cNvPicPr>
-          <p:nvPr/>
-        </p:nvPicPr>
-        <p:blipFill>
-          <a:blip r:embed="rId3"/>
-          <a:stretch>
-            <a:fillRect/>
-          </a:stretch>
-        </p:blipFill>
-        <p:spPr>
-          <a:xfrm>
-            <a:off x="158196" y="1071019"/>
-            <a:ext cx="5744193" cy="2662783"/>
-          </a:xfrm>
-          <a:prstGeom prst="rect">
-            <a:avLst/>
-          </a:prstGeom>
-        </p:spPr>
-      </p:pic>
-      <p:pic>
-        <p:nvPicPr>
-          <p:cNvPr id="12" name="Picture 11"/>
-          <p:cNvPicPr>
-            <a:picLocks noChangeAspect="1"/>
-          </p:cNvPicPr>
-          <p:nvPr/>
-        </p:nvPicPr>
-        <p:blipFill>
-          <a:blip r:embed="rId4"/>
-          <a:stretch>
-            <a:fillRect/>
-          </a:stretch>
-        </p:blipFill>
-        <p:spPr>
-          <a:xfrm>
-            <a:off x="6074228" y="1071450"/>
-            <a:ext cx="5962557" cy="2662353"/>
-          </a:xfrm>
-          <a:prstGeom prst="rect">
-            <a:avLst/>
-          </a:prstGeom>
-        </p:spPr>
-      </p:pic>
-      <p:pic>
-        <p:nvPicPr>
-          <p:cNvPr id="13" name="Picture 12"/>
-          <p:cNvPicPr>
-            <a:picLocks noChangeAspect="1"/>
-          </p:cNvPicPr>
-          <p:nvPr/>
-        </p:nvPicPr>
-        <p:blipFill>
-          <a:blip r:embed="rId5"/>
-          <a:stretch>
-            <a:fillRect/>
-          </a:stretch>
-        </p:blipFill>
-        <p:spPr>
-          <a:xfrm>
-            <a:off x="158196" y="4068930"/>
-            <a:ext cx="5744193" cy="2691098"/>
-          </a:xfrm>
-          <a:prstGeom prst="rect">
-            <a:avLst/>
-          </a:prstGeom>
-        </p:spPr>
-      </p:pic>
-    </p:spTree>
-    <p:extLst>
-      <p:ext uri="{BB962C8B-B14F-4D97-AF65-F5344CB8AC3E}">
-        <p14:creationId xmlns:p14="http://schemas.microsoft.com/office/powerpoint/2010/main" val="2673142038"/>
-      </p:ext>
-    </p:extLst>
-  </p:cSld>
-  <p:clrMapOvr>
-    <a:masterClrMapping/>
-  </p:clrMapOvr>
-  <p:timing>
-    <p:tnLst>
-      <p:par>
-        <p:cTn id="1" dur="indefinite" restart="never" nodeType="tmRoot"/>
-      </p:par>
-    </p:tnLst>
-  </p:timing>
-</p:sld>
-</file>
-
-<file path=ppt/slides/slide6.xml><?xml version="1.0" encoding="utf-8"?>
-<p:sld xmlns:a="http://schemas.openxmlformats.org/drawingml/2006/main" xmlns:r="http://schemas.openxmlformats.org/officeDocument/2006/relationships" xmlns:p="http://schemas.openxmlformats.org/presentationml/2006/main">
-  <p:cSld>
-    <p:bg>
-      <p:bgPr>
-        <a:solidFill>
-          <a:srgbClr val="F4C049"/>
-        </a:solidFill>
-        <a:effectLst/>
-      </p:bgPr>
-    </p:bg>
     <p:spTree>
       <p:nvGrpSpPr>
         <p:cNvPr id="1" name=""/>
@@ -16893,173 +16262,520 @@
         </p:nvSpPr>
         <p:spPr>
           <a:xfrm>
-            <a:off x="842161" y="32644"/>
-            <a:ext cx="10515600" cy="653707"/>
+            <a:off x="0" y="308734"/>
+            <a:ext cx="12192000" cy="1325563"/>
+          </a:xfrm>
+        </p:spPr>
+        <p:txBody>
+          <a:bodyPr/>
+          <a:lstStyle/>
+          <a:p>
+            <a:pPr algn="ctr"/>
+            <a:r>
+              <a:rPr lang="en-US" dirty="0" smtClean="0">
+                <a:solidFill>
+                  <a:schemeClr val="bg1"/>
+                </a:solidFill>
+                <a:latin typeface="Berlin Sans FB Demi" panose="020E0802020502020306" pitchFamily="34" charset="0"/>
+                <a:ea typeface="Adobe Gothic Std B" panose="020B0800000000000000" pitchFamily="34" charset="-128"/>
+              </a:rPr>
+              <a:t>CLIENT OVERVIEW</a:t>
+            </a:r>
+            <a:endParaRPr lang="en-US" dirty="0">
+              <a:solidFill>
+                <a:schemeClr val="bg1"/>
+              </a:solidFill>
+              <a:latin typeface="Berlin Sans FB Demi" panose="020E0802020502020306" pitchFamily="34" charset="0"/>
+              <a:ea typeface="Adobe Gothic Std B" panose="020B0800000000000000" pitchFamily="34" charset="-128"/>
+            </a:endParaRPr>
+          </a:p>
+        </p:txBody>
+      </p:sp>
+      <p:sp>
+        <p:nvSpPr>
+          <p:cNvPr id="3" name="Content Placeholder 2"/>
+          <p:cNvSpPr>
+            <a:spLocks noGrp="1"/>
+          </p:cNvSpPr>
+          <p:nvPr>
+            <p:ph idx="1"/>
+          </p:nvPr>
+        </p:nvSpPr>
+        <p:spPr>
+          <a:xfrm>
+            <a:off x="838200" y="3790902"/>
+            <a:ext cx="10515600" cy="1586316"/>
           </a:xfrm>
         </p:spPr>
         <p:txBody>
           <a:bodyPr>
-            <a:normAutofit fontScale="90000"/>
+            <a:normAutofit/>
           </a:bodyPr>
           <a:lstStyle/>
           <a:p>
-            <a:pPr algn="ctr"/>
-            <a:r>
-              <a:rPr lang="en-US" dirty="0" smtClean="0">
+            <a:pPr marL="0" indent="0" algn="ctr">
+              <a:buNone/>
+            </a:pPr>
+            <a:r>
+              <a:rPr lang="id-ID" sz="2400" dirty="0" smtClean="0">
                 <a:solidFill>
                   <a:schemeClr val="bg1"/>
                 </a:solidFill>
-                <a:latin typeface="Adobe Gothic Std B" panose="020B0800000000000000" pitchFamily="34" charset="-128"/>
-                <a:ea typeface="Adobe Gothic Std B" panose="020B0800000000000000" pitchFamily="34" charset="-128"/>
-              </a:rPr>
-              <a:t>USER-INTERFACE</a:t>
-            </a:r>
-            <a:r>
-              <a:rPr lang="id-ID" dirty="0" smtClean="0">
+                <a:latin typeface="Berlin Sans FB Demi" panose="020E0802020502020306" pitchFamily="34" charset="0"/>
+                <a:ea typeface="Adobe Gothic Std B" panose="020B0800000000000000" pitchFamily="34" charset="-128"/>
+              </a:rPr>
+              <a:t>Client </a:t>
+            </a:r>
+            <a:r>
+              <a:rPr lang="id-ID" sz="2400" dirty="0" smtClean="0">
                 <a:solidFill>
                   <a:schemeClr val="bg1"/>
                 </a:solidFill>
-                <a:latin typeface="Adobe Gothic Std B" panose="020B0800000000000000" pitchFamily="34" charset="-128"/>
-                <a:ea typeface="Adobe Gothic Std B" panose="020B0800000000000000" pitchFamily="34" charset="-128"/>
-              </a:rPr>
-              <a:t> (ADMIN)</a:t>
-            </a:r>
-            <a:r>
-              <a:rPr lang="en-US" dirty="0" smtClean="0">
+                <a:latin typeface="Berlin Sans FB Demi" panose="020E0802020502020306" pitchFamily="34" charset="0"/>
+                <a:ea typeface="Adobe Gothic Std B" panose="020B0800000000000000" pitchFamily="34" charset="-128"/>
+              </a:rPr>
+              <a:t>ingin sebuah sistem yang dapat </a:t>
+            </a:r>
+            <a:r>
+              <a:rPr lang="id-ID" sz="2400" dirty="0" smtClean="0">
+                <a:solidFill>
+                  <a:srgbClr val="F4C049"/>
+                </a:solidFill>
+                <a:latin typeface="Berlin Sans FB Demi" panose="020E0802020502020306" pitchFamily="34" charset="0"/>
+                <a:ea typeface="Adobe Gothic Std B" panose="020B0800000000000000" pitchFamily="34" charset="-128"/>
+              </a:rPr>
+              <a:t>menjual</a:t>
+            </a:r>
+            <a:r>
+              <a:rPr lang="id-ID" sz="2400" dirty="0" smtClean="0">
                 <a:solidFill>
                   <a:schemeClr val="bg1"/>
                 </a:solidFill>
-                <a:latin typeface="Adobe Gothic Std B" panose="020B0800000000000000" pitchFamily="34" charset="-128"/>
-                <a:ea typeface="Adobe Gothic Std B" panose="020B0800000000000000" pitchFamily="34" charset="-128"/>
-              </a:rPr>
-              <a:t> DESIGN</a:t>
-            </a:r>
-            <a:r>
-              <a:rPr lang="id-ID" dirty="0" smtClean="0">
+                <a:latin typeface="Berlin Sans FB Demi" panose="020E0802020502020306" pitchFamily="34" charset="0"/>
+                <a:ea typeface="Adobe Gothic Std B" panose="020B0800000000000000" pitchFamily="34" charset="-128"/>
+              </a:rPr>
+              <a:t> hasil produk perkebunan lokal yang lebih memudahkan customer untuk </a:t>
+            </a:r>
+            <a:r>
+              <a:rPr lang="id-ID" sz="2400" dirty="0" smtClean="0">
+                <a:solidFill>
+                  <a:srgbClr val="F4C049"/>
+                </a:solidFill>
+                <a:latin typeface="Berlin Sans FB Demi" panose="020E0802020502020306" pitchFamily="34" charset="0"/>
+                <a:ea typeface="Adobe Gothic Std B" panose="020B0800000000000000" pitchFamily="34" charset="-128"/>
+              </a:rPr>
+              <a:t>mengetahui</a:t>
+            </a:r>
+            <a:r>
+              <a:rPr lang="id-ID" sz="2400" dirty="0" smtClean="0">
                 <a:solidFill>
                   <a:schemeClr val="bg1"/>
                 </a:solidFill>
-                <a:latin typeface="Adobe Gothic Std B" panose="020B0800000000000000" pitchFamily="34" charset="-128"/>
+                <a:latin typeface="Berlin Sans FB Demi" panose="020E0802020502020306" pitchFamily="34" charset="0"/>
+                <a:ea typeface="Adobe Gothic Std B" panose="020B0800000000000000" pitchFamily="34" charset="-128"/>
+              </a:rPr>
+              <a:t> dan </a:t>
+            </a:r>
+            <a:r>
+              <a:rPr lang="id-ID" sz="2400" dirty="0" smtClean="0">
+                <a:solidFill>
+                  <a:srgbClr val="F4C049"/>
+                </a:solidFill>
+                <a:latin typeface="Berlin Sans FB Demi" panose="020E0802020502020306" pitchFamily="34" charset="0"/>
+                <a:ea typeface="Adobe Gothic Std B" panose="020B0800000000000000" pitchFamily="34" charset="-128"/>
+              </a:rPr>
+              <a:t>membeli</a:t>
+            </a:r>
+            <a:r>
+              <a:rPr lang="id-ID" sz="2400" dirty="0" smtClean="0">
+                <a:solidFill>
+                  <a:schemeClr val="bg1"/>
+                </a:solidFill>
+                <a:latin typeface="Berlin Sans FB Demi" panose="020E0802020502020306" pitchFamily="34" charset="0"/>
+                <a:ea typeface="Adobe Gothic Std B" panose="020B0800000000000000" pitchFamily="34" charset="-128"/>
+              </a:rPr>
+              <a:t> produk perkebunan dan </a:t>
+            </a:r>
+            <a:r>
+              <a:rPr lang="id-ID" sz="2400" dirty="0" smtClean="0">
+                <a:solidFill>
+                  <a:srgbClr val="F4C049"/>
+                </a:solidFill>
+                <a:latin typeface="Berlin Sans FB Demi" panose="020E0802020502020306" pitchFamily="34" charset="0"/>
+                <a:ea typeface="Adobe Gothic Std B" panose="020B0800000000000000" pitchFamily="34" charset="-128"/>
+              </a:rPr>
+              <a:t>memudahkan</a:t>
+            </a:r>
+            <a:r>
+              <a:rPr lang="id-ID" sz="2400" dirty="0" smtClean="0">
+                <a:solidFill>
+                  <a:schemeClr val="bg1"/>
+                </a:solidFill>
+                <a:latin typeface="Berlin Sans FB Demi" panose="020E0802020502020306" pitchFamily="34" charset="0"/>
                 <a:ea typeface="Adobe Gothic Std B" panose="020B0800000000000000" pitchFamily="34" charset="-128"/>
               </a:rPr>
               <a:t> </a:t>
             </a:r>
-            <a:endParaRPr lang="en-US" dirty="0">
+            <a:r>
+              <a:rPr lang="id-ID" sz="2400" dirty="0" smtClean="0">
+                <a:solidFill>
+                  <a:schemeClr val="bg1"/>
+                </a:solidFill>
+                <a:latin typeface="Berlin Sans FB Demi" panose="020E0802020502020306" pitchFamily="34" charset="0"/>
+                <a:ea typeface="Adobe Gothic Std B" panose="020B0800000000000000" pitchFamily="34" charset="-128"/>
+              </a:rPr>
+              <a:t>penjual untuk </a:t>
+            </a:r>
+            <a:r>
+              <a:rPr lang="id-ID" sz="2400" dirty="0" smtClean="0">
+                <a:solidFill>
+                  <a:schemeClr val="bg1"/>
+                </a:solidFill>
+                <a:latin typeface="Berlin Sans FB Demi" panose="020E0802020502020306" pitchFamily="34" charset="0"/>
+                <a:ea typeface="Adobe Gothic Std B" panose="020B0800000000000000" pitchFamily="34" charset="-128"/>
+              </a:rPr>
+              <a:t>mengontrol penjualannya.</a:t>
+            </a:r>
+            <a:endParaRPr lang="id-ID" sz="2400" b="1" dirty="0">
               <a:solidFill>
                 <a:schemeClr val="bg1"/>
               </a:solidFill>
-              <a:latin typeface="Adobe Gothic Std B" panose="020B0800000000000000" pitchFamily="34" charset="-128"/>
-              <a:ea typeface="Adobe Gothic Std B" panose="020B0800000000000000" pitchFamily="34" charset="-128"/>
+              <a:latin typeface="Berlin Sans FB Demi" panose="020E0802020502020306" pitchFamily="34" charset="0"/>
+              <a:ea typeface="Adobe Gothic Std B" panose="020B0800000000000000"/>
             </a:endParaRPr>
           </a:p>
         </p:txBody>
       </p:sp>
-      <p:pic>
-        <p:nvPicPr>
-          <p:cNvPr id="9" name="Picture 8"/>
-          <p:cNvPicPr>
-            <a:picLocks noChangeAspect="1"/>
-          </p:cNvPicPr>
+      <p:grpSp>
+        <p:nvGrpSpPr>
+          <p:cNvPr id="8" name="Group 7"/>
+          <p:cNvGrpSpPr/>
           <p:nvPr/>
-        </p:nvPicPr>
-        <p:blipFill>
-          <a:blip r:embed="rId2"/>
-          <a:stretch>
-            <a:fillRect/>
-          </a:stretch>
-        </p:blipFill>
+        </p:nvGrpSpPr>
+        <p:grpSpPr>
+          <a:xfrm>
+            <a:off x="0" y="6239255"/>
+            <a:ext cx="12301227" cy="618745"/>
+            <a:chOff x="0" y="6239255"/>
+            <a:chExt cx="12301227" cy="618745"/>
+          </a:xfrm>
+        </p:grpSpPr>
+        <p:sp>
+          <p:nvSpPr>
+            <p:cNvPr id="9" name="Rectangle 8"/>
+            <p:cNvSpPr/>
+            <p:nvPr/>
+          </p:nvSpPr>
+          <p:spPr>
+            <a:xfrm>
+              <a:off x="0" y="6324600"/>
+              <a:ext cx="4927600" cy="533400"/>
+            </a:xfrm>
+            <a:prstGeom prst="rect">
+              <a:avLst/>
+            </a:prstGeom>
+            <a:solidFill>
+              <a:srgbClr val="194206"/>
+            </a:solidFill>
+            <a:ln>
+              <a:noFill/>
+            </a:ln>
+          </p:spPr>
+          <p:style>
+            <a:lnRef idx="2">
+              <a:schemeClr val="accent1">
+                <a:shade val="50000"/>
+              </a:schemeClr>
+            </a:lnRef>
+            <a:fillRef idx="1">
+              <a:schemeClr val="accent1"/>
+            </a:fillRef>
+            <a:effectRef idx="0">
+              <a:schemeClr val="accent1"/>
+            </a:effectRef>
+            <a:fontRef idx="minor">
+              <a:schemeClr val="lt1"/>
+            </a:fontRef>
+          </p:style>
+          <p:txBody>
+            <a:bodyPr rtlCol="0" anchor="ctr"/>
+            <a:lstStyle/>
+            <a:p>
+              <a:pPr algn="ctr"/>
+              <a:endParaRPr lang="id-ID"/>
+            </a:p>
+          </p:txBody>
+        </p:sp>
+        <p:pic>
+          <p:nvPicPr>
+            <p:cNvPr id="12" name="Picture 11"/>
+            <p:cNvPicPr>
+              <a:picLocks noChangeAspect="1"/>
+            </p:cNvPicPr>
+            <p:nvPr/>
+          </p:nvPicPr>
+          <p:blipFill>
+            <a:blip r:embed="rId2" cstate="print">
+              <a:extLst>
+                <a:ext uri="{28A0092B-C50C-407E-A947-70E740481C1C}">
+                  <a14:useLocalDpi xmlns:a14="http://schemas.microsoft.com/office/drawing/2010/main" val="0"/>
+                </a:ext>
+              </a:extLst>
+            </a:blip>
+            <a:stretch>
+              <a:fillRect/>
+            </a:stretch>
+          </p:blipFill>
+          <p:spPr>
+            <a:xfrm>
+              <a:off x="4742172" y="6239255"/>
+              <a:ext cx="7559055" cy="618745"/>
+            </a:xfrm>
+            <a:prstGeom prst="rect">
+              <a:avLst/>
+            </a:prstGeom>
+          </p:spPr>
+        </p:pic>
+      </p:grpSp>
+      <p:sp>
+        <p:nvSpPr>
+          <p:cNvPr id="13" name="Content Placeholder 2"/>
+          <p:cNvSpPr txBox="1">
+            <a:spLocks/>
+          </p:cNvSpPr>
+          <p:nvPr/>
+        </p:nvSpPr>
         <p:spPr>
           <a:xfrm>
-            <a:off x="6008914" y="702154"/>
-            <a:ext cx="5925791" cy="2804967"/>
+            <a:off x="838200" y="2237332"/>
+            <a:ext cx="10515600" cy="1586316"/>
           </a:xfrm>
           <a:prstGeom prst="rect">
             <a:avLst/>
           </a:prstGeom>
         </p:spPr>
-      </p:pic>
-      <p:pic>
-        <p:nvPicPr>
-          <p:cNvPr id="10" name="Picture 9"/>
-          <p:cNvPicPr>
-            <a:picLocks noChangeAspect="1"/>
-          </p:cNvPicPr>
-          <p:nvPr/>
-        </p:nvPicPr>
-        <p:blipFill>
-          <a:blip r:embed="rId3"/>
-          <a:stretch>
-            <a:fillRect/>
-          </a:stretch>
-        </p:blipFill>
-        <p:spPr>
-          <a:xfrm>
-            <a:off x="178132" y="702154"/>
-            <a:ext cx="5594086" cy="2804967"/>
-          </a:xfrm>
-          <a:prstGeom prst="rect">
-            <a:avLst/>
-          </a:prstGeom>
-        </p:spPr>
-      </p:pic>
-      <p:pic>
-        <p:nvPicPr>
-          <p:cNvPr id="11" name="Picture 10"/>
-          <p:cNvPicPr>
-            <a:picLocks noChangeAspect="1"/>
-          </p:cNvPicPr>
-          <p:nvPr/>
-        </p:nvPicPr>
-        <p:blipFill>
-          <a:blip r:embed="rId4"/>
-          <a:stretch>
-            <a:fillRect/>
-          </a:stretch>
-        </p:blipFill>
-        <p:spPr>
-          <a:xfrm>
-            <a:off x="6008914" y="4067152"/>
-            <a:ext cx="5800603" cy="1996981"/>
-          </a:xfrm>
-          <a:prstGeom prst="rect">
-            <a:avLst/>
-          </a:prstGeom>
-        </p:spPr>
-      </p:pic>
-      <p:pic>
-        <p:nvPicPr>
-          <p:cNvPr id="14" name="Picture 13"/>
-          <p:cNvPicPr>
-            <a:picLocks noChangeAspect="1"/>
-          </p:cNvPicPr>
-          <p:nvPr/>
-        </p:nvPicPr>
-        <p:blipFill>
-          <a:blip r:embed="rId5"/>
-          <a:stretch>
-            <a:fillRect/>
-          </a:stretch>
-        </p:blipFill>
-        <p:spPr>
-          <a:xfrm>
-            <a:off x="178132" y="4067151"/>
-            <a:ext cx="5594086" cy="1996981"/>
-          </a:xfrm>
-          <a:prstGeom prst="rect">
-            <a:avLst/>
-          </a:prstGeom>
-        </p:spPr>
-      </p:pic>
+        <p:txBody>
+          <a:bodyPr vert="horz" lIns="91440" tIns="45720" rIns="91440" bIns="45720" rtlCol="0">
+            <a:normAutofit/>
+          </a:bodyPr>
+          <a:lstStyle>
+            <a:lvl1pPr marL="228600" indent="-228600" algn="l" defTabSz="914400" rtl="0" eaLnBrk="1" latinLnBrk="0" hangingPunct="1">
+              <a:lnSpc>
+                <a:spcPct val="90000"/>
+              </a:lnSpc>
+              <a:spcBef>
+                <a:spcPts val="1000"/>
+              </a:spcBef>
+              <a:buFont typeface="Arial" panose="020B0604020202020204" pitchFamily="34" charset="0"/>
+              <a:buChar char="•"/>
+              <a:defRPr sz="2800" kern="1200">
+                <a:solidFill>
+                  <a:schemeClr val="tx1"/>
+                </a:solidFill>
+                <a:latin typeface="+mn-lt"/>
+                <a:ea typeface="+mn-ea"/>
+                <a:cs typeface="+mn-cs"/>
+              </a:defRPr>
+            </a:lvl1pPr>
+            <a:lvl2pPr marL="685800" indent="-228600" algn="l" defTabSz="914400" rtl="0" eaLnBrk="1" latinLnBrk="0" hangingPunct="1">
+              <a:lnSpc>
+                <a:spcPct val="90000"/>
+              </a:lnSpc>
+              <a:spcBef>
+                <a:spcPts val="500"/>
+              </a:spcBef>
+              <a:buFont typeface="Arial" panose="020B0604020202020204" pitchFamily="34" charset="0"/>
+              <a:buChar char="•"/>
+              <a:defRPr sz="2400" kern="1200">
+                <a:solidFill>
+                  <a:schemeClr val="tx1"/>
+                </a:solidFill>
+                <a:latin typeface="+mn-lt"/>
+                <a:ea typeface="+mn-ea"/>
+                <a:cs typeface="+mn-cs"/>
+              </a:defRPr>
+            </a:lvl2pPr>
+            <a:lvl3pPr marL="1143000" indent="-228600" algn="l" defTabSz="914400" rtl="0" eaLnBrk="1" latinLnBrk="0" hangingPunct="1">
+              <a:lnSpc>
+                <a:spcPct val="90000"/>
+              </a:lnSpc>
+              <a:spcBef>
+                <a:spcPts val="500"/>
+              </a:spcBef>
+              <a:buFont typeface="Arial" panose="020B0604020202020204" pitchFamily="34" charset="0"/>
+              <a:buChar char="•"/>
+              <a:defRPr sz="2000" kern="1200">
+                <a:solidFill>
+                  <a:schemeClr val="tx1"/>
+                </a:solidFill>
+                <a:latin typeface="+mn-lt"/>
+                <a:ea typeface="+mn-ea"/>
+                <a:cs typeface="+mn-cs"/>
+              </a:defRPr>
+            </a:lvl3pPr>
+            <a:lvl4pPr marL="1600200" indent="-228600" algn="l" defTabSz="914400" rtl="0" eaLnBrk="1" latinLnBrk="0" hangingPunct="1">
+              <a:lnSpc>
+                <a:spcPct val="90000"/>
+              </a:lnSpc>
+              <a:spcBef>
+                <a:spcPts val="500"/>
+              </a:spcBef>
+              <a:buFont typeface="Arial" panose="020B0604020202020204" pitchFamily="34" charset="0"/>
+              <a:buChar char="•"/>
+              <a:defRPr sz="1800" kern="1200">
+                <a:solidFill>
+                  <a:schemeClr val="tx1"/>
+                </a:solidFill>
+                <a:latin typeface="+mn-lt"/>
+                <a:ea typeface="+mn-ea"/>
+                <a:cs typeface="+mn-cs"/>
+              </a:defRPr>
+            </a:lvl4pPr>
+            <a:lvl5pPr marL="2057400" indent="-228600" algn="l" defTabSz="914400" rtl="0" eaLnBrk="1" latinLnBrk="0" hangingPunct="1">
+              <a:lnSpc>
+                <a:spcPct val="90000"/>
+              </a:lnSpc>
+              <a:spcBef>
+                <a:spcPts val="500"/>
+              </a:spcBef>
+              <a:buFont typeface="Arial" panose="020B0604020202020204" pitchFamily="34" charset="0"/>
+              <a:buChar char="•"/>
+              <a:defRPr sz="1800" kern="1200">
+                <a:solidFill>
+                  <a:schemeClr val="tx1"/>
+                </a:solidFill>
+                <a:latin typeface="+mn-lt"/>
+                <a:ea typeface="+mn-ea"/>
+                <a:cs typeface="+mn-cs"/>
+              </a:defRPr>
+            </a:lvl5pPr>
+            <a:lvl6pPr marL="2514600" indent="-228600" algn="l" defTabSz="914400" rtl="0" eaLnBrk="1" latinLnBrk="0" hangingPunct="1">
+              <a:lnSpc>
+                <a:spcPct val="90000"/>
+              </a:lnSpc>
+              <a:spcBef>
+                <a:spcPts val="500"/>
+              </a:spcBef>
+              <a:buFont typeface="Arial" panose="020B0604020202020204" pitchFamily="34" charset="0"/>
+              <a:buChar char="•"/>
+              <a:defRPr sz="1800" kern="1200">
+                <a:solidFill>
+                  <a:schemeClr val="tx1"/>
+                </a:solidFill>
+                <a:latin typeface="+mn-lt"/>
+                <a:ea typeface="+mn-ea"/>
+                <a:cs typeface="+mn-cs"/>
+              </a:defRPr>
+            </a:lvl6pPr>
+            <a:lvl7pPr marL="2971800" indent="-228600" algn="l" defTabSz="914400" rtl="0" eaLnBrk="1" latinLnBrk="0" hangingPunct="1">
+              <a:lnSpc>
+                <a:spcPct val="90000"/>
+              </a:lnSpc>
+              <a:spcBef>
+                <a:spcPts val="500"/>
+              </a:spcBef>
+              <a:buFont typeface="Arial" panose="020B0604020202020204" pitchFamily="34" charset="0"/>
+              <a:buChar char="•"/>
+              <a:defRPr sz="1800" kern="1200">
+                <a:solidFill>
+                  <a:schemeClr val="tx1"/>
+                </a:solidFill>
+                <a:latin typeface="+mn-lt"/>
+                <a:ea typeface="+mn-ea"/>
+                <a:cs typeface="+mn-cs"/>
+              </a:defRPr>
+            </a:lvl7pPr>
+            <a:lvl8pPr marL="3429000" indent="-228600" algn="l" defTabSz="914400" rtl="0" eaLnBrk="1" latinLnBrk="0" hangingPunct="1">
+              <a:lnSpc>
+                <a:spcPct val="90000"/>
+              </a:lnSpc>
+              <a:spcBef>
+                <a:spcPts val="500"/>
+              </a:spcBef>
+              <a:buFont typeface="Arial" panose="020B0604020202020204" pitchFamily="34" charset="0"/>
+              <a:buChar char="•"/>
+              <a:defRPr sz="1800" kern="1200">
+                <a:solidFill>
+                  <a:schemeClr val="tx1"/>
+                </a:solidFill>
+                <a:latin typeface="+mn-lt"/>
+                <a:ea typeface="+mn-ea"/>
+                <a:cs typeface="+mn-cs"/>
+              </a:defRPr>
+            </a:lvl8pPr>
+            <a:lvl9pPr marL="3886200" indent="-228600" algn="l" defTabSz="914400" rtl="0" eaLnBrk="1" latinLnBrk="0" hangingPunct="1">
+              <a:lnSpc>
+                <a:spcPct val="90000"/>
+              </a:lnSpc>
+              <a:spcBef>
+                <a:spcPts val="500"/>
+              </a:spcBef>
+              <a:buFont typeface="Arial" panose="020B0604020202020204" pitchFamily="34" charset="0"/>
+              <a:buChar char="•"/>
+              <a:defRPr sz="1800" kern="1200">
+                <a:solidFill>
+                  <a:schemeClr val="tx1"/>
+                </a:solidFill>
+                <a:latin typeface="+mn-lt"/>
+                <a:ea typeface="+mn-ea"/>
+                <a:cs typeface="+mn-cs"/>
+              </a:defRPr>
+            </a:lvl9pPr>
+          </a:lstStyle>
+          <a:p>
+            <a:pPr marL="0" indent="0" algn="ctr">
+              <a:buFont typeface="Arial" panose="020B0604020202020204" pitchFamily="34" charset="0"/>
+              <a:buNone/>
+            </a:pPr>
+            <a:r>
+              <a:rPr lang="id-ID" b="1" dirty="0" smtClean="0">
+                <a:solidFill>
+                  <a:srgbClr val="F4C049"/>
+                </a:solidFill>
+                <a:latin typeface="Berlin Sans FB Demi" panose="020E0802020502020306" pitchFamily="34" charset="0"/>
+                <a:ea typeface="Adobe Gothic Std B" panose="020B0800000000000000"/>
+              </a:rPr>
+              <a:t>LP3M Makassar</a:t>
+            </a:r>
+          </a:p>
+          <a:p>
+            <a:pPr marL="0" indent="0" algn="ctr">
+              <a:buFont typeface="Arial" panose="020B0604020202020204" pitchFamily="34" charset="0"/>
+              <a:buNone/>
+            </a:pPr>
+            <a:r>
+              <a:rPr lang="id-ID" sz="2400" b="1" dirty="0" smtClean="0">
+                <a:solidFill>
+                  <a:schemeClr val="bg1"/>
+                </a:solidFill>
+                <a:latin typeface="Berlin Sans FB Demi" panose="020E0802020502020306" pitchFamily="34" charset="0"/>
+                <a:ea typeface="Adobe Gothic Std B" panose="020B0800000000000000"/>
+              </a:rPr>
+              <a:t>(Lembaga Pengkajian Pedesaan, Pantai, dan Masyarakat Makassar)</a:t>
+            </a:r>
+            <a:endParaRPr lang="id-ID" sz="2400" b="1" dirty="0">
+              <a:solidFill>
+                <a:schemeClr val="bg1"/>
+              </a:solidFill>
+              <a:latin typeface="Berlin Sans FB Demi" panose="020E0802020502020306" pitchFamily="34" charset="0"/>
+              <a:ea typeface="Adobe Gothic Std B" panose="020B0800000000000000"/>
+            </a:endParaRPr>
+          </a:p>
+        </p:txBody>
+      </p:sp>
     </p:spTree>
     <p:extLst>
       <p:ext uri="{BB962C8B-B14F-4D97-AF65-F5344CB8AC3E}">
-        <p14:creationId xmlns:p14="http://schemas.microsoft.com/office/powerpoint/2010/main" val="1098879480"/>
+        <p14:creationId xmlns:p14="http://schemas.microsoft.com/office/powerpoint/2010/main" val="4293844253"/>
       </p:ext>
     </p:extLst>
   </p:cSld>
   <p:clrMapOvr>
     <a:masterClrMapping/>
   </p:clrMapOvr>
+  <p:transition spd="slow">
+    <p:push dir="u"/>
+  </p:transition>
   <p:timing>
     <p:tnLst>
       <p:par>
@@ -17070,17 +16786,9 @@
 </p:sld>
 </file>
 
-<file path=ppt/slides/slide7.xml><?xml version="1.0" encoding="utf-8"?>
+<file path=ppt/slides/slide4.xml><?xml version="1.0" encoding="utf-8"?>
 <p:sld xmlns:a="http://schemas.openxmlformats.org/drawingml/2006/main" xmlns:r="http://schemas.openxmlformats.org/officeDocument/2006/relationships" xmlns:p="http://schemas.openxmlformats.org/presentationml/2006/main">
   <p:cSld>
-    <p:bg>
-      <p:bgPr>
-        <a:solidFill>
-          <a:srgbClr val="F4C049"/>
-        </a:solidFill>
-        <a:effectLst/>
-      </p:bgPr>
-    </p:bg>
     <p:spTree>
       <p:nvGrpSpPr>
         <p:cNvPr id="1" name=""/>
@@ -17105,7 +16813,12 @@
             <p:ph type="title"/>
           </p:nvPr>
         </p:nvSpPr>
-        <p:spPr/>
+        <p:spPr>
+          <a:xfrm>
+            <a:off x="0" y="365125"/>
+            <a:ext cx="12192000" cy="1325563"/>
+          </a:xfrm>
+        </p:spPr>
         <p:txBody>
           <a:bodyPr/>
           <a:lstStyle/>
@@ -17114,53 +16827,447 @@
             <a:r>
               <a:rPr lang="en-US" dirty="0" smtClean="0">
                 <a:solidFill>
-                  <a:srgbClr val="FF0000"/>
-                </a:solidFill>
-                <a:latin typeface="Adobe Gothic Std B" panose="020B0800000000000000" pitchFamily="34" charset="-128"/>
-                <a:ea typeface="Adobe Gothic Std B" panose="020B0800000000000000" pitchFamily="34" charset="-128"/>
-              </a:rPr>
-              <a:t>DATABASE </a:t>
-            </a:r>
-            <a:r>
-              <a:rPr lang="en-US" dirty="0" smtClean="0">
-                <a:solidFill>
-                  <a:srgbClr val="FF0000"/>
-                </a:solidFill>
-                <a:latin typeface="Adobe Gothic Std B" panose="020B0800000000000000" pitchFamily="34" charset="-128"/>
-                <a:ea typeface="Adobe Gothic Std B" panose="020B0800000000000000" pitchFamily="34" charset="-128"/>
-              </a:rPr>
-              <a:t>DESIGN</a:t>
-            </a:r>
-            <a:r>
-              <a:rPr lang="id-ID" dirty="0" smtClean="0">
-                <a:solidFill>
-                  <a:srgbClr val="FF0000"/>
-                </a:solidFill>
-                <a:latin typeface="Adobe Gothic Std B" panose="020B0800000000000000" pitchFamily="34" charset="-128"/>
-                <a:ea typeface="Adobe Gothic Std B" panose="020B0800000000000000" pitchFamily="34" charset="-128"/>
-              </a:rPr>
-              <a:t>???</a:t>
+                  <a:schemeClr val="bg1"/>
+                </a:solidFill>
+                <a:latin typeface="Berlin Sans FB Demi" panose="020E0802020502020306" pitchFamily="34" charset="0"/>
+                <a:ea typeface="Adobe Gothic Std B" panose="020B0800000000000000" pitchFamily="34" charset="-128"/>
+              </a:rPr>
+              <a:t>PRODUCT SPECIFICATION</a:t>
             </a:r>
             <a:endParaRPr lang="en-US" dirty="0">
               <a:solidFill>
-                <a:srgbClr val="FF0000"/>
+                <a:schemeClr val="bg1"/>
               </a:solidFill>
-              <a:latin typeface="Adobe Gothic Std B" panose="020B0800000000000000" pitchFamily="34" charset="-128"/>
+              <a:latin typeface="Berlin Sans FB Demi" panose="020E0802020502020306" pitchFamily="34" charset="0"/>
               <a:ea typeface="Adobe Gothic Std B" panose="020B0800000000000000" pitchFamily="34" charset="-128"/>
             </a:endParaRPr>
           </a:p>
         </p:txBody>
       </p:sp>
+      <p:sp>
+        <p:nvSpPr>
+          <p:cNvPr id="6" name="Content Placeholder 2"/>
+          <p:cNvSpPr>
+            <a:spLocks noGrp="1"/>
+          </p:cNvSpPr>
+          <p:nvPr>
+            <p:ph idx="1"/>
+          </p:nvPr>
+        </p:nvSpPr>
+        <p:spPr>
+          <a:xfrm>
+            <a:off x="939421" y="1955704"/>
+            <a:ext cx="10515600" cy="3653525"/>
+          </a:xfrm>
+        </p:spPr>
+        <p:txBody>
+          <a:bodyPr>
+            <a:noAutofit/>
+          </a:bodyPr>
+          <a:lstStyle/>
+          <a:p>
+            <a:pPr>
+              <a:buFont typeface="Wingdings" panose="05000000000000000000" pitchFamily="2" charset="2"/>
+              <a:buChar char="§"/>
+            </a:pPr>
+            <a:r>
+              <a:rPr lang="id-ID" sz="2000" dirty="0" smtClean="0">
+                <a:solidFill>
+                  <a:srgbClr val="F4C049"/>
+                </a:solidFill>
+                <a:latin typeface="Berlin Sans FB Demi" panose="020E0802020502020306" pitchFamily="34" charset="0"/>
+                <a:ea typeface="Adobe Gothic Std B" panose="020B0800000000000000" pitchFamily="34" charset="-128"/>
+              </a:rPr>
+              <a:t>Admin</a:t>
+            </a:r>
+          </a:p>
+          <a:p>
+            <a:pPr lvl="1">
+              <a:buFont typeface="Wingdings" panose="05000000000000000000" pitchFamily="2" charset="2"/>
+              <a:buChar char="§"/>
+            </a:pPr>
+            <a:r>
+              <a:rPr lang="id-ID" sz="2000" dirty="0" smtClean="0">
+                <a:solidFill>
+                  <a:schemeClr val="bg1"/>
+                </a:solidFill>
+                <a:latin typeface="Berlin Sans FB Demi" panose="020E0802020502020306" pitchFamily="34" charset="0"/>
+                <a:ea typeface="Adobe Gothic Std B" panose="020B0800000000000000" pitchFamily="34" charset="-128"/>
+              </a:rPr>
+              <a:t>Login ke akun Admin</a:t>
+            </a:r>
+          </a:p>
+          <a:p>
+            <a:pPr lvl="1">
+              <a:buFont typeface="Wingdings" panose="05000000000000000000" pitchFamily="2" charset="2"/>
+              <a:buChar char="§"/>
+            </a:pPr>
+            <a:r>
+              <a:rPr lang="id-ID" sz="2000" dirty="0" smtClean="0">
+                <a:solidFill>
+                  <a:schemeClr val="bg1"/>
+                </a:solidFill>
+                <a:latin typeface="Berlin Sans FB Demi" panose="020E0802020502020306" pitchFamily="34" charset="0"/>
+                <a:ea typeface="Adobe Gothic Std B" panose="020B0800000000000000" pitchFamily="34" charset="-128"/>
+              </a:rPr>
+              <a:t>Manajemen (Tambah, Hapus, Update) </a:t>
+            </a:r>
+            <a:r>
+              <a:rPr lang="id-ID" sz="2000" dirty="0" smtClean="0">
+                <a:solidFill>
+                  <a:schemeClr val="bg1"/>
+                </a:solidFill>
+                <a:latin typeface="Berlin Sans FB Demi" panose="020E0802020502020306" pitchFamily="34" charset="0"/>
+                <a:ea typeface="Adobe Gothic Std B" panose="020B0800000000000000" pitchFamily="34" charset="-128"/>
+              </a:rPr>
+              <a:t>produk </a:t>
+            </a:r>
+            <a:r>
+              <a:rPr lang="id-ID" sz="2000" dirty="0" smtClean="0">
+                <a:solidFill>
+                  <a:schemeClr val="bg1"/>
+                </a:solidFill>
+                <a:latin typeface="Berlin Sans FB Demi" panose="020E0802020502020306" pitchFamily="34" charset="0"/>
+                <a:ea typeface="Adobe Gothic Std B" panose="020B0800000000000000" pitchFamily="34" charset="-128"/>
+              </a:rPr>
+              <a:t>yang </a:t>
+            </a:r>
+            <a:r>
+              <a:rPr lang="id-ID" sz="2000" dirty="0" smtClean="0">
+                <a:solidFill>
+                  <a:schemeClr val="bg1"/>
+                </a:solidFill>
+                <a:latin typeface="Berlin Sans FB Demi" panose="020E0802020502020306" pitchFamily="34" charset="0"/>
+                <a:ea typeface="Adobe Gothic Std B" panose="020B0800000000000000" pitchFamily="34" charset="-128"/>
+              </a:rPr>
+              <a:t>dijual</a:t>
+            </a:r>
+            <a:endParaRPr lang="id-ID" sz="2000" dirty="0" smtClean="0">
+              <a:solidFill>
+                <a:schemeClr val="bg1"/>
+              </a:solidFill>
+              <a:latin typeface="Berlin Sans FB Demi" panose="020E0802020502020306" pitchFamily="34" charset="0"/>
+              <a:ea typeface="Adobe Gothic Std B" panose="020B0800000000000000" pitchFamily="34" charset="-128"/>
+            </a:endParaRPr>
+          </a:p>
+          <a:p>
+            <a:pPr lvl="1">
+              <a:buFont typeface="Wingdings" panose="05000000000000000000" pitchFamily="2" charset="2"/>
+              <a:buChar char="§"/>
+            </a:pPr>
+            <a:r>
+              <a:rPr lang="id-ID" sz="2000" dirty="0" smtClean="0">
+                <a:solidFill>
+                  <a:schemeClr val="bg1"/>
+                </a:solidFill>
+                <a:latin typeface="Berlin Sans FB Demi" panose="020E0802020502020306" pitchFamily="34" charset="0"/>
+                <a:ea typeface="Adobe Gothic Std B" panose="020B0800000000000000" pitchFamily="34" charset="-128"/>
+              </a:rPr>
+              <a:t>Melihat daftar pemesanan dan mengubah status pemesanan (Belum Membayar, Sudah Membayar, Dikirim)</a:t>
+            </a:r>
+          </a:p>
+          <a:p>
+            <a:pPr lvl="1">
+              <a:buFont typeface="Wingdings" panose="05000000000000000000" pitchFamily="2" charset="2"/>
+              <a:buChar char="§"/>
+            </a:pPr>
+            <a:r>
+              <a:rPr lang="id-ID" sz="2000" dirty="0" smtClean="0">
+                <a:solidFill>
+                  <a:schemeClr val="bg1"/>
+                </a:solidFill>
+                <a:latin typeface="Berlin Sans FB Demi" panose="020E0802020502020306" pitchFamily="34" charset="0"/>
+                <a:ea typeface="Adobe Gothic Std B" panose="020B0800000000000000" pitchFamily="34" charset="-128"/>
+              </a:rPr>
+              <a:t>Melihat dan membalas pesan </a:t>
+            </a:r>
+            <a:r>
+              <a:rPr lang="id-ID" sz="2000" dirty="0" smtClean="0">
+                <a:solidFill>
+                  <a:schemeClr val="bg1"/>
+                </a:solidFill>
+                <a:latin typeface="Berlin Sans FB Demi" panose="020E0802020502020306" pitchFamily="34" charset="0"/>
+                <a:ea typeface="Adobe Gothic Std B" panose="020B0800000000000000" pitchFamily="34" charset="-128"/>
+              </a:rPr>
+              <a:t>(kritik</a:t>
+            </a:r>
+            <a:r>
+              <a:rPr lang="id-ID" sz="2000" dirty="0">
+                <a:solidFill>
+                  <a:schemeClr val="bg1"/>
+                </a:solidFill>
+                <a:latin typeface="Berlin Sans FB Demi" panose="020E0802020502020306" pitchFamily="34" charset="0"/>
+                <a:ea typeface="Adobe Gothic Std B" panose="020B0800000000000000" pitchFamily="34" charset="-128"/>
+              </a:rPr>
+              <a:t> </a:t>
+            </a:r>
+            <a:r>
+              <a:rPr lang="id-ID" sz="2000" dirty="0" smtClean="0">
+                <a:solidFill>
+                  <a:schemeClr val="bg1"/>
+                </a:solidFill>
+                <a:latin typeface="Berlin Sans FB Demi" panose="020E0802020502020306" pitchFamily="34" charset="0"/>
+                <a:ea typeface="Adobe Gothic Std B" panose="020B0800000000000000" pitchFamily="34" charset="-128"/>
+              </a:rPr>
+              <a:t>&amp;</a:t>
+            </a:r>
+            <a:r>
+              <a:rPr lang="id-ID" sz="2000" dirty="0" smtClean="0">
+                <a:solidFill>
+                  <a:schemeClr val="bg1"/>
+                </a:solidFill>
+                <a:latin typeface="Berlin Sans FB Demi" panose="020E0802020502020306" pitchFamily="34" charset="0"/>
+                <a:ea typeface="Adobe Gothic Std B" panose="020B0800000000000000" pitchFamily="34" charset="-128"/>
+              </a:rPr>
+              <a:t> </a:t>
+            </a:r>
+            <a:r>
+              <a:rPr lang="id-ID" sz="2000" dirty="0" smtClean="0">
+                <a:solidFill>
+                  <a:schemeClr val="bg1"/>
+                </a:solidFill>
+                <a:latin typeface="Berlin Sans FB Demi" panose="020E0802020502020306" pitchFamily="34" charset="0"/>
+                <a:ea typeface="Adobe Gothic Std B" panose="020B0800000000000000" pitchFamily="34" charset="-128"/>
+              </a:rPr>
+              <a:t>saran) yang masuk ke admin.</a:t>
+            </a:r>
+          </a:p>
+          <a:p>
+            <a:pPr lvl="1">
+              <a:buFont typeface="Wingdings" panose="05000000000000000000" pitchFamily="2" charset="2"/>
+              <a:buChar char="§"/>
+            </a:pPr>
+            <a:endParaRPr lang="en-US" sz="2000" dirty="0" smtClean="0">
+              <a:solidFill>
+                <a:schemeClr val="bg1"/>
+              </a:solidFill>
+              <a:latin typeface="Berlin Sans FB Demi" panose="020E0802020502020306" pitchFamily="34" charset="0"/>
+              <a:ea typeface="Adobe Gothic Std B" panose="020B0800000000000000" pitchFamily="34" charset="-128"/>
+            </a:endParaRPr>
+          </a:p>
+          <a:p>
+            <a:pPr>
+              <a:buFont typeface="Wingdings" panose="05000000000000000000" pitchFamily="2" charset="2"/>
+              <a:buChar char="§"/>
+            </a:pPr>
+            <a:r>
+              <a:rPr lang="id-ID" sz="2000" dirty="0" smtClean="0">
+                <a:solidFill>
+                  <a:srgbClr val="F4C049"/>
+                </a:solidFill>
+                <a:latin typeface="Berlin Sans FB Demi" panose="020E0802020502020306" pitchFamily="34" charset="0"/>
+                <a:ea typeface="Adobe Gothic Std B" panose="020B0800000000000000" pitchFamily="34" charset="-128"/>
+              </a:rPr>
+              <a:t>Guest</a:t>
+            </a:r>
+          </a:p>
+          <a:p>
+            <a:pPr lvl="1">
+              <a:buFont typeface="Wingdings" panose="05000000000000000000" pitchFamily="2" charset="2"/>
+              <a:buChar char="§"/>
+            </a:pPr>
+            <a:r>
+              <a:rPr lang="id-ID" sz="2000" dirty="0" smtClean="0">
+                <a:solidFill>
+                  <a:schemeClr val="bg1"/>
+                </a:solidFill>
+                <a:latin typeface="Berlin Sans FB Demi" panose="020E0802020502020306" pitchFamily="34" charset="0"/>
+                <a:ea typeface="Adobe Gothic Std B" panose="020B0800000000000000" pitchFamily="34" charset="-128"/>
+              </a:rPr>
+              <a:t>Melihat dan melakukan transaksi </a:t>
+            </a:r>
+            <a:r>
+              <a:rPr lang="id-ID" sz="2000" dirty="0" smtClean="0">
+                <a:solidFill>
+                  <a:schemeClr val="bg1"/>
+                </a:solidFill>
+                <a:latin typeface="Berlin Sans FB Demi" panose="020E0802020502020306" pitchFamily="34" charset="0"/>
+                <a:ea typeface="Adobe Gothic Std B" panose="020B0800000000000000" pitchFamily="34" charset="-128"/>
+              </a:rPr>
+              <a:t>pembelian </a:t>
+            </a:r>
+            <a:r>
+              <a:rPr lang="id-ID" sz="2000" dirty="0" smtClean="0">
+                <a:solidFill>
+                  <a:schemeClr val="bg1"/>
+                </a:solidFill>
+                <a:latin typeface="Berlin Sans FB Demi" panose="020E0802020502020306" pitchFamily="34" charset="0"/>
+                <a:ea typeface="Adobe Gothic Std B" panose="020B0800000000000000" pitchFamily="34" charset="-128"/>
+              </a:rPr>
+              <a:t>produk yang dijual</a:t>
+            </a:r>
+          </a:p>
+          <a:p>
+            <a:pPr lvl="1">
+              <a:buFont typeface="Wingdings" panose="05000000000000000000" pitchFamily="2" charset="2"/>
+              <a:buChar char="§"/>
+            </a:pPr>
+            <a:r>
+              <a:rPr lang="id-ID" sz="2000" dirty="0" smtClean="0">
+                <a:solidFill>
+                  <a:schemeClr val="bg1"/>
+                </a:solidFill>
+                <a:latin typeface="Berlin Sans FB Demi" panose="020E0802020502020306" pitchFamily="34" charset="0"/>
+                <a:ea typeface="Adobe Gothic Std B" panose="020B0800000000000000" pitchFamily="34" charset="-128"/>
+              </a:rPr>
+              <a:t>Melihat informasi tentang Cikoro Farm dan LP3M</a:t>
+            </a:r>
+          </a:p>
+          <a:p>
+            <a:pPr lvl="1">
+              <a:buFont typeface="Wingdings" panose="05000000000000000000" pitchFamily="2" charset="2"/>
+              <a:buChar char="§"/>
+            </a:pPr>
+            <a:r>
+              <a:rPr lang="id-ID" sz="2000" dirty="0" smtClean="0">
+                <a:solidFill>
+                  <a:schemeClr val="bg1"/>
+                </a:solidFill>
+                <a:latin typeface="Berlin Sans FB Demi" panose="020E0802020502020306" pitchFamily="34" charset="0"/>
+                <a:ea typeface="Adobe Gothic Std B" panose="020B0800000000000000" pitchFamily="34" charset="-128"/>
+              </a:rPr>
+              <a:t>Memberi Pesan (kritik &amp; saran) kepada Admin</a:t>
+            </a:r>
+            <a:endParaRPr lang="en-US" sz="2000" dirty="0" smtClean="0">
+              <a:solidFill>
+                <a:schemeClr val="bg1"/>
+              </a:solidFill>
+              <a:latin typeface="Berlin Sans FB Demi" panose="020E0802020502020306" pitchFamily="34" charset="0"/>
+              <a:ea typeface="Adobe Gothic Std B" panose="020B0800000000000000" pitchFamily="34" charset="-128"/>
+            </a:endParaRPr>
+          </a:p>
+          <a:p>
+            <a:pPr>
+              <a:buFont typeface="Wingdings" panose="05000000000000000000" pitchFamily="2" charset="2"/>
+              <a:buChar char="§"/>
+            </a:pPr>
+            <a:endParaRPr lang="en-US" sz="2000" dirty="0">
+              <a:solidFill>
+                <a:schemeClr val="bg1"/>
+              </a:solidFill>
+              <a:latin typeface="Berlin Sans FB Demi" panose="020E0802020502020306" pitchFamily="34" charset="0"/>
+              <a:ea typeface="Adobe Gothic Std B" panose="020B0800000000000000" pitchFamily="34" charset="-128"/>
+            </a:endParaRPr>
+          </a:p>
+          <a:p>
+            <a:pPr>
+              <a:buFont typeface="Wingdings" panose="05000000000000000000" pitchFamily="2" charset="2"/>
+              <a:buChar char="§"/>
+            </a:pPr>
+            <a:endParaRPr lang="en-US" sz="2000" dirty="0">
+              <a:solidFill>
+                <a:schemeClr val="bg1"/>
+              </a:solidFill>
+              <a:latin typeface="Berlin Sans FB Demi" panose="020E0802020502020306" pitchFamily="34" charset="0"/>
+              <a:ea typeface="Adobe Gothic Std B" panose="020B0800000000000000" pitchFamily="34" charset="-128"/>
+            </a:endParaRPr>
+          </a:p>
+        </p:txBody>
+      </p:sp>
+      <p:grpSp>
+        <p:nvGrpSpPr>
+          <p:cNvPr id="7" name="Group 6"/>
+          <p:cNvGrpSpPr/>
+          <p:nvPr/>
+        </p:nvGrpSpPr>
+        <p:grpSpPr>
+          <a:xfrm>
+            <a:off x="0" y="6239255"/>
+            <a:ext cx="12301227" cy="618745"/>
+            <a:chOff x="0" y="6239255"/>
+            <a:chExt cx="12301227" cy="618745"/>
+          </a:xfrm>
+        </p:grpSpPr>
+        <p:sp>
+          <p:nvSpPr>
+            <p:cNvPr id="8" name="Rectangle 7"/>
+            <p:cNvSpPr/>
+            <p:nvPr/>
+          </p:nvSpPr>
+          <p:spPr>
+            <a:xfrm>
+              <a:off x="0" y="6324600"/>
+              <a:ext cx="4927600" cy="533400"/>
+            </a:xfrm>
+            <a:prstGeom prst="rect">
+              <a:avLst/>
+            </a:prstGeom>
+            <a:solidFill>
+              <a:srgbClr val="194206"/>
+            </a:solidFill>
+            <a:ln>
+              <a:noFill/>
+            </a:ln>
+          </p:spPr>
+          <p:style>
+            <a:lnRef idx="2">
+              <a:schemeClr val="accent1">
+                <a:shade val="50000"/>
+              </a:schemeClr>
+            </a:lnRef>
+            <a:fillRef idx="1">
+              <a:schemeClr val="accent1"/>
+            </a:fillRef>
+            <a:effectRef idx="0">
+              <a:schemeClr val="accent1"/>
+            </a:effectRef>
+            <a:fontRef idx="minor">
+              <a:schemeClr val="lt1"/>
+            </a:fontRef>
+          </p:style>
+          <p:txBody>
+            <a:bodyPr rtlCol="0" anchor="ctr"/>
+            <a:lstStyle/>
+            <a:p>
+              <a:pPr algn="ctr"/>
+              <a:endParaRPr lang="id-ID"/>
+            </a:p>
+          </p:txBody>
+        </p:sp>
+        <p:pic>
+          <p:nvPicPr>
+            <p:cNvPr id="9" name="Picture 8"/>
+            <p:cNvPicPr>
+              <a:picLocks noChangeAspect="1"/>
+            </p:cNvPicPr>
+            <p:nvPr/>
+          </p:nvPicPr>
+          <p:blipFill>
+            <a:blip r:embed="rId2" cstate="print">
+              <a:extLst>
+                <a:ext uri="{28A0092B-C50C-407E-A947-70E740481C1C}">
+                  <a14:useLocalDpi xmlns:a14="http://schemas.microsoft.com/office/drawing/2010/main" val="0"/>
+                </a:ext>
+              </a:extLst>
+            </a:blip>
+            <a:stretch>
+              <a:fillRect/>
+            </a:stretch>
+          </p:blipFill>
+          <p:spPr>
+            <a:xfrm>
+              <a:off x="4742172" y="6239255"/>
+              <a:ext cx="7559055" cy="618745"/>
+            </a:xfrm>
+            <a:prstGeom prst="rect">
+              <a:avLst/>
+            </a:prstGeom>
+          </p:spPr>
+        </p:pic>
+      </p:grpSp>
     </p:spTree>
     <p:extLst>
       <p:ext uri="{BB962C8B-B14F-4D97-AF65-F5344CB8AC3E}">
-        <p14:creationId xmlns:p14="http://schemas.microsoft.com/office/powerpoint/2010/main" val="1196432849"/>
+        <p14:creationId xmlns:p14="http://schemas.microsoft.com/office/powerpoint/2010/main" val="1701244190"/>
       </p:ext>
     </p:extLst>
   </p:cSld>
   <p:clrMapOvr>
     <a:masterClrMapping/>
   </p:clrMapOvr>
+  <p:transition spd="slow">
+    <p:push dir="u"/>
+  </p:transition>
   <p:timing>
     <p:tnLst>
       <p:par>
@@ -17171,17 +17278,222 @@
 </p:sld>
 </file>
 
-<file path=ppt/slides/slide8.xml><?xml version="1.0" encoding="utf-8"?>
+<file path=ppt/slides/slide5.xml><?xml version="1.0" encoding="utf-8"?>
 <p:sld xmlns:a="http://schemas.openxmlformats.org/drawingml/2006/main" xmlns:r="http://schemas.openxmlformats.org/officeDocument/2006/relationships" xmlns:p="http://schemas.openxmlformats.org/presentationml/2006/main">
   <p:cSld>
-    <p:bg>
-      <p:bgPr>
-        <a:solidFill>
-          <a:srgbClr val="A1CA6C"/>
-        </a:solidFill>
-        <a:effectLst/>
-      </p:bgPr>
-    </p:bg>
+    <p:spTree>
+      <p:nvGrpSpPr>
+        <p:cNvPr id="1" name=""/>
+        <p:cNvGrpSpPr/>
+        <p:nvPr/>
+      </p:nvGrpSpPr>
+      <p:grpSpPr>
+        <a:xfrm>
+          <a:off x="0" y="0"/>
+          <a:ext cx="0" cy="0"/>
+          <a:chOff x="0" y="0"/>
+          <a:chExt cx="0" cy="0"/>
+        </a:xfrm>
+      </p:grpSpPr>
+      <p:sp>
+        <p:nvSpPr>
+          <p:cNvPr id="4" name="Title 1"/>
+          <p:cNvSpPr txBox="1">
+            <a:spLocks/>
+          </p:cNvSpPr>
+          <p:nvPr/>
+        </p:nvSpPr>
+        <p:spPr>
+          <a:xfrm>
+            <a:off x="0" y="90805"/>
+            <a:ext cx="12192000" cy="1325563"/>
+          </a:xfrm>
+          <a:prstGeom prst="rect">
+            <a:avLst/>
+          </a:prstGeom>
+        </p:spPr>
+        <p:txBody>
+          <a:bodyPr vert="horz" lIns="91440" tIns="45720" rIns="91440" bIns="45720" rtlCol="0" anchor="ctr">
+            <a:normAutofit/>
+          </a:bodyPr>
+          <a:lstStyle>
+            <a:lvl1pPr algn="l" defTabSz="914400" rtl="0" eaLnBrk="1" latinLnBrk="0" hangingPunct="1">
+              <a:lnSpc>
+                <a:spcPct val="90000"/>
+              </a:lnSpc>
+              <a:spcBef>
+                <a:spcPct val="0"/>
+              </a:spcBef>
+              <a:buNone/>
+              <a:defRPr sz="4400" kern="1200">
+                <a:solidFill>
+                  <a:schemeClr val="tx1"/>
+                </a:solidFill>
+                <a:latin typeface="+mj-lt"/>
+                <a:ea typeface="+mj-ea"/>
+                <a:cs typeface="+mj-cs"/>
+              </a:defRPr>
+            </a:lvl1pPr>
+          </a:lstStyle>
+          <a:p>
+            <a:pPr algn="ctr"/>
+            <a:r>
+              <a:rPr lang="id-ID" dirty="0" smtClean="0">
+                <a:solidFill>
+                  <a:schemeClr val="bg1"/>
+                </a:solidFill>
+                <a:latin typeface="Berlin Sans FB Demi" panose="020E0802020502020306" pitchFamily="34" charset="0"/>
+                <a:ea typeface="Adobe Gothic Std B" panose="020B0800000000000000" pitchFamily="34" charset="-128"/>
+              </a:rPr>
+              <a:t>PDM</a:t>
+            </a:r>
+            <a:endParaRPr lang="en-US" dirty="0">
+              <a:solidFill>
+                <a:schemeClr val="bg1"/>
+              </a:solidFill>
+              <a:latin typeface="Berlin Sans FB Demi" panose="020E0802020502020306" pitchFamily="34" charset="0"/>
+              <a:ea typeface="Adobe Gothic Std B" panose="020B0800000000000000" pitchFamily="34" charset="-128"/>
+            </a:endParaRPr>
+          </a:p>
+        </p:txBody>
+      </p:sp>
+      <p:grpSp>
+        <p:nvGrpSpPr>
+          <p:cNvPr id="5" name="Group 4"/>
+          <p:cNvGrpSpPr/>
+          <p:nvPr/>
+        </p:nvGrpSpPr>
+        <p:grpSpPr>
+          <a:xfrm>
+            <a:off x="0" y="6239255"/>
+            <a:ext cx="12301227" cy="618745"/>
+            <a:chOff x="0" y="6239255"/>
+            <a:chExt cx="12301227" cy="618745"/>
+          </a:xfrm>
+        </p:grpSpPr>
+        <p:sp>
+          <p:nvSpPr>
+            <p:cNvPr id="6" name="Rectangle 5"/>
+            <p:cNvSpPr/>
+            <p:nvPr/>
+          </p:nvSpPr>
+          <p:spPr>
+            <a:xfrm>
+              <a:off x="0" y="6324600"/>
+              <a:ext cx="4927600" cy="533400"/>
+            </a:xfrm>
+            <a:prstGeom prst="rect">
+              <a:avLst/>
+            </a:prstGeom>
+            <a:solidFill>
+              <a:srgbClr val="194206"/>
+            </a:solidFill>
+            <a:ln>
+              <a:noFill/>
+            </a:ln>
+          </p:spPr>
+          <p:style>
+            <a:lnRef idx="2">
+              <a:schemeClr val="accent1">
+                <a:shade val="50000"/>
+              </a:schemeClr>
+            </a:lnRef>
+            <a:fillRef idx="1">
+              <a:schemeClr val="accent1"/>
+            </a:fillRef>
+            <a:effectRef idx="0">
+              <a:schemeClr val="accent1"/>
+            </a:effectRef>
+            <a:fontRef idx="minor">
+              <a:schemeClr val="lt1"/>
+            </a:fontRef>
+          </p:style>
+          <p:txBody>
+            <a:bodyPr rtlCol="0" anchor="ctr"/>
+            <a:lstStyle/>
+            <a:p>
+              <a:pPr algn="ctr"/>
+              <a:endParaRPr lang="id-ID"/>
+            </a:p>
+          </p:txBody>
+        </p:sp>
+        <p:pic>
+          <p:nvPicPr>
+            <p:cNvPr id="7" name="Picture 6"/>
+            <p:cNvPicPr>
+              <a:picLocks noChangeAspect="1"/>
+            </p:cNvPicPr>
+            <p:nvPr/>
+          </p:nvPicPr>
+          <p:blipFill>
+            <a:blip r:embed="rId2" cstate="print">
+              <a:extLst>
+                <a:ext uri="{28A0092B-C50C-407E-A947-70E740481C1C}">
+                  <a14:useLocalDpi xmlns:a14="http://schemas.microsoft.com/office/drawing/2010/main" val="0"/>
+                </a:ext>
+              </a:extLst>
+            </a:blip>
+            <a:stretch>
+              <a:fillRect/>
+            </a:stretch>
+          </p:blipFill>
+          <p:spPr>
+            <a:xfrm>
+              <a:off x="4742172" y="6239255"/>
+              <a:ext cx="7559055" cy="618745"/>
+            </a:xfrm>
+            <a:prstGeom prst="rect">
+              <a:avLst/>
+            </a:prstGeom>
+          </p:spPr>
+        </p:pic>
+      </p:grpSp>
+      <p:pic>
+        <p:nvPicPr>
+          <p:cNvPr id="8" name="Picture 7"/>
+          <p:cNvPicPr>
+            <a:picLocks noChangeAspect="1"/>
+          </p:cNvPicPr>
+          <p:nvPr/>
+        </p:nvPicPr>
+        <p:blipFill>
+          <a:blip r:embed="rId3">
+            <a:extLst>
+              <a:ext uri="{28A0092B-C50C-407E-A947-70E740481C1C}">
+                <a14:useLocalDpi xmlns:a14="http://schemas.microsoft.com/office/drawing/2010/main" val="0"/>
+              </a:ext>
+            </a:extLst>
+          </a:blip>
+          <a:stretch>
+            <a:fillRect/>
+          </a:stretch>
+        </p:blipFill>
+        <p:spPr>
+          <a:xfrm>
+            <a:off x="2175510" y="1284652"/>
+            <a:ext cx="7840979" cy="4763102"/>
+          </a:xfrm>
+          <a:prstGeom prst="rect">
+            <a:avLst/>
+          </a:prstGeom>
+        </p:spPr>
+      </p:pic>
+    </p:spTree>
+    <p:extLst>
+      <p:ext uri="{BB962C8B-B14F-4D97-AF65-F5344CB8AC3E}">
+        <p14:creationId xmlns:p14="http://schemas.microsoft.com/office/powerpoint/2010/main" val="2480689982"/>
+      </p:ext>
+    </p:extLst>
+  </p:cSld>
+  <p:clrMapOvr>
+    <a:masterClrMapping/>
+  </p:clrMapOvr>
+</p:sld>
+</file>
+
+<file path=ppt/slides/slide6.xml><?xml version="1.0" encoding="utf-8"?>
+<p:sld xmlns:a="http://schemas.openxmlformats.org/drawingml/2006/main" xmlns:r="http://schemas.openxmlformats.org/officeDocument/2006/relationships" xmlns:p="http://schemas.openxmlformats.org/presentationml/2006/main">
+  <p:cSld>
     <p:spTree>
       <p:nvGrpSpPr>
         <p:cNvPr id="1" name=""/>
@@ -17206,7 +17518,12 @@
             <p:ph type="title"/>
           </p:nvPr>
         </p:nvSpPr>
-        <p:spPr/>
+        <p:spPr>
+          <a:xfrm>
+            <a:off x="0" y="365125"/>
+            <a:ext cx="12192000" cy="1325563"/>
+          </a:xfrm>
+        </p:spPr>
         <p:txBody>
           <a:bodyPr/>
           <a:lstStyle/>
@@ -17217,7 +17534,7 @@
                 <a:solidFill>
                   <a:schemeClr val="bg1"/>
                 </a:solidFill>
-                <a:latin typeface="Adobe Gothic Std B" panose="020B0800000000000000" pitchFamily="34" charset="-128"/>
+                <a:latin typeface="Berlin Sans FB Demi" panose="020E0802020502020306" pitchFamily="34" charset="0"/>
                 <a:ea typeface="Adobe Gothic Std B" panose="020B0800000000000000" pitchFamily="34" charset="-128"/>
               </a:rPr>
               <a:t>TOOLS</a:t>
@@ -17226,7 +17543,7 @@
               <a:solidFill>
                 <a:schemeClr val="bg1"/>
               </a:solidFill>
-              <a:latin typeface="Adobe Gothic Std B" panose="020B0800000000000000" pitchFamily="34" charset="-128"/>
+              <a:latin typeface="Berlin Sans FB Demi" panose="020E0802020502020306" pitchFamily="34" charset="0"/>
               <a:ea typeface="Adobe Gothic Std B" panose="020B0800000000000000" pitchFamily="34" charset="-128"/>
             </a:endParaRPr>
           </a:p>
@@ -17244,8 +17561,8 @@
         </p:nvSpPr>
         <p:spPr>
           <a:xfrm>
-            <a:off x="217715" y="1533069"/>
-            <a:ext cx="11756570" cy="4351338"/>
+            <a:off x="586210" y="2106277"/>
+            <a:ext cx="5514345" cy="1128244"/>
           </a:xfrm>
         </p:spPr>
         <p:txBody>
@@ -17258,76 +17575,16 @@
               <a:buNone/>
             </a:pPr>
             <a:r>
-              <a:rPr lang="en-US" sz="2400" dirty="0" smtClean="0">
+              <a:rPr lang="en-US" sz="2000" dirty="0" smtClean="0">
                 <a:solidFill>
                   <a:schemeClr val="bg1"/>
                 </a:solidFill>
                 <a:latin typeface="Adobe Gothic Std B" panose="020B0800000000000000" pitchFamily="34" charset="-128"/>
                 <a:ea typeface="Adobe Gothic Std B" panose="020B0800000000000000" pitchFamily="34" charset="-128"/>
               </a:rPr>
-              <a:t>DEVELOPMENT TOOLS: SUBLIME TEXT &amp; NOTEPAD++, XAMPP</a:t>
-            </a:r>
-          </a:p>
-          <a:p>
-            <a:pPr marL="0" indent="0">
-              <a:buNone/>
-            </a:pPr>
-            <a:r>
-              <a:rPr lang="en-US" sz="2400" dirty="0" smtClean="0">
-                <a:solidFill>
-                  <a:schemeClr val="bg1"/>
-                </a:solidFill>
-                <a:latin typeface="Adobe Gothic Std B" panose="020B0800000000000000" pitchFamily="34" charset="-128"/>
-                <a:ea typeface="Adobe Gothic Std B" panose="020B0800000000000000" pitchFamily="34" charset="-128"/>
-              </a:rPr>
-              <a:t>DATABASE DESIGNER: POWER DESIGNER</a:t>
-            </a:r>
-          </a:p>
-          <a:p>
-            <a:pPr marL="0" indent="0">
-              <a:buNone/>
-            </a:pPr>
-            <a:r>
-              <a:rPr lang="en-US" sz="2400" dirty="0" smtClean="0">
-                <a:solidFill>
-                  <a:schemeClr val="bg1"/>
-                </a:solidFill>
-                <a:latin typeface="Adobe Gothic Std B" panose="020B0800000000000000" pitchFamily="34" charset="-128"/>
-                <a:ea typeface="Adobe Gothic Std B" panose="020B0800000000000000" pitchFamily="34" charset="-128"/>
-              </a:rPr>
-              <a:t>USER-INTERFACE DESIGNER: </a:t>
-            </a:r>
-            <a:r>
-              <a:rPr lang="id-ID" sz="2400" dirty="0" smtClean="0">
-                <a:solidFill>
-                  <a:schemeClr val="bg1"/>
-                </a:solidFill>
-                <a:latin typeface="Adobe Gothic Std B" panose="020B0800000000000000" pitchFamily="34" charset="-128"/>
-                <a:ea typeface="Adobe Gothic Std B" panose="020B0800000000000000" pitchFamily="34" charset="-128"/>
-              </a:rPr>
-              <a:t>PAINT.NET, HTML5, CSS, </a:t>
-            </a:r>
-            <a:r>
-              <a:rPr lang="id-ID" sz="2400" dirty="0" smtClean="0">
-                <a:solidFill>
-                  <a:schemeClr val="bg1"/>
-                </a:solidFill>
-                <a:latin typeface="Adobe Gothic Std B" panose="020B0800000000000000" pitchFamily="34" charset="-128"/>
-                <a:ea typeface="Adobe Gothic Std B" panose="020B0800000000000000" pitchFamily="34" charset="-128"/>
-              </a:rPr>
-              <a:t>JS,BOOTSTRAP, </a:t>
-            </a:r>
-            <a:r>
-              <a:rPr lang="id-ID" sz="2400" dirty="0" smtClean="0">
-                <a:solidFill>
-                  <a:schemeClr val="bg1"/>
-                </a:solidFill>
-                <a:latin typeface="Adobe Gothic Std B" panose="020B0800000000000000" pitchFamily="34" charset="-128"/>
-                <a:ea typeface="Adobe Gothic Std B" panose="020B0800000000000000" pitchFamily="34" charset="-128"/>
-              </a:rPr>
-              <a:t>STAR UML</a:t>
-            </a:r>
-            <a:endParaRPr lang="en-US" sz="2400" dirty="0" smtClean="0">
+              <a:t>Development Tools: </a:t>
+            </a:r>
+            <a:endParaRPr lang="id-ID" sz="2000" dirty="0" smtClean="0">
               <a:solidFill>
                 <a:schemeClr val="bg1"/>
               </a:solidFill>
@@ -17340,159 +17597,357 @@
               <a:buNone/>
             </a:pPr>
             <a:r>
-              <a:rPr lang="en-US" sz="2400" dirty="0" smtClean="0">
+              <a:rPr lang="en-US" sz="2000" dirty="0" smtClean="0">
+                <a:solidFill>
+                  <a:srgbClr val="F4C049"/>
+                </a:solidFill>
+                <a:latin typeface="Adobe Gothic Std B" panose="020B0800000000000000" pitchFamily="34" charset="-128"/>
+                <a:ea typeface="Adobe Gothic Std B" panose="020B0800000000000000" pitchFamily="34" charset="-128"/>
+              </a:rPr>
+              <a:t>Sublime Text &amp; Notepad++, </a:t>
+            </a:r>
+            <a:r>
+              <a:rPr lang="en-US" sz="2000" dirty="0" err="1" smtClean="0">
+                <a:solidFill>
+                  <a:srgbClr val="F4C049"/>
+                </a:solidFill>
+                <a:latin typeface="Adobe Gothic Std B" panose="020B0800000000000000" pitchFamily="34" charset="-128"/>
+                <a:ea typeface="Adobe Gothic Std B" panose="020B0800000000000000" pitchFamily="34" charset="-128"/>
+              </a:rPr>
+              <a:t>Xampp</a:t>
+            </a:r>
+            <a:endParaRPr lang="id-ID" sz="2000" dirty="0" smtClean="0">
+              <a:solidFill>
+                <a:srgbClr val="F4C049"/>
+              </a:solidFill>
+              <a:latin typeface="Adobe Gothic Std B" panose="020B0800000000000000" pitchFamily="34" charset="-128"/>
+              <a:ea typeface="Adobe Gothic Std B" panose="020B0800000000000000" pitchFamily="34" charset="-128"/>
+            </a:endParaRPr>
+          </a:p>
+        </p:txBody>
+      </p:sp>
+      <p:grpSp>
+        <p:nvGrpSpPr>
+          <p:cNvPr id="8" name="Group 7"/>
+          <p:cNvGrpSpPr/>
+          <p:nvPr/>
+        </p:nvGrpSpPr>
+        <p:grpSpPr>
+          <a:xfrm>
+            <a:off x="0" y="6239255"/>
+            <a:ext cx="12301227" cy="618745"/>
+            <a:chOff x="0" y="6239255"/>
+            <a:chExt cx="12301227" cy="618745"/>
+          </a:xfrm>
+        </p:grpSpPr>
+        <p:sp>
+          <p:nvSpPr>
+            <p:cNvPr id="9" name="Rectangle 8"/>
+            <p:cNvSpPr/>
+            <p:nvPr/>
+          </p:nvSpPr>
+          <p:spPr>
+            <a:xfrm>
+              <a:off x="0" y="6324600"/>
+              <a:ext cx="4927600" cy="533400"/>
+            </a:xfrm>
+            <a:prstGeom prst="rect">
+              <a:avLst/>
+            </a:prstGeom>
+            <a:solidFill>
+              <a:srgbClr val="194206"/>
+            </a:solidFill>
+            <a:ln>
+              <a:noFill/>
+            </a:ln>
+          </p:spPr>
+          <p:style>
+            <a:lnRef idx="2">
+              <a:schemeClr val="accent1">
+                <a:shade val="50000"/>
+              </a:schemeClr>
+            </a:lnRef>
+            <a:fillRef idx="1">
+              <a:schemeClr val="accent1"/>
+            </a:fillRef>
+            <a:effectRef idx="0">
+              <a:schemeClr val="accent1"/>
+            </a:effectRef>
+            <a:fontRef idx="minor">
+              <a:schemeClr val="lt1"/>
+            </a:fontRef>
+          </p:style>
+          <p:txBody>
+            <a:bodyPr rtlCol="0" anchor="ctr"/>
+            <a:lstStyle/>
+            <a:p>
+              <a:pPr algn="ctr"/>
+              <a:endParaRPr lang="id-ID"/>
+            </a:p>
+          </p:txBody>
+        </p:sp>
+        <p:pic>
+          <p:nvPicPr>
+            <p:cNvPr id="10" name="Picture 9"/>
+            <p:cNvPicPr>
+              <a:picLocks noChangeAspect="1"/>
+            </p:cNvPicPr>
+            <p:nvPr/>
+          </p:nvPicPr>
+          <p:blipFill>
+            <a:blip r:embed="rId2" cstate="print">
+              <a:extLst>
+                <a:ext uri="{28A0092B-C50C-407E-A947-70E740481C1C}">
+                  <a14:useLocalDpi xmlns:a14="http://schemas.microsoft.com/office/drawing/2010/main" val="0"/>
+                </a:ext>
+              </a:extLst>
+            </a:blip>
+            <a:stretch>
+              <a:fillRect/>
+            </a:stretch>
+          </p:blipFill>
+          <p:spPr>
+            <a:xfrm>
+              <a:off x="4742172" y="6239255"/>
+              <a:ext cx="7559055" cy="618745"/>
+            </a:xfrm>
+            <a:prstGeom prst="rect">
+              <a:avLst/>
+            </a:prstGeom>
+          </p:spPr>
+        </p:pic>
+      </p:grpSp>
+      <p:sp>
+        <p:nvSpPr>
+          <p:cNvPr id="4" name="TextBox 3"/>
+          <p:cNvSpPr txBox="1"/>
+          <p:nvPr/>
+        </p:nvSpPr>
+        <p:spPr>
+          <a:xfrm>
+            <a:off x="7267855" y="1856099"/>
+            <a:ext cx="2541080" cy="1323439"/>
+          </a:xfrm>
+          <a:prstGeom prst="rect">
+            <a:avLst/>
+          </a:prstGeom>
+          <a:noFill/>
+        </p:spPr>
+        <p:txBody>
+          <a:bodyPr wrap="none" rtlCol="0">
+            <a:spAutoFit/>
+          </a:bodyPr>
+          <a:lstStyle/>
+          <a:p>
+            <a:endParaRPr lang="en-US" sz="2000" dirty="0">
+              <a:solidFill>
+                <a:schemeClr val="bg1"/>
+              </a:solidFill>
+              <a:latin typeface="Adobe Gothic Std B" panose="020B0800000000000000" pitchFamily="34" charset="-128"/>
+              <a:ea typeface="Adobe Gothic Std B" panose="020B0800000000000000" pitchFamily="34" charset="-128"/>
+            </a:endParaRPr>
+          </a:p>
+          <a:p>
+            <a:r>
+              <a:rPr lang="en-US" sz="2000" dirty="0">
                 <a:solidFill>
                   <a:schemeClr val="bg1"/>
                 </a:solidFill>
                 <a:latin typeface="Adobe Gothic Std B" panose="020B0800000000000000" pitchFamily="34" charset="-128"/>
                 <a:ea typeface="Adobe Gothic Std B" panose="020B0800000000000000" pitchFamily="34" charset="-128"/>
               </a:rPr>
-              <a:t>DATABASE MANAGEMENT SYSTEM: MYSQL</a:t>
-            </a:r>
+              <a:t>Database Designer: </a:t>
+            </a:r>
+            <a:endParaRPr lang="id-ID" sz="2000" dirty="0">
+              <a:solidFill>
+                <a:schemeClr val="bg1"/>
+              </a:solidFill>
+              <a:latin typeface="Adobe Gothic Std B" panose="020B0800000000000000" pitchFamily="34" charset="-128"/>
+              <a:ea typeface="Adobe Gothic Std B" panose="020B0800000000000000" pitchFamily="34" charset="-128"/>
+            </a:endParaRPr>
+          </a:p>
+          <a:p>
+            <a:r>
+              <a:rPr lang="en-US" sz="2000" dirty="0" smtClean="0">
+                <a:solidFill>
+                  <a:srgbClr val="F4C049"/>
+                </a:solidFill>
+                <a:latin typeface="Adobe Gothic Std B" panose="020B0800000000000000" pitchFamily="34" charset="-128"/>
+                <a:ea typeface="Adobe Gothic Std B" panose="020B0800000000000000" pitchFamily="34" charset="-128"/>
+              </a:rPr>
+              <a:t>Power </a:t>
+            </a:r>
+            <a:r>
+              <a:rPr lang="en-US" sz="2000" dirty="0">
+                <a:solidFill>
+                  <a:srgbClr val="F4C049"/>
+                </a:solidFill>
+                <a:latin typeface="Adobe Gothic Std B" panose="020B0800000000000000" pitchFamily="34" charset="-128"/>
+                <a:ea typeface="Adobe Gothic Std B" panose="020B0800000000000000" pitchFamily="34" charset="-128"/>
+              </a:rPr>
+              <a:t>Designer</a:t>
+            </a:r>
+          </a:p>
+          <a:p>
+            <a:endParaRPr lang="id-ID" sz="2000" dirty="0"/>
           </a:p>
         </p:txBody>
       </p:sp>
       <p:sp>
         <p:nvSpPr>
-          <p:cNvPr id="5" name="Rectangle 4"/>
-          <p:cNvSpPr/>
+          <p:cNvPr id="11" name="TextBox 10"/>
+          <p:cNvSpPr txBox="1"/>
           <p:nvPr/>
         </p:nvSpPr>
         <p:spPr>
-          <a:xfrm rot="19149073">
-            <a:off x="8940800" y="5695721"/>
-            <a:ext cx="4281714" cy="377372"/>
+          <a:xfrm>
+            <a:off x="573211" y="4217159"/>
+            <a:ext cx="5399235" cy="1015663"/>
           </a:xfrm>
           <a:prstGeom prst="rect">
             <a:avLst/>
           </a:prstGeom>
-          <a:solidFill>
-            <a:schemeClr val="bg1"/>
-          </a:solidFill>
-          <a:ln>
-            <a:solidFill>
-              <a:schemeClr val="bg1"/>
-            </a:solidFill>
-          </a:ln>
+          <a:noFill/>
         </p:spPr>
-        <p:style>
-          <a:lnRef idx="2">
-            <a:schemeClr val="accent1">
-              <a:shade val="50000"/>
-            </a:schemeClr>
-          </a:lnRef>
-          <a:fillRef idx="1">
-            <a:schemeClr val="accent1"/>
-          </a:fillRef>
-          <a:effectRef idx="0">
-            <a:schemeClr val="accent1"/>
-          </a:effectRef>
-          <a:fontRef idx="minor">
-            <a:schemeClr val="lt1"/>
-          </a:fontRef>
-        </p:style>
         <p:txBody>
-          <a:bodyPr rtlCol="0" anchor="ctr"/>
+          <a:bodyPr wrap="none" rtlCol="0">
+            <a:spAutoFit/>
+          </a:bodyPr>
           <a:lstStyle/>
           <a:p>
-            <a:pPr algn="ctr"/>
-            <a:endParaRPr lang="en-US"/>
+            <a:r>
+              <a:rPr lang="en-US" sz="2000" dirty="0">
+                <a:solidFill>
+                  <a:schemeClr val="bg1"/>
+                </a:solidFill>
+                <a:latin typeface="Adobe Gothic Std B" panose="020B0800000000000000" pitchFamily="34" charset="-128"/>
+                <a:ea typeface="Adobe Gothic Std B" panose="020B0800000000000000" pitchFamily="34" charset="-128"/>
+              </a:rPr>
+              <a:t>User-interface Designer: </a:t>
+            </a:r>
+            <a:endParaRPr lang="id-ID" sz="2000" dirty="0">
+              <a:solidFill>
+                <a:schemeClr val="bg1"/>
+              </a:solidFill>
+              <a:latin typeface="Adobe Gothic Std B" panose="020B0800000000000000" pitchFamily="34" charset="-128"/>
+              <a:ea typeface="Adobe Gothic Std B" panose="020B0800000000000000" pitchFamily="34" charset="-128"/>
+            </a:endParaRPr>
+          </a:p>
+          <a:p>
+            <a:r>
+              <a:rPr lang="id-ID" sz="2000" dirty="0" smtClean="0">
+                <a:solidFill>
+                  <a:srgbClr val="F4C049"/>
+                </a:solidFill>
+                <a:latin typeface="Adobe Gothic Std B" panose="020B0800000000000000" pitchFamily="34" charset="-128"/>
+                <a:ea typeface="Adobe Gothic Std B" panose="020B0800000000000000" pitchFamily="34" charset="-128"/>
+              </a:rPr>
+              <a:t>Paint.Net</a:t>
+            </a:r>
+            <a:r>
+              <a:rPr lang="id-ID" sz="2000" dirty="0">
+                <a:solidFill>
+                  <a:srgbClr val="F4C049"/>
+                </a:solidFill>
+                <a:latin typeface="Adobe Gothic Std B" panose="020B0800000000000000" pitchFamily="34" charset="-128"/>
+                <a:ea typeface="Adobe Gothic Std B" panose="020B0800000000000000" pitchFamily="34" charset="-128"/>
+              </a:rPr>
+              <a:t>, Html5, Css, Js,bootstrap, Star Uml</a:t>
+            </a:r>
+            <a:endParaRPr lang="en-US" sz="2000" dirty="0">
+              <a:solidFill>
+                <a:srgbClr val="F4C049"/>
+              </a:solidFill>
+              <a:latin typeface="Adobe Gothic Std B" panose="020B0800000000000000" pitchFamily="34" charset="-128"/>
+              <a:ea typeface="Adobe Gothic Std B" panose="020B0800000000000000" pitchFamily="34" charset="-128"/>
+            </a:endParaRPr>
+          </a:p>
+          <a:p>
+            <a:endParaRPr lang="id-ID" sz="2000" dirty="0"/>
           </a:p>
         </p:txBody>
       </p:sp>
       <p:sp>
         <p:nvSpPr>
-          <p:cNvPr id="6" name="Rectangle 5"/>
-          <p:cNvSpPr/>
+          <p:cNvPr id="12" name="TextBox 11"/>
+          <p:cNvSpPr txBox="1"/>
           <p:nvPr/>
         </p:nvSpPr>
         <p:spPr>
-          <a:xfrm rot="19149073">
-            <a:off x="7874371" y="5147208"/>
-            <a:ext cx="5306549" cy="539811"/>
+          <a:xfrm>
+            <a:off x="7342498" y="4258102"/>
+            <a:ext cx="3985386" cy="1015663"/>
           </a:xfrm>
           <a:prstGeom prst="rect">
             <a:avLst/>
           </a:prstGeom>
-          <a:solidFill>
-            <a:schemeClr val="bg1"/>
-          </a:solidFill>
-          <a:ln>
-            <a:solidFill>
-              <a:schemeClr val="bg1"/>
-            </a:solidFill>
-          </a:ln>
+          <a:noFill/>
         </p:spPr>
-        <p:style>
-          <a:lnRef idx="2">
-            <a:schemeClr val="accent1">
-              <a:shade val="50000"/>
-            </a:schemeClr>
-          </a:lnRef>
-          <a:fillRef idx="1">
-            <a:schemeClr val="accent1"/>
-          </a:fillRef>
-          <a:effectRef idx="0">
-            <a:schemeClr val="accent1"/>
-          </a:effectRef>
-          <a:fontRef idx="minor">
-            <a:schemeClr val="lt1"/>
-          </a:fontRef>
-        </p:style>
         <p:txBody>
-          <a:bodyPr rtlCol="0" anchor="ctr"/>
+          <a:bodyPr wrap="none" rtlCol="0">
+            <a:spAutoFit/>
+          </a:bodyPr>
           <a:lstStyle/>
           <a:p>
-            <a:pPr algn="ctr"/>
-            <a:endParaRPr lang="en-US"/>
-          </a:p>
-        </p:txBody>
-      </p:sp>
-      <p:sp>
-        <p:nvSpPr>
-          <p:cNvPr id="7" name="Rectangle 6"/>
-          <p:cNvSpPr/>
-          <p:nvPr/>
-        </p:nvSpPr>
-        <p:spPr>
-          <a:xfrm rot="19149073">
-            <a:off x="9488307" y="6129070"/>
-            <a:ext cx="4092359" cy="255098"/>
-          </a:xfrm>
-          <a:prstGeom prst="rect">
-            <a:avLst/>
-          </a:prstGeom>
-          <a:solidFill>
-            <a:schemeClr val="bg1"/>
-          </a:solidFill>
-          <a:ln>
-            <a:solidFill>
-              <a:schemeClr val="bg1"/>
-            </a:solidFill>
-          </a:ln>
-        </p:spPr>
-        <p:style>
-          <a:lnRef idx="2">
-            <a:schemeClr val="accent1">
-              <a:shade val="50000"/>
-            </a:schemeClr>
-          </a:lnRef>
-          <a:fillRef idx="1">
-            <a:schemeClr val="accent1"/>
-          </a:fillRef>
-          <a:effectRef idx="0">
-            <a:schemeClr val="accent1"/>
-          </a:effectRef>
-          <a:fontRef idx="minor">
-            <a:schemeClr val="lt1"/>
-          </a:fontRef>
-        </p:style>
-        <p:txBody>
-          <a:bodyPr rtlCol="0" anchor="ctr"/>
-          <a:lstStyle/>
-          <a:p>
-            <a:pPr algn="ctr"/>
-            <a:endParaRPr lang="en-US"/>
+            <a:r>
+              <a:rPr lang="en-US" sz="2000" dirty="0">
+                <a:solidFill>
+                  <a:schemeClr val="bg1"/>
+                </a:solidFill>
+                <a:latin typeface="Adobe Gothic Std B" panose="020B0800000000000000" pitchFamily="34" charset="-128"/>
+                <a:ea typeface="Adobe Gothic Std B" panose="020B0800000000000000" pitchFamily="34" charset="-128"/>
+              </a:rPr>
+              <a:t>Database Management System: </a:t>
+            </a:r>
+            <a:endParaRPr lang="id-ID" sz="2000" dirty="0">
+              <a:solidFill>
+                <a:schemeClr val="bg1"/>
+              </a:solidFill>
+              <a:latin typeface="Adobe Gothic Std B" panose="020B0800000000000000" pitchFamily="34" charset="-128"/>
+              <a:ea typeface="Adobe Gothic Std B" panose="020B0800000000000000" pitchFamily="34" charset="-128"/>
+            </a:endParaRPr>
+          </a:p>
+          <a:p>
+            <a:r>
+              <a:rPr lang="en-US" sz="2000" dirty="0" smtClean="0">
+                <a:solidFill>
+                  <a:srgbClr val="F4C049"/>
+                </a:solidFill>
+                <a:latin typeface="Adobe Gothic Std B" panose="020B0800000000000000" pitchFamily="34" charset="-128"/>
+                <a:ea typeface="Adobe Gothic Std B" panose="020B0800000000000000" pitchFamily="34" charset="-128"/>
+              </a:rPr>
+              <a:t>My</a:t>
+            </a:r>
+            <a:r>
+              <a:rPr lang="id-ID" sz="2000" dirty="0" smtClean="0">
+                <a:solidFill>
+                  <a:srgbClr val="F4C049"/>
+                </a:solidFill>
+                <a:latin typeface="Adobe Gothic Std B" panose="020B0800000000000000" pitchFamily="34" charset="-128"/>
+                <a:ea typeface="Adobe Gothic Std B" panose="020B0800000000000000" pitchFamily="34" charset="-128"/>
+              </a:rPr>
+              <a:t>S</a:t>
+            </a:r>
+            <a:r>
+              <a:rPr lang="en-US" sz="2000" dirty="0" err="1" smtClean="0">
+                <a:solidFill>
+                  <a:srgbClr val="F4C049"/>
+                </a:solidFill>
+                <a:latin typeface="Adobe Gothic Std B" panose="020B0800000000000000" pitchFamily="34" charset="-128"/>
+                <a:ea typeface="Adobe Gothic Std B" panose="020B0800000000000000" pitchFamily="34" charset="-128"/>
+              </a:rPr>
+              <a:t>ql</a:t>
+            </a:r>
+            <a:endParaRPr lang="en-US" sz="2000" dirty="0">
+              <a:solidFill>
+                <a:srgbClr val="F4C049"/>
+              </a:solidFill>
+              <a:latin typeface="Adobe Gothic Std B" panose="020B0800000000000000" pitchFamily="34" charset="-128"/>
+              <a:ea typeface="Adobe Gothic Std B" panose="020B0800000000000000" pitchFamily="34" charset="-128"/>
+            </a:endParaRPr>
+          </a:p>
+          <a:p>
+            <a:endParaRPr lang="id-ID" sz="2000" dirty="0"/>
           </a:p>
         </p:txBody>
       </p:sp>
@@ -17506,6 +17961,9 @@
   <p:clrMapOvr>
     <a:masterClrMapping/>
   </p:clrMapOvr>
+  <p:transition spd="slow">
+    <p:push dir="u"/>
+  </p:transition>
   <p:timing>
     <p:tnLst>
       <p:par>
@@ -17516,17 +17974,9 @@
 </p:sld>
 </file>
 
-<file path=ppt/slides/slide9.xml><?xml version="1.0" encoding="utf-8"?>
+<file path=ppt/slides/slide7.xml><?xml version="1.0" encoding="utf-8"?>
 <p:sld xmlns:a="http://schemas.openxmlformats.org/drawingml/2006/main" xmlns:r="http://schemas.openxmlformats.org/officeDocument/2006/relationships" xmlns:p="http://schemas.openxmlformats.org/presentationml/2006/main">
   <p:cSld>
-    <p:bg>
-      <p:bgPr>
-        <a:solidFill>
-          <a:srgbClr val="A2869F"/>
-        </a:solidFill>
-        <a:effectLst/>
-      </p:bgPr>
-    </p:bg>
     <p:spTree>
       <p:nvGrpSpPr>
         <p:cNvPr id="1" name=""/>
@@ -17543,49 +17993,787 @@
       </p:grpSpPr>
       <p:sp>
         <p:nvSpPr>
-          <p:cNvPr id="3" name="Rectangle 2"/>
-          <p:cNvSpPr/>
-          <p:nvPr/>
+          <p:cNvPr id="2" name="Title 1"/>
+          <p:cNvSpPr>
+            <a:spLocks noGrp="1"/>
+          </p:cNvSpPr>
+          <p:nvPr>
+            <p:ph type="title"/>
+          </p:nvPr>
         </p:nvSpPr>
         <p:spPr>
           <a:xfrm>
-            <a:off x="3595889" y="174561"/>
-            <a:ext cx="4557512" cy="769441"/>
+            <a:off x="0" y="218367"/>
+            <a:ext cx="12192000" cy="1325563"/>
+          </a:xfrm>
+        </p:spPr>
+        <p:txBody>
+          <a:bodyPr/>
+          <a:lstStyle/>
+          <a:p>
+            <a:pPr algn="ctr"/>
+            <a:r>
+              <a:rPr lang="en-US" dirty="0" smtClean="0">
+                <a:solidFill>
+                  <a:schemeClr val="bg1"/>
+                </a:solidFill>
+                <a:latin typeface="Berlin Sans FB Demi" panose="020E0802020502020306" pitchFamily="34" charset="0"/>
+                <a:ea typeface="Adobe Gothic Std B" panose="020B0800000000000000" pitchFamily="34" charset="-128"/>
+              </a:rPr>
+              <a:t>USER-INTERFACE</a:t>
+            </a:r>
+            <a:r>
+              <a:rPr lang="id-ID" dirty="0" smtClean="0">
+                <a:solidFill>
+                  <a:schemeClr val="bg1"/>
+                </a:solidFill>
+                <a:latin typeface="Berlin Sans FB Demi" panose="020E0802020502020306" pitchFamily="34" charset="0"/>
+                <a:ea typeface="Adobe Gothic Std B" panose="020B0800000000000000" pitchFamily="34" charset="-128"/>
+              </a:rPr>
+              <a:t> (</a:t>
+            </a:r>
+            <a:r>
+              <a:rPr lang="id-ID" dirty="0" smtClean="0">
+                <a:solidFill>
+                  <a:srgbClr val="F4C049"/>
+                </a:solidFill>
+                <a:latin typeface="Berlin Sans FB Demi" panose="020E0802020502020306" pitchFamily="34" charset="0"/>
+                <a:ea typeface="Adobe Gothic Std B" panose="020B0800000000000000" pitchFamily="34" charset="-128"/>
+              </a:rPr>
+              <a:t>GUEST</a:t>
+            </a:r>
+            <a:r>
+              <a:rPr lang="id-ID" dirty="0" smtClean="0">
+                <a:solidFill>
+                  <a:schemeClr val="bg1"/>
+                </a:solidFill>
+                <a:latin typeface="Berlin Sans FB Demi" panose="020E0802020502020306" pitchFamily="34" charset="0"/>
+                <a:ea typeface="Adobe Gothic Std B" panose="020B0800000000000000" pitchFamily="34" charset="-128"/>
+              </a:rPr>
+              <a:t>)</a:t>
+            </a:r>
+            <a:r>
+              <a:rPr lang="en-US" dirty="0" smtClean="0">
+                <a:solidFill>
+                  <a:schemeClr val="bg1"/>
+                </a:solidFill>
+                <a:latin typeface="Berlin Sans FB Demi" panose="020E0802020502020306" pitchFamily="34" charset="0"/>
+                <a:ea typeface="Adobe Gothic Std B" panose="020B0800000000000000" pitchFamily="34" charset="-128"/>
+              </a:rPr>
+              <a:t> DESIGN</a:t>
+            </a:r>
+            <a:r>
+              <a:rPr lang="id-ID" dirty="0" smtClean="0">
+                <a:solidFill>
+                  <a:schemeClr val="bg1"/>
+                </a:solidFill>
+                <a:latin typeface="Berlin Sans FB Demi" panose="020E0802020502020306" pitchFamily="34" charset="0"/>
+                <a:ea typeface="Adobe Gothic Std B" panose="020B0800000000000000" pitchFamily="34" charset="-128"/>
+              </a:rPr>
+              <a:t> </a:t>
+            </a:r>
+            <a:endParaRPr lang="en-US" dirty="0">
+              <a:solidFill>
+                <a:schemeClr val="bg1"/>
+              </a:solidFill>
+              <a:latin typeface="Berlin Sans FB Demi" panose="020E0802020502020306" pitchFamily="34" charset="0"/>
+              <a:ea typeface="Adobe Gothic Std B" panose="020B0800000000000000" pitchFamily="34" charset="-128"/>
+            </a:endParaRPr>
+          </a:p>
+        </p:txBody>
+      </p:sp>
+      <p:pic>
+        <p:nvPicPr>
+          <p:cNvPr id="3" name="Picture 2"/>
+          <p:cNvPicPr>
+            <a:picLocks noChangeAspect="1"/>
+          </p:cNvPicPr>
+          <p:nvPr/>
+        </p:nvPicPr>
+        <p:blipFill>
+          <a:blip r:embed="rId2"/>
+          <a:stretch>
+            <a:fillRect/>
+          </a:stretch>
+        </p:blipFill>
+        <p:spPr>
+          <a:xfrm>
+            <a:off x="226434" y="1538050"/>
+            <a:ext cx="6132703" cy="2842881"/>
           </a:xfrm>
           <a:prstGeom prst="rect">
             <a:avLst/>
           </a:prstGeom>
         </p:spPr>
-        <p:txBody>
-          <a:bodyPr wrap="square">
-            <a:spAutoFit/>
-          </a:bodyPr>
-          <a:lstStyle/>
-          <a:p>
-            <a:r>
-              <a:rPr lang="en-US" sz="4400" dirty="0">
-                <a:solidFill>
-                  <a:schemeClr val="bg1"/>
-                </a:solidFill>
-                <a:latin typeface="Adobe Gothic Std B" panose="020B0800000000000000" pitchFamily="34" charset="-128"/>
-                <a:ea typeface="Adobe Gothic Std B" panose="020B0800000000000000" pitchFamily="34" charset="-128"/>
-              </a:rPr>
-              <a:t>APPS SITE MAP</a:t>
-            </a:r>
-            <a:endParaRPr lang="id-ID" sz="4400" dirty="0"/>
-          </a:p>
-        </p:txBody>
-      </p:sp>
+      </p:pic>
+      <p:pic>
+        <p:nvPicPr>
+          <p:cNvPr id="13" name="Picture 12"/>
+          <p:cNvPicPr>
+            <a:picLocks noChangeAspect="1"/>
+          </p:cNvPicPr>
+          <p:nvPr/>
+        </p:nvPicPr>
+        <p:blipFill>
+          <a:blip r:embed="rId3"/>
+          <a:stretch>
+            <a:fillRect/>
+          </a:stretch>
+        </p:blipFill>
+        <p:spPr>
+          <a:xfrm>
+            <a:off x="5658242" y="3029804"/>
+            <a:ext cx="6375143" cy="2986692"/>
+          </a:xfrm>
+          <a:prstGeom prst="rect">
+            <a:avLst/>
+          </a:prstGeom>
+        </p:spPr>
+      </p:pic>
+      <p:grpSp>
+        <p:nvGrpSpPr>
+          <p:cNvPr id="7" name="Group 6"/>
+          <p:cNvGrpSpPr/>
+          <p:nvPr/>
+        </p:nvGrpSpPr>
+        <p:grpSpPr>
+          <a:xfrm>
+            <a:off x="0" y="6239255"/>
+            <a:ext cx="12301227" cy="618745"/>
+            <a:chOff x="0" y="6239255"/>
+            <a:chExt cx="12301227" cy="618745"/>
+          </a:xfrm>
+        </p:grpSpPr>
+        <p:sp>
+          <p:nvSpPr>
+            <p:cNvPr id="8" name="Rectangle 7"/>
+            <p:cNvSpPr/>
+            <p:nvPr/>
+          </p:nvSpPr>
+          <p:spPr>
+            <a:xfrm>
+              <a:off x="0" y="6324600"/>
+              <a:ext cx="4927600" cy="533400"/>
+            </a:xfrm>
+            <a:prstGeom prst="rect">
+              <a:avLst/>
+            </a:prstGeom>
+            <a:solidFill>
+              <a:srgbClr val="194206"/>
+            </a:solidFill>
+            <a:ln>
+              <a:noFill/>
+            </a:ln>
+          </p:spPr>
+          <p:style>
+            <a:lnRef idx="2">
+              <a:schemeClr val="accent1">
+                <a:shade val="50000"/>
+              </a:schemeClr>
+            </a:lnRef>
+            <a:fillRef idx="1">
+              <a:schemeClr val="accent1"/>
+            </a:fillRef>
+            <a:effectRef idx="0">
+              <a:schemeClr val="accent1"/>
+            </a:effectRef>
+            <a:fontRef idx="minor">
+              <a:schemeClr val="lt1"/>
+            </a:fontRef>
+          </p:style>
+          <p:txBody>
+            <a:bodyPr rtlCol="0" anchor="ctr"/>
+            <a:lstStyle/>
+            <a:p>
+              <a:pPr algn="ctr"/>
+              <a:endParaRPr lang="id-ID"/>
+            </a:p>
+          </p:txBody>
+        </p:sp>
+        <p:pic>
+          <p:nvPicPr>
+            <p:cNvPr id="9" name="Picture 8"/>
+            <p:cNvPicPr>
+              <a:picLocks noChangeAspect="1"/>
+            </p:cNvPicPr>
+            <p:nvPr/>
+          </p:nvPicPr>
+          <p:blipFill>
+            <a:blip r:embed="rId4" cstate="print">
+              <a:extLst>
+                <a:ext uri="{28A0092B-C50C-407E-A947-70E740481C1C}">
+                  <a14:useLocalDpi xmlns:a14="http://schemas.microsoft.com/office/drawing/2010/main" val="0"/>
+                </a:ext>
+              </a:extLst>
+            </a:blip>
+            <a:stretch>
+              <a:fillRect/>
+            </a:stretch>
+          </p:blipFill>
+          <p:spPr>
+            <a:xfrm>
+              <a:off x="4742172" y="6239255"/>
+              <a:ext cx="7559055" cy="618745"/>
+            </a:xfrm>
+            <a:prstGeom prst="rect">
+              <a:avLst/>
+            </a:prstGeom>
+          </p:spPr>
+        </p:pic>
+      </p:grpSp>
     </p:spTree>
     <p:extLst>
       <p:ext uri="{BB962C8B-B14F-4D97-AF65-F5344CB8AC3E}">
-        <p14:creationId xmlns:p14="http://schemas.microsoft.com/office/powerpoint/2010/main" val="1547963382"/>
+        <p14:creationId xmlns:p14="http://schemas.microsoft.com/office/powerpoint/2010/main" val="2673142038"/>
       </p:ext>
     </p:extLst>
   </p:cSld>
   <p:clrMapOvr>
     <a:masterClrMapping/>
   </p:clrMapOvr>
+  <p:transition spd="slow">
+    <p:push dir="u"/>
+  </p:transition>
+  <p:timing>
+    <p:tnLst>
+      <p:par>
+        <p:cTn id="1" dur="indefinite" restart="never" nodeType="tmRoot"/>
+      </p:par>
+    </p:tnLst>
+  </p:timing>
+</p:sld>
+</file>
+
+<file path=ppt/slides/slide8.xml><?xml version="1.0" encoding="utf-8"?>
+<p:sld xmlns:a="http://schemas.openxmlformats.org/drawingml/2006/main" xmlns:r="http://schemas.openxmlformats.org/officeDocument/2006/relationships" xmlns:p="http://schemas.openxmlformats.org/presentationml/2006/main">
+  <p:cSld>
+    <p:spTree>
+      <p:nvGrpSpPr>
+        <p:cNvPr id="1" name=""/>
+        <p:cNvGrpSpPr/>
+        <p:nvPr/>
+      </p:nvGrpSpPr>
+      <p:grpSpPr>
+        <a:xfrm>
+          <a:off x="0" y="0"/>
+          <a:ext cx="0" cy="0"/>
+          <a:chOff x="0" y="0"/>
+          <a:chExt cx="0" cy="0"/>
+        </a:xfrm>
+      </p:grpSpPr>
+      <p:sp>
+        <p:nvSpPr>
+          <p:cNvPr id="2" name="Title 1"/>
+          <p:cNvSpPr>
+            <a:spLocks noGrp="1"/>
+          </p:cNvSpPr>
+          <p:nvPr>
+            <p:ph type="title"/>
+          </p:nvPr>
+        </p:nvSpPr>
+        <p:spPr>
+          <a:xfrm>
+            <a:off x="0" y="218367"/>
+            <a:ext cx="12192000" cy="1325563"/>
+          </a:xfrm>
+        </p:spPr>
+        <p:txBody>
+          <a:bodyPr/>
+          <a:lstStyle/>
+          <a:p>
+            <a:pPr algn="ctr"/>
+            <a:r>
+              <a:rPr lang="en-US" dirty="0" smtClean="0">
+                <a:solidFill>
+                  <a:schemeClr val="bg1"/>
+                </a:solidFill>
+                <a:latin typeface="Berlin Sans FB Demi" panose="020E0802020502020306" pitchFamily="34" charset="0"/>
+                <a:ea typeface="Adobe Gothic Std B" panose="020B0800000000000000" pitchFamily="34" charset="-128"/>
+              </a:rPr>
+              <a:t>USER-INTERFACE</a:t>
+            </a:r>
+            <a:r>
+              <a:rPr lang="id-ID" dirty="0" smtClean="0">
+                <a:solidFill>
+                  <a:schemeClr val="bg1"/>
+                </a:solidFill>
+                <a:latin typeface="Berlin Sans FB Demi" panose="020E0802020502020306" pitchFamily="34" charset="0"/>
+                <a:ea typeface="Adobe Gothic Std B" panose="020B0800000000000000" pitchFamily="34" charset="-128"/>
+              </a:rPr>
+              <a:t> (</a:t>
+            </a:r>
+            <a:r>
+              <a:rPr lang="id-ID" dirty="0" smtClean="0">
+                <a:solidFill>
+                  <a:srgbClr val="F4C049"/>
+                </a:solidFill>
+                <a:latin typeface="Berlin Sans FB Demi" panose="020E0802020502020306" pitchFamily="34" charset="0"/>
+                <a:ea typeface="Adobe Gothic Std B" panose="020B0800000000000000" pitchFamily="34" charset="-128"/>
+              </a:rPr>
+              <a:t>GUEST</a:t>
+            </a:r>
+            <a:r>
+              <a:rPr lang="id-ID" dirty="0" smtClean="0">
+                <a:solidFill>
+                  <a:schemeClr val="bg1"/>
+                </a:solidFill>
+                <a:latin typeface="Berlin Sans FB Demi" panose="020E0802020502020306" pitchFamily="34" charset="0"/>
+                <a:ea typeface="Adobe Gothic Std B" panose="020B0800000000000000" pitchFamily="34" charset="-128"/>
+              </a:rPr>
+              <a:t>)</a:t>
+            </a:r>
+            <a:r>
+              <a:rPr lang="en-US" dirty="0" smtClean="0">
+                <a:solidFill>
+                  <a:schemeClr val="bg1"/>
+                </a:solidFill>
+                <a:latin typeface="Berlin Sans FB Demi" panose="020E0802020502020306" pitchFamily="34" charset="0"/>
+                <a:ea typeface="Adobe Gothic Std B" panose="020B0800000000000000" pitchFamily="34" charset="-128"/>
+              </a:rPr>
+              <a:t> DESIGN</a:t>
+            </a:r>
+            <a:r>
+              <a:rPr lang="id-ID" dirty="0" smtClean="0">
+                <a:solidFill>
+                  <a:schemeClr val="bg1"/>
+                </a:solidFill>
+                <a:latin typeface="Berlin Sans FB Demi" panose="020E0802020502020306" pitchFamily="34" charset="0"/>
+                <a:ea typeface="Adobe Gothic Std B" panose="020B0800000000000000" pitchFamily="34" charset="-128"/>
+              </a:rPr>
+              <a:t> </a:t>
+            </a:r>
+            <a:endParaRPr lang="en-US" dirty="0">
+              <a:solidFill>
+                <a:schemeClr val="bg1"/>
+              </a:solidFill>
+              <a:latin typeface="Berlin Sans FB Demi" panose="020E0802020502020306" pitchFamily="34" charset="0"/>
+              <a:ea typeface="Adobe Gothic Std B" panose="020B0800000000000000" pitchFamily="34" charset="-128"/>
+            </a:endParaRPr>
+          </a:p>
+        </p:txBody>
+      </p:sp>
+      <p:grpSp>
+        <p:nvGrpSpPr>
+          <p:cNvPr id="7" name="Group 6"/>
+          <p:cNvGrpSpPr/>
+          <p:nvPr/>
+        </p:nvGrpSpPr>
+        <p:grpSpPr>
+          <a:xfrm>
+            <a:off x="0" y="6239255"/>
+            <a:ext cx="12301227" cy="618745"/>
+            <a:chOff x="0" y="6239255"/>
+            <a:chExt cx="12301227" cy="618745"/>
+          </a:xfrm>
+        </p:grpSpPr>
+        <p:sp>
+          <p:nvSpPr>
+            <p:cNvPr id="8" name="Rectangle 7"/>
+            <p:cNvSpPr/>
+            <p:nvPr/>
+          </p:nvSpPr>
+          <p:spPr>
+            <a:xfrm>
+              <a:off x="0" y="6324600"/>
+              <a:ext cx="4927600" cy="533400"/>
+            </a:xfrm>
+            <a:prstGeom prst="rect">
+              <a:avLst/>
+            </a:prstGeom>
+            <a:solidFill>
+              <a:srgbClr val="194206"/>
+            </a:solidFill>
+            <a:ln>
+              <a:noFill/>
+            </a:ln>
+          </p:spPr>
+          <p:style>
+            <a:lnRef idx="2">
+              <a:schemeClr val="accent1">
+                <a:shade val="50000"/>
+              </a:schemeClr>
+            </a:lnRef>
+            <a:fillRef idx="1">
+              <a:schemeClr val="accent1"/>
+            </a:fillRef>
+            <a:effectRef idx="0">
+              <a:schemeClr val="accent1"/>
+            </a:effectRef>
+            <a:fontRef idx="minor">
+              <a:schemeClr val="lt1"/>
+            </a:fontRef>
+          </p:style>
+          <p:txBody>
+            <a:bodyPr rtlCol="0" anchor="ctr"/>
+            <a:lstStyle/>
+            <a:p>
+              <a:pPr algn="ctr"/>
+              <a:endParaRPr lang="id-ID"/>
+            </a:p>
+          </p:txBody>
+        </p:sp>
+        <p:pic>
+          <p:nvPicPr>
+            <p:cNvPr id="9" name="Picture 8"/>
+            <p:cNvPicPr>
+              <a:picLocks noChangeAspect="1"/>
+            </p:cNvPicPr>
+            <p:nvPr/>
+          </p:nvPicPr>
+          <p:blipFill>
+            <a:blip r:embed="rId2" cstate="print">
+              <a:extLst>
+                <a:ext uri="{28A0092B-C50C-407E-A947-70E740481C1C}">
+                  <a14:useLocalDpi xmlns:a14="http://schemas.microsoft.com/office/drawing/2010/main" val="0"/>
+                </a:ext>
+              </a:extLst>
+            </a:blip>
+            <a:stretch>
+              <a:fillRect/>
+            </a:stretch>
+          </p:blipFill>
+          <p:spPr>
+            <a:xfrm>
+              <a:off x="4742172" y="6239255"/>
+              <a:ext cx="7559055" cy="618745"/>
+            </a:xfrm>
+            <a:prstGeom prst="rect">
+              <a:avLst/>
+            </a:prstGeom>
+          </p:spPr>
+        </p:pic>
+      </p:grpSp>
+      <p:pic>
+        <p:nvPicPr>
+          <p:cNvPr id="4" name="Picture 3"/>
+          <p:cNvPicPr>
+            <a:picLocks noChangeAspect="1"/>
+          </p:cNvPicPr>
+          <p:nvPr/>
+        </p:nvPicPr>
+        <p:blipFill>
+          <a:blip r:embed="rId3"/>
+          <a:stretch>
+            <a:fillRect/>
+          </a:stretch>
+        </p:blipFill>
+        <p:spPr>
+          <a:xfrm>
+            <a:off x="4846884" y="1365344"/>
+            <a:ext cx="7040316" cy="3315837"/>
+          </a:xfrm>
+          <a:prstGeom prst="rect">
+            <a:avLst/>
+          </a:prstGeom>
+        </p:spPr>
+      </p:pic>
+      <p:pic>
+        <p:nvPicPr>
+          <p:cNvPr id="5" name="Picture 4"/>
+          <p:cNvPicPr>
+            <a:picLocks noChangeAspect="1"/>
+          </p:cNvPicPr>
+          <p:nvPr/>
+        </p:nvPicPr>
+        <p:blipFill>
+          <a:blip r:embed="rId4"/>
+          <a:stretch>
+            <a:fillRect/>
+          </a:stretch>
+        </p:blipFill>
+        <p:spPr>
+          <a:xfrm>
+            <a:off x="388607" y="3324665"/>
+            <a:ext cx="6298796" cy="2661463"/>
+          </a:xfrm>
+          <a:prstGeom prst="rect">
+            <a:avLst/>
+          </a:prstGeom>
+        </p:spPr>
+      </p:pic>
+    </p:spTree>
+    <p:extLst>
+      <p:ext uri="{BB962C8B-B14F-4D97-AF65-F5344CB8AC3E}">
+        <p14:creationId xmlns:p14="http://schemas.microsoft.com/office/powerpoint/2010/main" val="1765063465"/>
+      </p:ext>
+    </p:extLst>
+  </p:cSld>
+  <p:clrMapOvr>
+    <a:masterClrMapping/>
+  </p:clrMapOvr>
+  <p:transition spd="slow">
+    <p:push dir="u"/>
+  </p:transition>
+  <p:timing>
+    <p:tnLst>
+      <p:par>
+        <p:cTn id="1" dur="indefinite" restart="never" nodeType="tmRoot"/>
+      </p:par>
+    </p:tnLst>
+  </p:timing>
+</p:sld>
+</file>
+
+<file path=ppt/slides/slide9.xml><?xml version="1.0" encoding="utf-8"?>
+<p:sld xmlns:a="http://schemas.openxmlformats.org/drawingml/2006/main" xmlns:r="http://schemas.openxmlformats.org/officeDocument/2006/relationships" xmlns:p="http://schemas.openxmlformats.org/presentationml/2006/main">
+  <p:cSld>
+    <p:spTree>
+      <p:nvGrpSpPr>
+        <p:cNvPr id="1" name=""/>
+        <p:cNvGrpSpPr/>
+        <p:nvPr/>
+      </p:nvGrpSpPr>
+      <p:grpSpPr>
+        <a:xfrm>
+          <a:off x="0" y="0"/>
+          <a:ext cx="0" cy="0"/>
+          <a:chOff x="0" y="0"/>
+          <a:chExt cx="0" cy="0"/>
+        </a:xfrm>
+      </p:grpSpPr>
+      <p:pic>
+        <p:nvPicPr>
+          <p:cNvPr id="6" name="Picture 5"/>
+          <p:cNvPicPr>
+            <a:picLocks noChangeAspect="1"/>
+          </p:cNvPicPr>
+          <p:nvPr/>
+        </p:nvPicPr>
+        <p:blipFill>
+          <a:blip r:embed="rId2"/>
+          <a:stretch>
+            <a:fillRect/>
+          </a:stretch>
+        </p:blipFill>
+        <p:spPr>
+          <a:xfrm>
+            <a:off x="247092" y="1651378"/>
+            <a:ext cx="5848908" cy="3006629"/>
+          </a:xfrm>
+          <a:prstGeom prst="rect">
+            <a:avLst/>
+          </a:prstGeom>
+        </p:spPr>
+      </p:pic>
+      <p:sp>
+        <p:nvSpPr>
+          <p:cNvPr id="2" name="Title 1"/>
+          <p:cNvSpPr>
+            <a:spLocks noGrp="1"/>
+          </p:cNvSpPr>
+          <p:nvPr>
+            <p:ph type="title"/>
+          </p:nvPr>
+        </p:nvSpPr>
+        <p:spPr>
+          <a:xfrm>
+            <a:off x="0" y="218367"/>
+            <a:ext cx="12192000" cy="1325563"/>
+          </a:xfrm>
+        </p:spPr>
+        <p:txBody>
+          <a:bodyPr/>
+          <a:lstStyle/>
+          <a:p>
+            <a:pPr algn="ctr"/>
+            <a:r>
+              <a:rPr lang="en-US" dirty="0" smtClean="0">
+                <a:solidFill>
+                  <a:schemeClr val="bg1"/>
+                </a:solidFill>
+                <a:latin typeface="Berlin Sans FB Demi" panose="020E0802020502020306" pitchFamily="34" charset="0"/>
+                <a:ea typeface="Adobe Gothic Std B" panose="020B0800000000000000" pitchFamily="34" charset="-128"/>
+              </a:rPr>
+              <a:t>USER-INTERFACE</a:t>
+            </a:r>
+            <a:r>
+              <a:rPr lang="id-ID" dirty="0" smtClean="0">
+                <a:solidFill>
+                  <a:schemeClr val="bg1"/>
+                </a:solidFill>
+                <a:latin typeface="Berlin Sans FB Demi" panose="020E0802020502020306" pitchFamily="34" charset="0"/>
+                <a:ea typeface="Adobe Gothic Std B" panose="020B0800000000000000" pitchFamily="34" charset="-128"/>
+              </a:rPr>
+              <a:t> (</a:t>
+            </a:r>
+            <a:r>
+              <a:rPr lang="id-ID" dirty="0" smtClean="0">
+                <a:solidFill>
+                  <a:srgbClr val="F4C049"/>
+                </a:solidFill>
+                <a:latin typeface="Berlin Sans FB Demi" panose="020E0802020502020306" pitchFamily="34" charset="0"/>
+                <a:ea typeface="Adobe Gothic Std B" panose="020B0800000000000000" pitchFamily="34" charset="-128"/>
+              </a:rPr>
+              <a:t>GUEST</a:t>
+            </a:r>
+            <a:r>
+              <a:rPr lang="id-ID" dirty="0" smtClean="0">
+                <a:solidFill>
+                  <a:schemeClr val="bg1"/>
+                </a:solidFill>
+                <a:latin typeface="Berlin Sans FB Demi" panose="020E0802020502020306" pitchFamily="34" charset="0"/>
+                <a:ea typeface="Adobe Gothic Std B" panose="020B0800000000000000" pitchFamily="34" charset="-128"/>
+              </a:rPr>
+              <a:t>)</a:t>
+            </a:r>
+            <a:r>
+              <a:rPr lang="en-US" dirty="0" smtClean="0">
+                <a:solidFill>
+                  <a:schemeClr val="bg1"/>
+                </a:solidFill>
+                <a:latin typeface="Berlin Sans FB Demi" panose="020E0802020502020306" pitchFamily="34" charset="0"/>
+                <a:ea typeface="Adobe Gothic Std B" panose="020B0800000000000000" pitchFamily="34" charset="-128"/>
+              </a:rPr>
+              <a:t> DESIGN</a:t>
+            </a:r>
+            <a:r>
+              <a:rPr lang="id-ID" dirty="0" smtClean="0">
+                <a:solidFill>
+                  <a:schemeClr val="bg1"/>
+                </a:solidFill>
+                <a:latin typeface="Berlin Sans FB Demi" panose="020E0802020502020306" pitchFamily="34" charset="0"/>
+                <a:ea typeface="Adobe Gothic Std B" panose="020B0800000000000000" pitchFamily="34" charset="-128"/>
+              </a:rPr>
+              <a:t> </a:t>
+            </a:r>
+            <a:endParaRPr lang="en-US" dirty="0">
+              <a:solidFill>
+                <a:schemeClr val="bg1"/>
+              </a:solidFill>
+              <a:latin typeface="Berlin Sans FB Demi" panose="020E0802020502020306" pitchFamily="34" charset="0"/>
+              <a:ea typeface="Adobe Gothic Std B" panose="020B0800000000000000" pitchFamily="34" charset="-128"/>
+            </a:endParaRPr>
+          </a:p>
+        </p:txBody>
+      </p:sp>
+      <p:grpSp>
+        <p:nvGrpSpPr>
+          <p:cNvPr id="7" name="Group 6"/>
+          <p:cNvGrpSpPr/>
+          <p:nvPr/>
+        </p:nvGrpSpPr>
+        <p:grpSpPr>
+          <a:xfrm>
+            <a:off x="0" y="6239255"/>
+            <a:ext cx="12301227" cy="618745"/>
+            <a:chOff x="0" y="6239255"/>
+            <a:chExt cx="12301227" cy="618745"/>
+          </a:xfrm>
+        </p:grpSpPr>
+        <p:sp>
+          <p:nvSpPr>
+            <p:cNvPr id="8" name="Rectangle 7"/>
+            <p:cNvSpPr/>
+            <p:nvPr/>
+          </p:nvSpPr>
+          <p:spPr>
+            <a:xfrm>
+              <a:off x="0" y="6324600"/>
+              <a:ext cx="4927600" cy="533400"/>
+            </a:xfrm>
+            <a:prstGeom prst="rect">
+              <a:avLst/>
+            </a:prstGeom>
+            <a:solidFill>
+              <a:srgbClr val="194206"/>
+            </a:solidFill>
+            <a:ln>
+              <a:noFill/>
+            </a:ln>
+          </p:spPr>
+          <p:style>
+            <a:lnRef idx="2">
+              <a:schemeClr val="accent1">
+                <a:shade val="50000"/>
+              </a:schemeClr>
+            </a:lnRef>
+            <a:fillRef idx="1">
+              <a:schemeClr val="accent1"/>
+            </a:fillRef>
+            <a:effectRef idx="0">
+              <a:schemeClr val="accent1"/>
+            </a:effectRef>
+            <a:fontRef idx="minor">
+              <a:schemeClr val="lt1"/>
+            </a:fontRef>
+          </p:style>
+          <p:txBody>
+            <a:bodyPr rtlCol="0" anchor="ctr"/>
+            <a:lstStyle/>
+            <a:p>
+              <a:pPr algn="ctr"/>
+              <a:endParaRPr lang="id-ID"/>
+            </a:p>
+          </p:txBody>
+        </p:sp>
+        <p:pic>
+          <p:nvPicPr>
+            <p:cNvPr id="9" name="Picture 8"/>
+            <p:cNvPicPr>
+              <a:picLocks noChangeAspect="1"/>
+            </p:cNvPicPr>
+            <p:nvPr/>
+          </p:nvPicPr>
+          <p:blipFill>
+            <a:blip r:embed="rId3" cstate="print">
+              <a:extLst>
+                <a:ext uri="{28A0092B-C50C-407E-A947-70E740481C1C}">
+                  <a14:useLocalDpi xmlns:a14="http://schemas.microsoft.com/office/drawing/2010/main" val="0"/>
+                </a:ext>
+              </a:extLst>
+            </a:blip>
+            <a:stretch>
+              <a:fillRect/>
+            </a:stretch>
+          </p:blipFill>
+          <p:spPr>
+            <a:xfrm>
+              <a:off x="4742172" y="6239255"/>
+              <a:ext cx="7559055" cy="618745"/>
+            </a:xfrm>
+            <a:prstGeom prst="rect">
+              <a:avLst/>
+            </a:prstGeom>
+          </p:spPr>
+        </p:pic>
+      </p:grpSp>
+      <p:pic>
+        <p:nvPicPr>
+          <p:cNvPr id="3" name="Picture 2"/>
+          <p:cNvPicPr>
+            <a:picLocks noChangeAspect="1"/>
+          </p:cNvPicPr>
+          <p:nvPr/>
+        </p:nvPicPr>
+        <p:blipFill>
+          <a:blip r:embed="rId4"/>
+          <a:stretch>
+            <a:fillRect/>
+          </a:stretch>
+        </p:blipFill>
+        <p:spPr>
+          <a:xfrm>
+            <a:off x="5460811" y="3429000"/>
+            <a:ext cx="6465797" cy="2569191"/>
+          </a:xfrm>
+          <a:prstGeom prst="rect">
+            <a:avLst/>
+          </a:prstGeom>
+        </p:spPr>
+      </p:pic>
+    </p:spTree>
+    <p:extLst>
+      <p:ext uri="{BB962C8B-B14F-4D97-AF65-F5344CB8AC3E}">
+        <p14:creationId xmlns:p14="http://schemas.microsoft.com/office/powerpoint/2010/main" val="2456221979"/>
+      </p:ext>
+    </p:extLst>
+  </p:cSld>
+  <p:clrMapOvr>
+    <a:masterClrMapping/>
+  </p:clrMapOvr>
+  <p:transition spd="slow">
+    <p:push dir="u"/>
+  </p:transition>
   <p:timing>
     <p:tnLst>
       <p:par>
